--- a/doc/test/PositionsLab/PositionsLabAlign.pptx
+++ b/doc/test/PositionsLab/PositionsLabAlign.pptx
@@ -27,20 +27,20 @@
     <p:sldId id="307" r:id="rId21"/>
     <p:sldId id="308" r:id="rId22"/>
     <p:sldId id="312" r:id="rId23"/>
-    <p:sldId id="319" r:id="rId24"/>
-    <p:sldId id="320" r:id="rId25"/>
-    <p:sldId id="321" r:id="rId26"/>
-    <p:sldId id="322" r:id="rId27"/>
-    <p:sldId id="323" r:id="rId28"/>
-    <p:sldId id="324" r:id="rId29"/>
-    <p:sldId id="325" r:id="rId30"/>
-    <p:sldId id="309" r:id="rId31"/>
-    <p:sldId id="313" r:id="rId32"/>
-    <p:sldId id="314" r:id="rId33"/>
-    <p:sldId id="315" r:id="rId34"/>
-    <p:sldId id="310" r:id="rId35"/>
-    <p:sldId id="316" r:id="rId36"/>
-    <p:sldId id="317" r:id="rId37"/>
+    <p:sldId id="326" r:id="rId24"/>
+    <p:sldId id="327" r:id="rId25"/>
+    <p:sldId id="328" r:id="rId26"/>
+    <p:sldId id="329" r:id="rId27"/>
+    <p:sldId id="330" r:id="rId28"/>
+    <p:sldId id="331" r:id="rId29"/>
+    <p:sldId id="332" r:id="rId30"/>
+    <p:sldId id="333" r:id="rId31"/>
+    <p:sldId id="334" r:id="rId32"/>
+    <p:sldId id="335" r:id="rId33"/>
+    <p:sldId id="336" r:id="rId34"/>
+    <p:sldId id="337" r:id="rId35"/>
+    <p:sldId id="338" r:id="rId36"/>
+    <p:sldId id="339" r:id="rId37"/>
     <p:sldId id="274" r:id="rId38"/>
   </p:sldIdLst>
   <p:sldSz cx="9144000" cy="6858000" type="screen4x3"/>
@@ -169,20 +169,20 @@
             <p14:sldId id="307"/>
             <p14:sldId id="308"/>
             <p14:sldId id="312"/>
-            <p14:sldId id="319"/>
-            <p14:sldId id="320"/>
-            <p14:sldId id="321"/>
-            <p14:sldId id="322"/>
-            <p14:sldId id="323"/>
-            <p14:sldId id="324"/>
-            <p14:sldId id="325"/>
-            <p14:sldId id="309"/>
-            <p14:sldId id="313"/>
-            <p14:sldId id="314"/>
-            <p14:sldId id="315"/>
-            <p14:sldId id="310"/>
-            <p14:sldId id="316"/>
-            <p14:sldId id="317"/>
+            <p14:sldId id="326"/>
+            <p14:sldId id="327"/>
+            <p14:sldId id="328"/>
+            <p14:sldId id="329"/>
+            <p14:sldId id="330"/>
+            <p14:sldId id="331"/>
+            <p14:sldId id="332"/>
+            <p14:sldId id="333"/>
+            <p14:sldId id="334"/>
+            <p14:sldId id="335"/>
+            <p14:sldId id="336"/>
+            <p14:sldId id="337"/>
+            <p14:sldId id="338"/>
+            <p14:sldId id="339"/>
             <p14:sldId id="274"/>
           </p14:sldIdLst>
         </p14:section>
@@ -374,7 +374,7 @@
           <a:p>
             <a:fld id="{699DC775-C286-4358-8C92-D7E584E969B3}" type="datetimeFigureOut">
               <a:rPr lang="en-US" smtClean="0"/>
-              <a:t>3/17/2016</a:t>
+              <a:t>3/24/2016</a:t>
             </a:fld>
             <a:endParaRPr lang="en-US"/>
           </a:p>
@@ -542,7 +542,7 @@
           <a:p>
             <a:fld id="{699DC775-C286-4358-8C92-D7E584E969B3}" type="datetimeFigureOut">
               <a:rPr lang="en-US" smtClean="0"/>
-              <a:t>3/17/2016</a:t>
+              <a:t>3/24/2016</a:t>
             </a:fld>
             <a:endParaRPr lang="en-US"/>
           </a:p>
@@ -720,7 +720,7 @@
           <a:p>
             <a:fld id="{699DC775-C286-4358-8C92-D7E584E969B3}" type="datetimeFigureOut">
               <a:rPr lang="en-US" smtClean="0"/>
-              <a:t>3/17/2016</a:t>
+              <a:t>3/24/2016</a:t>
             </a:fld>
             <a:endParaRPr lang="en-US"/>
           </a:p>
@@ -960,7 +960,7 @@
           <a:p>
             <a:fld id="{699DC775-C286-4358-8C92-D7E584E969B3}" type="datetimeFigureOut">
               <a:rPr lang="en-US" smtClean="0"/>
-              <a:t>3/17/2016</a:t>
+              <a:t>3/24/2016</a:t>
             </a:fld>
             <a:endParaRPr lang="en-US"/>
           </a:p>
@@ -1128,7 +1128,7 @@
           <a:p>
             <a:fld id="{699DC775-C286-4358-8C92-D7E584E969B3}" type="datetimeFigureOut">
               <a:rPr lang="en-US" smtClean="0"/>
-              <a:t>3/17/2016</a:t>
+              <a:t>3/24/2016</a:t>
             </a:fld>
             <a:endParaRPr lang="en-US"/>
           </a:p>
@@ -1373,7 +1373,7 @@
           <a:p>
             <a:fld id="{699DC775-C286-4358-8C92-D7E584E969B3}" type="datetimeFigureOut">
               <a:rPr lang="en-US" smtClean="0"/>
-              <a:t>3/17/2016</a:t>
+              <a:t>3/24/2016</a:t>
             </a:fld>
             <a:endParaRPr lang="en-US"/>
           </a:p>
@@ -1658,7 +1658,7 @@
           <a:p>
             <a:fld id="{699DC775-C286-4358-8C92-D7E584E969B3}" type="datetimeFigureOut">
               <a:rPr lang="en-US" smtClean="0"/>
-              <a:t>3/17/2016</a:t>
+              <a:t>3/24/2016</a:t>
             </a:fld>
             <a:endParaRPr lang="en-US"/>
           </a:p>
@@ -2077,7 +2077,7 @@
           <a:p>
             <a:fld id="{699DC775-C286-4358-8C92-D7E584E969B3}" type="datetimeFigureOut">
               <a:rPr lang="en-US" smtClean="0"/>
-              <a:t>3/17/2016</a:t>
+              <a:t>3/24/2016</a:t>
             </a:fld>
             <a:endParaRPr lang="en-US"/>
           </a:p>
@@ -2194,7 +2194,7 @@
           <a:p>
             <a:fld id="{699DC775-C286-4358-8C92-D7E584E969B3}" type="datetimeFigureOut">
               <a:rPr lang="en-US" smtClean="0"/>
-              <a:t>3/17/2016</a:t>
+              <a:t>3/24/2016</a:t>
             </a:fld>
             <a:endParaRPr lang="en-US"/>
           </a:p>
@@ -2289,7 +2289,7 @@
           <a:p>
             <a:fld id="{699DC775-C286-4358-8C92-D7E584E969B3}" type="datetimeFigureOut">
               <a:rPr lang="en-US" smtClean="0"/>
-              <a:t>3/17/2016</a:t>
+              <a:t>3/24/2016</a:t>
             </a:fld>
             <a:endParaRPr lang="en-US"/>
           </a:p>
@@ -2564,7 +2564,7 @@
           <a:p>
             <a:fld id="{699DC775-C286-4358-8C92-D7E584E969B3}" type="datetimeFigureOut">
               <a:rPr lang="en-US" smtClean="0"/>
-              <a:t>3/17/2016</a:t>
+              <a:t>3/24/2016</a:t>
             </a:fld>
             <a:endParaRPr lang="en-US"/>
           </a:p>
@@ -2732,7 +2732,7 @@
           <a:p>
             <a:fld id="{699DC775-C286-4358-8C92-D7E584E969B3}" type="datetimeFigureOut">
               <a:rPr lang="en-US" smtClean="0"/>
-              <a:t>3/17/2016</a:t>
+              <a:t>3/24/2016</a:t>
             </a:fld>
             <a:endParaRPr lang="en-US"/>
           </a:p>
@@ -2984,7 +2984,7 @@
           <a:p>
             <a:fld id="{699DC775-C286-4358-8C92-D7E584E969B3}" type="datetimeFigureOut">
               <a:rPr lang="en-US" smtClean="0"/>
-              <a:t>3/17/2016</a:t>
+              <a:t>3/24/2016</a:t>
             </a:fld>
             <a:endParaRPr lang="en-US"/>
           </a:p>
@@ -3152,7 +3152,7 @@
           <a:p>
             <a:fld id="{699DC775-C286-4358-8C92-D7E584E969B3}" type="datetimeFigureOut">
               <a:rPr lang="en-US" smtClean="0"/>
-              <a:t>3/17/2016</a:t>
+              <a:t>3/24/2016</a:t>
             </a:fld>
             <a:endParaRPr lang="en-US"/>
           </a:p>
@@ -3330,7 +3330,7 @@
           <a:p>
             <a:fld id="{699DC775-C286-4358-8C92-D7E584E969B3}" type="datetimeFigureOut">
               <a:rPr lang="en-US" smtClean="0"/>
-              <a:t>3/17/2016</a:t>
+              <a:t>3/24/2016</a:t>
             </a:fld>
             <a:endParaRPr lang="en-US"/>
           </a:p>
@@ -3578,7 +3578,7 @@
           <a:p>
             <a:fld id="{699DC775-C286-4358-8C92-D7E584E969B3}" type="datetimeFigureOut">
               <a:rPr lang="en-US" smtClean="0"/>
-              <a:t>3/17/2016</a:t>
+              <a:t>3/24/2016</a:t>
             </a:fld>
             <a:endParaRPr lang="en-US"/>
           </a:p>
@@ -3754,7 +3754,7 @@
           <a:p>
             <a:fld id="{699DC775-C286-4358-8C92-D7E584E969B3}" type="datetimeFigureOut">
               <a:rPr lang="en-US" smtClean="0"/>
-              <a:t>3/17/2016</a:t>
+              <a:t>3/24/2016</a:t>
             </a:fld>
             <a:endParaRPr lang="en-US"/>
           </a:p>
@@ -4007,7 +4007,7 @@
           <a:p>
             <a:fld id="{699DC775-C286-4358-8C92-D7E584E969B3}" type="datetimeFigureOut">
               <a:rPr lang="en-US" smtClean="0"/>
-              <a:t>3/17/2016</a:t>
+              <a:t>3/24/2016</a:t>
             </a:fld>
             <a:endParaRPr lang="en-US"/>
           </a:p>
@@ -4300,7 +4300,7 @@
           <a:p>
             <a:fld id="{699DC775-C286-4358-8C92-D7E584E969B3}" type="datetimeFigureOut">
               <a:rPr lang="en-US" smtClean="0"/>
-              <a:t>3/17/2016</a:t>
+              <a:t>3/24/2016</a:t>
             </a:fld>
             <a:endParaRPr lang="en-US"/>
           </a:p>
@@ -4727,7 +4727,7 @@
           <a:p>
             <a:fld id="{699DC775-C286-4358-8C92-D7E584E969B3}" type="datetimeFigureOut">
               <a:rPr lang="en-US" smtClean="0"/>
-              <a:t>3/17/2016</a:t>
+              <a:t>3/24/2016</a:t>
             </a:fld>
             <a:endParaRPr lang="en-US"/>
           </a:p>
@@ -4852,7 +4852,7 @@
           <a:p>
             <a:fld id="{699DC775-C286-4358-8C92-D7E584E969B3}" type="datetimeFigureOut">
               <a:rPr lang="en-US" smtClean="0"/>
-              <a:t>3/17/2016</a:t>
+              <a:t>3/24/2016</a:t>
             </a:fld>
             <a:endParaRPr lang="en-US"/>
           </a:p>
@@ -4955,7 +4955,7 @@
           <a:p>
             <a:fld id="{699DC775-C286-4358-8C92-D7E584E969B3}" type="datetimeFigureOut">
               <a:rPr lang="en-US" smtClean="0"/>
-              <a:t>3/17/2016</a:t>
+              <a:t>3/24/2016</a:t>
             </a:fld>
             <a:endParaRPr lang="en-US"/>
           </a:p>
@@ -5200,7 +5200,7 @@
           <a:p>
             <a:fld id="{699DC775-C286-4358-8C92-D7E584E969B3}" type="datetimeFigureOut">
               <a:rPr lang="en-US" smtClean="0"/>
-              <a:t>3/17/2016</a:t>
+              <a:t>3/24/2016</a:t>
             </a:fld>
             <a:endParaRPr lang="en-US"/>
           </a:p>
@@ -5483,7 +5483,7 @@
           <a:p>
             <a:fld id="{699DC775-C286-4358-8C92-D7E584E969B3}" type="datetimeFigureOut">
               <a:rPr lang="en-US" smtClean="0"/>
-              <a:t>3/17/2016</a:t>
+              <a:t>3/24/2016</a:t>
             </a:fld>
             <a:endParaRPr lang="en-US"/>
           </a:p>
@@ -5743,7 +5743,7 @@
           <a:p>
             <a:fld id="{699DC775-C286-4358-8C92-D7E584E969B3}" type="datetimeFigureOut">
               <a:rPr lang="en-US" smtClean="0"/>
-              <a:t>3/17/2016</a:t>
+              <a:t>3/24/2016</a:t>
             </a:fld>
             <a:endParaRPr lang="en-US"/>
           </a:p>
@@ -5919,7 +5919,7 @@
           <a:p>
             <a:fld id="{699DC775-C286-4358-8C92-D7E584E969B3}" type="datetimeFigureOut">
               <a:rPr lang="en-US" smtClean="0"/>
-              <a:t>3/17/2016</a:t>
+              <a:t>3/24/2016</a:t>
             </a:fld>
             <a:endParaRPr lang="en-US"/>
           </a:p>
@@ -6105,7 +6105,7 @@
           <a:p>
             <a:fld id="{699DC775-C286-4358-8C92-D7E584E969B3}" type="datetimeFigureOut">
               <a:rPr lang="en-US" smtClean="0"/>
-              <a:t>3/17/2016</a:t>
+              <a:t>3/24/2016</a:t>
             </a:fld>
             <a:endParaRPr lang="en-US"/>
           </a:p>
@@ -6390,7 +6390,7 @@
           <a:p>
             <a:fld id="{699DC775-C286-4358-8C92-D7E584E969B3}" type="datetimeFigureOut">
               <a:rPr lang="en-US" smtClean="0"/>
-              <a:t>3/17/2016</a:t>
+              <a:t>3/24/2016</a:t>
             </a:fld>
             <a:endParaRPr lang="en-US"/>
           </a:p>
@@ -6809,7 +6809,7 @@
           <a:p>
             <a:fld id="{699DC775-C286-4358-8C92-D7E584E969B3}" type="datetimeFigureOut">
               <a:rPr lang="en-US" smtClean="0"/>
-              <a:t>3/17/2016</a:t>
+              <a:t>3/24/2016</a:t>
             </a:fld>
             <a:endParaRPr lang="en-US"/>
           </a:p>
@@ -6926,7 +6926,7 @@
           <a:p>
             <a:fld id="{699DC775-C286-4358-8C92-D7E584E969B3}" type="datetimeFigureOut">
               <a:rPr lang="en-US" smtClean="0"/>
-              <a:t>3/17/2016</a:t>
+              <a:t>3/24/2016</a:t>
             </a:fld>
             <a:endParaRPr lang="en-US"/>
           </a:p>
@@ -7021,7 +7021,7 @@
           <a:p>
             <a:fld id="{699DC775-C286-4358-8C92-D7E584E969B3}" type="datetimeFigureOut">
               <a:rPr lang="en-US" smtClean="0"/>
-              <a:t>3/17/2016</a:t>
+              <a:t>3/24/2016</a:t>
             </a:fld>
             <a:endParaRPr lang="en-US"/>
           </a:p>
@@ -7296,7 +7296,7 @@
           <a:p>
             <a:fld id="{699DC775-C286-4358-8C92-D7E584E969B3}" type="datetimeFigureOut">
               <a:rPr lang="en-US" smtClean="0"/>
-              <a:t>3/17/2016</a:t>
+              <a:t>3/24/2016</a:t>
             </a:fld>
             <a:endParaRPr lang="en-US"/>
           </a:p>
@@ -7548,7 +7548,7 @@
           <a:p>
             <a:fld id="{699DC775-C286-4358-8C92-D7E584E969B3}" type="datetimeFigureOut">
               <a:rPr lang="en-US" smtClean="0"/>
-              <a:t>3/17/2016</a:t>
+              <a:t>3/24/2016</a:t>
             </a:fld>
             <a:endParaRPr lang="en-US"/>
           </a:p>
@@ -7759,7 +7759,7 @@
           <a:p>
             <a:fld id="{699DC775-C286-4358-8C92-D7E584E969B3}" type="datetimeFigureOut">
               <a:rPr lang="en-US" smtClean="0"/>
-              <a:t>3/17/2016</a:t>
+              <a:t>3/24/2016</a:t>
             </a:fld>
             <a:endParaRPr lang="en-US"/>
           </a:p>
@@ -8272,7 +8272,7 @@
           <a:p>
             <a:fld id="{699DC775-C286-4358-8C92-D7E584E969B3}" type="datetimeFigureOut">
               <a:rPr lang="en-US" smtClean="0"/>
-              <a:t>3/17/2016</a:t>
+              <a:t>3/24/2016</a:t>
             </a:fld>
             <a:endParaRPr lang="en-US"/>
           </a:p>
@@ -8783,7 +8783,7 @@
           <a:p>
             <a:fld id="{699DC775-C286-4358-8C92-D7E584E969B3}" type="datetimeFigureOut">
               <a:rPr lang="en-US" smtClean="0"/>
-              <a:t>3/17/2016</a:t>
+              <a:t>3/24/2016</a:t>
             </a:fld>
             <a:endParaRPr lang="en-US"/>
           </a:p>
@@ -14739,136 +14739,13 @@
           <p:nvPr/>
         </p:nvSpPr>
         <p:spPr>
-          <a:xfrm>
-            <a:off x="0" y="3124200"/>
-            <a:ext cx="2121971" cy="2179084"/>
+          <a:xfrm rot="18672083">
+            <a:off x="146585" y="3604142"/>
+            <a:ext cx="1828800" cy="1219200"/>
           </a:xfrm>
-          <a:custGeom>
+          <a:prstGeom prst="rect">
             <a:avLst/>
-            <a:gdLst>
-              <a:gd name="connsiteX0" fmla="*/ 0 w 1828800"/>
-              <a:gd name="connsiteY0" fmla="*/ 0 h 1219200"/>
-              <a:gd name="connsiteX1" fmla="*/ 1828800 w 1828800"/>
-              <a:gd name="connsiteY1" fmla="*/ 0 h 1219200"/>
-              <a:gd name="connsiteX2" fmla="*/ 1828800 w 1828800"/>
-              <a:gd name="connsiteY2" fmla="*/ 1219200 h 1219200"/>
-              <a:gd name="connsiteX3" fmla="*/ 0 w 1828800"/>
-              <a:gd name="connsiteY3" fmla="*/ 1219200 h 1219200"/>
-              <a:gd name="connsiteX4" fmla="*/ 0 w 1828800"/>
-              <a:gd name="connsiteY4" fmla="*/ 0 h 1219200"/>
-              <a:gd name="connsiteX0" fmla="*/ 1975386 w 3804186"/>
-              <a:gd name="connsiteY0" fmla="*/ 3604142 h 4823342"/>
-              <a:gd name="connsiteX1" fmla="*/ 0 w 3804186"/>
-              <a:gd name="connsiteY1" fmla="*/ 0 h 4823342"/>
-              <a:gd name="connsiteX2" fmla="*/ 3804186 w 3804186"/>
-              <a:gd name="connsiteY2" fmla="*/ 3604142 h 4823342"/>
-              <a:gd name="connsiteX3" fmla="*/ 3804186 w 3804186"/>
-              <a:gd name="connsiteY3" fmla="*/ 4823342 h 4823342"/>
-              <a:gd name="connsiteX4" fmla="*/ 1975386 w 3804186"/>
-              <a:gd name="connsiteY4" fmla="*/ 4823342 h 4823342"/>
-              <a:gd name="connsiteX5" fmla="*/ 1975386 w 3804186"/>
-              <a:gd name="connsiteY5" fmla="*/ 3604142 h 4823342"/>
-              <a:gd name="connsiteX0" fmla="*/ 0 w 1828800"/>
-              <a:gd name="connsiteY0" fmla="*/ 0 h 1219200"/>
-              <a:gd name="connsiteX1" fmla="*/ 1828800 w 1828800"/>
-              <a:gd name="connsiteY1" fmla="*/ 0 h 1219200"/>
-              <a:gd name="connsiteX2" fmla="*/ 1828800 w 1828800"/>
-              <a:gd name="connsiteY2" fmla="*/ 1219200 h 1219200"/>
-              <a:gd name="connsiteX3" fmla="*/ 0 w 1828800"/>
-              <a:gd name="connsiteY3" fmla="*/ 1219200 h 1219200"/>
-              <a:gd name="connsiteX4" fmla="*/ 0 w 1828800"/>
-              <a:gd name="connsiteY4" fmla="*/ 0 h 1219200"/>
-              <a:gd name="connsiteX0" fmla="*/ 0 w 1975385"/>
-              <a:gd name="connsiteY0" fmla="*/ 896045 h 1219200"/>
-              <a:gd name="connsiteX1" fmla="*/ 1975385 w 1975385"/>
-              <a:gd name="connsiteY1" fmla="*/ 0 h 1219200"/>
-              <a:gd name="connsiteX2" fmla="*/ 1975385 w 1975385"/>
-              <a:gd name="connsiteY2" fmla="*/ 1219200 h 1219200"/>
-              <a:gd name="connsiteX3" fmla="*/ 146585 w 1975385"/>
-              <a:gd name="connsiteY3" fmla="*/ 1219200 h 1219200"/>
-              <a:gd name="connsiteX4" fmla="*/ 146585 w 1975385"/>
-              <a:gd name="connsiteY4" fmla="*/ 0 h 1219200"/>
-              <a:gd name="connsiteX0" fmla="*/ 0 w 1975385"/>
-              <a:gd name="connsiteY0" fmla="*/ 1375987 h 1699142"/>
-              <a:gd name="connsiteX1" fmla="*/ 1204646 w 1975385"/>
-              <a:gd name="connsiteY1" fmla="*/ 0 h 1699142"/>
-              <a:gd name="connsiteX2" fmla="*/ 1975385 w 1975385"/>
-              <a:gd name="connsiteY2" fmla="*/ 1699142 h 1699142"/>
-              <a:gd name="connsiteX3" fmla="*/ 146585 w 1975385"/>
-              <a:gd name="connsiteY3" fmla="*/ 1699142 h 1699142"/>
-              <a:gd name="connsiteX4" fmla="*/ 146585 w 1975385"/>
-              <a:gd name="connsiteY4" fmla="*/ 479942 h 1699142"/>
-              <a:gd name="connsiteX0" fmla="*/ 0 w 2121971"/>
-              <a:gd name="connsiteY0" fmla="*/ 1375987 h 1699142"/>
-              <a:gd name="connsiteX1" fmla="*/ 1204646 w 2121971"/>
-              <a:gd name="connsiteY1" fmla="*/ 0 h 1699142"/>
-              <a:gd name="connsiteX2" fmla="*/ 2121971 w 2121971"/>
-              <a:gd name="connsiteY2" fmla="*/ 803097 h 1699142"/>
-              <a:gd name="connsiteX3" fmla="*/ 146585 w 2121971"/>
-              <a:gd name="connsiteY3" fmla="*/ 1699142 h 1699142"/>
-              <a:gd name="connsiteX4" fmla="*/ 146585 w 2121971"/>
-              <a:gd name="connsiteY4" fmla="*/ 479942 h 1699142"/>
-              <a:gd name="connsiteX0" fmla="*/ 0 w 2121971"/>
-              <a:gd name="connsiteY0" fmla="*/ 1375987 h 2179084"/>
-              <a:gd name="connsiteX1" fmla="*/ 1204646 w 2121971"/>
-              <a:gd name="connsiteY1" fmla="*/ 0 h 2179084"/>
-              <a:gd name="connsiteX2" fmla="*/ 2121971 w 2121971"/>
-              <a:gd name="connsiteY2" fmla="*/ 803097 h 2179084"/>
-              <a:gd name="connsiteX3" fmla="*/ 917326 w 2121971"/>
-              <a:gd name="connsiteY3" fmla="*/ 2179084 h 2179084"/>
-              <a:gd name="connsiteX4" fmla="*/ 146585 w 2121971"/>
-              <a:gd name="connsiteY4" fmla="*/ 479942 h 2179084"/>
-              <a:gd name="connsiteX0" fmla="*/ 0 w 2121971"/>
-              <a:gd name="connsiteY0" fmla="*/ 1375987 h 2179084"/>
-              <a:gd name="connsiteX1" fmla="*/ 1204646 w 2121971"/>
-              <a:gd name="connsiteY1" fmla="*/ 0 h 2179084"/>
-              <a:gd name="connsiteX2" fmla="*/ 2121971 w 2121971"/>
-              <a:gd name="connsiteY2" fmla="*/ 803097 h 2179084"/>
-              <a:gd name="connsiteX3" fmla="*/ 917326 w 2121971"/>
-              <a:gd name="connsiteY3" fmla="*/ 2179084 h 2179084"/>
-              <a:gd name="connsiteX4" fmla="*/ 1 w 2121971"/>
-              <a:gd name="connsiteY4" fmla="*/ 1375987 h 2179084"/>
-            </a:gdLst>
-            <a:ahLst/>
-            <a:cxnLst>
-              <a:cxn ang="0">
-                <a:pos x="connsiteX0" y="connsiteY0"/>
-              </a:cxn>
-              <a:cxn ang="0">
-                <a:pos x="connsiteX1" y="connsiteY1"/>
-              </a:cxn>
-              <a:cxn ang="0">
-                <a:pos x="connsiteX2" y="connsiteY2"/>
-              </a:cxn>
-              <a:cxn ang="0">
-                <a:pos x="connsiteX3" y="connsiteY3"/>
-              </a:cxn>
-              <a:cxn ang="0">
-                <a:pos x="connsiteX4" y="connsiteY4"/>
-              </a:cxn>
-            </a:cxnLst>
-            <a:rect l="l" t="t" r="r" b="b"/>
-            <a:pathLst>
-              <a:path w="2121971" h="2179084">
-                <a:moveTo>
-                  <a:pt x="0" y="1375987"/>
-                </a:moveTo>
-                <a:lnTo>
-                  <a:pt x="1204646" y="0"/>
-                </a:lnTo>
-                <a:lnTo>
-                  <a:pt x="2121971" y="803097"/>
-                </a:lnTo>
-                <a:lnTo>
-                  <a:pt x="917326" y="2179084"/>
-                </a:lnTo>
-                <a:lnTo>
-                  <a:pt x="1" y="1375987"/>
-                </a:lnTo>
-                <a:close/>
-              </a:path>
-            </a:pathLst>
-          </a:custGeom>
+          </a:prstGeom>
         </p:spPr>
         <p:style>
           <a:lnRef idx="2">
@@ -14898,7 +14775,7 @@
     </p:spTree>
     <p:extLst>
       <p:ext uri="{BB962C8B-B14F-4D97-AF65-F5344CB8AC3E}">
-        <p14:creationId xmlns:p14="http://schemas.microsoft.com/office/powerpoint/2010/main" val="2400491414"/>
+        <p14:creationId xmlns:p14="http://schemas.microsoft.com/office/powerpoint/2010/main" val="1046166889"/>
       </p:ext>
     </p:extLst>
   </p:cSld>
@@ -15052,136 +14929,13 @@
           <p:nvPr/>
         </p:nvSpPr>
         <p:spPr>
-          <a:xfrm>
-            <a:off x="7022029" y="3124200"/>
-            <a:ext cx="2121971" cy="2179084"/>
+          <a:xfrm rot="18672083">
+            <a:off x="7168615" y="3604142"/>
+            <a:ext cx="1828800" cy="1219200"/>
           </a:xfrm>
-          <a:custGeom>
+          <a:prstGeom prst="rect">
             <a:avLst/>
-            <a:gdLst>
-              <a:gd name="connsiteX0" fmla="*/ 0 w 1828800"/>
-              <a:gd name="connsiteY0" fmla="*/ 0 h 1219200"/>
-              <a:gd name="connsiteX1" fmla="*/ 1828800 w 1828800"/>
-              <a:gd name="connsiteY1" fmla="*/ 0 h 1219200"/>
-              <a:gd name="connsiteX2" fmla="*/ 1828800 w 1828800"/>
-              <a:gd name="connsiteY2" fmla="*/ 1219200 h 1219200"/>
-              <a:gd name="connsiteX3" fmla="*/ 0 w 1828800"/>
-              <a:gd name="connsiteY3" fmla="*/ 1219200 h 1219200"/>
-              <a:gd name="connsiteX4" fmla="*/ 0 w 1828800"/>
-              <a:gd name="connsiteY4" fmla="*/ 0 h 1219200"/>
-              <a:gd name="connsiteX0" fmla="*/ 1975386 w 3804186"/>
-              <a:gd name="connsiteY0" fmla="*/ 3604142 h 4823342"/>
-              <a:gd name="connsiteX1" fmla="*/ 0 w 3804186"/>
-              <a:gd name="connsiteY1" fmla="*/ 0 h 4823342"/>
-              <a:gd name="connsiteX2" fmla="*/ 3804186 w 3804186"/>
-              <a:gd name="connsiteY2" fmla="*/ 3604142 h 4823342"/>
-              <a:gd name="connsiteX3" fmla="*/ 3804186 w 3804186"/>
-              <a:gd name="connsiteY3" fmla="*/ 4823342 h 4823342"/>
-              <a:gd name="connsiteX4" fmla="*/ 1975386 w 3804186"/>
-              <a:gd name="connsiteY4" fmla="*/ 4823342 h 4823342"/>
-              <a:gd name="connsiteX5" fmla="*/ 1975386 w 3804186"/>
-              <a:gd name="connsiteY5" fmla="*/ 3604142 h 4823342"/>
-              <a:gd name="connsiteX0" fmla="*/ 0 w 1828800"/>
-              <a:gd name="connsiteY0" fmla="*/ 0 h 1219200"/>
-              <a:gd name="connsiteX1" fmla="*/ 1828800 w 1828800"/>
-              <a:gd name="connsiteY1" fmla="*/ 0 h 1219200"/>
-              <a:gd name="connsiteX2" fmla="*/ 1828800 w 1828800"/>
-              <a:gd name="connsiteY2" fmla="*/ 1219200 h 1219200"/>
-              <a:gd name="connsiteX3" fmla="*/ 0 w 1828800"/>
-              <a:gd name="connsiteY3" fmla="*/ 1219200 h 1219200"/>
-              <a:gd name="connsiteX4" fmla="*/ 0 w 1828800"/>
-              <a:gd name="connsiteY4" fmla="*/ 0 h 1219200"/>
-              <a:gd name="connsiteX0" fmla="*/ 0 w 1975385"/>
-              <a:gd name="connsiteY0" fmla="*/ 896045 h 1219200"/>
-              <a:gd name="connsiteX1" fmla="*/ 1975385 w 1975385"/>
-              <a:gd name="connsiteY1" fmla="*/ 0 h 1219200"/>
-              <a:gd name="connsiteX2" fmla="*/ 1975385 w 1975385"/>
-              <a:gd name="connsiteY2" fmla="*/ 1219200 h 1219200"/>
-              <a:gd name="connsiteX3" fmla="*/ 146585 w 1975385"/>
-              <a:gd name="connsiteY3" fmla="*/ 1219200 h 1219200"/>
-              <a:gd name="connsiteX4" fmla="*/ 146585 w 1975385"/>
-              <a:gd name="connsiteY4" fmla="*/ 0 h 1219200"/>
-              <a:gd name="connsiteX0" fmla="*/ 0 w 1975385"/>
-              <a:gd name="connsiteY0" fmla="*/ 1375987 h 1699142"/>
-              <a:gd name="connsiteX1" fmla="*/ 1204646 w 1975385"/>
-              <a:gd name="connsiteY1" fmla="*/ 0 h 1699142"/>
-              <a:gd name="connsiteX2" fmla="*/ 1975385 w 1975385"/>
-              <a:gd name="connsiteY2" fmla="*/ 1699142 h 1699142"/>
-              <a:gd name="connsiteX3" fmla="*/ 146585 w 1975385"/>
-              <a:gd name="connsiteY3" fmla="*/ 1699142 h 1699142"/>
-              <a:gd name="connsiteX4" fmla="*/ 146585 w 1975385"/>
-              <a:gd name="connsiteY4" fmla="*/ 479942 h 1699142"/>
-              <a:gd name="connsiteX0" fmla="*/ 0 w 2121971"/>
-              <a:gd name="connsiteY0" fmla="*/ 1375987 h 1699142"/>
-              <a:gd name="connsiteX1" fmla="*/ 1204646 w 2121971"/>
-              <a:gd name="connsiteY1" fmla="*/ 0 h 1699142"/>
-              <a:gd name="connsiteX2" fmla="*/ 2121971 w 2121971"/>
-              <a:gd name="connsiteY2" fmla="*/ 803097 h 1699142"/>
-              <a:gd name="connsiteX3" fmla="*/ 146585 w 2121971"/>
-              <a:gd name="connsiteY3" fmla="*/ 1699142 h 1699142"/>
-              <a:gd name="connsiteX4" fmla="*/ 146585 w 2121971"/>
-              <a:gd name="connsiteY4" fmla="*/ 479942 h 1699142"/>
-              <a:gd name="connsiteX0" fmla="*/ 0 w 2121971"/>
-              <a:gd name="connsiteY0" fmla="*/ 1375987 h 2179084"/>
-              <a:gd name="connsiteX1" fmla="*/ 1204646 w 2121971"/>
-              <a:gd name="connsiteY1" fmla="*/ 0 h 2179084"/>
-              <a:gd name="connsiteX2" fmla="*/ 2121971 w 2121971"/>
-              <a:gd name="connsiteY2" fmla="*/ 803097 h 2179084"/>
-              <a:gd name="connsiteX3" fmla="*/ 917326 w 2121971"/>
-              <a:gd name="connsiteY3" fmla="*/ 2179084 h 2179084"/>
-              <a:gd name="connsiteX4" fmla="*/ 146585 w 2121971"/>
-              <a:gd name="connsiteY4" fmla="*/ 479942 h 2179084"/>
-              <a:gd name="connsiteX0" fmla="*/ 0 w 2121971"/>
-              <a:gd name="connsiteY0" fmla="*/ 1375987 h 2179084"/>
-              <a:gd name="connsiteX1" fmla="*/ 1204646 w 2121971"/>
-              <a:gd name="connsiteY1" fmla="*/ 0 h 2179084"/>
-              <a:gd name="connsiteX2" fmla="*/ 2121971 w 2121971"/>
-              <a:gd name="connsiteY2" fmla="*/ 803097 h 2179084"/>
-              <a:gd name="connsiteX3" fmla="*/ 917326 w 2121971"/>
-              <a:gd name="connsiteY3" fmla="*/ 2179084 h 2179084"/>
-              <a:gd name="connsiteX4" fmla="*/ 1 w 2121971"/>
-              <a:gd name="connsiteY4" fmla="*/ 1375987 h 2179084"/>
-            </a:gdLst>
-            <a:ahLst/>
-            <a:cxnLst>
-              <a:cxn ang="0">
-                <a:pos x="connsiteX0" y="connsiteY0"/>
-              </a:cxn>
-              <a:cxn ang="0">
-                <a:pos x="connsiteX1" y="connsiteY1"/>
-              </a:cxn>
-              <a:cxn ang="0">
-                <a:pos x="connsiteX2" y="connsiteY2"/>
-              </a:cxn>
-              <a:cxn ang="0">
-                <a:pos x="connsiteX3" y="connsiteY3"/>
-              </a:cxn>
-              <a:cxn ang="0">
-                <a:pos x="connsiteX4" y="connsiteY4"/>
-              </a:cxn>
-            </a:cxnLst>
-            <a:rect l="l" t="t" r="r" b="b"/>
-            <a:pathLst>
-              <a:path w="2121971" h="2179084">
-                <a:moveTo>
-                  <a:pt x="0" y="1375987"/>
-                </a:moveTo>
-                <a:lnTo>
-                  <a:pt x="1204646" y="0"/>
-                </a:lnTo>
-                <a:lnTo>
-                  <a:pt x="2121971" y="803097"/>
-                </a:lnTo>
-                <a:lnTo>
-                  <a:pt x="917326" y="2179084"/>
-                </a:lnTo>
-                <a:lnTo>
-                  <a:pt x="1" y="1375987"/>
-                </a:lnTo>
-                <a:close/>
-              </a:path>
-            </a:pathLst>
-          </a:custGeom>
+          </a:prstGeom>
         </p:spPr>
         <p:style>
           <a:lnRef idx="2">
@@ -15211,7 +14965,7 @@
     </p:spTree>
     <p:extLst>
       <p:ext uri="{BB962C8B-B14F-4D97-AF65-F5344CB8AC3E}">
-        <p14:creationId xmlns:p14="http://schemas.microsoft.com/office/powerpoint/2010/main" val="977832313"/>
+        <p14:creationId xmlns:p14="http://schemas.microsoft.com/office/powerpoint/2010/main" val="1374420218"/>
       </p:ext>
     </p:extLst>
   </p:cSld>
@@ -15365,136 +15119,13 @@
           <p:nvPr/>
         </p:nvSpPr>
         <p:spPr>
-          <a:xfrm>
-            <a:off x="1828800" y="0"/>
-            <a:ext cx="2121971" cy="2179084"/>
+          <a:xfrm rot="18672083">
+            <a:off x="1975386" y="479942"/>
+            <a:ext cx="1828800" cy="1219200"/>
           </a:xfrm>
-          <a:custGeom>
+          <a:prstGeom prst="rect">
             <a:avLst/>
-            <a:gdLst>
-              <a:gd name="connsiteX0" fmla="*/ 0 w 1828800"/>
-              <a:gd name="connsiteY0" fmla="*/ 0 h 1219200"/>
-              <a:gd name="connsiteX1" fmla="*/ 1828800 w 1828800"/>
-              <a:gd name="connsiteY1" fmla="*/ 0 h 1219200"/>
-              <a:gd name="connsiteX2" fmla="*/ 1828800 w 1828800"/>
-              <a:gd name="connsiteY2" fmla="*/ 1219200 h 1219200"/>
-              <a:gd name="connsiteX3" fmla="*/ 0 w 1828800"/>
-              <a:gd name="connsiteY3" fmla="*/ 1219200 h 1219200"/>
-              <a:gd name="connsiteX4" fmla="*/ 0 w 1828800"/>
-              <a:gd name="connsiteY4" fmla="*/ 0 h 1219200"/>
-              <a:gd name="connsiteX0" fmla="*/ 1975386 w 3804186"/>
-              <a:gd name="connsiteY0" fmla="*/ 3604142 h 4823342"/>
-              <a:gd name="connsiteX1" fmla="*/ 0 w 3804186"/>
-              <a:gd name="connsiteY1" fmla="*/ 0 h 4823342"/>
-              <a:gd name="connsiteX2" fmla="*/ 3804186 w 3804186"/>
-              <a:gd name="connsiteY2" fmla="*/ 3604142 h 4823342"/>
-              <a:gd name="connsiteX3" fmla="*/ 3804186 w 3804186"/>
-              <a:gd name="connsiteY3" fmla="*/ 4823342 h 4823342"/>
-              <a:gd name="connsiteX4" fmla="*/ 1975386 w 3804186"/>
-              <a:gd name="connsiteY4" fmla="*/ 4823342 h 4823342"/>
-              <a:gd name="connsiteX5" fmla="*/ 1975386 w 3804186"/>
-              <a:gd name="connsiteY5" fmla="*/ 3604142 h 4823342"/>
-              <a:gd name="connsiteX0" fmla="*/ 0 w 1828800"/>
-              <a:gd name="connsiteY0" fmla="*/ 0 h 1219200"/>
-              <a:gd name="connsiteX1" fmla="*/ 1828800 w 1828800"/>
-              <a:gd name="connsiteY1" fmla="*/ 0 h 1219200"/>
-              <a:gd name="connsiteX2" fmla="*/ 1828800 w 1828800"/>
-              <a:gd name="connsiteY2" fmla="*/ 1219200 h 1219200"/>
-              <a:gd name="connsiteX3" fmla="*/ 0 w 1828800"/>
-              <a:gd name="connsiteY3" fmla="*/ 1219200 h 1219200"/>
-              <a:gd name="connsiteX4" fmla="*/ 0 w 1828800"/>
-              <a:gd name="connsiteY4" fmla="*/ 0 h 1219200"/>
-              <a:gd name="connsiteX0" fmla="*/ 0 w 1975385"/>
-              <a:gd name="connsiteY0" fmla="*/ 896045 h 1219200"/>
-              <a:gd name="connsiteX1" fmla="*/ 1975385 w 1975385"/>
-              <a:gd name="connsiteY1" fmla="*/ 0 h 1219200"/>
-              <a:gd name="connsiteX2" fmla="*/ 1975385 w 1975385"/>
-              <a:gd name="connsiteY2" fmla="*/ 1219200 h 1219200"/>
-              <a:gd name="connsiteX3" fmla="*/ 146585 w 1975385"/>
-              <a:gd name="connsiteY3" fmla="*/ 1219200 h 1219200"/>
-              <a:gd name="connsiteX4" fmla="*/ 146585 w 1975385"/>
-              <a:gd name="connsiteY4" fmla="*/ 0 h 1219200"/>
-              <a:gd name="connsiteX0" fmla="*/ 0 w 1975385"/>
-              <a:gd name="connsiteY0" fmla="*/ 1375987 h 1699142"/>
-              <a:gd name="connsiteX1" fmla="*/ 1204646 w 1975385"/>
-              <a:gd name="connsiteY1" fmla="*/ 0 h 1699142"/>
-              <a:gd name="connsiteX2" fmla="*/ 1975385 w 1975385"/>
-              <a:gd name="connsiteY2" fmla="*/ 1699142 h 1699142"/>
-              <a:gd name="connsiteX3" fmla="*/ 146585 w 1975385"/>
-              <a:gd name="connsiteY3" fmla="*/ 1699142 h 1699142"/>
-              <a:gd name="connsiteX4" fmla="*/ 146585 w 1975385"/>
-              <a:gd name="connsiteY4" fmla="*/ 479942 h 1699142"/>
-              <a:gd name="connsiteX0" fmla="*/ 0 w 2121971"/>
-              <a:gd name="connsiteY0" fmla="*/ 1375987 h 1699142"/>
-              <a:gd name="connsiteX1" fmla="*/ 1204646 w 2121971"/>
-              <a:gd name="connsiteY1" fmla="*/ 0 h 1699142"/>
-              <a:gd name="connsiteX2" fmla="*/ 2121971 w 2121971"/>
-              <a:gd name="connsiteY2" fmla="*/ 803097 h 1699142"/>
-              <a:gd name="connsiteX3" fmla="*/ 146585 w 2121971"/>
-              <a:gd name="connsiteY3" fmla="*/ 1699142 h 1699142"/>
-              <a:gd name="connsiteX4" fmla="*/ 146585 w 2121971"/>
-              <a:gd name="connsiteY4" fmla="*/ 479942 h 1699142"/>
-              <a:gd name="connsiteX0" fmla="*/ 0 w 2121971"/>
-              <a:gd name="connsiteY0" fmla="*/ 1375987 h 2179084"/>
-              <a:gd name="connsiteX1" fmla="*/ 1204646 w 2121971"/>
-              <a:gd name="connsiteY1" fmla="*/ 0 h 2179084"/>
-              <a:gd name="connsiteX2" fmla="*/ 2121971 w 2121971"/>
-              <a:gd name="connsiteY2" fmla="*/ 803097 h 2179084"/>
-              <a:gd name="connsiteX3" fmla="*/ 917326 w 2121971"/>
-              <a:gd name="connsiteY3" fmla="*/ 2179084 h 2179084"/>
-              <a:gd name="connsiteX4" fmla="*/ 146585 w 2121971"/>
-              <a:gd name="connsiteY4" fmla="*/ 479942 h 2179084"/>
-              <a:gd name="connsiteX0" fmla="*/ 0 w 2121971"/>
-              <a:gd name="connsiteY0" fmla="*/ 1375987 h 2179084"/>
-              <a:gd name="connsiteX1" fmla="*/ 1204646 w 2121971"/>
-              <a:gd name="connsiteY1" fmla="*/ 0 h 2179084"/>
-              <a:gd name="connsiteX2" fmla="*/ 2121971 w 2121971"/>
-              <a:gd name="connsiteY2" fmla="*/ 803097 h 2179084"/>
-              <a:gd name="connsiteX3" fmla="*/ 917326 w 2121971"/>
-              <a:gd name="connsiteY3" fmla="*/ 2179084 h 2179084"/>
-              <a:gd name="connsiteX4" fmla="*/ 1 w 2121971"/>
-              <a:gd name="connsiteY4" fmla="*/ 1375987 h 2179084"/>
-            </a:gdLst>
-            <a:ahLst/>
-            <a:cxnLst>
-              <a:cxn ang="0">
-                <a:pos x="connsiteX0" y="connsiteY0"/>
-              </a:cxn>
-              <a:cxn ang="0">
-                <a:pos x="connsiteX1" y="connsiteY1"/>
-              </a:cxn>
-              <a:cxn ang="0">
-                <a:pos x="connsiteX2" y="connsiteY2"/>
-              </a:cxn>
-              <a:cxn ang="0">
-                <a:pos x="connsiteX3" y="connsiteY3"/>
-              </a:cxn>
-              <a:cxn ang="0">
-                <a:pos x="connsiteX4" y="connsiteY4"/>
-              </a:cxn>
-            </a:cxnLst>
-            <a:rect l="l" t="t" r="r" b="b"/>
-            <a:pathLst>
-              <a:path w="2121971" h="2179084">
-                <a:moveTo>
-                  <a:pt x="0" y="1375987"/>
-                </a:moveTo>
-                <a:lnTo>
-                  <a:pt x="1204646" y="0"/>
-                </a:lnTo>
-                <a:lnTo>
-                  <a:pt x="2121971" y="803097"/>
-                </a:lnTo>
-                <a:lnTo>
-                  <a:pt x="917326" y="2179084"/>
-                </a:lnTo>
-                <a:lnTo>
-                  <a:pt x="1" y="1375987"/>
-                </a:lnTo>
-                <a:close/>
-              </a:path>
-            </a:pathLst>
-          </a:custGeom>
+          </a:prstGeom>
         </p:spPr>
         <p:style>
           <a:lnRef idx="2">
@@ -15524,7 +15155,7 @@
     </p:spTree>
     <p:extLst>
       <p:ext uri="{BB962C8B-B14F-4D97-AF65-F5344CB8AC3E}">
-        <p14:creationId xmlns:p14="http://schemas.microsoft.com/office/powerpoint/2010/main" val="1309555773"/>
+        <p14:creationId xmlns:p14="http://schemas.microsoft.com/office/powerpoint/2010/main" val="3306132084"/>
       </p:ext>
     </p:extLst>
   </p:cSld>
@@ -15678,136 +15309,13 @@
           <p:nvPr/>
         </p:nvSpPr>
         <p:spPr>
-          <a:xfrm>
-            <a:off x="1828799" y="4678916"/>
-            <a:ext cx="2121971" cy="2179084"/>
+          <a:xfrm rot="18672083">
+            <a:off x="1975386" y="5158858"/>
+            <a:ext cx="1828800" cy="1219200"/>
           </a:xfrm>
-          <a:custGeom>
+          <a:prstGeom prst="rect">
             <a:avLst/>
-            <a:gdLst>
-              <a:gd name="connsiteX0" fmla="*/ 0 w 1828800"/>
-              <a:gd name="connsiteY0" fmla="*/ 0 h 1219200"/>
-              <a:gd name="connsiteX1" fmla="*/ 1828800 w 1828800"/>
-              <a:gd name="connsiteY1" fmla="*/ 0 h 1219200"/>
-              <a:gd name="connsiteX2" fmla="*/ 1828800 w 1828800"/>
-              <a:gd name="connsiteY2" fmla="*/ 1219200 h 1219200"/>
-              <a:gd name="connsiteX3" fmla="*/ 0 w 1828800"/>
-              <a:gd name="connsiteY3" fmla="*/ 1219200 h 1219200"/>
-              <a:gd name="connsiteX4" fmla="*/ 0 w 1828800"/>
-              <a:gd name="connsiteY4" fmla="*/ 0 h 1219200"/>
-              <a:gd name="connsiteX0" fmla="*/ 1975385 w 3804185"/>
-              <a:gd name="connsiteY0" fmla="*/ 3604142 h 4823342"/>
-              <a:gd name="connsiteX1" fmla="*/ 0 w 3804185"/>
-              <a:gd name="connsiteY1" fmla="*/ 0 h 4823342"/>
-              <a:gd name="connsiteX2" fmla="*/ 3804185 w 3804185"/>
-              <a:gd name="connsiteY2" fmla="*/ 3604142 h 4823342"/>
-              <a:gd name="connsiteX3" fmla="*/ 3804185 w 3804185"/>
-              <a:gd name="connsiteY3" fmla="*/ 4823342 h 4823342"/>
-              <a:gd name="connsiteX4" fmla="*/ 1975385 w 3804185"/>
-              <a:gd name="connsiteY4" fmla="*/ 4823342 h 4823342"/>
-              <a:gd name="connsiteX5" fmla="*/ 1975385 w 3804185"/>
-              <a:gd name="connsiteY5" fmla="*/ 3604142 h 4823342"/>
-              <a:gd name="connsiteX0" fmla="*/ 0 w 1828800"/>
-              <a:gd name="connsiteY0" fmla="*/ 0 h 1219200"/>
-              <a:gd name="connsiteX1" fmla="*/ 1828800 w 1828800"/>
-              <a:gd name="connsiteY1" fmla="*/ 0 h 1219200"/>
-              <a:gd name="connsiteX2" fmla="*/ 1828800 w 1828800"/>
-              <a:gd name="connsiteY2" fmla="*/ 1219200 h 1219200"/>
-              <a:gd name="connsiteX3" fmla="*/ 0 w 1828800"/>
-              <a:gd name="connsiteY3" fmla="*/ 1219200 h 1219200"/>
-              <a:gd name="connsiteX4" fmla="*/ 0 w 1828800"/>
-              <a:gd name="connsiteY4" fmla="*/ 0 h 1219200"/>
-              <a:gd name="connsiteX0" fmla="*/ 0 w 1975385"/>
-              <a:gd name="connsiteY0" fmla="*/ 896045 h 1219200"/>
-              <a:gd name="connsiteX1" fmla="*/ 1975385 w 1975385"/>
-              <a:gd name="connsiteY1" fmla="*/ 0 h 1219200"/>
-              <a:gd name="connsiteX2" fmla="*/ 1975385 w 1975385"/>
-              <a:gd name="connsiteY2" fmla="*/ 1219200 h 1219200"/>
-              <a:gd name="connsiteX3" fmla="*/ 146585 w 1975385"/>
-              <a:gd name="connsiteY3" fmla="*/ 1219200 h 1219200"/>
-              <a:gd name="connsiteX4" fmla="*/ 146585 w 1975385"/>
-              <a:gd name="connsiteY4" fmla="*/ 0 h 1219200"/>
-              <a:gd name="connsiteX0" fmla="*/ 0 w 1975385"/>
-              <a:gd name="connsiteY0" fmla="*/ 1375987 h 1699142"/>
-              <a:gd name="connsiteX1" fmla="*/ 1204646 w 1975385"/>
-              <a:gd name="connsiteY1" fmla="*/ 0 h 1699142"/>
-              <a:gd name="connsiteX2" fmla="*/ 1975385 w 1975385"/>
-              <a:gd name="connsiteY2" fmla="*/ 1699142 h 1699142"/>
-              <a:gd name="connsiteX3" fmla="*/ 146585 w 1975385"/>
-              <a:gd name="connsiteY3" fmla="*/ 1699142 h 1699142"/>
-              <a:gd name="connsiteX4" fmla="*/ 146585 w 1975385"/>
-              <a:gd name="connsiteY4" fmla="*/ 479942 h 1699142"/>
-              <a:gd name="connsiteX0" fmla="*/ 0 w 2121971"/>
-              <a:gd name="connsiteY0" fmla="*/ 1375987 h 1699142"/>
-              <a:gd name="connsiteX1" fmla="*/ 1204646 w 2121971"/>
-              <a:gd name="connsiteY1" fmla="*/ 0 h 1699142"/>
-              <a:gd name="connsiteX2" fmla="*/ 2121971 w 2121971"/>
-              <a:gd name="connsiteY2" fmla="*/ 803097 h 1699142"/>
-              <a:gd name="connsiteX3" fmla="*/ 146585 w 2121971"/>
-              <a:gd name="connsiteY3" fmla="*/ 1699142 h 1699142"/>
-              <a:gd name="connsiteX4" fmla="*/ 146585 w 2121971"/>
-              <a:gd name="connsiteY4" fmla="*/ 479942 h 1699142"/>
-              <a:gd name="connsiteX0" fmla="*/ 0 w 2121971"/>
-              <a:gd name="connsiteY0" fmla="*/ 1375987 h 2179084"/>
-              <a:gd name="connsiteX1" fmla="*/ 1204646 w 2121971"/>
-              <a:gd name="connsiteY1" fmla="*/ 0 h 2179084"/>
-              <a:gd name="connsiteX2" fmla="*/ 2121971 w 2121971"/>
-              <a:gd name="connsiteY2" fmla="*/ 803097 h 2179084"/>
-              <a:gd name="connsiteX3" fmla="*/ 917326 w 2121971"/>
-              <a:gd name="connsiteY3" fmla="*/ 2179084 h 2179084"/>
-              <a:gd name="connsiteX4" fmla="*/ 146585 w 2121971"/>
-              <a:gd name="connsiteY4" fmla="*/ 479942 h 2179084"/>
-              <a:gd name="connsiteX0" fmla="*/ 0 w 2121971"/>
-              <a:gd name="connsiteY0" fmla="*/ 1375987 h 2179084"/>
-              <a:gd name="connsiteX1" fmla="*/ 1204646 w 2121971"/>
-              <a:gd name="connsiteY1" fmla="*/ 0 h 2179084"/>
-              <a:gd name="connsiteX2" fmla="*/ 2121971 w 2121971"/>
-              <a:gd name="connsiteY2" fmla="*/ 803097 h 2179084"/>
-              <a:gd name="connsiteX3" fmla="*/ 917326 w 2121971"/>
-              <a:gd name="connsiteY3" fmla="*/ 2179084 h 2179084"/>
-              <a:gd name="connsiteX4" fmla="*/ 1 w 2121971"/>
-              <a:gd name="connsiteY4" fmla="*/ 1375987 h 2179084"/>
-            </a:gdLst>
-            <a:ahLst/>
-            <a:cxnLst>
-              <a:cxn ang="0">
-                <a:pos x="connsiteX0" y="connsiteY0"/>
-              </a:cxn>
-              <a:cxn ang="0">
-                <a:pos x="connsiteX1" y="connsiteY1"/>
-              </a:cxn>
-              <a:cxn ang="0">
-                <a:pos x="connsiteX2" y="connsiteY2"/>
-              </a:cxn>
-              <a:cxn ang="0">
-                <a:pos x="connsiteX3" y="connsiteY3"/>
-              </a:cxn>
-              <a:cxn ang="0">
-                <a:pos x="connsiteX4" y="connsiteY4"/>
-              </a:cxn>
-            </a:cxnLst>
-            <a:rect l="l" t="t" r="r" b="b"/>
-            <a:pathLst>
-              <a:path w="2121971" h="2179084">
-                <a:moveTo>
-                  <a:pt x="0" y="1375987"/>
-                </a:moveTo>
-                <a:lnTo>
-                  <a:pt x="1204646" y="0"/>
-                </a:lnTo>
-                <a:lnTo>
-                  <a:pt x="2121971" y="803097"/>
-                </a:lnTo>
-                <a:lnTo>
-                  <a:pt x="917326" y="2179084"/>
-                </a:lnTo>
-                <a:lnTo>
-                  <a:pt x="1" y="1375987"/>
-                </a:lnTo>
-                <a:close/>
-              </a:path>
-            </a:pathLst>
-          </a:custGeom>
+          </a:prstGeom>
         </p:spPr>
         <p:style>
           <a:lnRef idx="2">
@@ -15837,7 +15345,7 @@
     </p:spTree>
     <p:extLst>
       <p:ext uri="{BB962C8B-B14F-4D97-AF65-F5344CB8AC3E}">
-        <p14:creationId xmlns:p14="http://schemas.microsoft.com/office/powerpoint/2010/main" val="1517652953"/>
+        <p14:creationId xmlns:p14="http://schemas.microsoft.com/office/powerpoint/2010/main" val="282346367"/>
       </p:ext>
     </p:extLst>
   </p:cSld>
@@ -15991,136 +15499,13 @@
           <p:nvPr/>
         </p:nvSpPr>
         <p:spPr>
-          <a:xfrm>
-            <a:off x="1828800" y="2339458"/>
-            <a:ext cx="2121971" cy="2179084"/>
+          <a:xfrm rot="18672083">
+            <a:off x="1975386" y="2819400"/>
+            <a:ext cx="1828800" cy="1219200"/>
           </a:xfrm>
-          <a:custGeom>
+          <a:prstGeom prst="rect">
             <a:avLst/>
-            <a:gdLst>
-              <a:gd name="connsiteX0" fmla="*/ 0 w 1828800"/>
-              <a:gd name="connsiteY0" fmla="*/ 0 h 1219200"/>
-              <a:gd name="connsiteX1" fmla="*/ 1828800 w 1828800"/>
-              <a:gd name="connsiteY1" fmla="*/ 0 h 1219200"/>
-              <a:gd name="connsiteX2" fmla="*/ 1828800 w 1828800"/>
-              <a:gd name="connsiteY2" fmla="*/ 1219200 h 1219200"/>
-              <a:gd name="connsiteX3" fmla="*/ 0 w 1828800"/>
-              <a:gd name="connsiteY3" fmla="*/ 1219200 h 1219200"/>
-              <a:gd name="connsiteX4" fmla="*/ 0 w 1828800"/>
-              <a:gd name="connsiteY4" fmla="*/ 0 h 1219200"/>
-              <a:gd name="connsiteX0" fmla="*/ 1975386 w 3804186"/>
-              <a:gd name="connsiteY0" fmla="*/ 3604142 h 4823342"/>
-              <a:gd name="connsiteX1" fmla="*/ 0 w 3804186"/>
-              <a:gd name="connsiteY1" fmla="*/ 0 h 4823342"/>
-              <a:gd name="connsiteX2" fmla="*/ 3804186 w 3804186"/>
-              <a:gd name="connsiteY2" fmla="*/ 3604142 h 4823342"/>
-              <a:gd name="connsiteX3" fmla="*/ 3804186 w 3804186"/>
-              <a:gd name="connsiteY3" fmla="*/ 4823342 h 4823342"/>
-              <a:gd name="connsiteX4" fmla="*/ 1975386 w 3804186"/>
-              <a:gd name="connsiteY4" fmla="*/ 4823342 h 4823342"/>
-              <a:gd name="connsiteX5" fmla="*/ 1975386 w 3804186"/>
-              <a:gd name="connsiteY5" fmla="*/ 3604142 h 4823342"/>
-              <a:gd name="connsiteX0" fmla="*/ 0 w 1828800"/>
-              <a:gd name="connsiteY0" fmla="*/ 0 h 1219200"/>
-              <a:gd name="connsiteX1" fmla="*/ 1828800 w 1828800"/>
-              <a:gd name="connsiteY1" fmla="*/ 0 h 1219200"/>
-              <a:gd name="connsiteX2" fmla="*/ 1828800 w 1828800"/>
-              <a:gd name="connsiteY2" fmla="*/ 1219200 h 1219200"/>
-              <a:gd name="connsiteX3" fmla="*/ 0 w 1828800"/>
-              <a:gd name="connsiteY3" fmla="*/ 1219200 h 1219200"/>
-              <a:gd name="connsiteX4" fmla="*/ 0 w 1828800"/>
-              <a:gd name="connsiteY4" fmla="*/ 0 h 1219200"/>
-              <a:gd name="connsiteX0" fmla="*/ 0 w 1975385"/>
-              <a:gd name="connsiteY0" fmla="*/ 896045 h 1219200"/>
-              <a:gd name="connsiteX1" fmla="*/ 1975385 w 1975385"/>
-              <a:gd name="connsiteY1" fmla="*/ 0 h 1219200"/>
-              <a:gd name="connsiteX2" fmla="*/ 1975385 w 1975385"/>
-              <a:gd name="connsiteY2" fmla="*/ 1219200 h 1219200"/>
-              <a:gd name="connsiteX3" fmla="*/ 146585 w 1975385"/>
-              <a:gd name="connsiteY3" fmla="*/ 1219200 h 1219200"/>
-              <a:gd name="connsiteX4" fmla="*/ 146585 w 1975385"/>
-              <a:gd name="connsiteY4" fmla="*/ 0 h 1219200"/>
-              <a:gd name="connsiteX0" fmla="*/ 0 w 1975385"/>
-              <a:gd name="connsiteY0" fmla="*/ 1375987 h 1699142"/>
-              <a:gd name="connsiteX1" fmla="*/ 1204646 w 1975385"/>
-              <a:gd name="connsiteY1" fmla="*/ 0 h 1699142"/>
-              <a:gd name="connsiteX2" fmla="*/ 1975385 w 1975385"/>
-              <a:gd name="connsiteY2" fmla="*/ 1699142 h 1699142"/>
-              <a:gd name="connsiteX3" fmla="*/ 146585 w 1975385"/>
-              <a:gd name="connsiteY3" fmla="*/ 1699142 h 1699142"/>
-              <a:gd name="connsiteX4" fmla="*/ 146585 w 1975385"/>
-              <a:gd name="connsiteY4" fmla="*/ 479942 h 1699142"/>
-              <a:gd name="connsiteX0" fmla="*/ 0 w 2121971"/>
-              <a:gd name="connsiteY0" fmla="*/ 1375987 h 1699142"/>
-              <a:gd name="connsiteX1" fmla="*/ 1204646 w 2121971"/>
-              <a:gd name="connsiteY1" fmla="*/ 0 h 1699142"/>
-              <a:gd name="connsiteX2" fmla="*/ 2121971 w 2121971"/>
-              <a:gd name="connsiteY2" fmla="*/ 803097 h 1699142"/>
-              <a:gd name="connsiteX3" fmla="*/ 146585 w 2121971"/>
-              <a:gd name="connsiteY3" fmla="*/ 1699142 h 1699142"/>
-              <a:gd name="connsiteX4" fmla="*/ 146585 w 2121971"/>
-              <a:gd name="connsiteY4" fmla="*/ 479942 h 1699142"/>
-              <a:gd name="connsiteX0" fmla="*/ 0 w 2121971"/>
-              <a:gd name="connsiteY0" fmla="*/ 1375987 h 2179084"/>
-              <a:gd name="connsiteX1" fmla="*/ 1204646 w 2121971"/>
-              <a:gd name="connsiteY1" fmla="*/ 0 h 2179084"/>
-              <a:gd name="connsiteX2" fmla="*/ 2121971 w 2121971"/>
-              <a:gd name="connsiteY2" fmla="*/ 803097 h 2179084"/>
-              <a:gd name="connsiteX3" fmla="*/ 917326 w 2121971"/>
-              <a:gd name="connsiteY3" fmla="*/ 2179084 h 2179084"/>
-              <a:gd name="connsiteX4" fmla="*/ 146585 w 2121971"/>
-              <a:gd name="connsiteY4" fmla="*/ 479942 h 2179084"/>
-              <a:gd name="connsiteX0" fmla="*/ 0 w 2121971"/>
-              <a:gd name="connsiteY0" fmla="*/ 1375987 h 2179084"/>
-              <a:gd name="connsiteX1" fmla="*/ 1204646 w 2121971"/>
-              <a:gd name="connsiteY1" fmla="*/ 0 h 2179084"/>
-              <a:gd name="connsiteX2" fmla="*/ 2121971 w 2121971"/>
-              <a:gd name="connsiteY2" fmla="*/ 803097 h 2179084"/>
-              <a:gd name="connsiteX3" fmla="*/ 917326 w 2121971"/>
-              <a:gd name="connsiteY3" fmla="*/ 2179084 h 2179084"/>
-              <a:gd name="connsiteX4" fmla="*/ 1 w 2121971"/>
-              <a:gd name="connsiteY4" fmla="*/ 1375987 h 2179084"/>
-            </a:gdLst>
-            <a:ahLst/>
-            <a:cxnLst>
-              <a:cxn ang="0">
-                <a:pos x="connsiteX0" y="connsiteY0"/>
-              </a:cxn>
-              <a:cxn ang="0">
-                <a:pos x="connsiteX1" y="connsiteY1"/>
-              </a:cxn>
-              <a:cxn ang="0">
-                <a:pos x="connsiteX2" y="connsiteY2"/>
-              </a:cxn>
-              <a:cxn ang="0">
-                <a:pos x="connsiteX3" y="connsiteY3"/>
-              </a:cxn>
-              <a:cxn ang="0">
-                <a:pos x="connsiteX4" y="connsiteY4"/>
-              </a:cxn>
-            </a:cxnLst>
-            <a:rect l="l" t="t" r="r" b="b"/>
-            <a:pathLst>
-              <a:path w="2121971" h="2179084">
-                <a:moveTo>
-                  <a:pt x="0" y="1375987"/>
-                </a:moveTo>
-                <a:lnTo>
-                  <a:pt x="1204646" y="0"/>
-                </a:lnTo>
-                <a:lnTo>
-                  <a:pt x="2121971" y="803097"/>
-                </a:lnTo>
-                <a:lnTo>
-                  <a:pt x="917326" y="2179084"/>
-                </a:lnTo>
-                <a:lnTo>
-                  <a:pt x="1" y="1375987"/>
-                </a:lnTo>
-                <a:close/>
-              </a:path>
-            </a:pathLst>
-          </a:custGeom>
+          </a:prstGeom>
         </p:spPr>
         <p:style>
           <a:lnRef idx="2">
@@ -16150,7 +15535,7 @@
     </p:spTree>
     <p:extLst>
       <p:ext uri="{BB962C8B-B14F-4D97-AF65-F5344CB8AC3E}">
-        <p14:creationId xmlns:p14="http://schemas.microsoft.com/office/powerpoint/2010/main" val="2704575877"/>
+        <p14:creationId xmlns:p14="http://schemas.microsoft.com/office/powerpoint/2010/main" val="2932883338"/>
       </p:ext>
     </p:extLst>
   </p:cSld>
@@ -16304,136 +15689,13 @@
           <p:nvPr/>
         </p:nvSpPr>
         <p:spPr>
-          <a:xfrm>
-            <a:off x="3511015" y="3124200"/>
-            <a:ext cx="2121971" cy="2179084"/>
+          <a:xfrm rot="18672083">
+            <a:off x="3657600" y="3604142"/>
+            <a:ext cx="1828800" cy="1219200"/>
           </a:xfrm>
-          <a:custGeom>
+          <a:prstGeom prst="rect">
             <a:avLst/>
-            <a:gdLst>
-              <a:gd name="connsiteX0" fmla="*/ 0 w 1828800"/>
-              <a:gd name="connsiteY0" fmla="*/ 0 h 1219200"/>
-              <a:gd name="connsiteX1" fmla="*/ 1828800 w 1828800"/>
-              <a:gd name="connsiteY1" fmla="*/ 0 h 1219200"/>
-              <a:gd name="connsiteX2" fmla="*/ 1828800 w 1828800"/>
-              <a:gd name="connsiteY2" fmla="*/ 1219200 h 1219200"/>
-              <a:gd name="connsiteX3" fmla="*/ 0 w 1828800"/>
-              <a:gd name="connsiteY3" fmla="*/ 1219200 h 1219200"/>
-              <a:gd name="connsiteX4" fmla="*/ 0 w 1828800"/>
-              <a:gd name="connsiteY4" fmla="*/ 0 h 1219200"/>
-              <a:gd name="connsiteX0" fmla="*/ 1975386 w 3804186"/>
-              <a:gd name="connsiteY0" fmla="*/ 3604142 h 4823342"/>
-              <a:gd name="connsiteX1" fmla="*/ 0 w 3804186"/>
-              <a:gd name="connsiteY1" fmla="*/ 0 h 4823342"/>
-              <a:gd name="connsiteX2" fmla="*/ 3804186 w 3804186"/>
-              <a:gd name="connsiteY2" fmla="*/ 3604142 h 4823342"/>
-              <a:gd name="connsiteX3" fmla="*/ 3804186 w 3804186"/>
-              <a:gd name="connsiteY3" fmla="*/ 4823342 h 4823342"/>
-              <a:gd name="connsiteX4" fmla="*/ 1975386 w 3804186"/>
-              <a:gd name="connsiteY4" fmla="*/ 4823342 h 4823342"/>
-              <a:gd name="connsiteX5" fmla="*/ 1975386 w 3804186"/>
-              <a:gd name="connsiteY5" fmla="*/ 3604142 h 4823342"/>
-              <a:gd name="connsiteX0" fmla="*/ 0 w 1828800"/>
-              <a:gd name="connsiteY0" fmla="*/ 0 h 1219200"/>
-              <a:gd name="connsiteX1" fmla="*/ 1828800 w 1828800"/>
-              <a:gd name="connsiteY1" fmla="*/ 0 h 1219200"/>
-              <a:gd name="connsiteX2" fmla="*/ 1828800 w 1828800"/>
-              <a:gd name="connsiteY2" fmla="*/ 1219200 h 1219200"/>
-              <a:gd name="connsiteX3" fmla="*/ 0 w 1828800"/>
-              <a:gd name="connsiteY3" fmla="*/ 1219200 h 1219200"/>
-              <a:gd name="connsiteX4" fmla="*/ 0 w 1828800"/>
-              <a:gd name="connsiteY4" fmla="*/ 0 h 1219200"/>
-              <a:gd name="connsiteX0" fmla="*/ 0 w 1975385"/>
-              <a:gd name="connsiteY0" fmla="*/ 896045 h 1219200"/>
-              <a:gd name="connsiteX1" fmla="*/ 1975385 w 1975385"/>
-              <a:gd name="connsiteY1" fmla="*/ 0 h 1219200"/>
-              <a:gd name="connsiteX2" fmla="*/ 1975385 w 1975385"/>
-              <a:gd name="connsiteY2" fmla="*/ 1219200 h 1219200"/>
-              <a:gd name="connsiteX3" fmla="*/ 146585 w 1975385"/>
-              <a:gd name="connsiteY3" fmla="*/ 1219200 h 1219200"/>
-              <a:gd name="connsiteX4" fmla="*/ 146585 w 1975385"/>
-              <a:gd name="connsiteY4" fmla="*/ 0 h 1219200"/>
-              <a:gd name="connsiteX0" fmla="*/ 0 w 1975385"/>
-              <a:gd name="connsiteY0" fmla="*/ 1375987 h 1699142"/>
-              <a:gd name="connsiteX1" fmla="*/ 1204646 w 1975385"/>
-              <a:gd name="connsiteY1" fmla="*/ 0 h 1699142"/>
-              <a:gd name="connsiteX2" fmla="*/ 1975385 w 1975385"/>
-              <a:gd name="connsiteY2" fmla="*/ 1699142 h 1699142"/>
-              <a:gd name="connsiteX3" fmla="*/ 146585 w 1975385"/>
-              <a:gd name="connsiteY3" fmla="*/ 1699142 h 1699142"/>
-              <a:gd name="connsiteX4" fmla="*/ 146585 w 1975385"/>
-              <a:gd name="connsiteY4" fmla="*/ 479942 h 1699142"/>
-              <a:gd name="connsiteX0" fmla="*/ 0 w 2121971"/>
-              <a:gd name="connsiteY0" fmla="*/ 1375987 h 1699142"/>
-              <a:gd name="connsiteX1" fmla="*/ 1204646 w 2121971"/>
-              <a:gd name="connsiteY1" fmla="*/ 0 h 1699142"/>
-              <a:gd name="connsiteX2" fmla="*/ 2121971 w 2121971"/>
-              <a:gd name="connsiteY2" fmla="*/ 803097 h 1699142"/>
-              <a:gd name="connsiteX3" fmla="*/ 146585 w 2121971"/>
-              <a:gd name="connsiteY3" fmla="*/ 1699142 h 1699142"/>
-              <a:gd name="connsiteX4" fmla="*/ 146585 w 2121971"/>
-              <a:gd name="connsiteY4" fmla="*/ 479942 h 1699142"/>
-              <a:gd name="connsiteX0" fmla="*/ 0 w 2121971"/>
-              <a:gd name="connsiteY0" fmla="*/ 1375987 h 2179084"/>
-              <a:gd name="connsiteX1" fmla="*/ 1204646 w 2121971"/>
-              <a:gd name="connsiteY1" fmla="*/ 0 h 2179084"/>
-              <a:gd name="connsiteX2" fmla="*/ 2121971 w 2121971"/>
-              <a:gd name="connsiteY2" fmla="*/ 803097 h 2179084"/>
-              <a:gd name="connsiteX3" fmla="*/ 917326 w 2121971"/>
-              <a:gd name="connsiteY3" fmla="*/ 2179084 h 2179084"/>
-              <a:gd name="connsiteX4" fmla="*/ 146585 w 2121971"/>
-              <a:gd name="connsiteY4" fmla="*/ 479942 h 2179084"/>
-              <a:gd name="connsiteX0" fmla="*/ 0 w 2121971"/>
-              <a:gd name="connsiteY0" fmla="*/ 1375987 h 2179084"/>
-              <a:gd name="connsiteX1" fmla="*/ 1204646 w 2121971"/>
-              <a:gd name="connsiteY1" fmla="*/ 0 h 2179084"/>
-              <a:gd name="connsiteX2" fmla="*/ 2121971 w 2121971"/>
-              <a:gd name="connsiteY2" fmla="*/ 803097 h 2179084"/>
-              <a:gd name="connsiteX3" fmla="*/ 917326 w 2121971"/>
-              <a:gd name="connsiteY3" fmla="*/ 2179084 h 2179084"/>
-              <a:gd name="connsiteX4" fmla="*/ 1 w 2121971"/>
-              <a:gd name="connsiteY4" fmla="*/ 1375987 h 2179084"/>
-            </a:gdLst>
-            <a:ahLst/>
-            <a:cxnLst>
-              <a:cxn ang="0">
-                <a:pos x="connsiteX0" y="connsiteY0"/>
-              </a:cxn>
-              <a:cxn ang="0">
-                <a:pos x="connsiteX1" y="connsiteY1"/>
-              </a:cxn>
-              <a:cxn ang="0">
-                <a:pos x="connsiteX2" y="connsiteY2"/>
-              </a:cxn>
-              <a:cxn ang="0">
-                <a:pos x="connsiteX3" y="connsiteY3"/>
-              </a:cxn>
-              <a:cxn ang="0">
-                <a:pos x="connsiteX4" y="connsiteY4"/>
-              </a:cxn>
-            </a:cxnLst>
-            <a:rect l="l" t="t" r="r" b="b"/>
-            <a:pathLst>
-              <a:path w="2121971" h="2179084">
-                <a:moveTo>
-                  <a:pt x="0" y="1375987"/>
-                </a:moveTo>
-                <a:lnTo>
-                  <a:pt x="1204646" y="0"/>
-                </a:lnTo>
-                <a:lnTo>
-                  <a:pt x="2121971" y="803097"/>
-                </a:lnTo>
-                <a:lnTo>
-                  <a:pt x="917326" y="2179084"/>
-                </a:lnTo>
-                <a:lnTo>
-                  <a:pt x="1" y="1375987"/>
-                </a:lnTo>
-                <a:close/>
-              </a:path>
-            </a:pathLst>
-          </a:custGeom>
+          </a:prstGeom>
         </p:spPr>
         <p:style>
           <a:lnRef idx="2">
@@ -16463,7 +15725,7 @@
     </p:spTree>
     <p:extLst>
       <p:ext uri="{BB962C8B-B14F-4D97-AF65-F5344CB8AC3E}">
-        <p14:creationId xmlns:p14="http://schemas.microsoft.com/office/powerpoint/2010/main" val="4207998303"/>
+        <p14:creationId xmlns:p14="http://schemas.microsoft.com/office/powerpoint/2010/main" val="2192533724"/>
       </p:ext>
     </p:extLst>
   </p:cSld>
@@ -16617,136 +15879,13 @@
           <p:nvPr/>
         </p:nvSpPr>
         <p:spPr>
-          <a:xfrm>
-            <a:off x="3511015" y="2339458"/>
-            <a:ext cx="2121971" cy="2179084"/>
+          <a:xfrm rot="18672083">
+            <a:off x="3657600" y="2819400"/>
+            <a:ext cx="1828800" cy="1219200"/>
           </a:xfrm>
-          <a:custGeom>
+          <a:prstGeom prst="rect">
             <a:avLst/>
-            <a:gdLst>
-              <a:gd name="connsiteX0" fmla="*/ 0 w 1828800"/>
-              <a:gd name="connsiteY0" fmla="*/ 0 h 1219200"/>
-              <a:gd name="connsiteX1" fmla="*/ 1828800 w 1828800"/>
-              <a:gd name="connsiteY1" fmla="*/ 0 h 1219200"/>
-              <a:gd name="connsiteX2" fmla="*/ 1828800 w 1828800"/>
-              <a:gd name="connsiteY2" fmla="*/ 1219200 h 1219200"/>
-              <a:gd name="connsiteX3" fmla="*/ 0 w 1828800"/>
-              <a:gd name="connsiteY3" fmla="*/ 1219200 h 1219200"/>
-              <a:gd name="connsiteX4" fmla="*/ 0 w 1828800"/>
-              <a:gd name="connsiteY4" fmla="*/ 0 h 1219200"/>
-              <a:gd name="connsiteX0" fmla="*/ 1975386 w 3804186"/>
-              <a:gd name="connsiteY0" fmla="*/ 3604142 h 4823342"/>
-              <a:gd name="connsiteX1" fmla="*/ 0 w 3804186"/>
-              <a:gd name="connsiteY1" fmla="*/ 0 h 4823342"/>
-              <a:gd name="connsiteX2" fmla="*/ 3804186 w 3804186"/>
-              <a:gd name="connsiteY2" fmla="*/ 3604142 h 4823342"/>
-              <a:gd name="connsiteX3" fmla="*/ 3804186 w 3804186"/>
-              <a:gd name="connsiteY3" fmla="*/ 4823342 h 4823342"/>
-              <a:gd name="connsiteX4" fmla="*/ 1975386 w 3804186"/>
-              <a:gd name="connsiteY4" fmla="*/ 4823342 h 4823342"/>
-              <a:gd name="connsiteX5" fmla="*/ 1975386 w 3804186"/>
-              <a:gd name="connsiteY5" fmla="*/ 3604142 h 4823342"/>
-              <a:gd name="connsiteX0" fmla="*/ 0 w 1828800"/>
-              <a:gd name="connsiteY0" fmla="*/ 0 h 1219200"/>
-              <a:gd name="connsiteX1" fmla="*/ 1828800 w 1828800"/>
-              <a:gd name="connsiteY1" fmla="*/ 0 h 1219200"/>
-              <a:gd name="connsiteX2" fmla="*/ 1828800 w 1828800"/>
-              <a:gd name="connsiteY2" fmla="*/ 1219200 h 1219200"/>
-              <a:gd name="connsiteX3" fmla="*/ 0 w 1828800"/>
-              <a:gd name="connsiteY3" fmla="*/ 1219200 h 1219200"/>
-              <a:gd name="connsiteX4" fmla="*/ 0 w 1828800"/>
-              <a:gd name="connsiteY4" fmla="*/ 0 h 1219200"/>
-              <a:gd name="connsiteX0" fmla="*/ 0 w 1975385"/>
-              <a:gd name="connsiteY0" fmla="*/ 896045 h 1219200"/>
-              <a:gd name="connsiteX1" fmla="*/ 1975385 w 1975385"/>
-              <a:gd name="connsiteY1" fmla="*/ 0 h 1219200"/>
-              <a:gd name="connsiteX2" fmla="*/ 1975385 w 1975385"/>
-              <a:gd name="connsiteY2" fmla="*/ 1219200 h 1219200"/>
-              <a:gd name="connsiteX3" fmla="*/ 146585 w 1975385"/>
-              <a:gd name="connsiteY3" fmla="*/ 1219200 h 1219200"/>
-              <a:gd name="connsiteX4" fmla="*/ 146585 w 1975385"/>
-              <a:gd name="connsiteY4" fmla="*/ 0 h 1219200"/>
-              <a:gd name="connsiteX0" fmla="*/ 0 w 1975385"/>
-              <a:gd name="connsiteY0" fmla="*/ 1375987 h 1699142"/>
-              <a:gd name="connsiteX1" fmla="*/ 1204646 w 1975385"/>
-              <a:gd name="connsiteY1" fmla="*/ 0 h 1699142"/>
-              <a:gd name="connsiteX2" fmla="*/ 1975385 w 1975385"/>
-              <a:gd name="connsiteY2" fmla="*/ 1699142 h 1699142"/>
-              <a:gd name="connsiteX3" fmla="*/ 146585 w 1975385"/>
-              <a:gd name="connsiteY3" fmla="*/ 1699142 h 1699142"/>
-              <a:gd name="connsiteX4" fmla="*/ 146585 w 1975385"/>
-              <a:gd name="connsiteY4" fmla="*/ 479942 h 1699142"/>
-              <a:gd name="connsiteX0" fmla="*/ 0 w 2121971"/>
-              <a:gd name="connsiteY0" fmla="*/ 1375987 h 1699142"/>
-              <a:gd name="connsiteX1" fmla="*/ 1204646 w 2121971"/>
-              <a:gd name="connsiteY1" fmla="*/ 0 h 1699142"/>
-              <a:gd name="connsiteX2" fmla="*/ 2121971 w 2121971"/>
-              <a:gd name="connsiteY2" fmla="*/ 803097 h 1699142"/>
-              <a:gd name="connsiteX3" fmla="*/ 146585 w 2121971"/>
-              <a:gd name="connsiteY3" fmla="*/ 1699142 h 1699142"/>
-              <a:gd name="connsiteX4" fmla="*/ 146585 w 2121971"/>
-              <a:gd name="connsiteY4" fmla="*/ 479942 h 1699142"/>
-              <a:gd name="connsiteX0" fmla="*/ 0 w 2121971"/>
-              <a:gd name="connsiteY0" fmla="*/ 1375987 h 2179084"/>
-              <a:gd name="connsiteX1" fmla="*/ 1204646 w 2121971"/>
-              <a:gd name="connsiteY1" fmla="*/ 0 h 2179084"/>
-              <a:gd name="connsiteX2" fmla="*/ 2121971 w 2121971"/>
-              <a:gd name="connsiteY2" fmla="*/ 803097 h 2179084"/>
-              <a:gd name="connsiteX3" fmla="*/ 917326 w 2121971"/>
-              <a:gd name="connsiteY3" fmla="*/ 2179084 h 2179084"/>
-              <a:gd name="connsiteX4" fmla="*/ 146585 w 2121971"/>
-              <a:gd name="connsiteY4" fmla="*/ 479942 h 2179084"/>
-              <a:gd name="connsiteX0" fmla="*/ 0 w 2121971"/>
-              <a:gd name="connsiteY0" fmla="*/ 1375987 h 2179084"/>
-              <a:gd name="connsiteX1" fmla="*/ 1204646 w 2121971"/>
-              <a:gd name="connsiteY1" fmla="*/ 0 h 2179084"/>
-              <a:gd name="connsiteX2" fmla="*/ 2121971 w 2121971"/>
-              <a:gd name="connsiteY2" fmla="*/ 803097 h 2179084"/>
-              <a:gd name="connsiteX3" fmla="*/ 917326 w 2121971"/>
-              <a:gd name="connsiteY3" fmla="*/ 2179084 h 2179084"/>
-              <a:gd name="connsiteX4" fmla="*/ 1 w 2121971"/>
-              <a:gd name="connsiteY4" fmla="*/ 1375987 h 2179084"/>
-            </a:gdLst>
-            <a:ahLst/>
-            <a:cxnLst>
-              <a:cxn ang="0">
-                <a:pos x="connsiteX0" y="connsiteY0"/>
-              </a:cxn>
-              <a:cxn ang="0">
-                <a:pos x="connsiteX1" y="connsiteY1"/>
-              </a:cxn>
-              <a:cxn ang="0">
-                <a:pos x="connsiteX2" y="connsiteY2"/>
-              </a:cxn>
-              <a:cxn ang="0">
-                <a:pos x="connsiteX3" y="connsiteY3"/>
-              </a:cxn>
-              <a:cxn ang="0">
-                <a:pos x="connsiteX4" y="connsiteY4"/>
-              </a:cxn>
-            </a:cxnLst>
-            <a:rect l="l" t="t" r="r" b="b"/>
-            <a:pathLst>
-              <a:path w="2121971" h="2179084">
-                <a:moveTo>
-                  <a:pt x="0" y="1375987"/>
-                </a:moveTo>
-                <a:lnTo>
-                  <a:pt x="1204646" y="0"/>
-                </a:lnTo>
-                <a:lnTo>
-                  <a:pt x="2121971" y="803097"/>
-                </a:lnTo>
-                <a:lnTo>
-                  <a:pt x="917326" y="2179084"/>
-                </a:lnTo>
-                <a:lnTo>
-                  <a:pt x="1" y="1375987"/>
-                </a:lnTo>
-                <a:close/>
-              </a:path>
-            </a:pathLst>
-          </a:custGeom>
+          </a:prstGeom>
         </p:spPr>
         <p:style>
           <a:lnRef idx="2">
@@ -16776,7 +15915,7 @@
     </p:spTree>
     <p:extLst>
       <p:ext uri="{BB962C8B-B14F-4D97-AF65-F5344CB8AC3E}">
-        <p14:creationId xmlns:p14="http://schemas.microsoft.com/office/powerpoint/2010/main" val="579464399"/>
+        <p14:creationId xmlns:p14="http://schemas.microsoft.com/office/powerpoint/2010/main" val="73585925"/>
       </p:ext>
     </p:extLst>
   </p:cSld>
@@ -16890,250 +16029,13 @@
           <p:nvPr/>
         </p:nvSpPr>
         <p:spPr>
-          <a:xfrm>
-            <a:off x="533400" y="2476500"/>
-            <a:ext cx="2216907" cy="3234934"/>
+          <a:xfrm rot="18000000">
+            <a:off x="99988" y="3493892"/>
+            <a:ext cx="3581400" cy="1066800"/>
           </a:xfrm>
-          <a:custGeom>
+          <a:prstGeom prst="rightArrow">
             <a:avLst/>
-            <a:gdLst>
-              <a:gd name="connsiteX0" fmla="*/ 0 w 3581400"/>
-              <a:gd name="connsiteY0" fmla="*/ 266700 h 1066800"/>
-              <a:gd name="connsiteX1" fmla="*/ 3048000 w 3581400"/>
-              <a:gd name="connsiteY1" fmla="*/ 266700 h 1066800"/>
-              <a:gd name="connsiteX2" fmla="*/ 3048000 w 3581400"/>
-              <a:gd name="connsiteY2" fmla="*/ 0 h 1066800"/>
-              <a:gd name="connsiteX3" fmla="*/ 3581400 w 3581400"/>
-              <a:gd name="connsiteY3" fmla="*/ 533400 h 1066800"/>
-              <a:gd name="connsiteX4" fmla="*/ 3048000 w 3581400"/>
-              <a:gd name="connsiteY4" fmla="*/ 1066800 h 1066800"/>
-              <a:gd name="connsiteX5" fmla="*/ 3048000 w 3581400"/>
-              <a:gd name="connsiteY5" fmla="*/ 800100 h 1066800"/>
-              <a:gd name="connsiteX6" fmla="*/ 0 w 3581400"/>
-              <a:gd name="connsiteY6" fmla="*/ 800100 h 1066800"/>
-              <a:gd name="connsiteX7" fmla="*/ 0 w 3581400"/>
-              <a:gd name="connsiteY7" fmla="*/ 266700 h 1066800"/>
-              <a:gd name="connsiteX0" fmla="*/ 5586387 w 9167787"/>
-              <a:gd name="connsiteY0" fmla="*/ 3760592 h 4560692"/>
-              <a:gd name="connsiteX1" fmla="*/ 0 w 9167787"/>
-              <a:gd name="connsiteY1" fmla="*/ 0 h 4560692"/>
-              <a:gd name="connsiteX2" fmla="*/ 8634387 w 9167787"/>
-              <a:gd name="connsiteY2" fmla="*/ 3760592 h 4560692"/>
-              <a:gd name="connsiteX3" fmla="*/ 8634387 w 9167787"/>
-              <a:gd name="connsiteY3" fmla="*/ 3493892 h 4560692"/>
-              <a:gd name="connsiteX4" fmla="*/ 9167787 w 9167787"/>
-              <a:gd name="connsiteY4" fmla="*/ 4027292 h 4560692"/>
-              <a:gd name="connsiteX5" fmla="*/ 8634387 w 9167787"/>
-              <a:gd name="connsiteY5" fmla="*/ 4560692 h 4560692"/>
-              <a:gd name="connsiteX6" fmla="*/ 8634387 w 9167787"/>
-              <a:gd name="connsiteY6" fmla="*/ 4293992 h 4560692"/>
-              <a:gd name="connsiteX7" fmla="*/ 5586387 w 9167787"/>
-              <a:gd name="connsiteY7" fmla="*/ 4293992 h 4560692"/>
-              <a:gd name="connsiteX8" fmla="*/ 5586387 w 9167787"/>
-              <a:gd name="connsiteY8" fmla="*/ 3760592 h 4560692"/>
-              <a:gd name="connsiteX0" fmla="*/ 0 w 3581400"/>
-              <a:gd name="connsiteY0" fmla="*/ 266700 h 1066800"/>
-              <a:gd name="connsiteX1" fmla="*/ 3048000 w 3581400"/>
-              <a:gd name="connsiteY1" fmla="*/ 266700 h 1066800"/>
-              <a:gd name="connsiteX2" fmla="*/ 3048000 w 3581400"/>
-              <a:gd name="connsiteY2" fmla="*/ 0 h 1066800"/>
-              <a:gd name="connsiteX3" fmla="*/ 3581400 w 3581400"/>
-              <a:gd name="connsiteY3" fmla="*/ 533400 h 1066800"/>
-              <a:gd name="connsiteX4" fmla="*/ 3048000 w 3581400"/>
-              <a:gd name="connsiteY4" fmla="*/ 1066800 h 1066800"/>
-              <a:gd name="connsiteX5" fmla="*/ 3048000 w 3581400"/>
-              <a:gd name="connsiteY5" fmla="*/ 800100 h 1066800"/>
-              <a:gd name="connsiteX6" fmla="*/ 0 w 3581400"/>
-              <a:gd name="connsiteY6" fmla="*/ 800100 h 1066800"/>
-              <a:gd name="connsiteX7" fmla="*/ 0 w 3581400"/>
-              <a:gd name="connsiteY7" fmla="*/ 266700 h 1066800"/>
-              <a:gd name="connsiteX0" fmla="*/ 664381 w 3581400"/>
-              <a:gd name="connsiteY0" fmla="*/ 1950842 h 1950842"/>
-              <a:gd name="connsiteX1" fmla="*/ 3048000 w 3581400"/>
-              <a:gd name="connsiteY1" fmla="*/ 266700 h 1950842"/>
-              <a:gd name="connsiteX2" fmla="*/ 3048000 w 3581400"/>
-              <a:gd name="connsiteY2" fmla="*/ 0 h 1950842"/>
-              <a:gd name="connsiteX3" fmla="*/ 3581400 w 3581400"/>
-              <a:gd name="connsiteY3" fmla="*/ 533400 h 1950842"/>
-              <a:gd name="connsiteX4" fmla="*/ 3048000 w 3581400"/>
-              <a:gd name="connsiteY4" fmla="*/ 1066800 h 1950842"/>
-              <a:gd name="connsiteX5" fmla="*/ 3048000 w 3581400"/>
-              <a:gd name="connsiteY5" fmla="*/ 800100 h 1950842"/>
-              <a:gd name="connsiteX6" fmla="*/ 0 w 3581400"/>
-              <a:gd name="connsiteY6" fmla="*/ 800100 h 1950842"/>
-              <a:gd name="connsiteX7" fmla="*/ 0 w 3581400"/>
-              <a:gd name="connsiteY7" fmla="*/ 266700 h 1950842"/>
-              <a:gd name="connsiteX0" fmla="*/ 664381 w 3581400"/>
-              <a:gd name="connsiteY0" fmla="*/ 2639646 h 2639646"/>
-              <a:gd name="connsiteX1" fmla="*/ 2188381 w 3581400"/>
-              <a:gd name="connsiteY1" fmla="*/ 0 h 2639646"/>
-              <a:gd name="connsiteX2" fmla="*/ 3048000 w 3581400"/>
-              <a:gd name="connsiteY2" fmla="*/ 688804 h 2639646"/>
-              <a:gd name="connsiteX3" fmla="*/ 3581400 w 3581400"/>
-              <a:gd name="connsiteY3" fmla="*/ 1222204 h 2639646"/>
-              <a:gd name="connsiteX4" fmla="*/ 3048000 w 3581400"/>
-              <a:gd name="connsiteY4" fmla="*/ 1755604 h 2639646"/>
-              <a:gd name="connsiteX5" fmla="*/ 3048000 w 3581400"/>
-              <a:gd name="connsiteY5" fmla="*/ 1488904 h 2639646"/>
-              <a:gd name="connsiteX6" fmla="*/ 0 w 3581400"/>
-              <a:gd name="connsiteY6" fmla="*/ 1488904 h 2639646"/>
-              <a:gd name="connsiteX7" fmla="*/ 0 w 3581400"/>
-              <a:gd name="connsiteY7" fmla="*/ 955504 h 2639646"/>
-              <a:gd name="connsiteX0" fmla="*/ 664381 w 3581400"/>
-              <a:gd name="connsiteY0" fmla="*/ 2772996 h 2772996"/>
-              <a:gd name="connsiteX1" fmla="*/ 2188381 w 3581400"/>
-              <a:gd name="connsiteY1" fmla="*/ 133350 h 2772996"/>
-              <a:gd name="connsiteX2" fmla="*/ 1957412 w 3581400"/>
-              <a:gd name="connsiteY2" fmla="*/ 0 h 2772996"/>
-              <a:gd name="connsiteX3" fmla="*/ 3581400 w 3581400"/>
-              <a:gd name="connsiteY3" fmla="*/ 1355554 h 2772996"/>
-              <a:gd name="connsiteX4" fmla="*/ 3048000 w 3581400"/>
-              <a:gd name="connsiteY4" fmla="*/ 1888954 h 2772996"/>
-              <a:gd name="connsiteX5" fmla="*/ 3048000 w 3581400"/>
-              <a:gd name="connsiteY5" fmla="*/ 1622254 h 2772996"/>
-              <a:gd name="connsiteX6" fmla="*/ 0 w 3581400"/>
-              <a:gd name="connsiteY6" fmla="*/ 1622254 h 2772996"/>
-              <a:gd name="connsiteX7" fmla="*/ 0 w 3581400"/>
-              <a:gd name="connsiteY7" fmla="*/ 1088854 h 2772996"/>
-              <a:gd name="connsiteX0" fmla="*/ 664381 w 3048000"/>
-              <a:gd name="connsiteY0" fmla="*/ 2968234 h 2968234"/>
-              <a:gd name="connsiteX1" fmla="*/ 2188381 w 3048000"/>
-              <a:gd name="connsiteY1" fmla="*/ 328588 h 2968234"/>
-              <a:gd name="connsiteX2" fmla="*/ 1957412 w 3048000"/>
-              <a:gd name="connsiteY2" fmla="*/ 195238 h 2968234"/>
-              <a:gd name="connsiteX3" fmla="*/ 2686050 w 3048000"/>
-              <a:gd name="connsiteY3" fmla="*/ 0 h 2968234"/>
-              <a:gd name="connsiteX4" fmla="*/ 3048000 w 3048000"/>
-              <a:gd name="connsiteY4" fmla="*/ 2084192 h 2968234"/>
-              <a:gd name="connsiteX5" fmla="*/ 3048000 w 3048000"/>
-              <a:gd name="connsiteY5" fmla="*/ 1817492 h 2968234"/>
-              <a:gd name="connsiteX6" fmla="*/ 0 w 3048000"/>
-              <a:gd name="connsiteY6" fmla="*/ 1817492 h 2968234"/>
-              <a:gd name="connsiteX7" fmla="*/ 0 w 3048000"/>
-              <a:gd name="connsiteY7" fmla="*/ 1284092 h 2968234"/>
-              <a:gd name="connsiteX0" fmla="*/ 664381 w 3048000"/>
-              <a:gd name="connsiteY0" fmla="*/ 2968234 h 2968234"/>
-              <a:gd name="connsiteX1" fmla="*/ 2188381 w 3048000"/>
-              <a:gd name="connsiteY1" fmla="*/ 328588 h 2968234"/>
-              <a:gd name="connsiteX2" fmla="*/ 1957412 w 3048000"/>
-              <a:gd name="connsiteY2" fmla="*/ 195238 h 2968234"/>
-              <a:gd name="connsiteX3" fmla="*/ 2686050 w 3048000"/>
-              <a:gd name="connsiteY3" fmla="*/ 0 h 2968234"/>
-              <a:gd name="connsiteX4" fmla="*/ 2881288 w 3048000"/>
-              <a:gd name="connsiteY4" fmla="*/ 728638 h 2968234"/>
-              <a:gd name="connsiteX5" fmla="*/ 3048000 w 3048000"/>
-              <a:gd name="connsiteY5" fmla="*/ 1817492 h 2968234"/>
-              <a:gd name="connsiteX6" fmla="*/ 0 w 3048000"/>
-              <a:gd name="connsiteY6" fmla="*/ 1817492 h 2968234"/>
-              <a:gd name="connsiteX7" fmla="*/ 0 w 3048000"/>
-              <a:gd name="connsiteY7" fmla="*/ 1284092 h 2968234"/>
-              <a:gd name="connsiteX0" fmla="*/ 664381 w 2881288"/>
-              <a:gd name="connsiteY0" fmla="*/ 2968234 h 2968234"/>
-              <a:gd name="connsiteX1" fmla="*/ 2188381 w 2881288"/>
-              <a:gd name="connsiteY1" fmla="*/ 328588 h 2968234"/>
-              <a:gd name="connsiteX2" fmla="*/ 1957412 w 2881288"/>
-              <a:gd name="connsiteY2" fmla="*/ 195238 h 2968234"/>
-              <a:gd name="connsiteX3" fmla="*/ 2686050 w 2881288"/>
-              <a:gd name="connsiteY3" fmla="*/ 0 h 2968234"/>
-              <a:gd name="connsiteX4" fmla="*/ 2881288 w 2881288"/>
-              <a:gd name="connsiteY4" fmla="*/ 728638 h 2968234"/>
-              <a:gd name="connsiteX5" fmla="*/ 2650319 w 2881288"/>
-              <a:gd name="connsiteY5" fmla="*/ 595288 h 2968234"/>
-              <a:gd name="connsiteX6" fmla="*/ 0 w 2881288"/>
-              <a:gd name="connsiteY6" fmla="*/ 1817492 h 2968234"/>
-              <a:gd name="connsiteX7" fmla="*/ 0 w 2881288"/>
-              <a:gd name="connsiteY7" fmla="*/ 1284092 h 2968234"/>
-              <a:gd name="connsiteX0" fmla="*/ 664381 w 2881288"/>
-              <a:gd name="connsiteY0" fmla="*/ 2968234 h 3234934"/>
-              <a:gd name="connsiteX1" fmla="*/ 2188381 w 2881288"/>
-              <a:gd name="connsiteY1" fmla="*/ 328588 h 3234934"/>
-              <a:gd name="connsiteX2" fmla="*/ 1957412 w 2881288"/>
-              <a:gd name="connsiteY2" fmla="*/ 195238 h 3234934"/>
-              <a:gd name="connsiteX3" fmla="*/ 2686050 w 2881288"/>
-              <a:gd name="connsiteY3" fmla="*/ 0 h 3234934"/>
-              <a:gd name="connsiteX4" fmla="*/ 2881288 w 2881288"/>
-              <a:gd name="connsiteY4" fmla="*/ 728638 h 3234934"/>
-              <a:gd name="connsiteX5" fmla="*/ 2650319 w 2881288"/>
-              <a:gd name="connsiteY5" fmla="*/ 595288 h 3234934"/>
-              <a:gd name="connsiteX6" fmla="*/ 1126319 w 2881288"/>
-              <a:gd name="connsiteY6" fmla="*/ 3234934 h 3234934"/>
-              <a:gd name="connsiteX7" fmla="*/ 0 w 2881288"/>
-              <a:gd name="connsiteY7" fmla="*/ 1284092 h 3234934"/>
-              <a:gd name="connsiteX0" fmla="*/ 0 w 2216907"/>
-              <a:gd name="connsiteY0" fmla="*/ 2968234 h 3234934"/>
-              <a:gd name="connsiteX1" fmla="*/ 1524000 w 2216907"/>
-              <a:gd name="connsiteY1" fmla="*/ 328588 h 3234934"/>
-              <a:gd name="connsiteX2" fmla="*/ 1293031 w 2216907"/>
-              <a:gd name="connsiteY2" fmla="*/ 195238 h 3234934"/>
-              <a:gd name="connsiteX3" fmla="*/ 2021669 w 2216907"/>
-              <a:gd name="connsiteY3" fmla="*/ 0 h 3234934"/>
-              <a:gd name="connsiteX4" fmla="*/ 2216907 w 2216907"/>
-              <a:gd name="connsiteY4" fmla="*/ 728638 h 3234934"/>
-              <a:gd name="connsiteX5" fmla="*/ 1985938 w 2216907"/>
-              <a:gd name="connsiteY5" fmla="*/ 595288 h 3234934"/>
-              <a:gd name="connsiteX6" fmla="*/ 461938 w 2216907"/>
-              <a:gd name="connsiteY6" fmla="*/ 3234934 h 3234934"/>
-              <a:gd name="connsiteX7" fmla="*/ 0 w 2216907"/>
-              <a:gd name="connsiteY7" fmla="*/ 2968234 h 3234934"/>
-            </a:gdLst>
-            <a:ahLst/>
-            <a:cxnLst>
-              <a:cxn ang="0">
-                <a:pos x="connsiteX0" y="connsiteY0"/>
-              </a:cxn>
-              <a:cxn ang="0">
-                <a:pos x="connsiteX1" y="connsiteY1"/>
-              </a:cxn>
-              <a:cxn ang="0">
-                <a:pos x="connsiteX2" y="connsiteY2"/>
-              </a:cxn>
-              <a:cxn ang="0">
-                <a:pos x="connsiteX3" y="connsiteY3"/>
-              </a:cxn>
-              <a:cxn ang="0">
-                <a:pos x="connsiteX4" y="connsiteY4"/>
-              </a:cxn>
-              <a:cxn ang="0">
-                <a:pos x="connsiteX5" y="connsiteY5"/>
-              </a:cxn>
-              <a:cxn ang="0">
-                <a:pos x="connsiteX6" y="connsiteY6"/>
-              </a:cxn>
-              <a:cxn ang="0">
-                <a:pos x="connsiteX7" y="connsiteY7"/>
-              </a:cxn>
-            </a:cxnLst>
-            <a:rect l="l" t="t" r="r" b="b"/>
-            <a:pathLst>
-              <a:path w="2216907" h="3234934">
-                <a:moveTo>
-                  <a:pt x="0" y="2968234"/>
-                </a:moveTo>
-                <a:lnTo>
-                  <a:pt x="1524000" y="328588"/>
-                </a:lnTo>
-                <a:lnTo>
-                  <a:pt x="1293031" y="195238"/>
-                </a:lnTo>
-                <a:lnTo>
-                  <a:pt x="2021669" y="0"/>
-                </a:lnTo>
-                <a:lnTo>
-                  <a:pt x="2216907" y="728638"/>
-                </a:lnTo>
-                <a:lnTo>
-                  <a:pt x="1985938" y="595288"/>
-                </a:lnTo>
-                <a:lnTo>
-                  <a:pt x="461938" y="3234934"/>
-                </a:lnTo>
-                <a:lnTo>
-                  <a:pt x="0" y="2968234"/>
-                </a:lnTo>
-                <a:close/>
-              </a:path>
-            </a:pathLst>
-          </a:custGeom>
+          </a:prstGeom>
         </p:spPr>
         <p:style>
           <a:lnRef idx="2">
@@ -17167,136 +16069,13 @@
           <p:nvPr/>
         </p:nvSpPr>
         <p:spPr>
-          <a:xfrm>
-            <a:off x="533400" y="3124200"/>
-            <a:ext cx="2121971" cy="2179084"/>
+          <a:xfrm rot="18672083">
+            <a:off x="679985" y="3604142"/>
+            <a:ext cx="1828800" cy="1219200"/>
           </a:xfrm>
-          <a:custGeom>
+          <a:prstGeom prst="rect">
             <a:avLst/>
-            <a:gdLst>
-              <a:gd name="connsiteX0" fmla="*/ 0 w 1828800"/>
-              <a:gd name="connsiteY0" fmla="*/ 0 h 1219200"/>
-              <a:gd name="connsiteX1" fmla="*/ 1828800 w 1828800"/>
-              <a:gd name="connsiteY1" fmla="*/ 0 h 1219200"/>
-              <a:gd name="connsiteX2" fmla="*/ 1828800 w 1828800"/>
-              <a:gd name="connsiteY2" fmla="*/ 1219200 h 1219200"/>
-              <a:gd name="connsiteX3" fmla="*/ 0 w 1828800"/>
-              <a:gd name="connsiteY3" fmla="*/ 1219200 h 1219200"/>
-              <a:gd name="connsiteX4" fmla="*/ 0 w 1828800"/>
-              <a:gd name="connsiteY4" fmla="*/ 0 h 1219200"/>
-              <a:gd name="connsiteX0" fmla="*/ 1975386 w 3804186"/>
-              <a:gd name="connsiteY0" fmla="*/ 3604142 h 4823342"/>
-              <a:gd name="connsiteX1" fmla="*/ 0 w 3804186"/>
-              <a:gd name="connsiteY1" fmla="*/ 0 h 4823342"/>
-              <a:gd name="connsiteX2" fmla="*/ 3804186 w 3804186"/>
-              <a:gd name="connsiteY2" fmla="*/ 3604142 h 4823342"/>
-              <a:gd name="connsiteX3" fmla="*/ 3804186 w 3804186"/>
-              <a:gd name="connsiteY3" fmla="*/ 4823342 h 4823342"/>
-              <a:gd name="connsiteX4" fmla="*/ 1975386 w 3804186"/>
-              <a:gd name="connsiteY4" fmla="*/ 4823342 h 4823342"/>
-              <a:gd name="connsiteX5" fmla="*/ 1975386 w 3804186"/>
-              <a:gd name="connsiteY5" fmla="*/ 3604142 h 4823342"/>
-              <a:gd name="connsiteX0" fmla="*/ 0 w 1828800"/>
-              <a:gd name="connsiteY0" fmla="*/ 0 h 1219200"/>
-              <a:gd name="connsiteX1" fmla="*/ 1828800 w 1828800"/>
-              <a:gd name="connsiteY1" fmla="*/ 0 h 1219200"/>
-              <a:gd name="connsiteX2" fmla="*/ 1828800 w 1828800"/>
-              <a:gd name="connsiteY2" fmla="*/ 1219200 h 1219200"/>
-              <a:gd name="connsiteX3" fmla="*/ 0 w 1828800"/>
-              <a:gd name="connsiteY3" fmla="*/ 1219200 h 1219200"/>
-              <a:gd name="connsiteX4" fmla="*/ 0 w 1828800"/>
-              <a:gd name="connsiteY4" fmla="*/ 0 h 1219200"/>
-              <a:gd name="connsiteX0" fmla="*/ 0 w 1975385"/>
-              <a:gd name="connsiteY0" fmla="*/ 896045 h 1219200"/>
-              <a:gd name="connsiteX1" fmla="*/ 1975385 w 1975385"/>
-              <a:gd name="connsiteY1" fmla="*/ 0 h 1219200"/>
-              <a:gd name="connsiteX2" fmla="*/ 1975385 w 1975385"/>
-              <a:gd name="connsiteY2" fmla="*/ 1219200 h 1219200"/>
-              <a:gd name="connsiteX3" fmla="*/ 146585 w 1975385"/>
-              <a:gd name="connsiteY3" fmla="*/ 1219200 h 1219200"/>
-              <a:gd name="connsiteX4" fmla="*/ 146585 w 1975385"/>
-              <a:gd name="connsiteY4" fmla="*/ 0 h 1219200"/>
-              <a:gd name="connsiteX0" fmla="*/ 0 w 1975385"/>
-              <a:gd name="connsiteY0" fmla="*/ 1375987 h 1699142"/>
-              <a:gd name="connsiteX1" fmla="*/ 1204646 w 1975385"/>
-              <a:gd name="connsiteY1" fmla="*/ 0 h 1699142"/>
-              <a:gd name="connsiteX2" fmla="*/ 1975385 w 1975385"/>
-              <a:gd name="connsiteY2" fmla="*/ 1699142 h 1699142"/>
-              <a:gd name="connsiteX3" fmla="*/ 146585 w 1975385"/>
-              <a:gd name="connsiteY3" fmla="*/ 1699142 h 1699142"/>
-              <a:gd name="connsiteX4" fmla="*/ 146585 w 1975385"/>
-              <a:gd name="connsiteY4" fmla="*/ 479942 h 1699142"/>
-              <a:gd name="connsiteX0" fmla="*/ 0 w 2121971"/>
-              <a:gd name="connsiteY0" fmla="*/ 1375987 h 1699142"/>
-              <a:gd name="connsiteX1" fmla="*/ 1204646 w 2121971"/>
-              <a:gd name="connsiteY1" fmla="*/ 0 h 1699142"/>
-              <a:gd name="connsiteX2" fmla="*/ 2121971 w 2121971"/>
-              <a:gd name="connsiteY2" fmla="*/ 803097 h 1699142"/>
-              <a:gd name="connsiteX3" fmla="*/ 146585 w 2121971"/>
-              <a:gd name="connsiteY3" fmla="*/ 1699142 h 1699142"/>
-              <a:gd name="connsiteX4" fmla="*/ 146585 w 2121971"/>
-              <a:gd name="connsiteY4" fmla="*/ 479942 h 1699142"/>
-              <a:gd name="connsiteX0" fmla="*/ 0 w 2121971"/>
-              <a:gd name="connsiteY0" fmla="*/ 1375987 h 2179084"/>
-              <a:gd name="connsiteX1" fmla="*/ 1204646 w 2121971"/>
-              <a:gd name="connsiteY1" fmla="*/ 0 h 2179084"/>
-              <a:gd name="connsiteX2" fmla="*/ 2121971 w 2121971"/>
-              <a:gd name="connsiteY2" fmla="*/ 803097 h 2179084"/>
-              <a:gd name="connsiteX3" fmla="*/ 917326 w 2121971"/>
-              <a:gd name="connsiteY3" fmla="*/ 2179084 h 2179084"/>
-              <a:gd name="connsiteX4" fmla="*/ 146585 w 2121971"/>
-              <a:gd name="connsiteY4" fmla="*/ 479942 h 2179084"/>
-              <a:gd name="connsiteX0" fmla="*/ 0 w 2121971"/>
-              <a:gd name="connsiteY0" fmla="*/ 1375987 h 2179084"/>
-              <a:gd name="connsiteX1" fmla="*/ 1204646 w 2121971"/>
-              <a:gd name="connsiteY1" fmla="*/ 0 h 2179084"/>
-              <a:gd name="connsiteX2" fmla="*/ 2121971 w 2121971"/>
-              <a:gd name="connsiteY2" fmla="*/ 803097 h 2179084"/>
-              <a:gd name="connsiteX3" fmla="*/ 917326 w 2121971"/>
-              <a:gd name="connsiteY3" fmla="*/ 2179084 h 2179084"/>
-              <a:gd name="connsiteX4" fmla="*/ 1 w 2121971"/>
-              <a:gd name="connsiteY4" fmla="*/ 1375987 h 2179084"/>
-            </a:gdLst>
-            <a:ahLst/>
-            <a:cxnLst>
-              <a:cxn ang="0">
-                <a:pos x="connsiteX0" y="connsiteY0"/>
-              </a:cxn>
-              <a:cxn ang="0">
-                <a:pos x="connsiteX1" y="connsiteY1"/>
-              </a:cxn>
-              <a:cxn ang="0">
-                <a:pos x="connsiteX2" y="connsiteY2"/>
-              </a:cxn>
-              <a:cxn ang="0">
-                <a:pos x="connsiteX3" y="connsiteY3"/>
-              </a:cxn>
-              <a:cxn ang="0">
-                <a:pos x="connsiteX4" y="connsiteY4"/>
-              </a:cxn>
-            </a:cxnLst>
-            <a:rect l="l" t="t" r="r" b="b"/>
-            <a:pathLst>
-              <a:path w="2121971" h="2179084">
-                <a:moveTo>
-                  <a:pt x="0" y="1375987"/>
-                </a:moveTo>
-                <a:lnTo>
-                  <a:pt x="1204646" y="0"/>
-                </a:lnTo>
-                <a:lnTo>
-                  <a:pt x="2121971" y="803097"/>
-                </a:lnTo>
-                <a:lnTo>
-                  <a:pt x="917326" y="2179084"/>
-                </a:lnTo>
-                <a:lnTo>
-                  <a:pt x="1" y="1375987"/>
-                </a:lnTo>
-                <a:close/>
-              </a:path>
-            </a:pathLst>
-          </a:custGeom>
+          </a:prstGeom>
         </p:spPr>
         <p:style>
           <a:lnRef idx="2">
@@ -17326,7 +16105,7 @@
     </p:spTree>
     <p:extLst>
       <p:ext uri="{BB962C8B-B14F-4D97-AF65-F5344CB8AC3E}">
-        <p14:creationId xmlns:p14="http://schemas.microsoft.com/office/powerpoint/2010/main" val="1009893987"/>
+        <p14:creationId xmlns:p14="http://schemas.microsoft.com/office/powerpoint/2010/main" val="1708627947"/>
       </p:ext>
     </p:extLst>
   </p:cSld>
@@ -17361,7 +16140,7 @@
         </p:nvSpPr>
         <p:spPr>
           <a:xfrm>
-            <a:off x="6638875" y="533400"/>
+            <a:off x="6905575" y="533400"/>
             <a:ext cx="1828800" cy="1219200"/>
           </a:xfrm>
           <a:prstGeom prst="rect">
@@ -17401,7 +16180,7 @@
         </p:nvSpPr>
         <p:spPr>
           <a:xfrm>
-            <a:off x="6638875" y="1284051"/>
+            <a:off x="6905575" y="1284051"/>
             <a:ext cx="1828800" cy="1828800"/>
           </a:xfrm>
           <a:prstGeom prst="ellipse">
@@ -17440,250 +16219,13 @@
           <p:nvPr/>
         </p:nvSpPr>
         <p:spPr>
-          <a:xfrm>
-            <a:off x="6250768" y="2476500"/>
-            <a:ext cx="2216907" cy="3234934"/>
+          <a:xfrm rot="18000000">
+            <a:off x="5586387" y="3493892"/>
+            <a:ext cx="3581400" cy="1066800"/>
           </a:xfrm>
-          <a:custGeom>
+          <a:prstGeom prst="rightArrow">
             <a:avLst/>
-            <a:gdLst>
-              <a:gd name="connsiteX0" fmla="*/ 0 w 3581400"/>
-              <a:gd name="connsiteY0" fmla="*/ 266700 h 1066800"/>
-              <a:gd name="connsiteX1" fmla="*/ 3048000 w 3581400"/>
-              <a:gd name="connsiteY1" fmla="*/ 266700 h 1066800"/>
-              <a:gd name="connsiteX2" fmla="*/ 3048000 w 3581400"/>
-              <a:gd name="connsiteY2" fmla="*/ 0 h 1066800"/>
-              <a:gd name="connsiteX3" fmla="*/ 3581400 w 3581400"/>
-              <a:gd name="connsiteY3" fmla="*/ 533400 h 1066800"/>
-              <a:gd name="connsiteX4" fmla="*/ 3048000 w 3581400"/>
-              <a:gd name="connsiteY4" fmla="*/ 1066800 h 1066800"/>
-              <a:gd name="connsiteX5" fmla="*/ 3048000 w 3581400"/>
-              <a:gd name="connsiteY5" fmla="*/ 800100 h 1066800"/>
-              <a:gd name="connsiteX6" fmla="*/ 0 w 3581400"/>
-              <a:gd name="connsiteY6" fmla="*/ 800100 h 1066800"/>
-              <a:gd name="connsiteX7" fmla="*/ 0 w 3581400"/>
-              <a:gd name="connsiteY7" fmla="*/ 266700 h 1066800"/>
-              <a:gd name="connsiteX0" fmla="*/ 5586387 w 9167787"/>
-              <a:gd name="connsiteY0" fmla="*/ 3760592 h 4560692"/>
-              <a:gd name="connsiteX1" fmla="*/ 0 w 9167787"/>
-              <a:gd name="connsiteY1" fmla="*/ 0 h 4560692"/>
-              <a:gd name="connsiteX2" fmla="*/ 8634387 w 9167787"/>
-              <a:gd name="connsiteY2" fmla="*/ 3760592 h 4560692"/>
-              <a:gd name="connsiteX3" fmla="*/ 8634387 w 9167787"/>
-              <a:gd name="connsiteY3" fmla="*/ 3493892 h 4560692"/>
-              <a:gd name="connsiteX4" fmla="*/ 9167787 w 9167787"/>
-              <a:gd name="connsiteY4" fmla="*/ 4027292 h 4560692"/>
-              <a:gd name="connsiteX5" fmla="*/ 8634387 w 9167787"/>
-              <a:gd name="connsiteY5" fmla="*/ 4560692 h 4560692"/>
-              <a:gd name="connsiteX6" fmla="*/ 8634387 w 9167787"/>
-              <a:gd name="connsiteY6" fmla="*/ 4293992 h 4560692"/>
-              <a:gd name="connsiteX7" fmla="*/ 5586387 w 9167787"/>
-              <a:gd name="connsiteY7" fmla="*/ 4293992 h 4560692"/>
-              <a:gd name="connsiteX8" fmla="*/ 5586387 w 9167787"/>
-              <a:gd name="connsiteY8" fmla="*/ 3760592 h 4560692"/>
-              <a:gd name="connsiteX0" fmla="*/ 0 w 3581400"/>
-              <a:gd name="connsiteY0" fmla="*/ 266700 h 1066800"/>
-              <a:gd name="connsiteX1" fmla="*/ 3048000 w 3581400"/>
-              <a:gd name="connsiteY1" fmla="*/ 266700 h 1066800"/>
-              <a:gd name="connsiteX2" fmla="*/ 3048000 w 3581400"/>
-              <a:gd name="connsiteY2" fmla="*/ 0 h 1066800"/>
-              <a:gd name="connsiteX3" fmla="*/ 3581400 w 3581400"/>
-              <a:gd name="connsiteY3" fmla="*/ 533400 h 1066800"/>
-              <a:gd name="connsiteX4" fmla="*/ 3048000 w 3581400"/>
-              <a:gd name="connsiteY4" fmla="*/ 1066800 h 1066800"/>
-              <a:gd name="connsiteX5" fmla="*/ 3048000 w 3581400"/>
-              <a:gd name="connsiteY5" fmla="*/ 800100 h 1066800"/>
-              <a:gd name="connsiteX6" fmla="*/ 0 w 3581400"/>
-              <a:gd name="connsiteY6" fmla="*/ 800100 h 1066800"/>
-              <a:gd name="connsiteX7" fmla="*/ 0 w 3581400"/>
-              <a:gd name="connsiteY7" fmla="*/ 266700 h 1066800"/>
-              <a:gd name="connsiteX0" fmla="*/ 664381 w 3581400"/>
-              <a:gd name="connsiteY0" fmla="*/ 1950842 h 1950842"/>
-              <a:gd name="connsiteX1" fmla="*/ 3048000 w 3581400"/>
-              <a:gd name="connsiteY1" fmla="*/ 266700 h 1950842"/>
-              <a:gd name="connsiteX2" fmla="*/ 3048000 w 3581400"/>
-              <a:gd name="connsiteY2" fmla="*/ 0 h 1950842"/>
-              <a:gd name="connsiteX3" fmla="*/ 3581400 w 3581400"/>
-              <a:gd name="connsiteY3" fmla="*/ 533400 h 1950842"/>
-              <a:gd name="connsiteX4" fmla="*/ 3048000 w 3581400"/>
-              <a:gd name="connsiteY4" fmla="*/ 1066800 h 1950842"/>
-              <a:gd name="connsiteX5" fmla="*/ 3048000 w 3581400"/>
-              <a:gd name="connsiteY5" fmla="*/ 800100 h 1950842"/>
-              <a:gd name="connsiteX6" fmla="*/ 0 w 3581400"/>
-              <a:gd name="connsiteY6" fmla="*/ 800100 h 1950842"/>
-              <a:gd name="connsiteX7" fmla="*/ 0 w 3581400"/>
-              <a:gd name="connsiteY7" fmla="*/ 266700 h 1950842"/>
-              <a:gd name="connsiteX0" fmla="*/ 664381 w 3581400"/>
-              <a:gd name="connsiteY0" fmla="*/ 2639646 h 2639646"/>
-              <a:gd name="connsiteX1" fmla="*/ 2188381 w 3581400"/>
-              <a:gd name="connsiteY1" fmla="*/ 0 h 2639646"/>
-              <a:gd name="connsiteX2" fmla="*/ 3048000 w 3581400"/>
-              <a:gd name="connsiteY2" fmla="*/ 688804 h 2639646"/>
-              <a:gd name="connsiteX3" fmla="*/ 3581400 w 3581400"/>
-              <a:gd name="connsiteY3" fmla="*/ 1222204 h 2639646"/>
-              <a:gd name="connsiteX4" fmla="*/ 3048000 w 3581400"/>
-              <a:gd name="connsiteY4" fmla="*/ 1755604 h 2639646"/>
-              <a:gd name="connsiteX5" fmla="*/ 3048000 w 3581400"/>
-              <a:gd name="connsiteY5" fmla="*/ 1488904 h 2639646"/>
-              <a:gd name="connsiteX6" fmla="*/ 0 w 3581400"/>
-              <a:gd name="connsiteY6" fmla="*/ 1488904 h 2639646"/>
-              <a:gd name="connsiteX7" fmla="*/ 0 w 3581400"/>
-              <a:gd name="connsiteY7" fmla="*/ 955504 h 2639646"/>
-              <a:gd name="connsiteX0" fmla="*/ 664381 w 3581400"/>
-              <a:gd name="connsiteY0" fmla="*/ 2772996 h 2772996"/>
-              <a:gd name="connsiteX1" fmla="*/ 2188381 w 3581400"/>
-              <a:gd name="connsiteY1" fmla="*/ 133350 h 2772996"/>
-              <a:gd name="connsiteX2" fmla="*/ 1957412 w 3581400"/>
-              <a:gd name="connsiteY2" fmla="*/ 0 h 2772996"/>
-              <a:gd name="connsiteX3" fmla="*/ 3581400 w 3581400"/>
-              <a:gd name="connsiteY3" fmla="*/ 1355554 h 2772996"/>
-              <a:gd name="connsiteX4" fmla="*/ 3048000 w 3581400"/>
-              <a:gd name="connsiteY4" fmla="*/ 1888954 h 2772996"/>
-              <a:gd name="connsiteX5" fmla="*/ 3048000 w 3581400"/>
-              <a:gd name="connsiteY5" fmla="*/ 1622254 h 2772996"/>
-              <a:gd name="connsiteX6" fmla="*/ 0 w 3581400"/>
-              <a:gd name="connsiteY6" fmla="*/ 1622254 h 2772996"/>
-              <a:gd name="connsiteX7" fmla="*/ 0 w 3581400"/>
-              <a:gd name="connsiteY7" fmla="*/ 1088854 h 2772996"/>
-              <a:gd name="connsiteX0" fmla="*/ 664381 w 3048000"/>
-              <a:gd name="connsiteY0" fmla="*/ 2968234 h 2968234"/>
-              <a:gd name="connsiteX1" fmla="*/ 2188381 w 3048000"/>
-              <a:gd name="connsiteY1" fmla="*/ 328588 h 2968234"/>
-              <a:gd name="connsiteX2" fmla="*/ 1957412 w 3048000"/>
-              <a:gd name="connsiteY2" fmla="*/ 195238 h 2968234"/>
-              <a:gd name="connsiteX3" fmla="*/ 2686050 w 3048000"/>
-              <a:gd name="connsiteY3" fmla="*/ 0 h 2968234"/>
-              <a:gd name="connsiteX4" fmla="*/ 3048000 w 3048000"/>
-              <a:gd name="connsiteY4" fmla="*/ 2084192 h 2968234"/>
-              <a:gd name="connsiteX5" fmla="*/ 3048000 w 3048000"/>
-              <a:gd name="connsiteY5" fmla="*/ 1817492 h 2968234"/>
-              <a:gd name="connsiteX6" fmla="*/ 0 w 3048000"/>
-              <a:gd name="connsiteY6" fmla="*/ 1817492 h 2968234"/>
-              <a:gd name="connsiteX7" fmla="*/ 0 w 3048000"/>
-              <a:gd name="connsiteY7" fmla="*/ 1284092 h 2968234"/>
-              <a:gd name="connsiteX0" fmla="*/ 664381 w 3048000"/>
-              <a:gd name="connsiteY0" fmla="*/ 2968234 h 2968234"/>
-              <a:gd name="connsiteX1" fmla="*/ 2188381 w 3048000"/>
-              <a:gd name="connsiteY1" fmla="*/ 328588 h 2968234"/>
-              <a:gd name="connsiteX2" fmla="*/ 1957412 w 3048000"/>
-              <a:gd name="connsiteY2" fmla="*/ 195238 h 2968234"/>
-              <a:gd name="connsiteX3" fmla="*/ 2686050 w 3048000"/>
-              <a:gd name="connsiteY3" fmla="*/ 0 h 2968234"/>
-              <a:gd name="connsiteX4" fmla="*/ 2881288 w 3048000"/>
-              <a:gd name="connsiteY4" fmla="*/ 728638 h 2968234"/>
-              <a:gd name="connsiteX5" fmla="*/ 3048000 w 3048000"/>
-              <a:gd name="connsiteY5" fmla="*/ 1817492 h 2968234"/>
-              <a:gd name="connsiteX6" fmla="*/ 0 w 3048000"/>
-              <a:gd name="connsiteY6" fmla="*/ 1817492 h 2968234"/>
-              <a:gd name="connsiteX7" fmla="*/ 0 w 3048000"/>
-              <a:gd name="connsiteY7" fmla="*/ 1284092 h 2968234"/>
-              <a:gd name="connsiteX0" fmla="*/ 664381 w 2881288"/>
-              <a:gd name="connsiteY0" fmla="*/ 2968234 h 2968234"/>
-              <a:gd name="connsiteX1" fmla="*/ 2188381 w 2881288"/>
-              <a:gd name="connsiteY1" fmla="*/ 328588 h 2968234"/>
-              <a:gd name="connsiteX2" fmla="*/ 1957412 w 2881288"/>
-              <a:gd name="connsiteY2" fmla="*/ 195238 h 2968234"/>
-              <a:gd name="connsiteX3" fmla="*/ 2686050 w 2881288"/>
-              <a:gd name="connsiteY3" fmla="*/ 0 h 2968234"/>
-              <a:gd name="connsiteX4" fmla="*/ 2881288 w 2881288"/>
-              <a:gd name="connsiteY4" fmla="*/ 728638 h 2968234"/>
-              <a:gd name="connsiteX5" fmla="*/ 2650319 w 2881288"/>
-              <a:gd name="connsiteY5" fmla="*/ 595288 h 2968234"/>
-              <a:gd name="connsiteX6" fmla="*/ 0 w 2881288"/>
-              <a:gd name="connsiteY6" fmla="*/ 1817492 h 2968234"/>
-              <a:gd name="connsiteX7" fmla="*/ 0 w 2881288"/>
-              <a:gd name="connsiteY7" fmla="*/ 1284092 h 2968234"/>
-              <a:gd name="connsiteX0" fmla="*/ 664381 w 2881288"/>
-              <a:gd name="connsiteY0" fmla="*/ 2968234 h 3234934"/>
-              <a:gd name="connsiteX1" fmla="*/ 2188381 w 2881288"/>
-              <a:gd name="connsiteY1" fmla="*/ 328588 h 3234934"/>
-              <a:gd name="connsiteX2" fmla="*/ 1957412 w 2881288"/>
-              <a:gd name="connsiteY2" fmla="*/ 195238 h 3234934"/>
-              <a:gd name="connsiteX3" fmla="*/ 2686050 w 2881288"/>
-              <a:gd name="connsiteY3" fmla="*/ 0 h 3234934"/>
-              <a:gd name="connsiteX4" fmla="*/ 2881288 w 2881288"/>
-              <a:gd name="connsiteY4" fmla="*/ 728638 h 3234934"/>
-              <a:gd name="connsiteX5" fmla="*/ 2650319 w 2881288"/>
-              <a:gd name="connsiteY5" fmla="*/ 595288 h 3234934"/>
-              <a:gd name="connsiteX6" fmla="*/ 1126319 w 2881288"/>
-              <a:gd name="connsiteY6" fmla="*/ 3234934 h 3234934"/>
-              <a:gd name="connsiteX7" fmla="*/ 0 w 2881288"/>
-              <a:gd name="connsiteY7" fmla="*/ 1284092 h 3234934"/>
-              <a:gd name="connsiteX0" fmla="*/ 0 w 2216907"/>
-              <a:gd name="connsiteY0" fmla="*/ 2968234 h 3234934"/>
-              <a:gd name="connsiteX1" fmla="*/ 1524000 w 2216907"/>
-              <a:gd name="connsiteY1" fmla="*/ 328588 h 3234934"/>
-              <a:gd name="connsiteX2" fmla="*/ 1293031 w 2216907"/>
-              <a:gd name="connsiteY2" fmla="*/ 195238 h 3234934"/>
-              <a:gd name="connsiteX3" fmla="*/ 2021669 w 2216907"/>
-              <a:gd name="connsiteY3" fmla="*/ 0 h 3234934"/>
-              <a:gd name="connsiteX4" fmla="*/ 2216907 w 2216907"/>
-              <a:gd name="connsiteY4" fmla="*/ 728638 h 3234934"/>
-              <a:gd name="connsiteX5" fmla="*/ 1985938 w 2216907"/>
-              <a:gd name="connsiteY5" fmla="*/ 595288 h 3234934"/>
-              <a:gd name="connsiteX6" fmla="*/ 461938 w 2216907"/>
-              <a:gd name="connsiteY6" fmla="*/ 3234934 h 3234934"/>
-              <a:gd name="connsiteX7" fmla="*/ 0 w 2216907"/>
-              <a:gd name="connsiteY7" fmla="*/ 2968234 h 3234934"/>
-            </a:gdLst>
-            <a:ahLst/>
-            <a:cxnLst>
-              <a:cxn ang="0">
-                <a:pos x="connsiteX0" y="connsiteY0"/>
-              </a:cxn>
-              <a:cxn ang="0">
-                <a:pos x="connsiteX1" y="connsiteY1"/>
-              </a:cxn>
-              <a:cxn ang="0">
-                <a:pos x="connsiteX2" y="connsiteY2"/>
-              </a:cxn>
-              <a:cxn ang="0">
-                <a:pos x="connsiteX3" y="connsiteY3"/>
-              </a:cxn>
-              <a:cxn ang="0">
-                <a:pos x="connsiteX4" y="connsiteY4"/>
-              </a:cxn>
-              <a:cxn ang="0">
-                <a:pos x="connsiteX5" y="connsiteY5"/>
-              </a:cxn>
-              <a:cxn ang="0">
-                <a:pos x="connsiteX6" y="connsiteY6"/>
-              </a:cxn>
-              <a:cxn ang="0">
-                <a:pos x="connsiteX7" y="connsiteY7"/>
-              </a:cxn>
-            </a:cxnLst>
-            <a:rect l="l" t="t" r="r" b="b"/>
-            <a:pathLst>
-              <a:path w="2216907" h="3234934">
-                <a:moveTo>
-                  <a:pt x="0" y="2968234"/>
-                </a:moveTo>
-                <a:lnTo>
-                  <a:pt x="1524000" y="328588"/>
-                </a:lnTo>
-                <a:lnTo>
-                  <a:pt x="1293031" y="195238"/>
-                </a:lnTo>
-                <a:lnTo>
-                  <a:pt x="2021669" y="0"/>
-                </a:lnTo>
-                <a:lnTo>
-                  <a:pt x="2216907" y="728638"/>
-                </a:lnTo>
-                <a:lnTo>
-                  <a:pt x="1985938" y="595288"/>
-                </a:lnTo>
-                <a:lnTo>
-                  <a:pt x="461938" y="3234934"/>
-                </a:lnTo>
-                <a:lnTo>
-                  <a:pt x="0" y="2968234"/>
-                </a:lnTo>
-                <a:close/>
-              </a:path>
-            </a:pathLst>
-          </a:custGeom>
+          </a:prstGeom>
         </p:spPr>
         <p:style>
           <a:lnRef idx="2">
@@ -17717,136 +16259,13 @@
           <p:nvPr/>
         </p:nvSpPr>
         <p:spPr>
-          <a:xfrm>
-            <a:off x="6345704" y="3124200"/>
-            <a:ext cx="2121971" cy="2179084"/>
+          <a:xfrm rot="18672083">
+            <a:off x="6758990" y="3604142"/>
+            <a:ext cx="1828800" cy="1219200"/>
           </a:xfrm>
-          <a:custGeom>
+          <a:prstGeom prst="rect">
             <a:avLst/>
-            <a:gdLst>
-              <a:gd name="connsiteX0" fmla="*/ 0 w 1828800"/>
-              <a:gd name="connsiteY0" fmla="*/ 0 h 1219200"/>
-              <a:gd name="connsiteX1" fmla="*/ 1828800 w 1828800"/>
-              <a:gd name="connsiteY1" fmla="*/ 0 h 1219200"/>
-              <a:gd name="connsiteX2" fmla="*/ 1828800 w 1828800"/>
-              <a:gd name="connsiteY2" fmla="*/ 1219200 h 1219200"/>
-              <a:gd name="connsiteX3" fmla="*/ 0 w 1828800"/>
-              <a:gd name="connsiteY3" fmla="*/ 1219200 h 1219200"/>
-              <a:gd name="connsiteX4" fmla="*/ 0 w 1828800"/>
-              <a:gd name="connsiteY4" fmla="*/ 0 h 1219200"/>
-              <a:gd name="connsiteX0" fmla="*/ 1975386 w 3804186"/>
-              <a:gd name="connsiteY0" fmla="*/ 3604142 h 4823342"/>
-              <a:gd name="connsiteX1" fmla="*/ 0 w 3804186"/>
-              <a:gd name="connsiteY1" fmla="*/ 0 h 4823342"/>
-              <a:gd name="connsiteX2" fmla="*/ 3804186 w 3804186"/>
-              <a:gd name="connsiteY2" fmla="*/ 3604142 h 4823342"/>
-              <a:gd name="connsiteX3" fmla="*/ 3804186 w 3804186"/>
-              <a:gd name="connsiteY3" fmla="*/ 4823342 h 4823342"/>
-              <a:gd name="connsiteX4" fmla="*/ 1975386 w 3804186"/>
-              <a:gd name="connsiteY4" fmla="*/ 4823342 h 4823342"/>
-              <a:gd name="connsiteX5" fmla="*/ 1975386 w 3804186"/>
-              <a:gd name="connsiteY5" fmla="*/ 3604142 h 4823342"/>
-              <a:gd name="connsiteX0" fmla="*/ 0 w 1828800"/>
-              <a:gd name="connsiteY0" fmla="*/ 0 h 1219200"/>
-              <a:gd name="connsiteX1" fmla="*/ 1828800 w 1828800"/>
-              <a:gd name="connsiteY1" fmla="*/ 0 h 1219200"/>
-              <a:gd name="connsiteX2" fmla="*/ 1828800 w 1828800"/>
-              <a:gd name="connsiteY2" fmla="*/ 1219200 h 1219200"/>
-              <a:gd name="connsiteX3" fmla="*/ 0 w 1828800"/>
-              <a:gd name="connsiteY3" fmla="*/ 1219200 h 1219200"/>
-              <a:gd name="connsiteX4" fmla="*/ 0 w 1828800"/>
-              <a:gd name="connsiteY4" fmla="*/ 0 h 1219200"/>
-              <a:gd name="connsiteX0" fmla="*/ 0 w 1975385"/>
-              <a:gd name="connsiteY0" fmla="*/ 896045 h 1219200"/>
-              <a:gd name="connsiteX1" fmla="*/ 1975385 w 1975385"/>
-              <a:gd name="connsiteY1" fmla="*/ 0 h 1219200"/>
-              <a:gd name="connsiteX2" fmla="*/ 1975385 w 1975385"/>
-              <a:gd name="connsiteY2" fmla="*/ 1219200 h 1219200"/>
-              <a:gd name="connsiteX3" fmla="*/ 146585 w 1975385"/>
-              <a:gd name="connsiteY3" fmla="*/ 1219200 h 1219200"/>
-              <a:gd name="connsiteX4" fmla="*/ 146585 w 1975385"/>
-              <a:gd name="connsiteY4" fmla="*/ 0 h 1219200"/>
-              <a:gd name="connsiteX0" fmla="*/ 0 w 1975385"/>
-              <a:gd name="connsiteY0" fmla="*/ 1375987 h 1699142"/>
-              <a:gd name="connsiteX1" fmla="*/ 1204646 w 1975385"/>
-              <a:gd name="connsiteY1" fmla="*/ 0 h 1699142"/>
-              <a:gd name="connsiteX2" fmla="*/ 1975385 w 1975385"/>
-              <a:gd name="connsiteY2" fmla="*/ 1699142 h 1699142"/>
-              <a:gd name="connsiteX3" fmla="*/ 146585 w 1975385"/>
-              <a:gd name="connsiteY3" fmla="*/ 1699142 h 1699142"/>
-              <a:gd name="connsiteX4" fmla="*/ 146585 w 1975385"/>
-              <a:gd name="connsiteY4" fmla="*/ 479942 h 1699142"/>
-              <a:gd name="connsiteX0" fmla="*/ 0 w 2121971"/>
-              <a:gd name="connsiteY0" fmla="*/ 1375987 h 1699142"/>
-              <a:gd name="connsiteX1" fmla="*/ 1204646 w 2121971"/>
-              <a:gd name="connsiteY1" fmla="*/ 0 h 1699142"/>
-              <a:gd name="connsiteX2" fmla="*/ 2121971 w 2121971"/>
-              <a:gd name="connsiteY2" fmla="*/ 803097 h 1699142"/>
-              <a:gd name="connsiteX3" fmla="*/ 146585 w 2121971"/>
-              <a:gd name="connsiteY3" fmla="*/ 1699142 h 1699142"/>
-              <a:gd name="connsiteX4" fmla="*/ 146585 w 2121971"/>
-              <a:gd name="connsiteY4" fmla="*/ 479942 h 1699142"/>
-              <a:gd name="connsiteX0" fmla="*/ 0 w 2121971"/>
-              <a:gd name="connsiteY0" fmla="*/ 1375987 h 2179084"/>
-              <a:gd name="connsiteX1" fmla="*/ 1204646 w 2121971"/>
-              <a:gd name="connsiteY1" fmla="*/ 0 h 2179084"/>
-              <a:gd name="connsiteX2" fmla="*/ 2121971 w 2121971"/>
-              <a:gd name="connsiteY2" fmla="*/ 803097 h 2179084"/>
-              <a:gd name="connsiteX3" fmla="*/ 917326 w 2121971"/>
-              <a:gd name="connsiteY3" fmla="*/ 2179084 h 2179084"/>
-              <a:gd name="connsiteX4" fmla="*/ 146585 w 2121971"/>
-              <a:gd name="connsiteY4" fmla="*/ 479942 h 2179084"/>
-              <a:gd name="connsiteX0" fmla="*/ 0 w 2121971"/>
-              <a:gd name="connsiteY0" fmla="*/ 1375987 h 2179084"/>
-              <a:gd name="connsiteX1" fmla="*/ 1204646 w 2121971"/>
-              <a:gd name="connsiteY1" fmla="*/ 0 h 2179084"/>
-              <a:gd name="connsiteX2" fmla="*/ 2121971 w 2121971"/>
-              <a:gd name="connsiteY2" fmla="*/ 803097 h 2179084"/>
-              <a:gd name="connsiteX3" fmla="*/ 917326 w 2121971"/>
-              <a:gd name="connsiteY3" fmla="*/ 2179084 h 2179084"/>
-              <a:gd name="connsiteX4" fmla="*/ 1 w 2121971"/>
-              <a:gd name="connsiteY4" fmla="*/ 1375987 h 2179084"/>
-            </a:gdLst>
-            <a:ahLst/>
-            <a:cxnLst>
-              <a:cxn ang="0">
-                <a:pos x="connsiteX0" y="connsiteY0"/>
-              </a:cxn>
-              <a:cxn ang="0">
-                <a:pos x="connsiteX1" y="connsiteY1"/>
-              </a:cxn>
-              <a:cxn ang="0">
-                <a:pos x="connsiteX2" y="connsiteY2"/>
-              </a:cxn>
-              <a:cxn ang="0">
-                <a:pos x="connsiteX3" y="connsiteY3"/>
-              </a:cxn>
-              <a:cxn ang="0">
-                <a:pos x="connsiteX4" y="connsiteY4"/>
-              </a:cxn>
-            </a:cxnLst>
-            <a:rect l="l" t="t" r="r" b="b"/>
-            <a:pathLst>
-              <a:path w="2121971" h="2179084">
-                <a:moveTo>
-                  <a:pt x="0" y="1375987"/>
-                </a:moveTo>
-                <a:lnTo>
-                  <a:pt x="1204646" y="0"/>
-                </a:lnTo>
-                <a:lnTo>
-                  <a:pt x="2121971" y="803097"/>
-                </a:lnTo>
-                <a:lnTo>
-                  <a:pt x="917326" y="2179084"/>
-                </a:lnTo>
-                <a:lnTo>
-                  <a:pt x="1" y="1375987"/>
-                </a:lnTo>
-                <a:close/>
-              </a:path>
-            </a:pathLst>
-          </a:custGeom>
+          </a:prstGeom>
         </p:spPr>
         <p:style>
           <a:lnRef idx="2">
@@ -17876,7 +16295,7 @@
     </p:spTree>
     <p:extLst>
       <p:ext uri="{BB962C8B-B14F-4D97-AF65-F5344CB8AC3E}">
-        <p14:creationId xmlns:p14="http://schemas.microsoft.com/office/powerpoint/2010/main" val="1130569640"/>
+        <p14:creationId xmlns:p14="http://schemas.microsoft.com/office/powerpoint/2010/main" val="4070201812"/>
       </p:ext>
     </p:extLst>
   </p:cSld>
@@ -18062,250 +16481,13 @@
           <p:nvPr/>
         </p:nvSpPr>
         <p:spPr>
-          <a:xfrm>
-            <a:off x="6250768" y="533400"/>
-            <a:ext cx="2216907" cy="3234934"/>
+          <a:xfrm rot="18000000">
+            <a:off x="5586387" y="1817492"/>
+            <a:ext cx="3581400" cy="1066800"/>
           </a:xfrm>
-          <a:custGeom>
+          <a:prstGeom prst="rightArrow">
             <a:avLst/>
-            <a:gdLst>
-              <a:gd name="connsiteX0" fmla="*/ 0 w 3581400"/>
-              <a:gd name="connsiteY0" fmla="*/ 266700 h 1066800"/>
-              <a:gd name="connsiteX1" fmla="*/ 3048000 w 3581400"/>
-              <a:gd name="connsiteY1" fmla="*/ 266700 h 1066800"/>
-              <a:gd name="connsiteX2" fmla="*/ 3048000 w 3581400"/>
-              <a:gd name="connsiteY2" fmla="*/ 0 h 1066800"/>
-              <a:gd name="connsiteX3" fmla="*/ 3581400 w 3581400"/>
-              <a:gd name="connsiteY3" fmla="*/ 533400 h 1066800"/>
-              <a:gd name="connsiteX4" fmla="*/ 3048000 w 3581400"/>
-              <a:gd name="connsiteY4" fmla="*/ 1066800 h 1066800"/>
-              <a:gd name="connsiteX5" fmla="*/ 3048000 w 3581400"/>
-              <a:gd name="connsiteY5" fmla="*/ 800100 h 1066800"/>
-              <a:gd name="connsiteX6" fmla="*/ 0 w 3581400"/>
-              <a:gd name="connsiteY6" fmla="*/ 800100 h 1066800"/>
-              <a:gd name="connsiteX7" fmla="*/ 0 w 3581400"/>
-              <a:gd name="connsiteY7" fmla="*/ 266700 h 1066800"/>
-              <a:gd name="connsiteX0" fmla="*/ 5586387 w 9167787"/>
-              <a:gd name="connsiteY0" fmla="*/ 3760592 h 4560692"/>
-              <a:gd name="connsiteX1" fmla="*/ 0 w 9167787"/>
-              <a:gd name="connsiteY1" fmla="*/ 0 h 4560692"/>
-              <a:gd name="connsiteX2" fmla="*/ 8634387 w 9167787"/>
-              <a:gd name="connsiteY2" fmla="*/ 3760592 h 4560692"/>
-              <a:gd name="connsiteX3" fmla="*/ 8634387 w 9167787"/>
-              <a:gd name="connsiteY3" fmla="*/ 3493892 h 4560692"/>
-              <a:gd name="connsiteX4" fmla="*/ 9167787 w 9167787"/>
-              <a:gd name="connsiteY4" fmla="*/ 4027292 h 4560692"/>
-              <a:gd name="connsiteX5" fmla="*/ 8634387 w 9167787"/>
-              <a:gd name="connsiteY5" fmla="*/ 4560692 h 4560692"/>
-              <a:gd name="connsiteX6" fmla="*/ 8634387 w 9167787"/>
-              <a:gd name="connsiteY6" fmla="*/ 4293992 h 4560692"/>
-              <a:gd name="connsiteX7" fmla="*/ 5586387 w 9167787"/>
-              <a:gd name="connsiteY7" fmla="*/ 4293992 h 4560692"/>
-              <a:gd name="connsiteX8" fmla="*/ 5586387 w 9167787"/>
-              <a:gd name="connsiteY8" fmla="*/ 3760592 h 4560692"/>
-              <a:gd name="connsiteX0" fmla="*/ 0 w 3581400"/>
-              <a:gd name="connsiteY0" fmla="*/ 266700 h 1066800"/>
-              <a:gd name="connsiteX1" fmla="*/ 3048000 w 3581400"/>
-              <a:gd name="connsiteY1" fmla="*/ 266700 h 1066800"/>
-              <a:gd name="connsiteX2" fmla="*/ 3048000 w 3581400"/>
-              <a:gd name="connsiteY2" fmla="*/ 0 h 1066800"/>
-              <a:gd name="connsiteX3" fmla="*/ 3581400 w 3581400"/>
-              <a:gd name="connsiteY3" fmla="*/ 533400 h 1066800"/>
-              <a:gd name="connsiteX4" fmla="*/ 3048000 w 3581400"/>
-              <a:gd name="connsiteY4" fmla="*/ 1066800 h 1066800"/>
-              <a:gd name="connsiteX5" fmla="*/ 3048000 w 3581400"/>
-              <a:gd name="connsiteY5" fmla="*/ 800100 h 1066800"/>
-              <a:gd name="connsiteX6" fmla="*/ 0 w 3581400"/>
-              <a:gd name="connsiteY6" fmla="*/ 800100 h 1066800"/>
-              <a:gd name="connsiteX7" fmla="*/ 0 w 3581400"/>
-              <a:gd name="connsiteY7" fmla="*/ 266700 h 1066800"/>
-              <a:gd name="connsiteX0" fmla="*/ 664381 w 3581400"/>
-              <a:gd name="connsiteY0" fmla="*/ 1950842 h 1950842"/>
-              <a:gd name="connsiteX1" fmla="*/ 3048000 w 3581400"/>
-              <a:gd name="connsiteY1" fmla="*/ 266700 h 1950842"/>
-              <a:gd name="connsiteX2" fmla="*/ 3048000 w 3581400"/>
-              <a:gd name="connsiteY2" fmla="*/ 0 h 1950842"/>
-              <a:gd name="connsiteX3" fmla="*/ 3581400 w 3581400"/>
-              <a:gd name="connsiteY3" fmla="*/ 533400 h 1950842"/>
-              <a:gd name="connsiteX4" fmla="*/ 3048000 w 3581400"/>
-              <a:gd name="connsiteY4" fmla="*/ 1066800 h 1950842"/>
-              <a:gd name="connsiteX5" fmla="*/ 3048000 w 3581400"/>
-              <a:gd name="connsiteY5" fmla="*/ 800100 h 1950842"/>
-              <a:gd name="connsiteX6" fmla="*/ 0 w 3581400"/>
-              <a:gd name="connsiteY6" fmla="*/ 800100 h 1950842"/>
-              <a:gd name="connsiteX7" fmla="*/ 0 w 3581400"/>
-              <a:gd name="connsiteY7" fmla="*/ 266700 h 1950842"/>
-              <a:gd name="connsiteX0" fmla="*/ 664381 w 3581400"/>
-              <a:gd name="connsiteY0" fmla="*/ 2639646 h 2639646"/>
-              <a:gd name="connsiteX1" fmla="*/ 2188381 w 3581400"/>
-              <a:gd name="connsiteY1" fmla="*/ 0 h 2639646"/>
-              <a:gd name="connsiteX2" fmla="*/ 3048000 w 3581400"/>
-              <a:gd name="connsiteY2" fmla="*/ 688804 h 2639646"/>
-              <a:gd name="connsiteX3" fmla="*/ 3581400 w 3581400"/>
-              <a:gd name="connsiteY3" fmla="*/ 1222204 h 2639646"/>
-              <a:gd name="connsiteX4" fmla="*/ 3048000 w 3581400"/>
-              <a:gd name="connsiteY4" fmla="*/ 1755604 h 2639646"/>
-              <a:gd name="connsiteX5" fmla="*/ 3048000 w 3581400"/>
-              <a:gd name="connsiteY5" fmla="*/ 1488904 h 2639646"/>
-              <a:gd name="connsiteX6" fmla="*/ 0 w 3581400"/>
-              <a:gd name="connsiteY6" fmla="*/ 1488904 h 2639646"/>
-              <a:gd name="connsiteX7" fmla="*/ 0 w 3581400"/>
-              <a:gd name="connsiteY7" fmla="*/ 955504 h 2639646"/>
-              <a:gd name="connsiteX0" fmla="*/ 664381 w 3581400"/>
-              <a:gd name="connsiteY0" fmla="*/ 2772996 h 2772996"/>
-              <a:gd name="connsiteX1" fmla="*/ 2188381 w 3581400"/>
-              <a:gd name="connsiteY1" fmla="*/ 133350 h 2772996"/>
-              <a:gd name="connsiteX2" fmla="*/ 1957412 w 3581400"/>
-              <a:gd name="connsiteY2" fmla="*/ 0 h 2772996"/>
-              <a:gd name="connsiteX3" fmla="*/ 3581400 w 3581400"/>
-              <a:gd name="connsiteY3" fmla="*/ 1355554 h 2772996"/>
-              <a:gd name="connsiteX4" fmla="*/ 3048000 w 3581400"/>
-              <a:gd name="connsiteY4" fmla="*/ 1888954 h 2772996"/>
-              <a:gd name="connsiteX5" fmla="*/ 3048000 w 3581400"/>
-              <a:gd name="connsiteY5" fmla="*/ 1622254 h 2772996"/>
-              <a:gd name="connsiteX6" fmla="*/ 0 w 3581400"/>
-              <a:gd name="connsiteY6" fmla="*/ 1622254 h 2772996"/>
-              <a:gd name="connsiteX7" fmla="*/ 0 w 3581400"/>
-              <a:gd name="connsiteY7" fmla="*/ 1088854 h 2772996"/>
-              <a:gd name="connsiteX0" fmla="*/ 664381 w 3048000"/>
-              <a:gd name="connsiteY0" fmla="*/ 2968234 h 2968234"/>
-              <a:gd name="connsiteX1" fmla="*/ 2188381 w 3048000"/>
-              <a:gd name="connsiteY1" fmla="*/ 328588 h 2968234"/>
-              <a:gd name="connsiteX2" fmla="*/ 1957412 w 3048000"/>
-              <a:gd name="connsiteY2" fmla="*/ 195238 h 2968234"/>
-              <a:gd name="connsiteX3" fmla="*/ 2686050 w 3048000"/>
-              <a:gd name="connsiteY3" fmla="*/ 0 h 2968234"/>
-              <a:gd name="connsiteX4" fmla="*/ 3048000 w 3048000"/>
-              <a:gd name="connsiteY4" fmla="*/ 2084192 h 2968234"/>
-              <a:gd name="connsiteX5" fmla="*/ 3048000 w 3048000"/>
-              <a:gd name="connsiteY5" fmla="*/ 1817492 h 2968234"/>
-              <a:gd name="connsiteX6" fmla="*/ 0 w 3048000"/>
-              <a:gd name="connsiteY6" fmla="*/ 1817492 h 2968234"/>
-              <a:gd name="connsiteX7" fmla="*/ 0 w 3048000"/>
-              <a:gd name="connsiteY7" fmla="*/ 1284092 h 2968234"/>
-              <a:gd name="connsiteX0" fmla="*/ 664381 w 3048000"/>
-              <a:gd name="connsiteY0" fmla="*/ 2968234 h 2968234"/>
-              <a:gd name="connsiteX1" fmla="*/ 2188381 w 3048000"/>
-              <a:gd name="connsiteY1" fmla="*/ 328588 h 2968234"/>
-              <a:gd name="connsiteX2" fmla="*/ 1957412 w 3048000"/>
-              <a:gd name="connsiteY2" fmla="*/ 195238 h 2968234"/>
-              <a:gd name="connsiteX3" fmla="*/ 2686050 w 3048000"/>
-              <a:gd name="connsiteY3" fmla="*/ 0 h 2968234"/>
-              <a:gd name="connsiteX4" fmla="*/ 2881288 w 3048000"/>
-              <a:gd name="connsiteY4" fmla="*/ 728638 h 2968234"/>
-              <a:gd name="connsiteX5" fmla="*/ 3048000 w 3048000"/>
-              <a:gd name="connsiteY5" fmla="*/ 1817492 h 2968234"/>
-              <a:gd name="connsiteX6" fmla="*/ 0 w 3048000"/>
-              <a:gd name="connsiteY6" fmla="*/ 1817492 h 2968234"/>
-              <a:gd name="connsiteX7" fmla="*/ 0 w 3048000"/>
-              <a:gd name="connsiteY7" fmla="*/ 1284092 h 2968234"/>
-              <a:gd name="connsiteX0" fmla="*/ 664381 w 2881288"/>
-              <a:gd name="connsiteY0" fmla="*/ 2968234 h 2968234"/>
-              <a:gd name="connsiteX1" fmla="*/ 2188381 w 2881288"/>
-              <a:gd name="connsiteY1" fmla="*/ 328588 h 2968234"/>
-              <a:gd name="connsiteX2" fmla="*/ 1957412 w 2881288"/>
-              <a:gd name="connsiteY2" fmla="*/ 195238 h 2968234"/>
-              <a:gd name="connsiteX3" fmla="*/ 2686050 w 2881288"/>
-              <a:gd name="connsiteY3" fmla="*/ 0 h 2968234"/>
-              <a:gd name="connsiteX4" fmla="*/ 2881288 w 2881288"/>
-              <a:gd name="connsiteY4" fmla="*/ 728638 h 2968234"/>
-              <a:gd name="connsiteX5" fmla="*/ 2650319 w 2881288"/>
-              <a:gd name="connsiteY5" fmla="*/ 595288 h 2968234"/>
-              <a:gd name="connsiteX6" fmla="*/ 0 w 2881288"/>
-              <a:gd name="connsiteY6" fmla="*/ 1817492 h 2968234"/>
-              <a:gd name="connsiteX7" fmla="*/ 0 w 2881288"/>
-              <a:gd name="connsiteY7" fmla="*/ 1284092 h 2968234"/>
-              <a:gd name="connsiteX0" fmla="*/ 664381 w 2881288"/>
-              <a:gd name="connsiteY0" fmla="*/ 2968234 h 3234934"/>
-              <a:gd name="connsiteX1" fmla="*/ 2188381 w 2881288"/>
-              <a:gd name="connsiteY1" fmla="*/ 328588 h 3234934"/>
-              <a:gd name="connsiteX2" fmla="*/ 1957412 w 2881288"/>
-              <a:gd name="connsiteY2" fmla="*/ 195238 h 3234934"/>
-              <a:gd name="connsiteX3" fmla="*/ 2686050 w 2881288"/>
-              <a:gd name="connsiteY3" fmla="*/ 0 h 3234934"/>
-              <a:gd name="connsiteX4" fmla="*/ 2881288 w 2881288"/>
-              <a:gd name="connsiteY4" fmla="*/ 728638 h 3234934"/>
-              <a:gd name="connsiteX5" fmla="*/ 2650319 w 2881288"/>
-              <a:gd name="connsiteY5" fmla="*/ 595288 h 3234934"/>
-              <a:gd name="connsiteX6" fmla="*/ 1126319 w 2881288"/>
-              <a:gd name="connsiteY6" fmla="*/ 3234934 h 3234934"/>
-              <a:gd name="connsiteX7" fmla="*/ 0 w 2881288"/>
-              <a:gd name="connsiteY7" fmla="*/ 1284092 h 3234934"/>
-              <a:gd name="connsiteX0" fmla="*/ 0 w 2216907"/>
-              <a:gd name="connsiteY0" fmla="*/ 2968234 h 3234934"/>
-              <a:gd name="connsiteX1" fmla="*/ 1524000 w 2216907"/>
-              <a:gd name="connsiteY1" fmla="*/ 328588 h 3234934"/>
-              <a:gd name="connsiteX2" fmla="*/ 1293031 w 2216907"/>
-              <a:gd name="connsiteY2" fmla="*/ 195238 h 3234934"/>
-              <a:gd name="connsiteX3" fmla="*/ 2021669 w 2216907"/>
-              <a:gd name="connsiteY3" fmla="*/ 0 h 3234934"/>
-              <a:gd name="connsiteX4" fmla="*/ 2216907 w 2216907"/>
-              <a:gd name="connsiteY4" fmla="*/ 728638 h 3234934"/>
-              <a:gd name="connsiteX5" fmla="*/ 1985938 w 2216907"/>
-              <a:gd name="connsiteY5" fmla="*/ 595288 h 3234934"/>
-              <a:gd name="connsiteX6" fmla="*/ 461938 w 2216907"/>
-              <a:gd name="connsiteY6" fmla="*/ 3234934 h 3234934"/>
-              <a:gd name="connsiteX7" fmla="*/ 0 w 2216907"/>
-              <a:gd name="connsiteY7" fmla="*/ 2968234 h 3234934"/>
-            </a:gdLst>
-            <a:ahLst/>
-            <a:cxnLst>
-              <a:cxn ang="0">
-                <a:pos x="connsiteX0" y="connsiteY0"/>
-              </a:cxn>
-              <a:cxn ang="0">
-                <a:pos x="connsiteX1" y="connsiteY1"/>
-              </a:cxn>
-              <a:cxn ang="0">
-                <a:pos x="connsiteX2" y="connsiteY2"/>
-              </a:cxn>
-              <a:cxn ang="0">
-                <a:pos x="connsiteX3" y="connsiteY3"/>
-              </a:cxn>
-              <a:cxn ang="0">
-                <a:pos x="connsiteX4" y="connsiteY4"/>
-              </a:cxn>
-              <a:cxn ang="0">
-                <a:pos x="connsiteX5" y="connsiteY5"/>
-              </a:cxn>
-              <a:cxn ang="0">
-                <a:pos x="connsiteX6" y="connsiteY6"/>
-              </a:cxn>
-              <a:cxn ang="0">
-                <a:pos x="connsiteX7" y="connsiteY7"/>
-              </a:cxn>
-            </a:cxnLst>
-            <a:rect l="l" t="t" r="r" b="b"/>
-            <a:pathLst>
-              <a:path w="2216907" h="3234934">
-                <a:moveTo>
-                  <a:pt x="0" y="2968234"/>
-                </a:moveTo>
-                <a:lnTo>
-                  <a:pt x="1524000" y="328588"/>
-                </a:lnTo>
-                <a:lnTo>
-                  <a:pt x="1293031" y="195238"/>
-                </a:lnTo>
-                <a:lnTo>
-                  <a:pt x="2021669" y="0"/>
-                </a:lnTo>
-                <a:lnTo>
-                  <a:pt x="2216907" y="728638"/>
-                </a:lnTo>
-                <a:lnTo>
-                  <a:pt x="1985938" y="595288"/>
-                </a:lnTo>
-                <a:lnTo>
-                  <a:pt x="461938" y="3234934"/>
-                </a:lnTo>
-                <a:lnTo>
-                  <a:pt x="0" y="2968234"/>
-                </a:lnTo>
-                <a:close/>
-              </a:path>
-            </a:pathLst>
-          </a:custGeom>
+          </a:prstGeom>
         </p:spPr>
         <p:style>
           <a:lnRef idx="2">
@@ -18339,136 +16521,13 @@
           <p:nvPr/>
         </p:nvSpPr>
         <p:spPr>
-          <a:xfrm>
-            <a:off x="1828800" y="533400"/>
-            <a:ext cx="2121971" cy="2179084"/>
+          <a:xfrm rot="18672083">
+            <a:off x="1975386" y="1013342"/>
+            <a:ext cx="1828800" cy="1219200"/>
           </a:xfrm>
-          <a:custGeom>
+          <a:prstGeom prst="rect">
             <a:avLst/>
-            <a:gdLst>
-              <a:gd name="connsiteX0" fmla="*/ 0 w 1828800"/>
-              <a:gd name="connsiteY0" fmla="*/ 0 h 1219200"/>
-              <a:gd name="connsiteX1" fmla="*/ 1828800 w 1828800"/>
-              <a:gd name="connsiteY1" fmla="*/ 0 h 1219200"/>
-              <a:gd name="connsiteX2" fmla="*/ 1828800 w 1828800"/>
-              <a:gd name="connsiteY2" fmla="*/ 1219200 h 1219200"/>
-              <a:gd name="connsiteX3" fmla="*/ 0 w 1828800"/>
-              <a:gd name="connsiteY3" fmla="*/ 1219200 h 1219200"/>
-              <a:gd name="connsiteX4" fmla="*/ 0 w 1828800"/>
-              <a:gd name="connsiteY4" fmla="*/ 0 h 1219200"/>
-              <a:gd name="connsiteX0" fmla="*/ 1975386 w 3804186"/>
-              <a:gd name="connsiteY0" fmla="*/ 3604142 h 4823342"/>
-              <a:gd name="connsiteX1" fmla="*/ 0 w 3804186"/>
-              <a:gd name="connsiteY1" fmla="*/ 0 h 4823342"/>
-              <a:gd name="connsiteX2" fmla="*/ 3804186 w 3804186"/>
-              <a:gd name="connsiteY2" fmla="*/ 3604142 h 4823342"/>
-              <a:gd name="connsiteX3" fmla="*/ 3804186 w 3804186"/>
-              <a:gd name="connsiteY3" fmla="*/ 4823342 h 4823342"/>
-              <a:gd name="connsiteX4" fmla="*/ 1975386 w 3804186"/>
-              <a:gd name="connsiteY4" fmla="*/ 4823342 h 4823342"/>
-              <a:gd name="connsiteX5" fmla="*/ 1975386 w 3804186"/>
-              <a:gd name="connsiteY5" fmla="*/ 3604142 h 4823342"/>
-              <a:gd name="connsiteX0" fmla="*/ 0 w 1828800"/>
-              <a:gd name="connsiteY0" fmla="*/ 0 h 1219200"/>
-              <a:gd name="connsiteX1" fmla="*/ 1828800 w 1828800"/>
-              <a:gd name="connsiteY1" fmla="*/ 0 h 1219200"/>
-              <a:gd name="connsiteX2" fmla="*/ 1828800 w 1828800"/>
-              <a:gd name="connsiteY2" fmla="*/ 1219200 h 1219200"/>
-              <a:gd name="connsiteX3" fmla="*/ 0 w 1828800"/>
-              <a:gd name="connsiteY3" fmla="*/ 1219200 h 1219200"/>
-              <a:gd name="connsiteX4" fmla="*/ 0 w 1828800"/>
-              <a:gd name="connsiteY4" fmla="*/ 0 h 1219200"/>
-              <a:gd name="connsiteX0" fmla="*/ 0 w 1975385"/>
-              <a:gd name="connsiteY0" fmla="*/ 896045 h 1219200"/>
-              <a:gd name="connsiteX1" fmla="*/ 1975385 w 1975385"/>
-              <a:gd name="connsiteY1" fmla="*/ 0 h 1219200"/>
-              <a:gd name="connsiteX2" fmla="*/ 1975385 w 1975385"/>
-              <a:gd name="connsiteY2" fmla="*/ 1219200 h 1219200"/>
-              <a:gd name="connsiteX3" fmla="*/ 146585 w 1975385"/>
-              <a:gd name="connsiteY3" fmla="*/ 1219200 h 1219200"/>
-              <a:gd name="connsiteX4" fmla="*/ 146585 w 1975385"/>
-              <a:gd name="connsiteY4" fmla="*/ 0 h 1219200"/>
-              <a:gd name="connsiteX0" fmla="*/ 0 w 1975385"/>
-              <a:gd name="connsiteY0" fmla="*/ 1375987 h 1699142"/>
-              <a:gd name="connsiteX1" fmla="*/ 1204646 w 1975385"/>
-              <a:gd name="connsiteY1" fmla="*/ 0 h 1699142"/>
-              <a:gd name="connsiteX2" fmla="*/ 1975385 w 1975385"/>
-              <a:gd name="connsiteY2" fmla="*/ 1699142 h 1699142"/>
-              <a:gd name="connsiteX3" fmla="*/ 146585 w 1975385"/>
-              <a:gd name="connsiteY3" fmla="*/ 1699142 h 1699142"/>
-              <a:gd name="connsiteX4" fmla="*/ 146585 w 1975385"/>
-              <a:gd name="connsiteY4" fmla="*/ 479942 h 1699142"/>
-              <a:gd name="connsiteX0" fmla="*/ 0 w 2121971"/>
-              <a:gd name="connsiteY0" fmla="*/ 1375987 h 1699142"/>
-              <a:gd name="connsiteX1" fmla="*/ 1204646 w 2121971"/>
-              <a:gd name="connsiteY1" fmla="*/ 0 h 1699142"/>
-              <a:gd name="connsiteX2" fmla="*/ 2121971 w 2121971"/>
-              <a:gd name="connsiteY2" fmla="*/ 803097 h 1699142"/>
-              <a:gd name="connsiteX3" fmla="*/ 146585 w 2121971"/>
-              <a:gd name="connsiteY3" fmla="*/ 1699142 h 1699142"/>
-              <a:gd name="connsiteX4" fmla="*/ 146585 w 2121971"/>
-              <a:gd name="connsiteY4" fmla="*/ 479942 h 1699142"/>
-              <a:gd name="connsiteX0" fmla="*/ 0 w 2121971"/>
-              <a:gd name="connsiteY0" fmla="*/ 1375987 h 2179084"/>
-              <a:gd name="connsiteX1" fmla="*/ 1204646 w 2121971"/>
-              <a:gd name="connsiteY1" fmla="*/ 0 h 2179084"/>
-              <a:gd name="connsiteX2" fmla="*/ 2121971 w 2121971"/>
-              <a:gd name="connsiteY2" fmla="*/ 803097 h 2179084"/>
-              <a:gd name="connsiteX3" fmla="*/ 917326 w 2121971"/>
-              <a:gd name="connsiteY3" fmla="*/ 2179084 h 2179084"/>
-              <a:gd name="connsiteX4" fmla="*/ 146585 w 2121971"/>
-              <a:gd name="connsiteY4" fmla="*/ 479942 h 2179084"/>
-              <a:gd name="connsiteX0" fmla="*/ 0 w 2121971"/>
-              <a:gd name="connsiteY0" fmla="*/ 1375987 h 2179084"/>
-              <a:gd name="connsiteX1" fmla="*/ 1204646 w 2121971"/>
-              <a:gd name="connsiteY1" fmla="*/ 0 h 2179084"/>
-              <a:gd name="connsiteX2" fmla="*/ 2121971 w 2121971"/>
-              <a:gd name="connsiteY2" fmla="*/ 803097 h 2179084"/>
-              <a:gd name="connsiteX3" fmla="*/ 917326 w 2121971"/>
-              <a:gd name="connsiteY3" fmla="*/ 2179084 h 2179084"/>
-              <a:gd name="connsiteX4" fmla="*/ 1 w 2121971"/>
-              <a:gd name="connsiteY4" fmla="*/ 1375987 h 2179084"/>
-            </a:gdLst>
-            <a:ahLst/>
-            <a:cxnLst>
-              <a:cxn ang="0">
-                <a:pos x="connsiteX0" y="connsiteY0"/>
-              </a:cxn>
-              <a:cxn ang="0">
-                <a:pos x="connsiteX1" y="connsiteY1"/>
-              </a:cxn>
-              <a:cxn ang="0">
-                <a:pos x="connsiteX2" y="connsiteY2"/>
-              </a:cxn>
-              <a:cxn ang="0">
-                <a:pos x="connsiteX3" y="connsiteY3"/>
-              </a:cxn>
-              <a:cxn ang="0">
-                <a:pos x="connsiteX4" y="connsiteY4"/>
-              </a:cxn>
-            </a:cxnLst>
-            <a:rect l="l" t="t" r="r" b="b"/>
-            <a:pathLst>
-              <a:path w="2121971" h="2179084">
-                <a:moveTo>
-                  <a:pt x="0" y="1375987"/>
-                </a:moveTo>
-                <a:lnTo>
-                  <a:pt x="1204646" y="0"/>
-                </a:lnTo>
-                <a:lnTo>
-                  <a:pt x="2121971" y="803097"/>
-                </a:lnTo>
-                <a:lnTo>
-                  <a:pt x="917326" y="2179084"/>
-                </a:lnTo>
-                <a:lnTo>
-                  <a:pt x="1" y="1375987"/>
-                </a:lnTo>
-                <a:close/>
-              </a:path>
-            </a:pathLst>
-          </a:custGeom>
+          </a:prstGeom>
         </p:spPr>
         <p:style>
           <a:lnRef idx="2">
@@ -18498,7 +16557,7 @@
     </p:spTree>
     <p:extLst>
       <p:ext uri="{BB962C8B-B14F-4D97-AF65-F5344CB8AC3E}">
-        <p14:creationId xmlns:p14="http://schemas.microsoft.com/office/powerpoint/2010/main" val="4151295557"/>
+        <p14:creationId xmlns:p14="http://schemas.microsoft.com/office/powerpoint/2010/main" val="269745485"/>
       </p:ext>
     </p:extLst>
   </p:cSld>
@@ -18533,7 +16592,7 @@
         </p:nvSpPr>
         <p:spPr>
           <a:xfrm>
-            <a:off x="533400" y="4492234"/>
+            <a:off x="533400" y="4625584"/>
             <a:ext cx="1828800" cy="1219200"/>
           </a:xfrm>
           <a:prstGeom prst="rect">
@@ -18573,7 +16632,7 @@
         </p:nvSpPr>
         <p:spPr>
           <a:xfrm>
-            <a:off x="4431228" y="3882634"/>
+            <a:off x="4431228" y="4015984"/>
             <a:ext cx="1828800" cy="1828800"/>
           </a:xfrm>
           <a:prstGeom prst="ellipse">
@@ -18612,250 +16671,13 @@
           <p:nvPr/>
         </p:nvSpPr>
         <p:spPr>
-          <a:xfrm>
-            <a:off x="6250768" y="2476500"/>
-            <a:ext cx="2216907" cy="3234934"/>
+          <a:xfrm rot="18000000">
+            <a:off x="5586387" y="3493892"/>
+            <a:ext cx="3581400" cy="1066800"/>
           </a:xfrm>
-          <a:custGeom>
+          <a:prstGeom prst="rightArrow">
             <a:avLst/>
-            <a:gdLst>
-              <a:gd name="connsiteX0" fmla="*/ 0 w 3581400"/>
-              <a:gd name="connsiteY0" fmla="*/ 266700 h 1066800"/>
-              <a:gd name="connsiteX1" fmla="*/ 3048000 w 3581400"/>
-              <a:gd name="connsiteY1" fmla="*/ 266700 h 1066800"/>
-              <a:gd name="connsiteX2" fmla="*/ 3048000 w 3581400"/>
-              <a:gd name="connsiteY2" fmla="*/ 0 h 1066800"/>
-              <a:gd name="connsiteX3" fmla="*/ 3581400 w 3581400"/>
-              <a:gd name="connsiteY3" fmla="*/ 533400 h 1066800"/>
-              <a:gd name="connsiteX4" fmla="*/ 3048000 w 3581400"/>
-              <a:gd name="connsiteY4" fmla="*/ 1066800 h 1066800"/>
-              <a:gd name="connsiteX5" fmla="*/ 3048000 w 3581400"/>
-              <a:gd name="connsiteY5" fmla="*/ 800100 h 1066800"/>
-              <a:gd name="connsiteX6" fmla="*/ 0 w 3581400"/>
-              <a:gd name="connsiteY6" fmla="*/ 800100 h 1066800"/>
-              <a:gd name="connsiteX7" fmla="*/ 0 w 3581400"/>
-              <a:gd name="connsiteY7" fmla="*/ 266700 h 1066800"/>
-              <a:gd name="connsiteX0" fmla="*/ 5586387 w 9167787"/>
-              <a:gd name="connsiteY0" fmla="*/ 3760592 h 4560692"/>
-              <a:gd name="connsiteX1" fmla="*/ 0 w 9167787"/>
-              <a:gd name="connsiteY1" fmla="*/ 0 h 4560692"/>
-              <a:gd name="connsiteX2" fmla="*/ 8634387 w 9167787"/>
-              <a:gd name="connsiteY2" fmla="*/ 3760592 h 4560692"/>
-              <a:gd name="connsiteX3" fmla="*/ 8634387 w 9167787"/>
-              <a:gd name="connsiteY3" fmla="*/ 3493892 h 4560692"/>
-              <a:gd name="connsiteX4" fmla="*/ 9167787 w 9167787"/>
-              <a:gd name="connsiteY4" fmla="*/ 4027292 h 4560692"/>
-              <a:gd name="connsiteX5" fmla="*/ 8634387 w 9167787"/>
-              <a:gd name="connsiteY5" fmla="*/ 4560692 h 4560692"/>
-              <a:gd name="connsiteX6" fmla="*/ 8634387 w 9167787"/>
-              <a:gd name="connsiteY6" fmla="*/ 4293992 h 4560692"/>
-              <a:gd name="connsiteX7" fmla="*/ 5586387 w 9167787"/>
-              <a:gd name="connsiteY7" fmla="*/ 4293992 h 4560692"/>
-              <a:gd name="connsiteX8" fmla="*/ 5586387 w 9167787"/>
-              <a:gd name="connsiteY8" fmla="*/ 3760592 h 4560692"/>
-              <a:gd name="connsiteX0" fmla="*/ 0 w 3581400"/>
-              <a:gd name="connsiteY0" fmla="*/ 266700 h 1066800"/>
-              <a:gd name="connsiteX1" fmla="*/ 3048000 w 3581400"/>
-              <a:gd name="connsiteY1" fmla="*/ 266700 h 1066800"/>
-              <a:gd name="connsiteX2" fmla="*/ 3048000 w 3581400"/>
-              <a:gd name="connsiteY2" fmla="*/ 0 h 1066800"/>
-              <a:gd name="connsiteX3" fmla="*/ 3581400 w 3581400"/>
-              <a:gd name="connsiteY3" fmla="*/ 533400 h 1066800"/>
-              <a:gd name="connsiteX4" fmla="*/ 3048000 w 3581400"/>
-              <a:gd name="connsiteY4" fmla="*/ 1066800 h 1066800"/>
-              <a:gd name="connsiteX5" fmla="*/ 3048000 w 3581400"/>
-              <a:gd name="connsiteY5" fmla="*/ 800100 h 1066800"/>
-              <a:gd name="connsiteX6" fmla="*/ 0 w 3581400"/>
-              <a:gd name="connsiteY6" fmla="*/ 800100 h 1066800"/>
-              <a:gd name="connsiteX7" fmla="*/ 0 w 3581400"/>
-              <a:gd name="connsiteY7" fmla="*/ 266700 h 1066800"/>
-              <a:gd name="connsiteX0" fmla="*/ 664381 w 3581400"/>
-              <a:gd name="connsiteY0" fmla="*/ 1950842 h 1950842"/>
-              <a:gd name="connsiteX1" fmla="*/ 3048000 w 3581400"/>
-              <a:gd name="connsiteY1" fmla="*/ 266700 h 1950842"/>
-              <a:gd name="connsiteX2" fmla="*/ 3048000 w 3581400"/>
-              <a:gd name="connsiteY2" fmla="*/ 0 h 1950842"/>
-              <a:gd name="connsiteX3" fmla="*/ 3581400 w 3581400"/>
-              <a:gd name="connsiteY3" fmla="*/ 533400 h 1950842"/>
-              <a:gd name="connsiteX4" fmla="*/ 3048000 w 3581400"/>
-              <a:gd name="connsiteY4" fmla="*/ 1066800 h 1950842"/>
-              <a:gd name="connsiteX5" fmla="*/ 3048000 w 3581400"/>
-              <a:gd name="connsiteY5" fmla="*/ 800100 h 1950842"/>
-              <a:gd name="connsiteX6" fmla="*/ 0 w 3581400"/>
-              <a:gd name="connsiteY6" fmla="*/ 800100 h 1950842"/>
-              <a:gd name="connsiteX7" fmla="*/ 0 w 3581400"/>
-              <a:gd name="connsiteY7" fmla="*/ 266700 h 1950842"/>
-              <a:gd name="connsiteX0" fmla="*/ 664381 w 3581400"/>
-              <a:gd name="connsiteY0" fmla="*/ 2639646 h 2639646"/>
-              <a:gd name="connsiteX1" fmla="*/ 2188381 w 3581400"/>
-              <a:gd name="connsiteY1" fmla="*/ 0 h 2639646"/>
-              <a:gd name="connsiteX2" fmla="*/ 3048000 w 3581400"/>
-              <a:gd name="connsiteY2" fmla="*/ 688804 h 2639646"/>
-              <a:gd name="connsiteX3" fmla="*/ 3581400 w 3581400"/>
-              <a:gd name="connsiteY3" fmla="*/ 1222204 h 2639646"/>
-              <a:gd name="connsiteX4" fmla="*/ 3048000 w 3581400"/>
-              <a:gd name="connsiteY4" fmla="*/ 1755604 h 2639646"/>
-              <a:gd name="connsiteX5" fmla="*/ 3048000 w 3581400"/>
-              <a:gd name="connsiteY5" fmla="*/ 1488904 h 2639646"/>
-              <a:gd name="connsiteX6" fmla="*/ 0 w 3581400"/>
-              <a:gd name="connsiteY6" fmla="*/ 1488904 h 2639646"/>
-              <a:gd name="connsiteX7" fmla="*/ 0 w 3581400"/>
-              <a:gd name="connsiteY7" fmla="*/ 955504 h 2639646"/>
-              <a:gd name="connsiteX0" fmla="*/ 664381 w 3581400"/>
-              <a:gd name="connsiteY0" fmla="*/ 2772996 h 2772996"/>
-              <a:gd name="connsiteX1" fmla="*/ 2188381 w 3581400"/>
-              <a:gd name="connsiteY1" fmla="*/ 133350 h 2772996"/>
-              <a:gd name="connsiteX2" fmla="*/ 1957412 w 3581400"/>
-              <a:gd name="connsiteY2" fmla="*/ 0 h 2772996"/>
-              <a:gd name="connsiteX3" fmla="*/ 3581400 w 3581400"/>
-              <a:gd name="connsiteY3" fmla="*/ 1355554 h 2772996"/>
-              <a:gd name="connsiteX4" fmla="*/ 3048000 w 3581400"/>
-              <a:gd name="connsiteY4" fmla="*/ 1888954 h 2772996"/>
-              <a:gd name="connsiteX5" fmla="*/ 3048000 w 3581400"/>
-              <a:gd name="connsiteY5" fmla="*/ 1622254 h 2772996"/>
-              <a:gd name="connsiteX6" fmla="*/ 0 w 3581400"/>
-              <a:gd name="connsiteY6" fmla="*/ 1622254 h 2772996"/>
-              <a:gd name="connsiteX7" fmla="*/ 0 w 3581400"/>
-              <a:gd name="connsiteY7" fmla="*/ 1088854 h 2772996"/>
-              <a:gd name="connsiteX0" fmla="*/ 664381 w 3048000"/>
-              <a:gd name="connsiteY0" fmla="*/ 2968234 h 2968234"/>
-              <a:gd name="connsiteX1" fmla="*/ 2188381 w 3048000"/>
-              <a:gd name="connsiteY1" fmla="*/ 328588 h 2968234"/>
-              <a:gd name="connsiteX2" fmla="*/ 1957412 w 3048000"/>
-              <a:gd name="connsiteY2" fmla="*/ 195238 h 2968234"/>
-              <a:gd name="connsiteX3" fmla="*/ 2686050 w 3048000"/>
-              <a:gd name="connsiteY3" fmla="*/ 0 h 2968234"/>
-              <a:gd name="connsiteX4" fmla="*/ 3048000 w 3048000"/>
-              <a:gd name="connsiteY4" fmla="*/ 2084192 h 2968234"/>
-              <a:gd name="connsiteX5" fmla="*/ 3048000 w 3048000"/>
-              <a:gd name="connsiteY5" fmla="*/ 1817492 h 2968234"/>
-              <a:gd name="connsiteX6" fmla="*/ 0 w 3048000"/>
-              <a:gd name="connsiteY6" fmla="*/ 1817492 h 2968234"/>
-              <a:gd name="connsiteX7" fmla="*/ 0 w 3048000"/>
-              <a:gd name="connsiteY7" fmla="*/ 1284092 h 2968234"/>
-              <a:gd name="connsiteX0" fmla="*/ 664381 w 3048000"/>
-              <a:gd name="connsiteY0" fmla="*/ 2968234 h 2968234"/>
-              <a:gd name="connsiteX1" fmla="*/ 2188381 w 3048000"/>
-              <a:gd name="connsiteY1" fmla="*/ 328588 h 2968234"/>
-              <a:gd name="connsiteX2" fmla="*/ 1957412 w 3048000"/>
-              <a:gd name="connsiteY2" fmla="*/ 195238 h 2968234"/>
-              <a:gd name="connsiteX3" fmla="*/ 2686050 w 3048000"/>
-              <a:gd name="connsiteY3" fmla="*/ 0 h 2968234"/>
-              <a:gd name="connsiteX4" fmla="*/ 2881288 w 3048000"/>
-              <a:gd name="connsiteY4" fmla="*/ 728638 h 2968234"/>
-              <a:gd name="connsiteX5" fmla="*/ 3048000 w 3048000"/>
-              <a:gd name="connsiteY5" fmla="*/ 1817492 h 2968234"/>
-              <a:gd name="connsiteX6" fmla="*/ 0 w 3048000"/>
-              <a:gd name="connsiteY6" fmla="*/ 1817492 h 2968234"/>
-              <a:gd name="connsiteX7" fmla="*/ 0 w 3048000"/>
-              <a:gd name="connsiteY7" fmla="*/ 1284092 h 2968234"/>
-              <a:gd name="connsiteX0" fmla="*/ 664381 w 2881288"/>
-              <a:gd name="connsiteY0" fmla="*/ 2968234 h 2968234"/>
-              <a:gd name="connsiteX1" fmla="*/ 2188381 w 2881288"/>
-              <a:gd name="connsiteY1" fmla="*/ 328588 h 2968234"/>
-              <a:gd name="connsiteX2" fmla="*/ 1957412 w 2881288"/>
-              <a:gd name="connsiteY2" fmla="*/ 195238 h 2968234"/>
-              <a:gd name="connsiteX3" fmla="*/ 2686050 w 2881288"/>
-              <a:gd name="connsiteY3" fmla="*/ 0 h 2968234"/>
-              <a:gd name="connsiteX4" fmla="*/ 2881288 w 2881288"/>
-              <a:gd name="connsiteY4" fmla="*/ 728638 h 2968234"/>
-              <a:gd name="connsiteX5" fmla="*/ 2650319 w 2881288"/>
-              <a:gd name="connsiteY5" fmla="*/ 595288 h 2968234"/>
-              <a:gd name="connsiteX6" fmla="*/ 0 w 2881288"/>
-              <a:gd name="connsiteY6" fmla="*/ 1817492 h 2968234"/>
-              <a:gd name="connsiteX7" fmla="*/ 0 w 2881288"/>
-              <a:gd name="connsiteY7" fmla="*/ 1284092 h 2968234"/>
-              <a:gd name="connsiteX0" fmla="*/ 664381 w 2881288"/>
-              <a:gd name="connsiteY0" fmla="*/ 2968234 h 3234934"/>
-              <a:gd name="connsiteX1" fmla="*/ 2188381 w 2881288"/>
-              <a:gd name="connsiteY1" fmla="*/ 328588 h 3234934"/>
-              <a:gd name="connsiteX2" fmla="*/ 1957412 w 2881288"/>
-              <a:gd name="connsiteY2" fmla="*/ 195238 h 3234934"/>
-              <a:gd name="connsiteX3" fmla="*/ 2686050 w 2881288"/>
-              <a:gd name="connsiteY3" fmla="*/ 0 h 3234934"/>
-              <a:gd name="connsiteX4" fmla="*/ 2881288 w 2881288"/>
-              <a:gd name="connsiteY4" fmla="*/ 728638 h 3234934"/>
-              <a:gd name="connsiteX5" fmla="*/ 2650319 w 2881288"/>
-              <a:gd name="connsiteY5" fmla="*/ 595288 h 3234934"/>
-              <a:gd name="connsiteX6" fmla="*/ 1126319 w 2881288"/>
-              <a:gd name="connsiteY6" fmla="*/ 3234934 h 3234934"/>
-              <a:gd name="connsiteX7" fmla="*/ 0 w 2881288"/>
-              <a:gd name="connsiteY7" fmla="*/ 1284092 h 3234934"/>
-              <a:gd name="connsiteX0" fmla="*/ 0 w 2216907"/>
-              <a:gd name="connsiteY0" fmla="*/ 2968234 h 3234934"/>
-              <a:gd name="connsiteX1" fmla="*/ 1524000 w 2216907"/>
-              <a:gd name="connsiteY1" fmla="*/ 328588 h 3234934"/>
-              <a:gd name="connsiteX2" fmla="*/ 1293031 w 2216907"/>
-              <a:gd name="connsiteY2" fmla="*/ 195238 h 3234934"/>
-              <a:gd name="connsiteX3" fmla="*/ 2021669 w 2216907"/>
-              <a:gd name="connsiteY3" fmla="*/ 0 h 3234934"/>
-              <a:gd name="connsiteX4" fmla="*/ 2216907 w 2216907"/>
-              <a:gd name="connsiteY4" fmla="*/ 728638 h 3234934"/>
-              <a:gd name="connsiteX5" fmla="*/ 1985938 w 2216907"/>
-              <a:gd name="connsiteY5" fmla="*/ 595288 h 3234934"/>
-              <a:gd name="connsiteX6" fmla="*/ 461938 w 2216907"/>
-              <a:gd name="connsiteY6" fmla="*/ 3234934 h 3234934"/>
-              <a:gd name="connsiteX7" fmla="*/ 0 w 2216907"/>
-              <a:gd name="connsiteY7" fmla="*/ 2968234 h 3234934"/>
-            </a:gdLst>
-            <a:ahLst/>
-            <a:cxnLst>
-              <a:cxn ang="0">
-                <a:pos x="connsiteX0" y="connsiteY0"/>
-              </a:cxn>
-              <a:cxn ang="0">
-                <a:pos x="connsiteX1" y="connsiteY1"/>
-              </a:cxn>
-              <a:cxn ang="0">
-                <a:pos x="connsiteX2" y="connsiteY2"/>
-              </a:cxn>
-              <a:cxn ang="0">
-                <a:pos x="connsiteX3" y="connsiteY3"/>
-              </a:cxn>
-              <a:cxn ang="0">
-                <a:pos x="connsiteX4" y="connsiteY4"/>
-              </a:cxn>
-              <a:cxn ang="0">
-                <a:pos x="connsiteX5" y="connsiteY5"/>
-              </a:cxn>
-              <a:cxn ang="0">
-                <a:pos x="connsiteX6" y="connsiteY6"/>
-              </a:cxn>
-              <a:cxn ang="0">
-                <a:pos x="connsiteX7" y="connsiteY7"/>
-              </a:cxn>
-            </a:cxnLst>
-            <a:rect l="l" t="t" r="r" b="b"/>
-            <a:pathLst>
-              <a:path w="2216907" h="3234934">
-                <a:moveTo>
-                  <a:pt x="0" y="2968234"/>
-                </a:moveTo>
-                <a:lnTo>
-                  <a:pt x="1524000" y="328588"/>
-                </a:lnTo>
-                <a:lnTo>
-                  <a:pt x="1293031" y="195238"/>
-                </a:lnTo>
-                <a:lnTo>
-                  <a:pt x="2021669" y="0"/>
-                </a:lnTo>
-                <a:lnTo>
-                  <a:pt x="2216907" y="728638"/>
-                </a:lnTo>
-                <a:lnTo>
-                  <a:pt x="1985938" y="595288"/>
-                </a:lnTo>
-                <a:lnTo>
-                  <a:pt x="461938" y="3234934"/>
-                </a:lnTo>
-                <a:lnTo>
-                  <a:pt x="0" y="2968234"/>
-                </a:lnTo>
-                <a:close/>
-              </a:path>
-            </a:pathLst>
-          </a:custGeom>
+          </a:prstGeom>
         </p:spPr>
         <p:style>
           <a:lnRef idx="2">
@@ -18889,136 +16711,13 @@
           <p:nvPr/>
         </p:nvSpPr>
         <p:spPr>
-          <a:xfrm>
-            <a:off x="1828800" y="3532350"/>
-            <a:ext cx="2121971" cy="2179084"/>
+          <a:xfrm rot="18672083">
+            <a:off x="1975386" y="4145642"/>
+            <a:ext cx="1828800" cy="1219200"/>
           </a:xfrm>
-          <a:custGeom>
+          <a:prstGeom prst="rect">
             <a:avLst/>
-            <a:gdLst>
-              <a:gd name="connsiteX0" fmla="*/ 0 w 1828800"/>
-              <a:gd name="connsiteY0" fmla="*/ 0 h 1219200"/>
-              <a:gd name="connsiteX1" fmla="*/ 1828800 w 1828800"/>
-              <a:gd name="connsiteY1" fmla="*/ 0 h 1219200"/>
-              <a:gd name="connsiteX2" fmla="*/ 1828800 w 1828800"/>
-              <a:gd name="connsiteY2" fmla="*/ 1219200 h 1219200"/>
-              <a:gd name="connsiteX3" fmla="*/ 0 w 1828800"/>
-              <a:gd name="connsiteY3" fmla="*/ 1219200 h 1219200"/>
-              <a:gd name="connsiteX4" fmla="*/ 0 w 1828800"/>
-              <a:gd name="connsiteY4" fmla="*/ 0 h 1219200"/>
-              <a:gd name="connsiteX0" fmla="*/ 1975386 w 3804186"/>
-              <a:gd name="connsiteY0" fmla="*/ 3604142 h 4823342"/>
-              <a:gd name="connsiteX1" fmla="*/ 0 w 3804186"/>
-              <a:gd name="connsiteY1" fmla="*/ 0 h 4823342"/>
-              <a:gd name="connsiteX2" fmla="*/ 3804186 w 3804186"/>
-              <a:gd name="connsiteY2" fmla="*/ 3604142 h 4823342"/>
-              <a:gd name="connsiteX3" fmla="*/ 3804186 w 3804186"/>
-              <a:gd name="connsiteY3" fmla="*/ 4823342 h 4823342"/>
-              <a:gd name="connsiteX4" fmla="*/ 1975386 w 3804186"/>
-              <a:gd name="connsiteY4" fmla="*/ 4823342 h 4823342"/>
-              <a:gd name="connsiteX5" fmla="*/ 1975386 w 3804186"/>
-              <a:gd name="connsiteY5" fmla="*/ 3604142 h 4823342"/>
-              <a:gd name="connsiteX0" fmla="*/ 0 w 1828800"/>
-              <a:gd name="connsiteY0" fmla="*/ 0 h 1219200"/>
-              <a:gd name="connsiteX1" fmla="*/ 1828800 w 1828800"/>
-              <a:gd name="connsiteY1" fmla="*/ 0 h 1219200"/>
-              <a:gd name="connsiteX2" fmla="*/ 1828800 w 1828800"/>
-              <a:gd name="connsiteY2" fmla="*/ 1219200 h 1219200"/>
-              <a:gd name="connsiteX3" fmla="*/ 0 w 1828800"/>
-              <a:gd name="connsiteY3" fmla="*/ 1219200 h 1219200"/>
-              <a:gd name="connsiteX4" fmla="*/ 0 w 1828800"/>
-              <a:gd name="connsiteY4" fmla="*/ 0 h 1219200"/>
-              <a:gd name="connsiteX0" fmla="*/ 0 w 1975385"/>
-              <a:gd name="connsiteY0" fmla="*/ 896045 h 1219200"/>
-              <a:gd name="connsiteX1" fmla="*/ 1975385 w 1975385"/>
-              <a:gd name="connsiteY1" fmla="*/ 0 h 1219200"/>
-              <a:gd name="connsiteX2" fmla="*/ 1975385 w 1975385"/>
-              <a:gd name="connsiteY2" fmla="*/ 1219200 h 1219200"/>
-              <a:gd name="connsiteX3" fmla="*/ 146585 w 1975385"/>
-              <a:gd name="connsiteY3" fmla="*/ 1219200 h 1219200"/>
-              <a:gd name="connsiteX4" fmla="*/ 146585 w 1975385"/>
-              <a:gd name="connsiteY4" fmla="*/ 0 h 1219200"/>
-              <a:gd name="connsiteX0" fmla="*/ 0 w 1975385"/>
-              <a:gd name="connsiteY0" fmla="*/ 1375987 h 1699142"/>
-              <a:gd name="connsiteX1" fmla="*/ 1204646 w 1975385"/>
-              <a:gd name="connsiteY1" fmla="*/ 0 h 1699142"/>
-              <a:gd name="connsiteX2" fmla="*/ 1975385 w 1975385"/>
-              <a:gd name="connsiteY2" fmla="*/ 1699142 h 1699142"/>
-              <a:gd name="connsiteX3" fmla="*/ 146585 w 1975385"/>
-              <a:gd name="connsiteY3" fmla="*/ 1699142 h 1699142"/>
-              <a:gd name="connsiteX4" fmla="*/ 146585 w 1975385"/>
-              <a:gd name="connsiteY4" fmla="*/ 479942 h 1699142"/>
-              <a:gd name="connsiteX0" fmla="*/ 0 w 2121971"/>
-              <a:gd name="connsiteY0" fmla="*/ 1375987 h 1699142"/>
-              <a:gd name="connsiteX1" fmla="*/ 1204646 w 2121971"/>
-              <a:gd name="connsiteY1" fmla="*/ 0 h 1699142"/>
-              <a:gd name="connsiteX2" fmla="*/ 2121971 w 2121971"/>
-              <a:gd name="connsiteY2" fmla="*/ 803097 h 1699142"/>
-              <a:gd name="connsiteX3" fmla="*/ 146585 w 2121971"/>
-              <a:gd name="connsiteY3" fmla="*/ 1699142 h 1699142"/>
-              <a:gd name="connsiteX4" fmla="*/ 146585 w 2121971"/>
-              <a:gd name="connsiteY4" fmla="*/ 479942 h 1699142"/>
-              <a:gd name="connsiteX0" fmla="*/ 0 w 2121971"/>
-              <a:gd name="connsiteY0" fmla="*/ 1375987 h 2179084"/>
-              <a:gd name="connsiteX1" fmla="*/ 1204646 w 2121971"/>
-              <a:gd name="connsiteY1" fmla="*/ 0 h 2179084"/>
-              <a:gd name="connsiteX2" fmla="*/ 2121971 w 2121971"/>
-              <a:gd name="connsiteY2" fmla="*/ 803097 h 2179084"/>
-              <a:gd name="connsiteX3" fmla="*/ 917326 w 2121971"/>
-              <a:gd name="connsiteY3" fmla="*/ 2179084 h 2179084"/>
-              <a:gd name="connsiteX4" fmla="*/ 146585 w 2121971"/>
-              <a:gd name="connsiteY4" fmla="*/ 479942 h 2179084"/>
-              <a:gd name="connsiteX0" fmla="*/ 0 w 2121971"/>
-              <a:gd name="connsiteY0" fmla="*/ 1375987 h 2179084"/>
-              <a:gd name="connsiteX1" fmla="*/ 1204646 w 2121971"/>
-              <a:gd name="connsiteY1" fmla="*/ 0 h 2179084"/>
-              <a:gd name="connsiteX2" fmla="*/ 2121971 w 2121971"/>
-              <a:gd name="connsiteY2" fmla="*/ 803097 h 2179084"/>
-              <a:gd name="connsiteX3" fmla="*/ 917326 w 2121971"/>
-              <a:gd name="connsiteY3" fmla="*/ 2179084 h 2179084"/>
-              <a:gd name="connsiteX4" fmla="*/ 1 w 2121971"/>
-              <a:gd name="connsiteY4" fmla="*/ 1375987 h 2179084"/>
-            </a:gdLst>
-            <a:ahLst/>
-            <a:cxnLst>
-              <a:cxn ang="0">
-                <a:pos x="connsiteX0" y="connsiteY0"/>
-              </a:cxn>
-              <a:cxn ang="0">
-                <a:pos x="connsiteX1" y="connsiteY1"/>
-              </a:cxn>
-              <a:cxn ang="0">
-                <a:pos x="connsiteX2" y="connsiteY2"/>
-              </a:cxn>
-              <a:cxn ang="0">
-                <a:pos x="connsiteX3" y="connsiteY3"/>
-              </a:cxn>
-              <a:cxn ang="0">
-                <a:pos x="connsiteX4" y="connsiteY4"/>
-              </a:cxn>
-            </a:cxnLst>
-            <a:rect l="l" t="t" r="r" b="b"/>
-            <a:pathLst>
-              <a:path w="2121971" h="2179084">
-                <a:moveTo>
-                  <a:pt x="0" y="1375987"/>
-                </a:moveTo>
-                <a:lnTo>
-                  <a:pt x="1204646" y="0"/>
-                </a:lnTo>
-                <a:lnTo>
-                  <a:pt x="2121971" y="803097"/>
-                </a:lnTo>
-                <a:lnTo>
-                  <a:pt x="917326" y="2179084"/>
-                </a:lnTo>
-                <a:lnTo>
-                  <a:pt x="1" y="1375987"/>
-                </a:lnTo>
-                <a:close/>
-              </a:path>
-            </a:pathLst>
-          </a:custGeom>
+          </a:prstGeom>
         </p:spPr>
         <p:style>
           <a:lnRef idx="2">
@@ -19048,7 +16747,7 @@
     </p:spTree>
     <p:extLst>
       <p:ext uri="{BB962C8B-B14F-4D97-AF65-F5344CB8AC3E}">
-        <p14:creationId xmlns:p14="http://schemas.microsoft.com/office/powerpoint/2010/main" val="3607379794"/>
+        <p14:creationId xmlns:p14="http://schemas.microsoft.com/office/powerpoint/2010/main" val="774710383"/>
       </p:ext>
     </p:extLst>
   </p:cSld>
@@ -19083,7 +16782,7 @@
         </p:nvSpPr>
         <p:spPr>
           <a:xfrm>
-            <a:off x="533400" y="2512817"/>
+            <a:off x="533400" y="2579492"/>
             <a:ext cx="1828800" cy="1219200"/>
           </a:xfrm>
           <a:prstGeom prst="rect">
@@ -19123,7 +16822,7 @@
         </p:nvSpPr>
         <p:spPr>
           <a:xfrm>
-            <a:off x="4431228" y="2208017"/>
+            <a:off x="4431228" y="2274692"/>
             <a:ext cx="1828800" cy="1828800"/>
           </a:xfrm>
           <a:prstGeom prst="ellipse">
@@ -19162,250 +16861,13 @@
           <p:nvPr/>
         </p:nvSpPr>
         <p:spPr>
-          <a:xfrm>
-            <a:off x="6250768" y="1504950"/>
-            <a:ext cx="2216907" cy="3234934"/>
+          <a:xfrm rot="18000000">
+            <a:off x="5586387" y="2655692"/>
+            <a:ext cx="3581400" cy="1066800"/>
           </a:xfrm>
-          <a:custGeom>
+          <a:prstGeom prst="rightArrow">
             <a:avLst/>
-            <a:gdLst>
-              <a:gd name="connsiteX0" fmla="*/ 0 w 3581400"/>
-              <a:gd name="connsiteY0" fmla="*/ 266700 h 1066800"/>
-              <a:gd name="connsiteX1" fmla="*/ 3048000 w 3581400"/>
-              <a:gd name="connsiteY1" fmla="*/ 266700 h 1066800"/>
-              <a:gd name="connsiteX2" fmla="*/ 3048000 w 3581400"/>
-              <a:gd name="connsiteY2" fmla="*/ 0 h 1066800"/>
-              <a:gd name="connsiteX3" fmla="*/ 3581400 w 3581400"/>
-              <a:gd name="connsiteY3" fmla="*/ 533400 h 1066800"/>
-              <a:gd name="connsiteX4" fmla="*/ 3048000 w 3581400"/>
-              <a:gd name="connsiteY4" fmla="*/ 1066800 h 1066800"/>
-              <a:gd name="connsiteX5" fmla="*/ 3048000 w 3581400"/>
-              <a:gd name="connsiteY5" fmla="*/ 800100 h 1066800"/>
-              <a:gd name="connsiteX6" fmla="*/ 0 w 3581400"/>
-              <a:gd name="connsiteY6" fmla="*/ 800100 h 1066800"/>
-              <a:gd name="connsiteX7" fmla="*/ 0 w 3581400"/>
-              <a:gd name="connsiteY7" fmla="*/ 266700 h 1066800"/>
-              <a:gd name="connsiteX0" fmla="*/ 5586387 w 9167787"/>
-              <a:gd name="connsiteY0" fmla="*/ 3760592 h 4560692"/>
-              <a:gd name="connsiteX1" fmla="*/ 0 w 9167787"/>
-              <a:gd name="connsiteY1" fmla="*/ 0 h 4560692"/>
-              <a:gd name="connsiteX2" fmla="*/ 8634387 w 9167787"/>
-              <a:gd name="connsiteY2" fmla="*/ 3760592 h 4560692"/>
-              <a:gd name="connsiteX3" fmla="*/ 8634387 w 9167787"/>
-              <a:gd name="connsiteY3" fmla="*/ 3493892 h 4560692"/>
-              <a:gd name="connsiteX4" fmla="*/ 9167787 w 9167787"/>
-              <a:gd name="connsiteY4" fmla="*/ 4027292 h 4560692"/>
-              <a:gd name="connsiteX5" fmla="*/ 8634387 w 9167787"/>
-              <a:gd name="connsiteY5" fmla="*/ 4560692 h 4560692"/>
-              <a:gd name="connsiteX6" fmla="*/ 8634387 w 9167787"/>
-              <a:gd name="connsiteY6" fmla="*/ 4293992 h 4560692"/>
-              <a:gd name="connsiteX7" fmla="*/ 5586387 w 9167787"/>
-              <a:gd name="connsiteY7" fmla="*/ 4293992 h 4560692"/>
-              <a:gd name="connsiteX8" fmla="*/ 5586387 w 9167787"/>
-              <a:gd name="connsiteY8" fmla="*/ 3760592 h 4560692"/>
-              <a:gd name="connsiteX0" fmla="*/ 0 w 3581400"/>
-              <a:gd name="connsiteY0" fmla="*/ 266700 h 1066800"/>
-              <a:gd name="connsiteX1" fmla="*/ 3048000 w 3581400"/>
-              <a:gd name="connsiteY1" fmla="*/ 266700 h 1066800"/>
-              <a:gd name="connsiteX2" fmla="*/ 3048000 w 3581400"/>
-              <a:gd name="connsiteY2" fmla="*/ 0 h 1066800"/>
-              <a:gd name="connsiteX3" fmla="*/ 3581400 w 3581400"/>
-              <a:gd name="connsiteY3" fmla="*/ 533400 h 1066800"/>
-              <a:gd name="connsiteX4" fmla="*/ 3048000 w 3581400"/>
-              <a:gd name="connsiteY4" fmla="*/ 1066800 h 1066800"/>
-              <a:gd name="connsiteX5" fmla="*/ 3048000 w 3581400"/>
-              <a:gd name="connsiteY5" fmla="*/ 800100 h 1066800"/>
-              <a:gd name="connsiteX6" fmla="*/ 0 w 3581400"/>
-              <a:gd name="connsiteY6" fmla="*/ 800100 h 1066800"/>
-              <a:gd name="connsiteX7" fmla="*/ 0 w 3581400"/>
-              <a:gd name="connsiteY7" fmla="*/ 266700 h 1066800"/>
-              <a:gd name="connsiteX0" fmla="*/ 664381 w 3581400"/>
-              <a:gd name="connsiteY0" fmla="*/ 1950842 h 1950842"/>
-              <a:gd name="connsiteX1" fmla="*/ 3048000 w 3581400"/>
-              <a:gd name="connsiteY1" fmla="*/ 266700 h 1950842"/>
-              <a:gd name="connsiteX2" fmla="*/ 3048000 w 3581400"/>
-              <a:gd name="connsiteY2" fmla="*/ 0 h 1950842"/>
-              <a:gd name="connsiteX3" fmla="*/ 3581400 w 3581400"/>
-              <a:gd name="connsiteY3" fmla="*/ 533400 h 1950842"/>
-              <a:gd name="connsiteX4" fmla="*/ 3048000 w 3581400"/>
-              <a:gd name="connsiteY4" fmla="*/ 1066800 h 1950842"/>
-              <a:gd name="connsiteX5" fmla="*/ 3048000 w 3581400"/>
-              <a:gd name="connsiteY5" fmla="*/ 800100 h 1950842"/>
-              <a:gd name="connsiteX6" fmla="*/ 0 w 3581400"/>
-              <a:gd name="connsiteY6" fmla="*/ 800100 h 1950842"/>
-              <a:gd name="connsiteX7" fmla="*/ 0 w 3581400"/>
-              <a:gd name="connsiteY7" fmla="*/ 266700 h 1950842"/>
-              <a:gd name="connsiteX0" fmla="*/ 664381 w 3581400"/>
-              <a:gd name="connsiteY0" fmla="*/ 2639646 h 2639646"/>
-              <a:gd name="connsiteX1" fmla="*/ 2188381 w 3581400"/>
-              <a:gd name="connsiteY1" fmla="*/ 0 h 2639646"/>
-              <a:gd name="connsiteX2" fmla="*/ 3048000 w 3581400"/>
-              <a:gd name="connsiteY2" fmla="*/ 688804 h 2639646"/>
-              <a:gd name="connsiteX3" fmla="*/ 3581400 w 3581400"/>
-              <a:gd name="connsiteY3" fmla="*/ 1222204 h 2639646"/>
-              <a:gd name="connsiteX4" fmla="*/ 3048000 w 3581400"/>
-              <a:gd name="connsiteY4" fmla="*/ 1755604 h 2639646"/>
-              <a:gd name="connsiteX5" fmla="*/ 3048000 w 3581400"/>
-              <a:gd name="connsiteY5" fmla="*/ 1488904 h 2639646"/>
-              <a:gd name="connsiteX6" fmla="*/ 0 w 3581400"/>
-              <a:gd name="connsiteY6" fmla="*/ 1488904 h 2639646"/>
-              <a:gd name="connsiteX7" fmla="*/ 0 w 3581400"/>
-              <a:gd name="connsiteY7" fmla="*/ 955504 h 2639646"/>
-              <a:gd name="connsiteX0" fmla="*/ 664381 w 3581400"/>
-              <a:gd name="connsiteY0" fmla="*/ 2772996 h 2772996"/>
-              <a:gd name="connsiteX1" fmla="*/ 2188381 w 3581400"/>
-              <a:gd name="connsiteY1" fmla="*/ 133350 h 2772996"/>
-              <a:gd name="connsiteX2" fmla="*/ 1957412 w 3581400"/>
-              <a:gd name="connsiteY2" fmla="*/ 0 h 2772996"/>
-              <a:gd name="connsiteX3" fmla="*/ 3581400 w 3581400"/>
-              <a:gd name="connsiteY3" fmla="*/ 1355554 h 2772996"/>
-              <a:gd name="connsiteX4" fmla="*/ 3048000 w 3581400"/>
-              <a:gd name="connsiteY4" fmla="*/ 1888954 h 2772996"/>
-              <a:gd name="connsiteX5" fmla="*/ 3048000 w 3581400"/>
-              <a:gd name="connsiteY5" fmla="*/ 1622254 h 2772996"/>
-              <a:gd name="connsiteX6" fmla="*/ 0 w 3581400"/>
-              <a:gd name="connsiteY6" fmla="*/ 1622254 h 2772996"/>
-              <a:gd name="connsiteX7" fmla="*/ 0 w 3581400"/>
-              <a:gd name="connsiteY7" fmla="*/ 1088854 h 2772996"/>
-              <a:gd name="connsiteX0" fmla="*/ 664381 w 3048000"/>
-              <a:gd name="connsiteY0" fmla="*/ 2968234 h 2968234"/>
-              <a:gd name="connsiteX1" fmla="*/ 2188381 w 3048000"/>
-              <a:gd name="connsiteY1" fmla="*/ 328588 h 2968234"/>
-              <a:gd name="connsiteX2" fmla="*/ 1957412 w 3048000"/>
-              <a:gd name="connsiteY2" fmla="*/ 195238 h 2968234"/>
-              <a:gd name="connsiteX3" fmla="*/ 2686050 w 3048000"/>
-              <a:gd name="connsiteY3" fmla="*/ 0 h 2968234"/>
-              <a:gd name="connsiteX4" fmla="*/ 3048000 w 3048000"/>
-              <a:gd name="connsiteY4" fmla="*/ 2084192 h 2968234"/>
-              <a:gd name="connsiteX5" fmla="*/ 3048000 w 3048000"/>
-              <a:gd name="connsiteY5" fmla="*/ 1817492 h 2968234"/>
-              <a:gd name="connsiteX6" fmla="*/ 0 w 3048000"/>
-              <a:gd name="connsiteY6" fmla="*/ 1817492 h 2968234"/>
-              <a:gd name="connsiteX7" fmla="*/ 0 w 3048000"/>
-              <a:gd name="connsiteY7" fmla="*/ 1284092 h 2968234"/>
-              <a:gd name="connsiteX0" fmla="*/ 664381 w 3048000"/>
-              <a:gd name="connsiteY0" fmla="*/ 2968234 h 2968234"/>
-              <a:gd name="connsiteX1" fmla="*/ 2188381 w 3048000"/>
-              <a:gd name="connsiteY1" fmla="*/ 328588 h 2968234"/>
-              <a:gd name="connsiteX2" fmla="*/ 1957412 w 3048000"/>
-              <a:gd name="connsiteY2" fmla="*/ 195238 h 2968234"/>
-              <a:gd name="connsiteX3" fmla="*/ 2686050 w 3048000"/>
-              <a:gd name="connsiteY3" fmla="*/ 0 h 2968234"/>
-              <a:gd name="connsiteX4" fmla="*/ 2881288 w 3048000"/>
-              <a:gd name="connsiteY4" fmla="*/ 728638 h 2968234"/>
-              <a:gd name="connsiteX5" fmla="*/ 3048000 w 3048000"/>
-              <a:gd name="connsiteY5" fmla="*/ 1817492 h 2968234"/>
-              <a:gd name="connsiteX6" fmla="*/ 0 w 3048000"/>
-              <a:gd name="connsiteY6" fmla="*/ 1817492 h 2968234"/>
-              <a:gd name="connsiteX7" fmla="*/ 0 w 3048000"/>
-              <a:gd name="connsiteY7" fmla="*/ 1284092 h 2968234"/>
-              <a:gd name="connsiteX0" fmla="*/ 664381 w 2881288"/>
-              <a:gd name="connsiteY0" fmla="*/ 2968234 h 2968234"/>
-              <a:gd name="connsiteX1" fmla="*/ 2188381 w 2881288"/>
-              <a:gd name="connsiteY1" fmla="*/ 328588 h 2968234"/>
-              <a:gd name="connsiteX2" fmla="*/ 1957412 w 2881288"/>
-              <a:gd name="connsiteY2" fmla="*/ 195238 h 2968234"/>
-              <a:gd name="connsiteX3" fmla="*/ 2686050 w 2881288"/>
-              <a:gd name="connsiteY3" fmla="*/ 0 h 2968234"/>
-              <a:gd name="connsiteX4" fmla="*/ 2881288 w 2881288"/>
-              <a:gd name="connsiteY4" fmla="*/ 728638 h 2968234"/>
-              <a:gd name="connsiteX5" fmla="*/ 2650319 w 2881288"/>
-              <a:gd name="connsiteY5" fmla="*/ 595288 h 2968234"/>
-              <a:gd name="connsiteX6" fmla="*/ 0 w 2881288"/>
-              <a:gd name="connsiteY6" fmla="*/ 1817492 h 2968234"/>
-              <a:gd name="connsiteX7" fmla="*/ 0 w 2881288"/>
-              <a:gd name="connsiteY7" fmla="*/ 1284092 h 2968234"/>
-              <a:gd name="connsiteX0" fmla="*/ 664381 w 2881288"/>
-              <a:gd name="connsiteY0" fmla="*/ 2968234 h 3234934"/>
-              <a:gd name="connsiteX1" fmla="*/ 2188381 w 2881288"/>
-              <a:gd name="connsiteY1" fmla="*/ 328588 h 3234934"/>
-              <a:gd name="connsiteX2" fmla="*/ 1957412 w 2881288"/>
-              <a:gd name="connsiteY2" fmla="*/ 195238 h 3234934"/>
-              <a:gd name="connsiteX3" fmla="*/ 2686050 w 2881288"/>
-              <a:gd name="connsiteY3" fmla="*/ 0 h 3234934"/>
-              <a:gd name="connsiteX4" fmla="*/ 2881288 w 2881288"/>
-              <a:gd name="connsiteY4" fmla="*/ 728638 h 3234934"/>
-              <a:gd name="connsiteX5" fmla="*/ 2650319 w 2881288"/>
-              <a:gd name="connsiteY5" fmla="*/ 595288 h 3234934"/>
-              <a:gd name="connsiteX6" fmla="*/ 1126319 w 2881288"/>
-              <a:gd name="connsiteY6" fmla="*/ 3234934 h 3234934"/>
-              <a:gd name="connsiteX7" fmla="*/ 0 w 2881288"/>
-              <a:gd name="connsiteY7" fmla="*/ 1284092 h 3234934"/>
-              <a:gd name="connsiteX0" fmla="*/ 0 w 2216907"/>
-              <a:gd name="connsiteY0" fmla="*/ 2968234 h 3234934"/>
-              <a:gd name="connsiteX1" fmla="*/ 1524000 w 2216907"/>
-              <a:gd name="connsiteY1" fmla="*/ 328588 h 3234934"/>
-              <a:gd name="connsiteX2" fmla="*/ 1293031 w 2216907"/>
-              <a:gd name="connsiteY2" fmla="*/ 195238 h 3234934"/>
-              <a:gd name="connsiteX3" fmla="*/ 2021669 w 2216907"/>
-              <a:gd name="connsiteY3" fmla="*/ 0 h 3234934"/>
-              <a:gd name="connsiteX4" fmla="*/ 2216907 w 2216907"/>
-              <a:gd name="connsiteY4" fmla="*/ 728638 h 3234934"/>
-              <a:gd name="connsiteX5" fmla="*/ 1985938 w 2216907"/>
-              <a:gd name="connsiteY5" fmla="*/ 595288 h 3234934"/>
-              <a:gd name="connsiteX6" fmla="*/ 461938 w 2216907"/>
-              <a:gd name="connsiteY6" fmla="*/ 3234934 h 3234934"/>
-              <a:gd name="connsiteX7" fmla="*/ 0 w 2216907"/>
-              <a:gd name="connsiteY7" fmla="*/ 2968234 h 3234934"/>
-            </a:gdLst>
-            <a:ahLst/>
-            <a:cxnLst>
-              <a:cxn ang="0">
-                <a:pos x="connsiteX0" y="connsiteY0"/>
-              </a:cxn>
-              <a:cxn ang="0">
-                <a:pos x="connsiteX1" y="connsiteY1"/>
-              </a:cxn>
-              <a:cxn ang="0">
-                <a:pos x="connsiteX2" y="connsiteY2"/>
-              </a:cxn>
-              <a:cxn ang="0">
-                <a:pos x="connsiteX3" y="connsiteY3"/>
-              </a:cxn>
-              <a:cxn ang="0">
-                <a:pos x="connsiteX4" y="connsiteY4"/>
-              </a:cxn>
-              <a:cxn ang="0">
-                <a:pos x="connsiteX5" y="connsiteY5"/>
-              </a:cxn>
-              <a:cxn ang="0">
-                <a:pos x="connsiteX6" y="connsiteY6"/>
-              </a:cxn>
-              <a:cxn ang="0">
-                <a:pos x="connsiteX7" y="connsiteY7"/>
-              </a:cxn>
-            </a:cxnLst>
-            <a:rect l="l" t="t" r="r" b="b"/>
-            <a:pathLst>
-              <a:path w="2216907" h="3234934">
-                <a:moveTo>
-                  <a:pt x="0" y="2968234"/>
-                </a:moveTo>
-                <a:lnTo>
-                  <a:pt x="1524000" y="328588"/>
-                </a:lnTo>
-                <a:lnTo>
-                  <a:pt x="1293031" y="195238"/>
-                </a:lnTo>
-                <a:lnTo>
-                  <a:pt x="2021669" y="0"/>
-                </a:lnTo>
-                <a:lnTo>
-                  <a:pt x="2216907" y="728638"/>
-                </a:lnTo>
-                <a:lnTo>
-                  <a:pt x="1985938" y="595288"/>
-                </a:lnTo>
-                <a:lnTo>
-                  <a:pt x="461938" y="3234934"/>
-                </a:lnTo>
-                <a:lnTo>
-                  <a:pt x="0" y="2968234"/>
-                </a:lnTo>
-                <a:close/>
-              </a:path>
-            </a:pathLst>
-          </a:custGeom>
+          </a:prstGeom>
         </p:spPr>
         <p:style>
           <a:lnRef idx="2">
@@ -19439,136 +16901,13 @@
           <p:nvPr/>
         </p:nvSpPr>
         <p:spPr>
-          <a:xfrm>
-            <a:off x="1828800" y="2032875"/>
-            <a:ext cx="2121971" cy="2179084"/>
+          <a:xfrm rot="18672083">
+            <a:off x="1975386" y="2579492"/>
+            <a:ext cx="1828800" cy="1219200"/>
           </a:xfrm>
-          <a:custGeom>
+          <a:prstGeom prst="rect">
             <a:avLst/>
-            <a:gdLst>
-              <a:gd name="connsiteX0" fmla="*/ 0 w 1828800"/>
-              <a:gd name="connsiteY0" fmla="*/ 0 h 1219200"/>
-              <a:gd name="connsiteX1" fmla="*/ 1828800 w 1828800"/>
-              <a:gd name="connsiteY1" fmla="*/ 0 h 1219200"/>
-              <a:gd name="connsiteX2" fmla="*/ 1828800 w 1828800"/>
-              <a:gd name="connsiteY2" fmla="*/ 1219200 h 1219200"/>
-              <a:gd name="connsiteX3" fmla="*/ 0 w 1828800"/>
-              <a:gd name="connsiteY3" fmla="*/ 1219200 h 1219200"/>
-              <a:gd name="connsiteX4" fmla="*/ 0 w 1828800"/>
-              <a:gd name="connsiteY4" fmla="*/ 0 h 1219200"/>
-              <a:gd name="connsiteX0" fmla="*/ 1975386 w 3804186"/>
-              <a:gd name="connsiteY0" fmla="*/ 3604142 h 4823342"/>
-              <a:gd name="connsiteX1" fmla="*/ 0 w 3804186"/>
-              <a:gd name="connsiteY1" fmla="*/ 0 h 4823342"/>
-              <a:gd name="connsiteX2" fmla="*/ 3804186 w 3804186"/>
-              <a:gd name="connsiteY2" fmla="*/ 3604142 h 4823342"/>
-              <a:gd name="connsiteX3" fmla="*/ 3804186 w 3804186"/>
-              <a:gd name="connsiteY3" fmla="*/ 4823342 h 4823342"/>
-              <a:gd name="connsiteX4" fmla="*/ 1975386 w 3804186"/>
-              <a:gd name="connsiteY4" fmla="*/ 4823342 h 4823342"/>
-              <a:gd name="connsiteX5" fmla="*/ 1975386 w 3804186"/>
-              <a:gd name="connsiteY5" fmla="*/ 3604142 h 4823342"/>
-              <a:gd name="connsiteX0" fmla="*/ 0 w 1828800"/>
-              <a:gd name="connsiteY0" fmla="*/ 0 h 1219200"/>
-              <a:gd name="connsiteX1" fmla="*/ 1828800 w 1828800"/>
-              <a:gd name="connsiteY1" fmla="*/ 0 h 1219200"/>
-              <a:gd name="connsiteX2" fmla="*/ 1828800 w 1828800"/>
-              <a:gd name="connsiteY2" fmla="*/ 1219200 h 1219200"/>
-              <a:gd name="connsiteX3" fmla="*/ 0 w 1828800"/>
-              <a:gd name="connsiteY3" fmla="*/ 1219200 h 1219200"/>
-              <a:gd name="connsiteX4" fmla="*/ 0 w 1828800"/>
-              <a:gd name="connsiteY4" fmla="*/ 0 h 1219200"/>
-              <a:gd name="connsiteX0" fmla="*/ 0 w 1975385"/>
-              <a:gd name="connsiteY0" fmla="*/ 896045 h 1219200"/>
-              <a:gd name="connsiteX1" fmla="*/ 1975385 w 1975385"/>
-              <a:gd name="connsiteY1" fmla="*/ 0 h 1219200"/>
-              <a:gd name="connsiteX2" fmla="*/ 1975385 w 1975385"/>
-              <a:gd name="connsiteY2" fmla="*/ 1219200 h 1219200"/>
-              <a:gd name="connsiteX3" fmla="*/ 146585 w 1975385"/>
-              <a:gd name="connsiteY3" fmla="*/ 1219200 h 1219200"/>
-              <a:gd name="connsiteX4" fmla="*/ 146585 w 1975385"/>
-              <a:gd name="connsiteY4" fmla="*/ 0 h 1219200"/>
-              <a:gd name="connsiteX0" fmla="*/ 0 w 1975385"/>
-              <a:gd name="connsiteY0" fmla="*/ 1375987 h 1699142"/>
-              <a:gd name="connsiteX1" fmla="*/ 1204646 w 1975385"/>
-              <a:gd name="connsiteY1" fmla="*/ 0 h 1699142"/>
-              <a:gd name="connsiteX2" fmla="*/ 1975385 w 1975385"/>
-              <a:gd name="connsiteY2" fmla="*/ 1699142 h 1699142"/>
-              <a:gd name="connsiteX3" fmla="*/ 146585 w 1975385"/>
-              <a:gd name="connsiteY3" fmla="*/ 1699142 h 1699142"/>
-              <a:gd name="connsiteX4" fmla="*/ 146585 w 1975385"/>
-              <a:gd name="connsiteY4" fmla="*/ 479942 h 1699142"/>
-              <a:gd name="connsiteX0" fmla="*/ 0 w 2121971"/>
-              <a:gd name="connsiteY0" fmla="*/ 1375987 h 1699142"/>
-              <a:gd name="connsiteX1" fmla="*/ 1204646 w 2121971"/>
-              <a:gd name="connsiteY1" fmla="*/ 0 h 1699142"/>
-              <a:gd name="connsiteX2" fmla="*/ 2121971 w 2121971"/>
-              <a:gd name="connsiteY2" fmla="*/ 803097 h 1699142"/>
-              <a:gd name="connsiteX3" fmla="*/ 146585 w 2121971"/>
-              <a:gd name="connsiteY3" fmla="*/ 1699142 h 1699142"/>
-              <a:gd name="connsiteX4" fmla="*/ 146585 w 2121971"/>
-              <a:gd name="connsiteY4" fmla="*/ 479942 h 1699142"/>
-              <a:gd name="connsiteX0" fmla="*/ 0 w 2121971"/>
-              <a:gd name="connsiteY0" fmla="*/ 1375987 h 2179084"/>
-              <a:gd name="connsiteX1" fmla="*/ 1204646 w 2121971"/>
-              <a:gd name="connsiteY1" fmla="*/ 0 h 2179084"/>
-              <a:gd name="connsiteX2" fmla="*/ 2121971 w 2121971"/>
-              <a:gd name="connsiteY2" fmla="*/ 803097 h 2179084"/>
-              <a:gd name="connsiteX3" fmla="*/ 917326 w 2121971"/>
-              <a:gd name="connsiteY3" fmla="*/ 2179084 h 2179084"/>
-              <a:gd name="connsiteX4" fmla="*/ 146585 w 2121971"/>
-              <a:gd name="connsiteY4" fmla="*/ 479942 h 2179084"/>
-              <a:gd name="connsiteX0" fmla="*/ 0 w 2121971"/>
-              <a:gd name="connsiteY0" fmla="*/ 1375987 h 2179084"/>
-              <a:gd name="connsiteX1" fmla="*/ 1204646 w 2121971"/>
-              <a:gd name="connsiteY1" fmla="*/ 0 h 2179084"/>
-              <a:gd name="connsiteX2" fmla="*/ 2121971 w 2121971"/>
-              <a:gd name="connsiteY2" fmla="*/ 803097 h 2179084"/>
-              <a:gd name="connsiteX3" fmla="*/ 917326 w 2121971"/>
-              <a:gd name="connsiteY3" fmla="*/ 2179084 h 2179084"/>
-              <a:gd name="connsiteX4" fmla="*/ 1 w 2121971"/>
-              <a:gd name="connsiteY4" fmla="*/ 1375987 h 2179084"/>
-            </a:gdLst>
-            <a:ahLst/>
-            <a:cxnLst>
-              <a:cxn ang="0">
-                <a:pos x="connsiteX0" y="connsiteY0"/>
-              </a:cxn>
-              <a:cxn ang="0">
-                <a:pos x="connsiteX1" y="connsiteY1"/>
-              </a:cxn>
-              <a:cxn ang="0">
-                <a:pos x="connsiteX2" y="connsiteY2"/>
-              </a:cxn>
-              <a:cxn ang="0">
-                <a:pos x="connsiteX3" y="connsiteY3"/>
-              </a:cxn>
-              <a:cxn ang="0">
-                <a:pos x="connsiteX4" y="connsiteY4"/>
-              </a:cxn>
-            </a:cxnLst>
-            <a:rect l="l" t="t" r="r" b="b"/>
-            <a:pathLst>
-              <a:path w="2121971" h="2179084">
-                <a:moveTo>
-                  <a:pt x="0" y="1375987"/>
-                </a:moveTo>
-                <a:lnTo>
-                  <a:pt x="1204646" y="0"/>
-                </a:lnTo>
-                <a:lnTo>
-                  <a:pt x="2121971" y="803097"/>
-                </a:lnTo>
-                <a:lnTo>
-                  <a:pt x="917326" y="2179084"/>
-                </a:lnTo>
-                <a:lnTo>
-                  <a:pt x="1" y="1375987"/>
-                </a:lnTo>
-                <a:close/>
-              </a:path>
-            </a:pathLst>
-          </a:custGeom>
+          </a:prstGeom>
         </p:spPr>
         <p:style>
           <a:lnRef idx="2">
@@ -19598,7 +16937,7 @@
     </p:spTree>
     <p:extLst>
       <p:ext uri="{BB962C8B-B14F-4D97-AF65-F5344CB8AC3E}">
-        <p14:creationId xmlns:p14="http://schemas.microsoft.com/office/powerpoint/2010/main" val="1606396526"/>
+        <p14:creationId xmlns:p14="http://schemas.microsoft.com/office/powerpoint/2010/main" val="1380792489"/>
       </p:ext>
     </p:extLst>
   </p:cSld>
@@ -19633,7 +16972,7 @@
         </p:nvSpPr>
         <p:spPr>
           <a:xfrm>
-            <a:off x="3586137" y="533400"/>
+            <a:off x="3719487" y="533400"/>
             <a:ext cx="1828800" cy="1219200"/>
           </a:xfrm>
           <a:prstGeom prst="rect">
@@ -19673,7 +17012,7 @@
         </p:nvSpPr>
         <p:spPr>
           <a:xfrm>
-            <a:off x="3586137" y="1284051"/>
+            <a:off x="3719487" y="1284051"/>
             <a:ext cx="1828800" cy="1828800"/>
           </a:xfrm>
           <a:prstGeom prst="ellipse">
@@ -19712,250 +17051,13 @@
           <p:nvPr/>
         </p:nvSpPr>
         <p:spPr>
-          <a:xfrm>
-            <a:off x="3392084" y="2476500"/>
-            <a:ext cx="2216907" cy="3234934"/>
+          <a:xfrm rot="18000000">
+            <a:off x="2843187" y="3493892"/>
+            <a:ext cx="3581400" cy="1066800"/>
           </a:xfrm>
-          <a:custGeom>
+          <a:prstGeom prst="rightArrow">
             <a:avLst/>
-            <a:gdLst>
-              <a:gd name="connsiteX0" fmla="*/ 0 w 3581400"/>
-              <a:gd name="connsiteY0" fmla="*/ 266700 h 1066800"/>
-              <a:gd name="connsiteX1" fmla="*/ 3048000 w 3581400"/>
-              <a:gd name="connsiteY1" fmla="*/ 266700 h 1066800"/>
-              <a:gd name="connsiteX2" fmla="*/ 3048000 w 3581400"/>
-              <a:gd name="connsiteY2" fmla="*/ 0 h 1066800"/>
-              <a:gd name="connsiteX3" fmla="*/ 3581400 w 3581400"/>
-              <a:gd name="connsiteY3" fmla="*/ 533400 h 1066800"/>
-              <a:gd name="connsiteX4" fmla="*/ 3048000 w 3581400"/>
-              <a:gd name="connsiteY4" fmla="*/ 1066800 h 1066800"/>
-              <a:gd name="connsiteX5" fmla="*/ 3048000 w 3581400"/>
-              <a:gd name="connsiteY5" fmla="*/ 800100 h 1066800"/>
-              <a:gd name="connsiteX6" fmla="*/ 0 w 3581400"/>
-              <a:gd name="connsiteY6" fmla="*/ 800100 h 1066800"/>
-              <a:gd name="connsiteX7" fmla="*/ 0 w 3581400"/>
-              <a:gd name="connsiteY7" fmla="*/ 266700 h 1066800"/>
-              <a:gd name="connsiteX0" fmla="*/ 5586387 w 9167787"/>
-              <a:gd name="connsiteY0" fmla="*/ 3760592 h 4560692"/>
-              <a:gd name="connsiteX1" fmla="*/ 0 w 9167787"/>
-              <a:gd name="connsiteY1" fmla="*/ 0 h 4560692"/>
-              <a:gd name="connsiteX2" fmla="*/ 8634387 w 9167787"/>
-              <a:gd name="connsiteY2" fmla="*/ 3760592 h 4560692"/>
-              <a:gd name="connsiteX3" fmla="*/ 8634387 w 9167787"/>
-              <a:gd name="connsiteY3" fmla="*/ 3493892 h 4560692"/>
-              <a:gd name="connsiteX4" fmla="*/ 9167787 w 9167787"/>
-              <a:gd name="connsiteY4" fmla="*/ 4027292 h 4560692"/>
-              <a:gd name="connsiteX5" fmla="*/ 8634387 w 9167787"/>
-              <a:gd name="connsiteY5" fmla="*/ 4560692 h 4560692"/>
-              <a:gd name="connsiteX6" fmla="*/ 8634387 w 9167787"/>
-              <a:gd name="connsiteY6" fmla="*/ 4293992 h 4560692"/>
-              <a:gd name="connsiteX7" fmla="*/ 5586387 w 9167787"/>
-              <a:gd name="connsiteY7" fmla="*/ 4293992 h 4560692"/>
-              <a:gd name="connsiteX8" fmla="*/ 5586387 w 9167787"/>
-              <a:gd name="connsiteY8" fmla="*/ 3760592 h 4560692"/>
-              <a:gd name="connsiteX0" fmla="*/ 0 w 3581400"/>
-              <a:gd name="connsiteY0" fmla="*/ 266700 h 1066800"/>
-              <a:gd name="connsiteX1" fmla="*/ 3048000 w 3581400"/>
-              <a:gd name="connsiteY1" fmla="*/ 266700 h 1066800"/>
-              <a:gd name="connsiteX2" fmla="*/ 3048000 w 3581400"/>
-              <a:gd name="connsiteY2" fmla="*/ 0 h 1066800"/>
-              <a:gd name="connsiteX3" fmla="*/ 3581400 w 3581400"/>
-              <a:gd name="connsiteY3" fmla="*/ 533400 h 1066800"/>
-              <a:gd name="connsiteX4" fmla="*/ 3048000 w 3581400"/>
-              <a:gd name="connsiteY4" fmla="*/ 1066800 h 1066800"/>
-              <a:gd name="connsiteX5" fmla="*/ 3048000 w 3581400"/>
-              <a:gd name="connsiteY5" fmla="*/ 800100 h 1066800"/>
-              <a:gd name="connsiteX6" fmla="*/ 0 w 3581400"/>
-              <a:gd name="connsiteY6" fmla="*/ 800100 h 1066800"/>
-              <a:gd name="connsiteX7" fmla="*/ 0 w 3581400"/>
-              <a:gd name="connsiteY7" fmla="*/ 266700 h 1066800"/>
-              <a:gd name="connsiteX0" fmla="*/ 664381 w 3581400"/>
-              <a:gd name="connsiteY0" fmla="*/ 1950842 h 1950842"/>
-              <a:gd name="connsiteX1" fmla="*/ 3048000 w 3581400"/>
-              <a:gd name="connsiteY1" fmla="*/ 266700 h 1950842"/>
-              <a:gd name="connsiteX2" fmla="*/ 3048000 w 3581400"/>
-              <a:gd name="connsiteY2" fmla="*/ 0 h 1950842"/>
-              <a:gd name="connsiteX3" fmla="*/ 3581400 w 3581400"/>
-              <a:gd name="connsiteY3" fmla="*/ 533400 h 1950842"/>
-              <a:gd name="connsiteX4" fmla="*/ 3048000 w 3581400"/>
-              <a:gd name="connsiteY4" fmla="*/ 1066800 h 1950842"/>
-              <a:gd name="connsiteX5" fmla="*/ 3048000 w 3581400"/>
-              <a:gd name="connsiteY5" fmla="*/ 800100 h 1950842"/>
-              <a:gd name="connsiteX6" fmla="*/ 0 w 3581400"/>
-              <a:gd name="connsiteY6" fmla="*/ 800100 h 1950842"/>
-              <a:gd name="connsiteX7" fmla="*/ 0 w 3581400"/>
-              <a:gd name="connsiteY7" fmla="*/ 266700 h 1950842"/>
-              <a:gd name="connsiteX0" fmla="*/ 664381 w 3581400"/>
-              <a:gd name="connsiteY0" fmla="*/ 2639646 h 2639646"/>
-              <a:gd name="connsiteX1" fmla="*/ 2188381 w 3581400"/>
-              <a:gd name="connsiteY1" fmla="*/ 0 h 2639646"/>
-              <a:gd name="connsiteX2" fmla="*/ 3048000 w 3581400"/>
-              <a:gd name="connsiteY2" fmla="*/ 688804 h 2639646"/>
-              <a:gd name="connsiteX3" fmla="*/ 3581400 w 3581400"/>
-              <a:gd name="connsiteY3" fmla="*/ 1222204 h 2639646"/>
-              <a:gd name="connsiteX4" fmla="*/ 3048000 w 3581400"/>
-              <a:gd name="connsiteY4" fmla="*/ 1755604 h 2639646"/>
-              <a:gd name="connsiteX5" fmla="*/ 3048000 w 3581400"/>
-              <a:gd name="connsiteY5" fmla="*/ 1488904 h 2639646"/>
-              <a:gd name="connsiteX6" fmla="*/ 0 w 3581400"/>
-              <a:gd name="connsiteY6" fmla="*/ 1488904 h 2639646"/>
-              <a:gd name="connsiteX7" fmla="*/ 0 w 3581400"/>
-              <a:gd name="connsiteY7" fmla="*/ 955504 h 2639646"/>
-              <a:gd name="connsiteX0" fmla="*/ 664381 w 3581400"/>
-              <a:gd name="connsiteY0" fmla="*/ 2772996 h 2772996"/>
-              <a:gd name="connsiteX1" fmla="*/ 2188381 w 3581400"/>
-              <a:gd name="connsiteY1" fmla="*/ 133350 h 2772996"/>
-              <a:gd name="connsiteX2" fmla="*/ 1957412 w 3581400"/>
-              <a:gd name="connsiteY2" fmla="*/ 0 h 2772996"/>
-              <a:gd name="connsiteX3" fmla="*/ 3581400 w 3581400"/>
-              <a:gd name="connsiteY3" fmla="*/ 1355554 h 2772996"/>
-              <a:gd name="connsiteX4" fmla="*/ 3048000 w 3581400"/>
-              <a:gd name="connsiteY4" fmla="*/ 1888954 h 2772996"/>
-              <a:gd name="connsiteX5" fmla="*/ 3048000 w 3581400"/>
-              <a:gd name="connsiteY5" fmla="*/ 1622254 h 2772996"/>
-              <a:gd name="connsiteX6" fmla="*/ 0 w 3581400"/>
-              <a:gd name="connsiteY6" fmla="*/ 1622254 h 2772996"/>
-              <a:gd name="connsiteX7" fmla="*/ 0 w 3581400"/>
-              <a:gd name="connsiteY7" fmla="*/ 1088854 h 2772996"/>
-              <a:gd name="connsiteX0" fmla="*/ 664381 w 3048000"/>
-              <a:gd name="connsiteY0" fmla="*/ 2968234 h 2968234"/>
-              <a:gd name="connsiteX1" fmla="*/ 2188381 w 3048000"/>
-              <a:gd name="connsiteY1" fmla="*/ 328588 h 2968234"/>
-              <a:gd name="connsiteX2" fmla="*/ 1957412 w 3048000"/>
-              <a:gd name="connsiteY2" fmla="*/ 195238 h 2968234"/>
-              <a:gd name="connsiteX3" fmla="*/ 2686050 w 3048000"/>
-              <a:gd name="connsiteY3" fmla="*/ 0 h 2968234"/>
-              <a:gd name="connsiteX4" fmla="*/ 3048000 w 3048000"/>
-              <a:gd name="connsiteY4" fmla="*/ 2084192 h 2968234"/>
-              <a:gd name="connsiteX5" fmla="*/ 3048000 w 3048000"/>
-              <a:gd name="connsiteY5" fmla="*/ 1817492 h 2968234"/>
-              <a:gd name="connsiteX6" fmla="*/ 0 w 3048000"/>
-              <a:gd name="connsiteY6" fmla="*/ 1817492 h 2968234"/>
-              <a:gd name="connsiteX7" fmla="*/ 0 w 3048000"/>
-              <a:gd name="connsiteY7" fmla="*/ 1284092 h 2968234"/>
-              <a:gd name="connsiteX0" fmla="*/ 664381 w 3048000"/>
-              <a:gd name="connsiteY0" fmla="*/ 2968234 h 2968234"/>
-              <a:gd name="connsiteX1" fmla="*/ 2188381 w 3048000"/>
-              <a:gd name="connsiteY1" fmla="*/ 328588 h 2968234"/>
-              <a:gd name="connsiteX2" fmla="*/ 1957412 w 3048000"/>
-              <a:gd name="connsiteY2" fmla="*/ 195238 h 2968234"/>
-              <a:gd name="connsiteX3" fmla="*/ 2686050 w 3048000"/>
-              <a:gd name="connsiteY3" fmla="*/ 0 h 2968234"/>
-              <a:gd name="connsiteX4" fmla="*/ 2881288 w 3048000"/>
-              <a:gd name="connsiteY4" fmla="*/ 728638 h 2968234"/>
-              <a:gd name="connsiteX5" fmla="*/ 3048000 w 3048000"/>
-              <a:gd name="connsiteY5" fmla="*/ 1817492 h 2968234"/>
-              <a:gd name="connsiteX6" fmla="*/ 0 w 3048000"/>
-              <a:gd name="connsiteY6" fmla="*/ 1817492 h 2968234"/>
-              <a:gd name="connsiteX7" fmla="*/ 0 w 3048000"/>
-              <a:gd name="connsiteY7" fmla="*/ 1284092 h 2968234"/>
-              <a:gd name="connsiteX0" fmla="*/ 664381 w 2881288"/>
-              <a:gd name="connsiteY0" fmla="*/ 2968234 h 2968234"/>
-              <a:gd name="connsiteX1" fmla="*/ 2188381 w 2881288"/>
-              <a:gd name="connsiteY1" fmla="*/ 328588 h 2968234"/>
-              <a:gd name="connsiteX2" fmla="*/ 1957412 w 2881288"/>
-              <a:gd name="connsiteY2" fmla="*/ 195238 h 2968234"/>
-              <a:gd name="connsiteX3" fmla="*/ 2686050 w 2881288"/>
-              <a:gd name="connsiteY3" fmla="*/ 0 h 2968234"/>
-              <a:gd name="connsiteX4" fmla="*/ 2881288 w 2881288"/>
-              <a:gd name="connsiteY4" fmla="*/ 728638 h 2968234"/>
-              <a:gd name="connsiteX5" fmla="*/ 2650319 w 2881288"/>
-              <a:gd name="connsiteY5" fmla="*/ 595288 h 2968234"/>
-              <a:gd name="connsiteX6" fmla="*/ 0 w 2881288"/>
-              <a:gd name="connsiteY6" fmla="*/ 1817492 h 2968234"/>
-              <a:gd name="connsiteX7" fmla="*/ 0 w 2881288"/>
-              <a:gd name="connsiteY7" fmla="*/ 1284092 h 2968234"/>
-              <a:gd name="connsiteX0" fmla="*/ 664381 w 2881288"/>
-              <a:gd name="connsiteY0" fmla="*/ 2968234 h 3234934"/>
-              <a:gd name="connsiteX1" fmla="*/ 2188381 w 2881288"/>
-              <a:gd name="connsiteY1" fmla="*/ 328588 h 3234934"/>
-              <a:gd name="connsiteX2" fmla="*/ 1957412 w 2881288"/>
-              <a:gd name="connsiteY2" fmla="*/ 195238 h 3234934"/>
-              <a:gd name="connsiteX3" fmla="*/ 2686050 w 2881288"/>
-              <a:gd name="connsiteY3" fmla="*/ 0 h 3234934"/>
-              <a:gd name="connsiteX4" fmla="*/ 2881288 w 2881288"/>
-              <a:gd name="connsiteY4" fmla="*/ 728638 h 3234934"/>
-              <a:gd name="connsiteX5" fmla="*/ 2650319 w 2881288"/>
-              <a:gd name="connsiteY5" fmla="*/ 595288 h 3234934"/>
-              <a:gd name="connsiteX6" fmla="*/ 1126319 w 2881288"/>
-              <a:gd name="connsiteY6" fmla="*/ 3234934 h 3234934"/>
-              <a:gd name="connsiteX7" fmla="*/ 0 w 2881288"/>
-              <a:gd name="connsiteY7" fmla="*/ 1284092 h 3234934"/>
-              <a:gd name="connsiteX0" fmla="*/ 0 w 2216907"/>
-              <a:gd name="connsiteY0" fmla="*/ 2968234 h 3234934"/>
-              <a:gd name="connsiteX1" fmla="*/ 1524000 w 2216907"/>
-              <a:gd name="connsiteY1" fmla="*/ 328588 h 3234934"/>
-              <a:gd name="connsiteX2" fmla="*/ 1293031 w 2216907"/>
-              <a:gd name="connsiteY2" fmla="*/ 195238 h 3234934"/>
-              <a:gd name="connsiteX3" fmla="*/ 2021669 w 2216907"/>
-              <a:gd name="connsiteY3" fmla="*/ 0 h 3234934"/>
-              <a:gd name="connsiteX4" fmla="*/ 2216907 w 2216907"/>
-              <a:gd name="connsiteY4" fmla="*/ 728638 h 3234934"/>
-              <a:gd name="connsiteX5" fmla="*/ 1985938 w 2216907"/>
-              <a:gd name="connsiteY5" fmla="*/ 595288 h 3234934"/>
-              <a:gd name="connsiteX6" fmla="*/ 461938 w 2216907"/>
-              <a:gd name="connsiteY6" fmla="*/ 3234934 h 3234934"/>
-              <a:gd name="connsiteX7" fmla="*/ 0 w 2216907"/>
-              <a:gd name="connsiteY7" fmla="*/ 2968234 h 3234934"/>
-            </a:gdLst>
-            <a:ahLst/>
-            <a:cxnLst>
-              <a:cxn ang="0">
-                <a:pos x="connsiteX0" y="connsiteY0"/>
-              </a:cxn>
-              <a:cxn ang="0">
-                <a:pos x="connsiteX1" y="connsiteY1"/>
-              </a:cxn>
-              <a:cxn ang="0">
-                <a:pos x="connsiteX2" y="connsiteY2"/>
-              </a:cxn>
-              <a:cxn ang="0">
-                <a:pos x="connsiteX3" y="connsiteY3"/>
-              </a:cxn>
-              <a:cxn ang="0">
-                <a:pos x="connsiteX4" y="connsiteY4"/>
-              </a:cxn>
-              <a:cxn ang="0">
-                <a:pos x="connsiteX5" y="connsiteY5"/>
-              </a:cxn>
-              <a:cxn ang="0">
-                <a:pos x="connsiteX6" y="connsiteY6"/>
-              </a:cxn>
-              <a:cxn ang="0">
-                <a:pos x="connsiteX7" y="connsiteY7"/>
-              </a:cxn>
-            </a:cxnLst>
-            <a:rect l="l" t="t" r="r" b="b"/>
-            <a:pathLst>
-              <a:path w="2216907" h="3234934">
-                <a:moveTo>
-                  <a:pt x="0" y="2968234"/>
-                </a:moveTo>
-                <a:lnTo>
-                  <a:pt x="1524000" y="328588"/>
-                </a:lnTo>
-                <a:lnTo>
-                  <a:pt x="1293031" y="195238"/>
-                </a:lnTo>
-                <a:lnTo>
-                  <a:pt x="2021669" y="0"/>
-                </a:lnTo>
-                <a:lnTo>
-                  <a:pt x="2216907" y="728638"/>
-                </a:lnTo>
-                <a:lnTo>
-                  <a:pt x="1985938" y="595288"/>
-                </a:lnTo>
-                <a:lnTo>
-                  <a:pt x="461938" y="3234934"/>
-                </a:lnTo>
-                <a:lnTo>
-                  <a:pt x="0" y="2968234"/>
-                </a:lnTo>
-                <a:close/>
-              </a:path>
-            </a:pathLst>
-          </a:custGeom>
+          </a:prstGeom>
         </p:spPr>
         <p:style>
           <a:lnRef idx="2">
@@ -19989,136 +17091,13 @@
           <p:nvPr/>
         </p:nvSpPr>
         <p:spPr>
-          <a:xfrm>
-            <a:off x="3439552" y="3124200"/>
-            <a:ext cx="2121971" cy="2179084"/>
+          <a:xfrm rot="18672083">
+            <a:off x="3719487" y="3604142"/>
+            <a:ext cx="1828800" cy="1219200"/>
           </a:xfrm>
-          <a:custGeom>
+          <a:prstGeom prst="rect">
             <a:avLst/>
-            <a:gdLst>
-              <a:gd name="connsiteX0" fmla="*/ 0 w 1828800"/>
-              <a:gd name="connsiteY0" fmla="*/ 0 h 1219200"/>
-              <a:gd name="connsiteX1" fmla="*/ 1828800 w 1828800"/>
-              <a:gd name="connsiteY1" fmla="*/ 0 h 1219200"/>
-              <a:gd name="connsiteX2" fmla="*/ 1828800 w 1828800"/>
-              <a:gd name="connsiteY2" fmla="*/ 1219200 h 1219200"/>
-              <a:gd name="connsiteX3" fmla="*/ 0 w 1828800"/>
-              <a:gd name="connsiteY3" fmla="*/ 1219200 h 1219200"/>
-              <a:gd name="connsiteX4" fmla="*/ 0 w 1828800"/>
-              <a:gd name="connsiteY4" fmla="*/ 0 h 1219200"/>
-              <a:gd name="connsiteX0" fmla="*/ 1975386 w 3804186"/>
-              <a:gd name="connsiteY0" fmla="*/ 3604142 h 4823342"/>
-              <a:gd name="connsiteX1" fmla="*/ 0 w 3804186"/>
-              <a:gd name="connsiteY1" fmla="*/ 0 h 4823342"/>
-              <a:gd name="connsiteX2" fmla="*/ 3804186 w 3804186"/>
-              <a:gd name="connsiteY2" fmla="*/ 3604142 h 4823342"/>
-              <a:gd name="connsiteX3" fmla="*/ 3804186 w 3804186"/>
-              <a:gd name="connsiteY3" fmla="*/ 4823342 h 4823342"/>
-              <a:gd name="connsiteX4" fmla="*/ 1975386 w 3804186"/>
-              <a:gd name="connsiteY4" fmla="*/ 4823342 h 4823342"/>
-              <a:gd name="connsiteX5" fmla="*/ 1975386 w 3804186"/>
-              <a:gd name="connsiteY5" fmla="*/ 3604142 h 4823342"/>
-              <a:gd name="connsiteX0" fmla="*/ 0 w 1828800"/>
-              <a:gd name="connsiteY0" fmla="*/ 0 h 1219200"/>
-              <a:gd name="connsiteX1" fmla="*/ 1828800 w 1828800"/>
-              <a:gd name="connsiteY1" fmla="*/ 0 h 1219200"/>
-              <a:gd name="connsiteX2" fmla="*/ 1828800 w 1828800"/>
-              <a:gd name="connsiteY2" fmla="*/ 1219200 h 1219200"/>
-              <a:gd name="connsiteX3" fmla="*/ 0 w 1828800"/>
-              <a:gd name="connsiteY3" fmla="*/ 1219200 h 1219200"/>
-              <a:gd name="connsiteX4" fmla="*/ 0 w 1828800"/>
-              <a:gd name="connsiteY4" fmla="*/ 0 h 1219200"/>
-              <a:gd name="connsiteX0" fmla="*/ 0 w 1975385"/>
-              <a:gd name="connsiteY0" fmla="*/ 896045 h 1219200"/>
-              <a:gd name="connsiteX1" fmla="*/ 1975385 w 1975385"/>
-              <a:gd name="connsiteY1" fmla="*/ 0 h 1219200"/>
-              <a:gd name="connsiteX2" fmla="*/ 1975385 w 1975385"/>
-              <a:gd name="connsiteY2" fmla="*/ 1219200 h 1219200"/>
-              <a:gd name="connsiteX3" fmla="*/ 146585 w 1975385"/>
-              <a:gd name="connsiteY3" fmla="*/ 1219200 h 1219200"/>
-              <a:gd name="connsiteX4" fmla="*/ 146585 w 1975385"/>
-              <a:gd name="connsiteY4" fmla="*/ 0 h 1219200"/>
-              <a:gd name="connsiteX0" fmla="*/ 0 w 1975385"/>
-              <a:gd name="connsiteY0" fmla="*/ 1375987 h 1699142"/>
-              <a:gd name="connsiteX1" fmla="*/ 1204646 w 1975385"/>
-              <a:gd name="connsiteY1" fmla="*/ 0 h 1699142"/>
-              <a:gd name="connsiteX2" fmla="*/ 1975385 w 1975385"/>
-              <a:gd name="connsiteY2" fmla="*/ 1699142 h 1699142"/>
-              <a:gd name="connsiteX3" fmla="*/ 146585 w 1975385"/>
-              <a:gd name="connsiteY3" fmla="*/ 1699142 h 1699142"/>
-              <a:gd name="connsiteX4" fmla="*/ 146585 w 1975385"/>
-              <a:gd name="connsiteY4" fmla="*/ 479942 h 1699142"/>
-              <a:gd name="connsiteX0" fmla="*/ 0 w 2121971"/>
-              <a:gd name="connsiteY0" fmla="*/ 1375987 h 1699142"/>
-              <a:gd name="connsiteX1" fmla="*/ 1204646 w 2121971"/>
-              <a:gd name="connsiteY1" fmla="*/ 0 h 1699142"/>
-              <a:gd name="connsiteX2" fmla="*/ 2121971 w 2121971"/>
-              <a:gd name="connsiteY2" fmla="*/ 803097 h 1699142"/>
-              <a:gd name="connsiteX3" fmla="*/ 146585 w 2121971"/>
-              <a:gd name="connsiteY3" fmla="*/ 1699142 h 1699142"/>
-              <a:gd name="connsiteX4" fmla="*/ 146585 w 2121971"/>
-              <a:gd name="connsiteY4" fmla="*/ 479942 h 1699142"/>
-              <a:gd name="connsiteX0" fmla="*/ 0 w 2121971"/>
-              <a:gd name="connsiteY0" fmla="*/ 1375987 h 2179084"/>
-              <a:gd name="connsiteX1" fmla="*/ 1204646 w 2121971"/>
-              <a:gd name="connsiteY1" fmla="*/ 0 h 2179084"/>
-              <a:gd name="connsiteX2" fmla="*/ 2121971 w 2121971"/>
-              <a:gd name="connsiteY2" fmla="*/ 803097 h 2179084"/>
-              <a:gd name="connsiteX3" fmla="*/ 917326 w 2121971"/>
-              <a:gd name="connsiteY3" fmla="*/ 2179084 h 2179084"/>
-              <a:gd name="connsiteX4" fmla="*/ 146585 w 2121971"/>
-              <a:gd name="connsiteY4" fmla="*/ 479942 h 2179084"/>
-              <a:gd name="connsiteX0" fmla="*/ 0 w 2121971"/>
-              <a:gd name="connsiteY0" fmla="*/ 1375987 h 2179084"/>
-              <a:gd name="connsiteX1" fmla="*/ 1204646 w 2121971"/>
-              <a:gd name="connsiteY1" fmla="*/ 0 h 2179084"/>
-              <a:gd name="connsiteX2" fmla="*/ 2121971 w 2121971"/>
-              <a:gd name="connsiteY2" fmla="*/ 803097 h 2179084"/>
-              <a:gd name="connsiteX3" fmla="*/ 917326 w 2121971"/>
-              <a:gd name="connsiteY3" fmla="*/ 2179084 h 2179084"/>
-              <a:gd name="connsiteX4" fmla="*/ 1 w 2121971"/>
-              <a:gd name="connsiteY4" fmla="*/ 1375987 h 2179084"/>
-            </a:gdLst>
-            <a:ahLst/>
-            <a:cxnLst>
-              <a:cxn ang="0">
-                <a:pos x="connsiteX0" y="connsiteY0"/>
-              </a:cxn>
-              <a:cxn ang="0">
-                <a:pos x="connsiteX1" y="connsiteY1"/>
-              </a:cxn>
-              <a:cxn ang="0">
-                <a:pos x="connsiteX2" y="connsiteY2"/>
-              </a:cxn>
-              <a:cxn ang="0">
-                <a:pos x="connsiteX3" y="connsiteY3"/>
-              </a:cxn>
-              <a:cxn ang="0">
-                <a:pos x="connsiteX4" y="connsiteY4"/>
-              </a:cxn>
-            </a:cxnLst>
-            <a:rect l="l" t="t" r="r" b="b"/>
-            <a:pathLst>
-              <a:path w="2121971" h="2179084">
-                <a:moveTo>
-                  <a:pt x="0" y="1375987"/>
-                </a:moveTo>
-                <a:lnTo>
-                  <a:pt x="1204646" y="0"/>
-                </a:lnTo>
-                <a:lnTo>
-                  <a:pt x="2121971" y="803097"/>
-                </a:lnTo>
-                <a:lnTo>
-                  <a:pt x="917326" y="2179084"/>
-                </a:lnTo>
-                <a:lnTo>
-                  <a:pt x="1" y="1375987"/>
-                </a:lnTo>
-                <a:close/>
-              </a:path>
-            </a:pathLst>
-          </a:custGeom>
+          </a:prstGeom>
         </p:spPr>
         <p:style>
           <a:lnRef idx="2">
@@ -20148,7 +17127,7 @@
     </p:spTree>
     <p:extLst>
       <p:ext uri="{BB962C8B-B14F-4D97-AF65-F5344CB8AC3E}">
-        <p14:creationId xmlns:p14="http://schemas.microsoft.com/office/powerpoint/2010/main" val="3353606780"/>
+        <p14:creationId xmlns:p14="http://schemas.microsoft.com/office/powerpoint/2010/main" val="3068886937"/>
       </p:ext>
     </p:extLst>
   </p:cSld>
@@ -20183,7 +17162,7 @@
         </p:nvSpPr>
         <p:spPr>
           <a:xfrm>
-            <a:off x="3586137" y="2512817"/>
+            <a:off x="3719487" y="2579492"/>
             <a:ext cx="1828800" cy="1219200"/>
           </a:xfrm>
           <a:prstGeom prst="rect">
@@ -20223,7 +17202,7 @@
         </p:nvSpPr>
         <p:spPr>
           <a:xfrm>
-            <a:off x="3586137" y="2208017"/>
+            <a:off x="3719487" y="2274692"/>
             <a:ext cx="1828800" cy="1828800"/>
           </a:xfrm>
           <a:prstGeom prst="ellipse">
@@ -20262,250 +17241,13 @@
           <p:nvPr/>
         </p:nvSpPr>
         <p:spPr>
-          <a:xfrm>
-            <a:off x="3392084" y="1504950"/>
-            <a:ext cx="2216907" cy="3234934"/>
+          <a:xfrm rot="18000000">
+            <a:off x="2843187" y="2655692"/>
+            <a:ext cx="3581400" cy="1066800"/>
           </a:xfrm>
-          <a:custGeom>
+          <a:prstGeom prst="rightArrow">
             <a:avLst/>
-            <a:gdLst>
-              <a:gd name="connsiteX0" fmla="*/ 0 w 3581400"/>
-              <a:gd name="connsiteY0" fmla="*/ 266700 h 1066800"/>
-              <a:gd name="connsiteX1" fmla="*/ 3048000 w 3581400"/>
-              <a:gd name="connsiteY1" fmla="*/ 266700 h 1066800"/>
-              <a:gd name="connsiteX2" fmla="*/ 3048000 w 3581400"/>
-              <a:gd name="connsiteY2" fmla="*/ 0 h 1066800"/>
-              <a:gd name="connsiteX3" fmla="*/ 3581400 w 3581400"/>
-              <a:gd name="connsiteY3" fmla="*/ 533400 h 1066800"/>
-              <a:gd name="connsiteX4" fmla="*/ 3048000 w 3581400"/>
-              <a:gd name="connsiteY4" fmla="*/ 1066800 h 1066800"/>
-              <a:gd name="connsiteX5" fmla="*/ 3048000 w 3581400"/>
-              <a:gd name="connsiteY5" fmla="*/ 800100 h 1066800"/>
-              <a:gd name="connsiteX6" fmla="*/ 0 w 3581400"/>
-              <a:gd name="connsiteY6" fmla="*/ 800100 h 1066800"/>
-              <a:gd name="connsiteX7" fmla="*/ 0 w 3581400"/>
-              <a:gd name="connsiteY7" fmla="*/ 266700 h 1066800"/>
-              <a:gd name="connsiteX0" fmla="*/ 5586387 w 9167787"/>
-              <a:gd name="connsiteY0" fmla="*/ 3760592 h 4560692"/>
-              <a:gd name="connsiteX1" fmla="*/ 0 w 9167787"/>
-              <a:gd name="connsiteY1" fmla="*/ 0 h 4560692"/>
-              <a:gd name="connsiteX2" fmla="*/ 8634387 w 9167787"/>
-              <a:gd name="connsiteY2" fmla="*/ 3760592 h 4560692"/>
-              <a:gd name="connsiteX3" fmla="*/ 8634387 w 9167787"/>
-              <a:gd name="connsiteY3" fmla="*/ 3493892 h 4560692"/>
-              <a:gd name="connsiteX4" fmla="*/ 9167787 w 9167787"/>
-              <a:gd name="connsiteY4" fmla="*/ 4027292 h 4560692"/>
-              <a:gd name="connsiteX5" fmla="*/ 8634387 w 9167787"/>
-              <a:gd name="connsiteY5" fmla="*/ 4560692 h 4560692"/>
-              <a:gd name="connsiteX6" fmla="*/ 8634387 w 9167787"/>
-              <a:gd name="connsiteY6" fmla="*/ 4293992 h 4560692"/>
-              <a:gd name="connsiteX7" fmla="*/ 5586387 w 9167787"/>
-              <a:gd name="connsiteY7" fmla="*/ 4293992 h 4560692"/>
-              <a:gd name="connsiteX8" fmla="*/ 5586387 w 9167787"/>
-              <a:gd name="connsiteY8" fmla="*/ 3760592 h 4560692"/>
-              <a:gd name="connsiteX0" fmla="*/ 0 w 3581400"/>
-              <a:gd name="connsiteY0" fmla="*/ 266700 h 1066800"/>
-              <a:gd name="connsiteX1" fmla="*/ 3048000 w 3581400"/>
-              <a:gd name="connsiteY1" fmla="*/ 266700 h 1066800"/>
-              <a:gd name="connsiteX2" fmla="*/ 3048000 w 3581400"/>
-              <a:gd name="connsiteY2" fmla="*/ 0 h 1066800"/>
-              <a:gd name="connsiteX3" fmla="*/ 3581400 w 3581400"/>
-              <a:gd name="connsiteY3" fmla="*/ 533400 h 1066800"/>
-              <a:gd name="connsiteX4" fmla="*/ 3048000 w 3581400"/>
-              <a:gd name="connsiteY4" fmla="*/ 1066800 h 1066800"/>
-              <a:gd name="connsiteX5" fmla="*/ 3048000 w 3581400"/>
-              <a:gd name="connsiteY5" fmla="*/ 800100 h 1066800"/>
-              <a:gd name="connsiteX6" fmla="*/ 0 w 3581400"/>
-              <a:gd name="connsiteY6" fmla="*/ 800100 h 1066800"/>
-              <a:gd name="connsiteX7" fmla="*/ 0 w 3581400"/>
-              <a:gd name="connsiteY7" fmla="*/ 266700 h 1066800"/>
-              <a:gd name="connsiteX0" fmla="*/ 664381 w 3581400"/>
-              <a:gd name="connsiteY0" fmla="*/ 1950842 h 1950842"/>
-              <a:gd name="connsiteX1" fmla="*/ 3048000 w 3581400"/>
-              <a:gd name="connsiteY1" fmla="*/ 266700 h 1950842"/>
-              <a:gd name="connsiteX2" fmla="*/ 3048000 w 3581400"/>
-              <a:gd name="connsiteY2" fmla="*/ 0 h 1950842"/>
-              <a:gd name="connsiteX3" fmla="*/ 3581400 w 3581400"/>
-              <a:gd name="connsiteY3" fmla="*/ 533400 h 1950842"/>
-              <a:gd name="connsiteX4" fmla="*/ 3048000 w 3581400"/>
-              <a:gd name="connsiteY4" fmla="*/ 1066800 h 1950842"/>
-              <a:gd name="connsiteX5" fmla="*/ 3048000 w 3581400"/>
-              <a:gd name="connsiteY5" fmla="*/ 800100 h 1950842"/>
-              <a:gd name="connsiteX6" fmla="*/ 0 w 3581400"/>
-              <a:gd name="connsiteY6" fmla="*/ 800100 h 1950842"/>
-              <a:gd name="connsiteX7" fmla="*/ 0 w 3581400"/>
-              <a:gd name="connsiteY7" fmla="*/ 266700 h 1950842"/>
-              <a:gd name="connsiteX0" fmla="*/ 664381 w 3581400"/>
-              <a:gd name="connsiteY0" fmla="*/ 2639646 h 2639646"/>
-              <a:gd name="connsiteX1" fmla="*/ 2188381 w 3581400"/>
-              <a:gd name="connsiteY1" fmla="*/ 0 h 2639646"/>
-              <a:gd name="connsiteX2" fmla="*/ 3048000 w 3581400"/>
-              <a:gd name="connsiteY2" fmla="*/ 688804 h 2639646"/>
-              <a:gd name="connsiteX3" fmla="*/ 3581400 w 3581400"/>
-              <a:gd name="connsiteY3" fmla="*/ 1222204 h 2639646"/>
-              <a:gd name="connsiteX4" fmla="*/ 3048000 w 3581400"/>
-              <a:gd name="connsiteY4" fmla="*/ 1755604 h 2639646"/>
-              <a:gd name="connsiteX5" fmla="*/ 3048000 w 3581400"/>
-              <a:gd name="connsiteY5" fmla="*/ 1488904 h 2639646"/>
-              <a:gd name="connsiteX6" fmla="*/ 0 w 3581400"/>
-              <a:gd name="connsiteY6" fmla="*/ 1488904 h 2639646"/>
-              <a:gd name="connsiteX7" fmla="*/ 0 w 3581400"/>
-              <a:gd name="connsiteY7" fmla="*/ 955504 h 2639646"/>
-              <a:gd name="connsiteX0" fmla="*/ 664381 w 3581400"/>
-              <a:gd name="connsiteY0" fmla="*/ 2772996 h 2772996"/>
-              <a:gd name="connsiteX1" fmla="*/ 2188381 w 3581400"/>
-              <a:gd name="connsiteY1" fmla="*/ 133350 h 2772996"/>
-              <a:gd name="connsiteX2" fmla="*/ 1957412 w 3581400"/>
-              <a:gd name="connsiteY2" fmla="*/ 0 h 2772996"/>
-              <a:gd name="connsiteX3" fmla="*/ 3581400 w 3581400"/>
-              <a:gd name="connsiteY3" fmla="*/ 1355554 h 2772996"/>
-              <a:gd name="connsiteX4" fmla="*/ 3048000 w 3581400"/>
-              <a:gd name="connsiteY4" fmla="*/ 1888954 h 2772996"/>
-              <a:gd name="connsiteX5" fmla="*/ 3048000 w 3581400"/>
-              <a:gd name="connsiteY5" fmla="*/ 1622254 h 2772996"/>
-              <a:gd name="connsiteX6" fmla="*/ 0 w 3581400"/>
-              <a:gd name="connsiteY6" fmla="*/ 1622254 h 2772996"/>
-              <a:gd name="connsiteX7" fmla="*/ 0 w 3581400"/>
-              <a:gd name="connsiteY7" fmla="*/ 1088854 h 2772996"/>
-              <a:gd name="connsiteX0" fmla="*/ 664381 w 3048000"/>
-              <a:gd name="connsiteY0" fmla="*/ 2968234 h 2968234"/>
-              <a:gd name="connsiteX1" fmla="*/ 2188381 w 3048000"/>
-              <a:gd name="connsiteY1" fmla="*/ 328588 h 2968234"/>
-              <a:gd name="connsiteX2" fmla="*/ 1957412 w 3048000"/>
-              <a:gd name="connsiteY2" fmla="*/ 195238 h 2968234"/>
-              <a:gd name="connsiteX3" fmla="*/ 2686050 w 3048000"/>
-              <a:gd name="connsiteY3" fmla="*/ 0 h 2968234"/>
-              <a:gd name="connsiteX4" fmla="*/ 3048000 w 3048000"/>
-              <a:gd name="connsiteY4" fmla="*/ 2084192 h 2968234"/>
-              <a:gd name="connsiteX5" fmla="*/ 3048000 w 3048000"/>
-              <a:gd name="connsiteY5" fmla="*/ 1817492 h 2968234"/>
-              <a:gd name="connsiteX6" fmla="*/ 0 w 3048000"/>
-              <a:gd name="connsiteY6" fmla="*/ 1817492 h 2968234"/>
-              <a:gd name="connsiteX7" fmla="*/ 0 w 3048000"/>
-              <a:gd name="connsiteY7" fmla="*/ 1284092 h 2968234"/>
-              <a:gd name="connsiteX0" fmla="*/ 664381 w 3048000"/>
-              <a:gd name="connsiteY0" fmla="*/ 2968234 h 2968234"/>
-              <a:gd name="connsiteX1" fmla="*/ 2188381 w 3048000"/>
-              <a:gd name="connsiteY1" fmla="*/ 328588 h 2968234"/>
-              <a:gd name="connsiteX2" fmla="*/ 1957412 w 3048000"/>
-              <a:gd name="connsiteY2" fmla="*/ 195238 h 2968234"/>
-              <a:gd name="connsiteX3" fmla="*/ 2686050 w 3048000"/>
-              <a:gd name="connsiteY3" fmla="*/ 0 h 2968234"/>
-              <a:gd name="connsiteX4" fmla="*/ 2881288 w 3048000"/>
-              <a:gd name="connsiteY4" fmla="*/ 728638 h 2968234"/>
-              <a:gd name="connsiteX5" fmla="*/ 3048000 w 3048000"/>
-              <a:gd name="connsiteY5" fmla="*/ 1817492 h 2968234"/>
-              <a:gd name="connsiteX6" fmla="*/ 0 w 3048000"/>
-              <a:gd name="connsiteY6" fmla="*/ 1817492 h 2968234"/>
-              <a:gd name="connsiteX7" fmla="*/ 0 w 3048000"/>
-              <a:gd name="connsiteY7" fmla="*/ 1284092 h 2968234"/>
-              <a:gd name="connsiteX0" fmla="*/ 664381 w 2881288"/>
-              <a:gd name="connsiteY0" fmla="*/ 2968234 h 2968234"/>
-              <a:gd name="connsiteX1" fmla="*/ 2188381 w 2881288"/>
-              <a:gd name="connsiteY1" fmla="*/ 328588 h 2968234"/>
-              <a:gd name="connsiteX2" fmla="*/ 1957412 w 2881288"/>
-              <a:gd name="connsiteY2" fmla="*/ 195238 h 2968234"/>
-              <a:gd name="connsiteX3" fmla="*/ 2686050 w 2881288"/>
-              <a:gd name="connsiteY3" fmla="*/ 0 h 2968234"/>
-              <a:gd name="connsiteX4" fmla="*/ 2881288 w 2881288"/>
-              <a:gd name="connsiteY4" fmla="*/ 728638 h 2968234"/>
-              <a:gd name="connsiteX5" fmla="*/ 2650319 w 2881288"/>
-              <a:gd name="connsiteY5" fmla="*/ 595288 h 2968234"/>
-              <a:gd name="connsiteX6" fmla="*/ 0 w 2881288"/>
-              <a:gd name="connsiteY6" fmla="*/ 1817492 h 2968234"/>
-              <a:gd name="connsiteX7" fmla="*/ 0 w 2881288"/>
-              <a:gd name="connsiteY7" fmla="*/ 1284092 h 2968234"/>
-              <a:gd name="connsiteX0" fmla="*/ 664381 w 2881288"/>
-              <a:gd name="connsiteY0" fmla="*/ 2968234 h 3234934"/>
-              <a:gd name="connsiteX1" fmla="*/ 2188381 w 2881288"/>
-              <a:gd name="connsiteY1" fmla="*/ 328588 h 3234934"/>
-              <a:gd name="connsiteX2" fmla="*/ 1957412 w 2881288"/>
-              <a:gd name="connsiteY2" fmla="*/ 195238 h 3234934"/>
-              <a:gd name="connsiteX3" fmla="*/ 2686050 w 2881288"/>
-              <a:gd name="connsiteY3" fmla="*/ 0 h 3234934"/>
-              <a:gd name="connsiteX4" fmla="*/ 2881288 w 2881288"/>
-              <a:gd name="connsiteY4" fmla="*/ 728638 h 3234934"/>
-              <a:gd name="connsiteX5" fmla="*/ 2650319 w 2881288"/>
-              <a:gd name="connsiteY5" fmla="*/ 595288 h 3234934"/>
-              <a:gd name="connsiteX6" fmla="*/ 1126319 w 2881288"/>
-              <a:gd name="connsiteY6" fmla="*/ 3234934 h 3234934"/>
-              <a:gd name="connsiteX7" fmla="*/ 0 w 2881288"/>
-              <a:gd name="connsiteY7" fmla="*/ 1284092 h 3234934"/>
-              <a:gd name="connsiteX0" fmla="*/ 0 w 2216907"/>
-              <a:gd name="connsiteY0" fmla="*/ 2968234 h 3234934"/>
-              <a:gd name="connsiteX1" fmla="*/ 1524000 w 2216907"/>
-              <a:gd name="connsiteY1" fmla="*/ 328588 h 3234934"/>
-              <a:gd name="connsiteX2" fmla="*/ 1293031 w 2216907"/>
-              <a:gd name="connsiteY2" fmla="*/ 195238 h 3234934"/>
-              <a:gd name="connsiteX3" fmla="*/ 2021669 w 2216907"/>
-              <a:gd name="connsiteY3" fmla="*/ 0 h 3234934"/>
-              <a:gd name="connsiteX4" fmla="*/ 2216907 w 2216907"/>
-              <a:gd name="connsiteY4" fmla="*/ 728638 h 3234934"/>
-              <a:gd name="connsiteX5" fmla="*/ 1985938 w 2216907"/>
-              <a:gd name="connsiteY5" fmla="*/ 595288 h 3234934"/>
-              <a:gd name="connsiteX6" fmla="*/ 461938 w 2216907"/>
-              <a:gd name="connsiteY6" fmla="*/ 3234934 h 3234934"/>
-              <a:gd name="connsiteX7" fmla="*/ 0 w 2216907"/>
-              <a:gd name="connsiteY7" fmla="*/ 2968234 h 3234934"/>
-            </a:gdLst>
-            <a:ahLst/>
-            <a:cxnLst>
-              <a:cxn ang="0">
-                <a:pos x="connsiteX0" y="connsiteY0"/>
-              </a:cxn>
-              <a:cxn ang="0">
-                <a:pos x="connsiteX1" y="connsiteY1"/>
-              </a:cxn>
-              <a:cxn ang="0">
-                <a:pos x="connsiteX2" y="connsiteY2"/>
-              </a:cxn>
-              <a:cxn ang="0">
-                <a:pos x="connsiteX3" y="connsiteY3"/>
-              </a:cxn>
-              <a:cxn ang="0">
-                <a:pos x="connsiteX4" y="connsiteY4"/>
-              </a:cxn>
-              <a:cxn ang="0">
-                <a:pos x="connsiteX5" y="connsiteY5"/>
-              </a:cxn>
-              <a:cxn ang="0">
-                <a:pos x="connsiteX6" y="connsiteY6"/>
-              </a:cxn>
-              <a:cxn ang="0">
-                <a:pos x="connsiteX7" y="connsiteY7"/>
-              </a:cxn>
-            </a:cxnLst>
-            <a:rect l="l" t="t" r="r" b="b"/>
-            <a:pathLst>
-              <a:path w="2216907" h="3234934">
-                <a:moveTo>
-                  <a:pt x="0" y="2968234"/>
-                </a:moveTo>
-                <a:lnTo>
-                  <a:pt x="1524000" y="328588"/>
-                </a:lnTo>
-                <a:lnTo>
-                  <a:pt x="1293031" y="195238"/>
-                </a:lnTo>
-                <a:lnTo>
-                  <a:pt x="2021669" y="0"/>
-                </a:lnTo>
-                <a:lnTo>
-                  <a:pt x="2216907" y="728638"/>
-                </a:lnTo>
-                <a:lnTo>
-                  <a:pt x="1985938" y="595288"/>
-                </a:lnTo>
-                <a:lnTo>
-                  <a:pt x="461938" y="3234934"/>
-                </a:lnTo>
-                <a:lnTo>
-                  <a:pt x="0" y="2968234"/>
-                </a:lnTo>
-                <a:close/>
-              </a:path>
-            </a:pathLst>
-          </a:custGeom>
+          </a:prstGeom>
         </p:spPr>
         <p:style>
           <a:lnRef idx="2">
@@ -20539,136 +17281,13 @@
           <p:nvPr/>
         </p:nvSpPr>
         <p:spPr>
-          <a:xfrm>
-            <a:off x="3439552" y="2032875"/>
-            <a:ext cx="2121971" cy="2179084"/>
+          <a:xfrm rot="18672083">
+            <a:off x="3719487" y="2579492"/>
+            <a:ext cx="1828800" cy="1219200"/>
           </a:xfrm>
-          <a:custGeom>
+          <a:prstGeom prst="rect">
             <a:avLst/>
-            <a:gdLst>
-              <a:gd name="connsiteX0" fmla="*/ 0 w 1828800"/>
-              <a:gd name="connsiteY0" fmla="*/ 0 h 1219200"/>
-              <a:gd name="connsiteX1" fmla="*/ 1828800 w 1828800"/>
-              <a:gd name="connsiteY1" fmla="*/ 0 h 1219200"/>
-              <a:gd name="connsiteX2" fmla="*/ 1828800 w 1828800"/>
-              <a:gd name="connsiteY2" fmla="*/ 1219200 h 1219200"/>
-              <a:gd name="connsiteX3" fmla="*/ 0 w 1828800"/>
-              <a:gd name="connsiteY3" fmla="*/ 1219200 h 1219200"/>
-              <a:gd name="connsiteX4" fmla="*/ 0 w 1828800"/>
-              <a:gd name="connsiteY4" fmla="*/ 0 h 1219200"/>
-              <a:gd name="connsiteX0" fmla="*/ 1975386 w 3804186"/>
-              <a:gd name="connsiteY0" fmla="*/ 3604142 h 4823342"/>
-              <a:gd name="connsiteX1" fmla="*/ 0 w 3804186"/>
-              <a:gd name="connsiteY1" fmla="*/ 0 h 4823342"/>
-              <a:gd name="connsiteX2" fmla="*/ 3804186 w 3804186"/>
-              <a:gd name="connsiteY2" fmla="*/ 3604142 h 4823342"/>
-              <a:gd name="connsiteX3" fmla="*/ 3804186 w 3804186"/>
-              <a:gd name="connsiteY3" fmla="*/ 4823342 h 4823342"/>
-              <a:gd name="connsiteX4" fmla="*/ 1975386 w 3804186"/>
-              <a:gd name="connsiteY4" fmla="*/ 4823342 h 4823342"/>
-              <a:gd name="connsiteX5" fmla="*/ 1975386 w 3804186"/>
-              <a:gd name="connsiteY5" fmla="*/ 3604142 h 4823342"/>
-              <a:gd name="connsiteX0" fmla="*/ 0 w 1828800"/>
-              <a:gd name="connsiteY0" fmla="*/ 0 h 1219200"/>
-              <a:gd name="connsiteX1" fmla="*/ 1828800 w 1828800"/>
-              <a:gd name="connsiteY1" fmla="*/ 0 h 1219200"/>
-              <a:gd name="connsiteX2" fmla="*/ 1828800 w 1828800"/>
-              <a:gd name="connsiteY2" fmla="*/ 1219200 h 1219200"/>
-              <a:gd name="connsiteX3" fmla="*/ 0 w 1828800"/>
-              <a:gd name="connsiteY3" fmla="*/ 1219200 h 1219200"/>
-              <a:gd name="connsiteX4" fmla="*/ 0 w 1828800"/>
-              <a:gd name="connsiteY4" fmla="*/ 0 h 1219200"/>
-              <a:gd name="connsiteX0" fmla="*/ 0 w 1975385"/>
-              <a:gd name="connsiteY0" fmla="*/ 896045 h 1219200"/>
-              <a:gd name="connsiteX1" fmla="*/ 1975385 w 1975385"/>
-              <a:gd name="connsiteY1" fmla="*/ 0 h 1219200"/>
-              <a:gd name="connsiteX2" fmla="*/ 1975385 w 1975385"/>
-              <a:gd name="connsiteY2" fmla="*/ 1219200 h 1219200"/>
-              <a:gd name="connsiteX3" fmla="*/ 146585 w 1975385"/>
-              <a:gd name="connsiteY3" fmla="*/ 1219200 h 1219200"/>
-              <a:gd name="connsiteX4" fmla="*/ 146585 w 1975385"/>
-              <a:gd name="connsiteY4" fmla="*/ 0 h 1219200"/>
-              <a:gd name="connsiteX0" fmla="*/ 0 w 1975385"/>
-              <a:gd name="connsiteY0" fmla="*/ 1375987 h 1699142"/>
-              <a:gd name="connsiteX1" fmla="*/ 1204646 w 1975385"/>
-              <a:gd name="connsiteY1" fmla="*/ 0 h 1699142"/>
-              <a:gd name="connsiteX2" fmla="*/ 1975385 w 1975385"/>
-              <a:gd name="connsiteY2" fmla="*/ 1699142 h 1699142"/>
-              <a:gd name="connsiteX3" fmla="*/ 146585 w 1975385"/>
-              <a:gd name="connsiteY3" fmla="*/ 1699142 h 1699142"/>
-              <a:gd name="connsiteX4" fmla="*/ 146585 w 1975385"/>
-              <a:gd name="connsiteY4" fmla="*/ 479942 h 1699142"/>
-              <a:gd name="connsiteX0" fmla="*/ 0 w 2121971"/>
-              <a:gd name="connsiteY0" fmla="*/ 1375987 h 1699142"/>
-              <a:gd name="connsiteX1" fmla="*/ 1204646 w 2121971"/>
-              <a:gd name="connsiteY1" fmla="*/ 0 h 1699142"/>
-              <a:gd name="connsiteX2" fmla="*/ 2121971 w 2121971"/>
-              <a:gd name="connsiteY2" fmla="*/ 803097 h 1699142"/>
-              <a:gd name="connsiteX3" fmla="*/ 146585 w 2121971"/>
-              <a:gd name="connsiteY3" fmla="*/ 1699142 h 1699142"/>
-              <a:gd name="connsiteX4" fmla="*/ 146585 w 2121971"/>
-              <a:gd name="connsiteY4" fmla="*/ 479942 h 1699142"/>
-              <a:gd name="connsiteX0" fmla="*/ 0 w 2121971"/>
-              <a:gd name="connsiteY0" fmla="*/ 1375987 h 2179084"/>
-              <a:gd name="connsiteX1" fmla="*/ 1204646 w 2121971"/>
-              <a:gd name="connsiteY1" fmla="*/ 0 h 2179084"/>
-              <a:gd name="connsiteX2" fmla="*/ 2121971 w 2121971"/>
-              <a:gd name="connsiteY2" fmla="*/ 803097 h 2179084"/>
-              <a:gd name="connsiteX3" fmla="*/ 917326 w 2121971"/>
-              <a:gd name="connsiteY3" fmla="*/ 2179084 h 2179084"/>
-              <a:gd name="connsiteX4" fmla="*/ 146585 w 2121971"/>
-              <a:gd name="connsiteY4" fmla="*/ 479942 h 2179084"/>
-              <a:gd name="connsiteX0" fmla="*/ 0 w 2121971"/>
-              <a:gd name="connsiteY0" fmla="*/ 1375987 h 2179084"/>
-              <a:gd name="connsiteX1" fmla="*/ 1204646 w 2121971"/>
-              <a:gd name="connsiteY1" fmla="*/ 0 h 2179084"/>
-              <a:gd name="connsiteX2" fmla="*/ 2121971 w 2121971"/>
-              <a:gd name="connsiteY2" fmla="*/ 803097 h 2179084"/>
-              <a:gd name="connsiteX3" fmla="*/ 917326 w 2121971"/>
-              <a:gd name="connsiteY3" fmla="*/ 2179084 h 2179084"/>
-              <a:gd name="connsiteX4" fmla="*/ 1 w 2121971"/>
-              <a:gd name="connsiteY4" fmla="*/ 1375987 h 2179084"/>
-            </a:gdLst>
-            <a:ahLst/>
-            <a:cxnLst>
-              <a:cxn ang="0">
-                <a:pos x="connsiteX0" y="connsiteY0"/>
-              </a:cxn>
-              <a:cxn ang="0">
-                <a:pos x="connsiteX1" y="connsiteY1"/>
-              </a:cxn>
-              <a:cxn ang="0">
-                <a:pos x="connsiteX2" y="connsiteY2"/>
-              </a:cxn>
-              <a:cxn ang="0">
-                <a:pos x="connsiteX3" y="connsiteY3"/>
-              </a:cxn>
-              <a:cxn ang="0">
-                <a:pos x="connsiteX4" y="connsiteY4"/>
-              </a:cxn>
-            </a:cxnLst>
-            <a:rect l="l" t="t" r="r" b="b"/>
-            <a:pathLst>
-              <a:path w="2121971" h="2179084">
-                <a:moveTo>
-                  <a:pt x="0" y="1375987"/>
-                </a:moveTo>
-                <a:lnTo>
-                  <a:pt x="1204646" y="0"/>
-                </a:lnTo>
-                <a:lnTo>
-                  <a:pt x="2121971" y="803097"/>
-                </a:lnTo>
-                <a:lnTo>
-                  <a:pt x="917326" y="2179084"/>
-                </a:lnTo>
-                <a:lnTo>
-                  <a:pt x="1" y="1375987"/>
-                </a:lnTo>
-                <a:close/>
-              </a:path>
-            </a:pathLst>
-          </a:custGeom>
+          </a:prstGeom>
         </p:spPr>
         <p:style>
           <a:lnRef idx="2">
@@ -20698,7 +17317,7 @@
     </p:spTree>
     <p:extLst>
       <p:ext uri="{BB962C8B-B14F-4D97-AF65-F5344CB8AC3E}">
-        <p14:creationId xmlns:p14="http://schemas.microsoft.com/office/powerpoint/2010/main" val="320981893"/>
+        <p14:creationId xmlns:p14="http://schemas.microsoft.com/office/powerpoint/2010/main" val="1091288708"/>
       </p:ext>
     </p:extLst>
   </p:cSld>

--- a/doc/test/PositionsLab/PositionsLabAlign.pptx
+++ b/doc/test/PositionsLab/PositionsLabAlign.pptx
@@ -11,36 +11,36 @@
     <p:sldId id="256" r:id="rId5"/>
     <p:sldId id="292" r:id="rId6"/>
     <p:sldId id="294" r:id="rId7"/>
-    <p:sldId id="295" r:id="rId8"/>
-    <p:sldId id="296" r:id="rId9"/>
-    <p:sldId id="297" r:id="rId10"/>
-    <p:sldId id="298" r:id="rId11"/>
-    <p:sldId id="299" r:id="rId12"/>
-    <p:sldId id="300" r:id="rId13"/>
-    <p:sldId id="301" r:id="rId14"/>
+    <p:sldId id="326" r:id="rId8"/>
+    <p:sldId id="327" r:id="rId9"/>
+    <p:sldId id="328" r:id="rId10"/>
+    <p:sldId id="329" r:id="rId11"/>
+    <p:sldId id="330" r:id="rId12"/>
+    <p:sldId id="331" r:id="rId13"/>
+    <p:sldId id="332" r:id="rId14"/>
     <p:sldId id="311" r:id="rId15"/>
-    <p:sldId id="302" r:id="rId16"/>
-    <p:sldId id="303" r:id="rId17"/>
-    <p:sldId id="304" r:id="rId18"/>
-    <p:sldId id="305" r:id="rId19"/>
-    <p:sldId id="306" r:id="rId20"/>
-    <p:sldId id="307" r:id="rId21"/>
-    <p:sldId id="308" r:id="rId22"/>
+    <p:sldId id="333" r:id="rId16"/>
+    <p:sldId id="334" r:id="rId17"/>
+    <p:sldId id="335" r:id="rId18"/>
+    <p:sldId id="336" r:id="rId19"/>
+    <p:sldId id="337" r:id="rId20"/>
+    <p:sldId id="338" r:id="rId21"/>
+    <p:sldId id="339" r:id="rId22"/>
     <p:sldId id="312" r:id="rId23"/>
-    <p:sldId id="326" r:id="rId24"/>
-    <p:sldId id="327" r:id="rId25"/>
-    <p:sldId id="328" r:id="rId26"/>
-    <p:sldId id="329" r:id="rId27"/>
-    <p:sldId id="330" r:id="rId28"/>
-    <p:sldId id="331" r:id="rId29"/>
-    <p:sldId id="332" r:id="rId30"/>
-    <p:sldId id="333" r:id="rId31"/>
-    <p:sldId id="334" r:id="rId32"/>
-    <p:sldId id="335" r:id="rId33"/>
-    <p:sldId id="336" r:id="rId34"/>
-    <p:sldId id="337" r:id="rId35"/>
-    <p:sldId id="338" r:id="rId36"/>
-    <p:sldId id="339" r:id="rId37"/>
+    <p:sldId id="340" r:id="rId24"/>
+    <p:sldId id="341" r:id="rId25"/>
+    <p:sldId id="342" r:id="rId26"/>
+    <p:sldId id="343" r:id="rId27"/>
+    <p:sldId id="344" r:id="rId28"/>
+    <p:sldId id="345" r:id="rId29"/>
+    <p:sldId id="346" r:id="rId30"/>
+    <p:sldId id="347" r:id="rId31"/>
+    <p:sldId id="348" r:id="rId32"/>
+    <p:sldId id="349" r:id="rId33"/>
+    <p:sldId id="350" r:id="rId34"/>
+    <p:sldId id="351" r:id="rId35"/>
+    <p:sldId id="352" r:id="rId36"/>
+    <p:sldId id="353" r:id="rId37"/>
     <p:sldId id="274" r:id="rId38"/>
   </p:sldIdLst>
   <p:sldSz cx="9144000" cy="6858000" type="screen4x3"/>
@@ -153,22 +153,6 @@
             <p14:sldId id="256"/>
             <p14:sldId id="292"/>
             <p14:sldId id="294"/>
-            <p14:sldId id="295"/>
-            <p14:sldId id="296"/>
-            <p14:sldId id="297"/>
-            <p14:sldId id="298"/>
-            <p14:sldId id="299"/>
-            <p14:sldId id="300"/>
-            <p14:sldId id="301"/>
-            <p14:sldId id="311"/>
-            <p14:sldId id="302"/>
-            <p14:sldId id="303"/>
-            <p14:sldId id="304"/>
-            <p14:sldId id="305"/>
-            <p14:sldId id="306"/>
-            <p14:sldId id="307"/>
-            <p14:sldId id="308"/>
-            <p14:sldId id="312"/>
             <p14:sldId id="326"/>
             <p14:sldId id="327"/>
             <p14:sldId id="328"/>
@@ -176,6 +160,7 @@
             <p14:sldId id="330"/>
             <p14:sldId id="331"/>
             <p14:sldId id="332"/>
+            <p14:sldId id="311"/>
             <p14:sldId id="333"/>
             <p14:sldId id="334"/>
             <p14:sldId id="335"/>
@@ -183,6 +168,21 @@
             <p14:sldId id="337"/>
             <p14:sldId id="338"/>
             <p14:sldId id="339"/>
+            <p14:sldId id="312"/>
+            <p14:sldId id="340"/>
+            <p14:sldId id="341"/>
+            <p14:sldId id="342"/>
+            <p14:sldId id="343"/>
+            <p14:sldId id="344"/>
+            <p14:sldId id="345"/>
+            <p14:sldId id="346"/>
+            <p14:sldId id="347"/>
+            <p14:sldId id="348"/>
+            <p14:sldId id="349"/>
+            <p14:sldId id="350"/>
+            <p14:sldId id="351"/>
+            <p14:sldId id="352"/>
+            <p14:sldId id="353"/>
             <p14:sldId id="274"/>
           </p14:sldIdLst>
         </p14:section>
@@ -9389,250 +9389,13 @@
           <p:nvPr/>
         </p:nvSpPr>
         <p:spPr>
-          <a:xfrm>
-            <a:off x="3463546" y="2476500"/>
-            <a:ext cx="2216907" cy="3234934"/>
-          </a:xfrm>
-          <a:custGeom>
+          <a:xfrm rot="18000000">
+            <a:off x="2799165" y="3493892"/>
+            <a:ext cx="3581400" cy="1066800"/>
+          </a:xfrm>
+          <a:prstGeom prst="rightArrow">
             <a:avLst/>
-            <a:gdLst>
-              <a:gd name="connsiteX0" fmla="*/ 0 w 3581400"/>
-              <a:gd name="connsiteY0" fmla="*/ 266700 h 1066800"/>
-              <a:gd name="connsiteX1" fmla="*/ 3048000 w 3581400"/>
-              <a:gd name="connsiteY1" fmla="*/ 266700 h 1066800"/>
-              <a:gd name="connsiteX2" fmla="*/ 3048000 w 3581400"/>
-              <a:gd name="connsiteY2" fmla="*/ 0 h 1066800"/>
-              <a:gd name="connsiteX3" fmla="*/ 3581400 w 3581400"/>
-              <a:gd name="connsiteY3" fmla="*/ 533400 h 1066800"/>
-              <a:gd name="connsiteX4" fmla="*/ 3048000 w 3581400"/>
-              <a:gd name="connsiteY4" fmla="*/ 1066800 h 1066800"/>
-              <a:gd name="connsiteX5" fmla="*/ 3048000 w 3581400"/>
-              <a:gd name="connsiteY5" fmla="*/ 800100 h 1066800"/>
-              <a:gd name="connsiteX6" fmla="*/ 0 w 3581400"/>
-              <a:gd name="connsiteY6" fmla="*/ 800100 h 1066800"/>
-              <a:gd name="connsiteX7" fmla="*/ 0 w 3581400"/>
-              <a:gd name="connsiteY7" fmla="*/ 266700 h 1066800"/>
-              <a:gd name="connsiteX0" fmla="*/ 5586387 w 9167787"/>
-              <a:gd name="connsiteY0" fmla="*/ 3760592 h 4560692"/>
-              <a:gd name="connsiteX1" fmla="*/ 0 w 9167787"/>
-              <a:gd name="connsiteY1" fmla="*/ 0 h 4560692"/>
-              <a:gd name="connsiteX2" fmla="*/ 8634387 w 9167787"/>
-              <a:gd name="connsiteY2" fmla="*/ 3760592 h 4560692"/>
-              <a:gd name="connsiteX3" fmla="*/ 8634387 w 9167787"/>
-              <a:gd name="connsiteY3" fmla="*/ 3493892 h 4560692"/>
-              <a:gd name="connsiteX4" fmla="*/ 9167787 w 9167787"/>
-              <a:gd name="connsiteY4" fmla="*/ 4027292 h 4560692"/>
-              <a:gd name="connsiteX5" fmla="*/ 8634387 w 9167787"/>
-              <a:gd name="connsiteY5" fmla="*/ 4560692 h 4560692"/>
-              <a:gd name="connsiteX6" fmla="*/ 8634387 w 9167787"/>
-              <a:gd name="connsiteY6" fmla="*/ 4293992 h 4560692"/>
-              <a:gd name="connsiteX7" fmla="*/ 5586387 w 9167787"/>
-              <a:gd name="connsiteY7" fmla="*/ 4293992 h 4560692"/>
-              <a:gd name="connsiteX8" fmla="*/ 5586387 w 9167787"/>
-              <a:gd name="connsiteY8" fmla="*/ 3760592 h 4560692"/>
-              <a:gd name="connsiteX0" fmla="*/ 0 w 3581400"/>
-              <a:gd name="connsiteY0" fmla="*/ 266700 h 1066800"/>
-              <a:gd name="connsiteX1" fmla="*/ 3048000 w 3581400"/>
-              <a:gd name="connsiteY1" fmla="*/ 266700 h 1066800"/>
-              <a:gd name="connsiteX2" fmla="*/ 3048000 w 3581400"/>
-              <a:gd name="connsiteY2" fmla="*/ 0 h 1066800"/>
-              <a:gd name="connsiteX3" fmla="*/ 3581400 w 3581400"/>
-              <a:gd name="connsiteY3" fmla="*/ 533400 h 1066800"/>
-              <a:gd name="connsiteX4" fmla="*/ 3048000 w 3581400"/>
-              <a:gd name="connsiteY4" fmla="*/ 1066800 h 1066800"/>
-              <a:gd name="connsiteX5" fmla="*/ 3048000 w 3581400"/>
-              <a:gd name="connsiteY5" fmla="*/ 800100 h 1066800"/>
-              <a:gd name="connsiteX6" fmla="*/ 0 w 3581400"/>
-              <a:gd name="connsiteY6" fmla="*/ 800100 h 1066800"/>
-              <a:gd name="connsiteX7" fmla="*/ 0 w 3581400"/>
-              <a:gd name="connsiteY7" fmla="*/ 266700 h 1066800"/>
-              <a:gd name="connsiteX0" fmla="*/ 664381 w 3581400"/>
-              <a:gd name="connsiteY0" fmla="*/ 1950842 h 1950842"/>
-              <a:gd name="connsiteX1" fmla="*/ 3048000 w 3581400"/>
-              <a:gd name="connsiteY1" fmla="*/ 266700 h 1950842"/>
-              <a:gd name="connsiteX2" fmla="*/ 3048000 w 3581400"/>
-              <a:gd name="connsiteY2" fmla="*/ 0 h 1950842"/>
-              <a:gd name="connsiteX3" fmla="*/ 3581400 w 3581400"/>
-              <a:gd name="connsiteY3" fmla="*/ 533400 h 1950842"/>
-              <a:gd name="connsiteX4" fmla="*/ 3048000 w 3581400"/>
-              <a:gd name="connsiteY4" fmla="*/ 1066800 h 1950842"/>
-              <a:gd name="connsiteX5" fmla="*/ 3048000 w 3581400"/>
-              <a:gd name="connsiteY5" fmla="*/ 800100 h 1950842"/>
-              <a:gd name="connsiteX6" fmla="*/ 0 w 3581400"/>
-              <a:gd name="connsiteY6" fmla="*/ 800100 h 1950842"/>
-              <a:gd name="connsiteX7" fmla="*/ 0 w 3581400"/>
-              <a:gd name="connsiteY7" fmla="*/ 266700 h 1950842"/>
-              <a:gd name="connsiteX0" fmla="*/ 664381 w 3581400"/>
-              <a:gd name="connsiteY0" fmla="*/ 2639646 h 2639646"/>
-              <a:gd name="connsiteX1" fmla="*/ 2188381 w 3581400"/>
-              <a:gd name="connsiteY1" fmla="*/ 0 h 2639646"/>
-              <a:gd name="connsiteX2" fmla="*/ 3048000 w 3581400"/>
-              <a:gd name="connsiteY2" fmla="*/ 688804 h 2639646"/>
-              <a:gd name="connsiteX3" fmla="*/ 3581400 w 3581400"/>
-              <a:gd name="connsiteY3" fmla="*/ 1222204 h 2639646"/>
-              <a:gd name="connsiteX4" fmla="*/ 3048000 w 3581400"/>
-              <a:gd name="connsiteY4" fmla="*/ 1755604 h 2639646"/>
-              <a:gd name="connsiteX5" fmla="*/ 3048000 w 3581400"/>
-              <a:gd name="connsiteY5" fmla="*/ 1488904 h 2639646"/>
-              <a:gd name="connsiteX6" fmla="*/ 0 w 3581400"/>
-              <a:gd name="connsiteY6" fmla="*/ 1488904 h 2639646"/>
-              <a:gd name="connsiteX7" fmla="*/ 0 w 3581400"/>
-              <a:gd name="connsiteY7" fmla="*/ 955504 h 2639646"/>
-              <a:gd name="connsiteX0" fmla="*/ 664381 w 3581400"/>
-              <a:gd name="connsiteY0" fmla="*/ 2772996 h 2772996"/>
-              <a:gd name="connsiteX1" fmla="*/ 2188381 w 3581400"/>
-              <a:gd name="connsiteY1" fmla="*/ 133350 h 2772996"/>
-              <a:gd name="connsiteX2" fmla="*/ 1957412 w 3581400"/>
-              <a:gd name="connsiteY2" fmla="*/ 0 h 2772996"/>
-              <a:gd name="connsiteX3" fmla="*/ 3581400 w 3581400"/>
-              <a:gd name="connsiteY3" fmla="*/ 1355554 h 2772996"/>
-              <a:gd name="connsiteX4" fmla="*/ 3048000 w 3581400"/>
-              <a:gd name="connsiteY4" fmla="*/ 1888954 h 2772996"/>
-              <a:gd name="connsiteX5" fmla="*/ 3048000 w 3581400"/>
-              <a:gd name="connsiteY5" fmla="*/ 1622254 h 2772996"/>
-              <a:gd name="connsiteX6" fmla="*/ 0 w 3581400"/>
-              <a:gd name="connsiteY6" fmla="*/ 1622254 h 2772996"/>
-              <a:gd name="connsiteX7" fmla="*/ 0 w 3581400"/>
-              <a:gd name="connsiteY7" fmla="*/ 1088854 h 2772996"/>
-              <a:gd name="connsiteX0" fmla="*/ 664381 w 3048000"/>
-              <a:gd name="connsiteY0" fmla="*/ 2968234 h 2968234"/>
-              <a:gd name="connsiteX1" fmla="*/ 2188381 w 3048000"/>
-              <a:gd name="connsiteY1" fmla="*/ 328588 h 2968234"/>
-              <a:gd name="connsiteX2" fmla="*/ 1957412 w 3048000"/>
-              <a:gd name="connsiteY2" fmla="*/ 195238 h 2968234"/>
-              <a:gd name="connsiteX3" fmla="*/ 2686050 w 3048000"/>
-              <a:gd name="connsiteY3" fmla="*/ 0 h 2968234"/>
-              <a:gd name="connsiteX4" fmla="*/ 3048000 w 3048000"/>
-              <a:gd name="connsiteY4" fmla="*/ 2084192 h 2968234"/>
-              <a:gd name="connsiteX5" fmla="*/ 3048000 w 3048000"/>
-              <a:gd name="connsiteY5" fmla="*/ 1817492 h 2968234"/>
-              <a:gd name="connsiteX6" fmla="*/ 0 w 3048000"/>
-              <a:gd name="connsiteY6" fmla="*/ 1817492 h 2968234"/>
-              <a:gd name="connsiteX7" fmla="*/ 0 w 3048000"/>
-              <a:gd name="connsiteY7" fmla="*/ 1284092 h 2968234"/>
-              <a:gd name="connsiteX0" fmla="*/ 664381 w 3048000"/>
-              <a:gd name="connsiteY0" fmla="*/ 2968234 h 2968234"/>
-              <a:gd name="connsiteX1" fmla="*/ 2188381 w 3048000"/>
-              <a:gd name="connsiteY1" fmla="*/ 328588 h 2968234"/>
-              <a:gd name="connsiteX2" fmla="*/ 1957412 w 3048000"/>
-              <a:gd name="connsiteY2" fmla="*/ 195238 h 2968234"/>
-              <a:gd name="connsiteX3" fmla="*/ 2686050 w 3048000"/>
-              <a:gd name="connsiteY3" fmla="*/ 0 h 2968234"/>
-              <a:gd name="connsiteX4" fmla="*/ 2881288 w 3048000"/>
-              <a:gd name="connsiteY4" fmla="*/ 728638 h 2968234"/>
-              <a:gd name="connsiteX5" fmla="*/ 3048000 w 3048000"/>
-              <a:gd name="connsiteY5" fmla="*/ 1817492 h 2968234"/>
-              <a:gd name="connsiteX6" fmla="*/ 0 w 3048000"/>
-              <a:gd name="connsiteY6" fmla="*/ 1817492 h 2968234"/>
-              <a:gd name="connsiteX7" fmla="*/ 0 w 3048000"/>
-              <a:gd name="connsiteY7" fmla="*/ 1284092 h 2968234"/>
-              <a:gd name="connsiteX0" fmla="*/ 664381 w 2881288"/>
-              <a:gd name="connsiteY0" fmla="*/ 2968234 h 2968234"/>
-              <a:gd name="connsiteX1" fmla="*/ 2188381 w 2881288"/>
-              <a:gd name="connsiteY1" fmla="*/ 328588 h 2968234"/>
-              <a:gd name="connsiteX2" fmla="*/ 1957412 w 2881288"/>
-              <a:gd name="connsiteY2" fmla="*/ 195238 h 2968234"/>
-              <a:gd name="connsiteX3" fmla="*/ 2686050 w 2881288"/>
-              <a:gd name="connsiteY3" fmla="*/ 0 h 2968234"/>
-              <a:gd name="connsiteX4" fmla="*/ 2881288 w 2881288"/>
-              <a:gd name="connsiteY4" fmla="*/ 728638 h 2968234"/>
-              <a:gd name="connsiteX5" fmla="*/ 2650319 w 2881288"/>
-              <a:gd name="connsiteY5" fmla="*/ 595288 h 2968234"/>
-              <a:gd name="connsiteX6" fmla="*/ 0 w 2881288"/>
-              <a:gd name="connsiteY6" fmla="*/ 1817492 h 2968234"/>
-              <a:gd name="connsiteX7" fmla="*/ 0 w 2881288"/>
-              <a:gd name="connsiteY7" fmla="*/ 1284092 h 2968234"/>
-              <a:gd name="connsiteX0" fmla="*/ 664381 w 2881288"/>
-              <a:gd name="connsiteY0" fmla="*/ 2968234 h 3234934"/>
-              <a:gd name="connsiteX1" fmla="*/ 2188381 w 2881288"/>
-              <a:gd name="connsiteY1" fmla="*/ 328588 h 3234934"/>
-              <a:gd name="connsiteX2" fmla="*/ 1957412 w 2881288"/>
-              <a:gd name="connsiteY2" fmla="*/ 195238 h 3234934"/>
-              <a:gd name="connsiteX3" fmla="*/ 2686050 w 2881288"/>
-              <a:gd name="connsiteY3" fmla="*/ 0 h 3234934"/>
-              <a:gd name="connsiteX4" fmla="*/ 2881288 w 2881288"/>
-              <a:gd name="connsiteY4" fmla="*/ 728638 h 3234934"/>
-              <a:gd name="connsiteX5" fmla="*/ 2650319 w 2881288"/>
-              <a:gd name="connsiteY5" fmla="*/ 595288 h 3234934"/>
-              <a:gd name="connsiteX6" fmla="*/ 1126319 w 2881288"/>
-              <a:gd name="connsiteY6" fmla="*/ 3234934 h 3234934"/>
-              <a:gd name="connsiteX7" fmla="*/ 0 w 2881288"/>
-              <a:gd name="connsiteY7" fmla="*/ 1284092 h 3234934"/>
-              <a:gd name="connsiteX0" fmla="*/ 0 w 2216907"/>
-              <a:gd name="connsiteY0" fmla="*/ 2968234 h 3234934"/>
-              <a:gd name="connsiteX1" fmla="*/ 1524000 w 2216907"/>
-              <a:gd name="connsiteY1" fmla="*/ 328588 h 3234934"/>
-              <a:gd name="connsiteX2" fmla="*/ 1293031 w 2216907"/>
-              <a:gd name="connsiteY2" fmla="*/ 195238 h 3234934"/>
-              <a:gd name="connsiteX3" fmla="*/ 2021669 w 2216907"/>
-              <a:gd name="connsiteY3" fmla="*/ 0 h 3234934"/>
-              <a:gd name="connsiteX4" fmla="*/ 2216907 w 2216907"/>
-              <a:gd name="connsiteY4" fmla="*/ 728638 h 3234934"/>
-              <a:gd name="connsiteX5" fmla="*/ 1985938 w 2216907"/>
-              <a:gd name="connsiteY5" fmla="*/ 595288 h 3234934"/>
-              <a:gd name="connsiteX6" fmla="*/ 461938 w 2216907"/>
-              <a:gd name="connsiteY6" fmla="*/ 3234934 h 3234934"/>
-              <a:gd name="connsiteX7" fmla="*/ 0 w 2216907"/>
-              <a:gd name="connsiteY7" fmla="*/ 2968234 h 3234934"/>
-            </a:gdLst>
-            <a:ahLst/>
-            <a:cxnLst>
-              <a:cxn ang="0">
-                <a:pos x="connsiteX0" y="connsiteY0"/>
-              </a:cxn>
-              <a:cxn ang="0">
-                <a:pos x="connsiteX1" y="connsiteY1"/>
-              </a:cxn>
-              <a:cxn ang="0">
-                <a:pos x="connsiteX2" y="connsiteY2"/>
-              </a:cxn>
-              <a:cxn ang="0">
-                <a:pos x="connsiteX3" y="connsiteY3"/>
-              </a:cxn>
-              <a:cxn ang="0">
-                <a:pos x="connsiteX4" y="connsiteY4"/>
-              </a:cxn>
-              <a:cxn ang="0">
-                <a:pos x="connsiteX5" y="connsiteY5"/>
-              </a:cxn>
-              <a:cxn ang="0">
-                <a:pos x="connsiteX6" y="connsiteY6"/>
-              </a:cxn>
-              <a:cxn ang="0">
-                <a:pos x="connsiteX7" y="connsiteY7"/>
-              </a:cxn>
-            </a:cxnLst>
-            <a:rect l="l" t="t" r="r" b="b"/>
-            <a:pathLst>
-              <a:path w="2216907" h="3234934">
-                <a:moveTo>
-                  <a:pt x="0" y="2968234"/>
-                </a:moveTo>
-                <a:lnTo>
-                  <a:pt x="1524000" y="328588"/>
-                </a:lnTo>
-                <a:lnTo>
-                  <a:pt x="1293031" y="195238"/>
-                </a:lnTo>
-                <a:lnTo>
-                  <a:pt x="2021669" y="0"/>
-                </a:lnTo>
-                <a:lnTo>
-                  <a:pt x="2216907" y="728638"/>
-                </a:lnTo>
-                <a:lnTo>
-                  <a:pt x="1985938" y="595288"/>
-                </a:lnTo>
-                <a:lnTo>
-                  <a:pt x="461938" y="3234934"/>
-                </a:lnTo>
-                <a:lnTo>
-                  <a:pt x="0" y="2968234"/>
-                </a:lnTo>
-                <a:close/>
-              </a:path>
-            </a:pathLst>
-          </a:custGeom>
+          </a:prstGeom>
         </p:spPr>
         <p:style>
           <a:lnRef idx="2">
@@ -9666,136 +9429,13 @@
           <p:nvPr/>
         </p:nvSpPr>
         <p:spPr>
-          <a:xfrm>
-            <a:off x="3511014" y="3124200"/>
-            <a:ext cx="2121971" cy="2179084"/>
-          </a:xfrm>
-          <a:custGeom>
+          <a:xfrm rot="18672083">
+            <a:off x="3657600" y="3604142"/>
+            <a:ext cx="1828800" cy="1219200"/>
+          </a:xfrm>
+          <a:prstGeom prst="rect">
             <a:avLst/>
-            <a:gdLst>
-              <a:gd name="connsiteX0" fmla="*/ 0 w 1828800"/>
-              <a:gd name="connsiteY0" fmla="*/ 0 h 1219200"/>
-              <a:gd name="connsiteX1" fmla="*/ 1828800 w 1828800"/>
-              <a:gd name="connsiteY1" fmla="*/ 0 h 1219200"/>
-              <a:gd name="connsiteX2" fmla="*/ 1828800 w 1828800"/>
-              <a:gd name="connsiteY2" fmla="*/ 1219200 h 1219200"/>
-              <a:gd name="connsiteX3" fmla="*/ 0 w 1828800"/>
-              <a:gd name="connsiteY3" fmla="*/ 1219200 h 1219200"/>
-              <a:gd name="connsiteX4" fmla="*/ 0 w 1828800"/>
-              <a:gd name="connsiteY4" fmla="*/ 0 h 1219200"/>
-              <a:gd name="connsiteX0" fmla="*/ 1975386 w 3804186"/>
-              <a:gd name="connsiteY0" fmla="*/ 3604142 h 4823342"/>
-              <a:gd name="connsiteX1" fmla="*/ 0 w 3804186"/>
-              <a:gd name="connsiteY1" fmla="*/ 0 h 4823342"/>
-              <a:gd name="connsiteX2" fmla="*/ 3804186 w 3804186"/>
-              <a:gd name="connsiteY2" fmla="*/ 3604142 h 4823342"/>
-              <a:gd name="connsiteX3" fmla="*/ 3804186 w 3804186"/>
-              <a:gd name="connsiteY3" fmla="*/ 4823342 h 4823342"/>
-              <a:gd name="connsiteX4" fmla="*/ 1975386 w 3804186"/>
-              <a:gd name="connsiteY4" fmla="*/ 4823342 h 4823342"/>
-              <a:gd name="connsiteX5" fmla="*/ 1975386 w 3804186"/>
-              <a:gd name="connsiteY5" fmla="*/ 3604142 h 4823342"/>
-              <a:gd name="connsiteX0" fmla="*/ 0 w 1828800"/>
-              <a:gd name="connsiteY0" fmla="*/ 0 h 1219200"/>
-              <a:gd name="connsiteX1" fmla="*/ 1828800 w 1828800"/>
-              <a:gd name="connsiteY1" fmla="*/ 0 h 1219200"/>
-              <a:gd name="connsiteX2" fmla="*/ 1828800 w 1828800"/>
-              <a:gd name="connsiteY2" fmla="*/ 1219200 h 1219200"/>
-              <a:gd name="connsiteX3" fmla="*/ 0 w 1828800"/>
-              <a:gd name="connsiteY3" fmla="*/ 1219200 h 1219200"/>
-              <a:gd name="connsiteX4" fmla="*/ 0 w 1828800"/>
-              <a:gd name="connsiteY4" fmla="*/ 0 h 1219200"/>
-              <a:gd name="connsiteX0" fmla="*/ 0 w 1975385"/>
-              <a:gd name="connsiteY0" fmla="*/ 896045 h 1219200"/>
-              <a:gd name="connsiteX1" fmla="*/ 1975385 w 1975385"/>
-              <a:gd name="connsiteY1" fmla="*/ 0 h 1219200"/>
-              <a:gd name="connsiteX2" fmla="*/ 1975385 w 1975385"/>
-              <a:gd name="connsiteY2" fmla="*/ 1219200 h 1219200"/>
-              <a:gd name="connsiteX3" fmla="*/ 146585 w 1975385"/>
-              <a:gd name="connsiteY3" fmla="*/ 1219200 h 1219200"/>
-              <a:gd name="connsiteX4" fmla="*/ 146585 w 1975385"/>
-              <a:gd name="connsiteY4" fmla="*/ 0 h 1219200"/>
-              <a:gd name="connsiteX0" fmla="*/ 0 w 1975385"/>
-              <a:gd name="connsiteY0" fmla="*/ 1375987 h 1699142"/>
-              <a:gd name="connsiteX1" fmla="*/ 1204646 w 1975385"/>
-              <a:gd name="connsiteY1" fmla="*/ 0 h 1699142"/>
-              <a:gd name="connsiteX2" fmla="*/ 1975385 w 1975385"/>
-              <a:gd name="connsiteY2" fmla="*/ 1699142 h 1699142"/>
-              <a:gd name="connsiteX3" fmla="*/ 146585 w 1975385"/>
-              <a:gd name="connsiteY3" fmla="*/ 1699142 h 1699142"/>
-              <a:gd name="connsiteX4" fmla="*/ 146585 w 1975385"/>
-              <a:gd name="connsiteY4" fmla="*/ 479942 h 1699142"/>
-              <a:gd name="connsiteX0" fmla="*/ 0 w 2121971"/>
-              <a:gd name="connsiteY0" fmla="*/ 1375987 h 1699142"/>
-              <a:gd name="connsiteX1" fmla="*/ 1204646 w 2121971"/>
-              <a:gd name="connsiteY1" fmla="*/ 0 h 1699142"/>
-              <a:gd name="connsiteX2" fmla="*/ 2121971 w 2121971"/>
-              <a:gd name="connsiteY2" fmla="*/ 803097 h 1699142"/>
-              <a:gd name="connsiteX3" fmla="*/ 146585 w 2121971"/>
-              <a:gd name="connsiteY3" fmla="*/ 1699142 h 1699142"/>
-              <a:gd name="connsiteX4" fmla="*/ 146585 w 2121971"/>
-              <a:gd name="connsiteY4" fmla="*/ 479942 h 1699142"/>
-              <a:gd name="connsiteX0" fmla="*/ 0 w 2121971"/>
-              <a:gd name="connsiteY0" fmla="*/ 1375987 h 2179084"/>
-              <a:gd name="connsiteX1" fmla="*/ 1204646 w 2121971"/>
-              <a:gd name="connsiteY1" fmla="*/ 0 h 2179084"/>
-              <a:gd name="connsiteX2" fmla="*/ 2121971 w 2121971"/>
-              <a:gd name="connsiteY2" fmla="*/ 803097 h 2179084"/>
-              <a:gd name="connsiteX3" fmla="*/ 917326 w 2121971"/>
-              <a:gd name="connsiteY3" fmla="*/ 2179084 h 2179084"/>
-              <a:gd name="connsiteX4" fmla="*/ 146585 w 2121971"/>
-              <a:gd name="connsiteY4" fmla="*/ 479942 h 2179084"/>
-              <a:gd name="connsiteX0" fmla="*/ 0 w 2121971"/>
-              <a:gd name="connsiteY0" fmla="*/ 1375987 h 2179084"/>
-              <a:gd name="connsiteX1" fmla="*/ 1204646 w 2121971"/>
-              <a:gd name="connsiteY1" fmla="*/ 0 h 2179084"/>
-              <a:gd name="connsiteX2" fmla="*/ 2121971 w 2121971"/>
-              <a:gd name="connsiteY2" fmla="*/ 803097 h 2179084"/>
-              <a:gd name="connsiteX3" fmla="*/ 917326 w 2121971"/>
-              <a:gd name="connsiteY3" fmla="*/ 2179084 h 2179084"/>
-              <a:gd name="connsiteX4" fmla="*/ 1 w 2121971"/>
-              <a:gd name="connsiteY4" fmla="*/ 1375987 h 2179084"/>
-            </a:gdLst>
-            <a:ahLst/>
-            <a:cxnLst>
-              <a:cxn ang="0">
-                <a:pos x="connsiteX0" y="connsiteY0"/>
-              </a:cxn>
-              <a:cxn ang="0">
-                <a:pos x="connsiteX1" y="connsiteY1"/>
-              </a:cxn>
-              <a:cxn ang="0">
-                <a:pos x="connsiteX2" y="connsiteY2"/>
-              </a:cxn>
-              <a:cxn ang="0">
-                <a:pos x="connsiteX3" y="connsiteY3"/>
-              </a:cxn>
-              <a:cxn ang="0">
-                <a:pos x="connsiteX4" y="connsiteY4"/>
-              </a:cxn>
-            </a:cxnLst>
-            <a:rect l="l" t="t" r="r" b="b"/>
-            <a:pathLst>
-              <a:path w="2121971" h="2179084">
-                <a:moveTo>
-                  <a:pt x="0" y="1375987"/>
-                </a:moveTo>
-                <a:lnTo>
-                  <a:pt x="1204646" y="0"/>
-                </a:lnTo>
-                <a:lnTo>
-                  <a:pt x="2121971" y="803097"/>
-                </a:lnTo>
-                <a:lnTo>
-                  <a:pt x="917326" y="2179084"/>
-                </a:lnTo>
-                <a:lnTo>
-                  <a:pt x="1" y="1375987"/>
-                </a:lnTo>
-                <a:close/>
-              </a:path>
-            </a:pathLst>
-          </a:custGeom>
+          </a:prstGeom>
         </p:spPr>
         <p:style>
           <a:lnRef idx="2">
@@ -9825,7 +9465,7 @@
     </p:spTree>
     <p:extLst>
       <p:ext uri="{BB962C8B-B14F-4D97-AF65-F5344CB8AC3E}">
-        <p14:creationId xmlns:p14="http://schemas.microsoft.com/office/powerpoint/2010/main" val="3412690571"/>
+        <p14:creationId xmlns:p14="http://schemas.microsoft.com/office/powerpoint/2010/main" val="1570096016"/>
       </p:ext>
     </p:extLst>
   </p:cSld>
@@ -9939,250 +9579,13 @@
           <p:nvPr/>
         </p:nvSpPr>
         <p:spPr>
-          <a:xfrm>
-            <a:off x="3463546" y="1811533"/>
-            <a:ext cx="2216907" cy="3234934"/>
-          </a:xfrm>
-          <a:custGeom>
+          <a:xfrm rot="18000000">
+            <a:off x="2799165" y="2828925"/>
+            <a:ext cx="3581400" cy="1066800"/>
+          </a:xfrm>
+          <a:prstGeom prst="rightArrow">
             <a:avLst/>
-            <a:gdLst>
-              <a:gd name="connsiteX0" fmla="*/ 0 w 3581400"/>
-              <a:gd name="connsiteY0" fmla="*/ 266700 h 1066800"/>
-              <a:gd name="connsiteX1" fmla="*/ 3048000 w 3581400"/>
-              <a:gd name="connsiteY1" fmla="*/ 266700 h 1066800"/>
-              <a:gd name="connsiteX2" fmla="*/ 3048000 w 3581400"/>
-              <a:gd name="connsiteY2" fmla="*/ 0 h 1066800"/>
-              <a:gd name="connsiteX3" fmla="*/ 3581400 w 3581400"/>
-              <a:gd name="connsiteY3" fmla="*/ 533400 h 1066800"/>
-              <a:gd name="connsiteX4" fmla="*/ 3048000 w 3581400"/>
-              <a:gd name="connsiteY4" fmla="*/ 1066800 h 1066800"/>
-              <a:gd name="connsiteX5" fmla="*/ 3048000 w 3581400"/>
-              <a:gd name="connsiteY5" fmla="*/ 800100 h 1066800"/>
-              <a:gd name="connsiteX6" fmla="*/ 0 w 3581400"/>
-              <a:gd name="connsiteY6" fmla="*/ 800100 h 1066800"/>
-              <a:gd name="connsiteX7" fmla="*/ 0 w 3581400"/>
-              <a:gd name="connsiteY7" fmla="*/ 266700 h 1066800"/>
-              <a:gd name="connsiteX0" fmla="*/ 5586387 w 9167787"/>
-              <a:gd name="connsiteY0" fmla="*/ 3760592 h 4560692"/>
-              <a:gd name="connsiteX1" fmla="*/ 0 w 9167787"/>
-              <a:gd name="connsiteY1" fmla="*/ 0 h 4560692"/>
-              <a:gd name="connsiteX2" fmla="*/ 8634387 w 9167787"/>
-              <a:gd name="connsiteY2" fmla="*/ 3760592 h 4560692"/>
-              <a:gd name="connsiteX3" fmla="*/ 8634387 w 9167787"/>
-              <a:gd name="connsiteY3" fmla="*/ 3493892 h 4560692"/>
-              <a:gd name="connsiteX4" fmla="*/ 9167787 w 9167787"/>
-              <a:gd name="connsiteY4" fmla="*/ 4027292 h 4560692"/>
-              <a:gd name="connsiteX5" fmla="*/ 8634387 w 9167787"/>
-              <a:gd name="connsiteY5" fmla="*/ 4560692 h 4560692"/>
-              <a:gd name="connsiteX6" fmla="*/ 8634387 w 9167787"/>
-              <a:gd name="connsiteY6" fmla="*/ 4293992 h 4560692"/>
-              <a:gd name="connsiteX7" fmla="*/ 5586387 w 9167787"/>
-              <a:gd name="connsiteY7" fmla="*/ 4293992 h 4560692"/>
-              <a:gd name="connsiteX8" fmla="*/ 5586387 w 9167787"/>
-              <a:gd name="connsiteY8" fmla="*/ 3760592 h 4560692"/>
-              <a:gd name="connsiteX0" fmla="*/ 0 w 3581400"/>
-              <a:gd name="connsiteY0" fmla="*/ 266700 h 1066800"/>
-              <a:gd name="connsiteX1" fmla="*/ 3048000 w 3581400"/>
-              <a:gd name="connsiteY1" fmla="*/ 266700 h 1066800"/>
-              <a:gd name="connsiteX2" fmla="*/ 3048000 w 3581400"/>
-              <a:gd name="connsiteY2" fmla="*/ 0 h 1066800"/>
-              <a:gd name="connsiteX3" fmla="*/ 3581400 w 3581400"/>
-              <a:gd name="connsiteY3" fmla="*/ 533400 h 1066800"/>
-              <a:gd name="connsiteX4" fmla="*/ 3048000 w 3581400"/>
-              <a:gd name="connsiteY4" fmla="*/ 1066800 h 1066800"/>
-              <a:gd name="connsiteX5" fmla="*/ 3048000 w 3581400"/>
-              <a:gd name="connsiteY5" fmla="*/ 800100 h 1066800"/>
-              <a:gd name="connsiteX6" fmla="*/ 0 w 3581400"/>
-              <a:gd name="connsiteY6" fmla="*/ 800100 h 1066800"/>
-              <a:gd name="connsiteX7" fmla="*/ 0 w 3581400"/>
-              <a:gd name="connsiteY7" fmla="*/ 266700 h 1066800"/>
-              <a:gd name="connsiteX0" fmla="*/ 664381 w 3581400"/>
-              <a:gd name="connsiteY0" fmla="*/ 1950842 h 1950842"/>
-              <a:gd name="connsiteX1" fmla="*/ 3048000 w 3581400"/>
-              <a:gd name="connsiteY1" fmla="*/ 266700 h 1950842"/>
-              <a:gd name="connsiteX2" fmla="*/ 3048000 w 3581400"/>
-              <a:gd name="connsiteY2" fmla="*/ 0 h 1950842"/>
-              <a:gd name="connsiteX3" fmla="*/ 3581400 w 3581400"/>
-              <a:gd name="connsiteY3" fmla="*/ 533400 h 1950842"/>
-              <a:gd name="connsiteX4" fmla="*/ 3048000 w 3581400"/>
-              <a:gd name="connsiteY4" fmla="*/ 1066800 h 1950842"/>
-              <a:gd name="connsiteX5" fmla="*/ 3048000 w 3581400"/>
-              <a:gd name="connsiteY5" fmla="*/ 800100 h 1950842"/>
-              <a:gd name="connsiteX6" fmla="*/ 0 w 3581400"/>
-              <a:gd name="connsiteY6" fmla="*/ 800100 h 1950842"/>
-              <a:gd name="connsiteX7" fmla="*/ 0 w 3581400"/>
-              <a:gd name="connsiteY7" fmla="*/ 266700 h 1950842"/>
-              <a:gd name="connsiteX0" fmla="*/ 664381 w 3581400"/>
-              <a:gd name="connsiteY0" fmla="*/ 2639646 h 2639646"/>
-              <a:gd name="connsiteX1" fmla="*/ 2188381 w 3581400"/>
-              <a:gd name="connsiteY1" fmla="*/ 0 h 2639646"/>
-              <a:gd name="connsiteX2" fmla="*/ 3048000 w 3581400"/>
-              <a:gd name="connsiteY2" fmla="*/ 688804 h 2639646"/>
-              <a:gd name="connsiteX3" fmla="*/ 3581400 w 3581400"/>
-              <a:gd name="connsiteY3" fmla="*/ 1222204 h 2639646"/>
-              <a:gd name="connsiteX4" fmla="*/ 3048000 w 3581400"/>
-              <a:gd name="connsiteY4" fmla="*/ 1755604 h 2639646"/>
-              <a:gd name="connsiteX5" fmla="*/ 3048000 w 3581400"/>
-              <a:gd name="connsiteY5" fmla="*/ 1488904 h 2639646"/>
-              <a:gd name="connsiteX6" fmla="*/ 0 w 3581400"/>
-              <a:gd name="connsiteY6" fmla="*/ 1488904 h 2639646"/>
-              <a:gd name="connsiteX7" fmla="*/ 0 w 3581400"/>
-              <a:gd name="connsiteY7" fmla="*/ 955504 h 2639646"/>
-              <a:gd name="connsiteX0" fmla="*/ 664381 w 3581400"/>
-              <a:gd name="connsiteY0" fmla="*/ 2772996 h 2772996"/>
-              <a:gd name="connsiteX1" fmla="*/ 2188381 w 3581400"/>
-              <a:gd name="connsiteY1" fmla="*/ 133350 h 2772996"/>
-              <a:gd name="connsiteX2" fmla="*/ 1957412 w 3581400"/>
-              <a:gd name="connsiteY2" fmla="*/ 0 h 2772996"/>
-              <a:gd name="connsiteX3" fmla="*/ 3581400 w 3581400"/>
-              <a:gd name="connsiteY3" fmla="*/ 1355554 h 2772996"/>
-              <a:gd name="connsiteX4" fmla="*/ 3048000 w 3581400"/>
-              <a:gd name="connsiteY4" fmla="*/ 1888954 h 2772996"/>
-              <a:gd name="connsiteX5" fmla="*/ 3048000 w 3581400"/>
-              <a:gd name="connsiteY5" fmla="*/ 1622254 h 2772996"/>
-              <a:gd name="connsiteX6" fmla="*/ 0 w 3581400"/>
-              <a:gd name="connsiteY6" fmla="*/ 1622254 h 2772996"/>
-              <a:gd name="connsiteX7" fmla="*/ 0 w 3581400"/>
-              <a:gd name="connsiteY7" fmla="*/ 1088854 h 2772996"/>
-              <a:gd name="connsiteX0" fmla="*/ 664381 w 3048000"/>
-              <a:gd name="connsiteY0" fmla="*/ 2968234 h 2968234"/>
-              <a:gd name="connsiteX1" fmla="*/ 2188381 w 3048000"/>
-              <a:gd name="connsiteY1" fmla="*/ 328588 h 2968234"/>
-              <a:gd name="connsiteX2" fmla="*/ 1957412 w 3048000"/>
-              <a:gd name="connsiteY2" fmla="*/ 195238 h 2968234"/>
-              <a:gd name="connsiteX3" fmla="*/ 2686050 w 3048000"/>
-              <a:gd name="connsiteY3" fmla="*/ 0 h 2968234"/>
-              <a:gd name="connsiteX4" fmla="*/ 3048000 w 3048000"/>
-              <a:gd name="connsiteY4" fmla="*/ 2084192 h 2968234"/>
-              <a:gd name="connsiteX5" fmla="*/ 3048000 w 3048000"/>
-              <a:gd name="connsiteY5" fmla="*/ 1817492 h 2968234"/>
-              <a:gd name="connsiteX6" fmla="*/ 0 w 3048000"/>
-              <a:gd name="connsiteY6" fmla="*/ 1817492 h 2968234"/>
-              <a:gd name="connsiteX7" fmla="*/ 0 w 3048000"/>
-              <a:gd name="connsiteY7" fmla="*/ 1284092 h 2968234"/>
-              <a:gd name="connsiteX0" fmla="*/ 664381 w 3048000"/>
-              <a:gd name="connsiteY0" fmla="*/ 2968234 h 2968234"/>
-              <a:gd name="connsiteX1" fmla="*/ 2188381 w 3048000"/>
-              <a:gd name="connsiteY1" fmla="*/ 328588 h 2968234"/>
-              <a:gd name="connsiteX2" fmla="*/ 1957412 w 3048000"/>
-              <a:gd name="connsiteY2" fmla="*/ 195238 h 2968234"/>
-              <a:gd name="connsiteX3" fmla="*/ 2686050 w 3048000"/>
-              <a:gd name="connsiteY3" fmla="*/ 0 h 2968234"/>
-              <a:gd name="connsiteX4" fmla="*/ 2881288 w 3048000"/>
-              <a:gd name="connsiteY4" fmla="*/ 728638 h 2968234"/>
-              <a:gd name="connsiteX5" fmla="*/ 3048000 w 3048000"/>
-              <a:gd name="connsiteY5" fmla="*/ 1817492 h 2968234"/>
-              <a:gd name="connsiteX6" fmla="*/ 0 w 3048000"/>
-              <a:gd name="connsiteY6" fmla="*/ 1817492 h 2968234"/>
-              <a:gd name="connsiteX7" fmla="*/ 0 w 3048000"/>
-              <a:gd name="connsiteY7" fmla="*/ 1284092 h 2968234"/>
-              <a:gd name="connsiteX0" fmla="*/ 664381 w 2881288"/>
-              <a:gd name="connsiteY0" fmla="*/ 2968234 h 2968234"/>
-              <a:gd name="connsiteX1" fmla="*/ 2188381 w 2881288"/>
-              <a:gd name="connsiteY1" fmla="*/ 328588 h 2968234"/>
-              <a:gd name="connsiteX2" fmla="*/ 1957412 w 2881288"/>
-              <a:gd name="connsiteY2" fmla="*/ 195238 h 2968234"/>
-              <a:gd name="connsiteX3" fmla="*/ 2686050 w 2881288"/>
-              <a:gd name="connsiteY3" fmla="*/ 0 h 2968234"/>
-              <a:gd name="connsiteX4" fmla="*/ 2881288 w 2881288"/>
-              <a:gd name="connsiteY4" fmla="*/ 728638 h 2968234"/>
-              <a:gd name="connsiteX5" fmla="*/ 2650319 w 2881288"/>
-              <a:gd name="connsiteY5" fmla="*/ 595288 h 2968234"/>
-              <a:gd name="connsiteX6" fmla="*/ 0 w 2881288"/>
-              <a:gd name="connsiteY6" fmla="*/ 1817492 h 2968234"/>
-              <a:gd name="connsiteX7" fmla="*/ 0 w 2881288"/>
-              <a:gd name="connsiteY7" fmla="*/ 1284092 h 2968234"/>
-              <a:gd name="connsiteX0" fmla="*/ 664381 w 2881288"/>
-              <a:gd name="connsiteY0" fmla="*/ 2968234 h 3234934"/>
-              <a:gd name="connsiteX1" fmla="*/ 2188381 w 2881288"/>
-              <a:gd name="connsiteY1" fmla="*/ 328588 h 3234934"/>
-              <a:gd name="connsiteX2" fmla="*/ 1957412 w 2881288"/>
-              <a:gd name="connsiteY2" fmla="*/ 195238 h 3234934"/>
-              <a:gd name="connsiteX3" fmla="*/ 2686050 w 2881288"/>
-              <a:gd name="connsiteY3" fmla="*/ 0 h 3234934"/>
-              <a:gd name="connsiteX4" fmla="*/ 2881288 w 2881288"/>
-              <a:gd name="connsiteY4" fmla="*/ 728638 h 3234934"/>
-              <a:gd name="connsiteX5" fmla="*/ 2650319 w 2881288"/>
-              <a:gd name="connsiteY5" fmla="*/ 595288 h 3234934"/>
-              <a:gd name="connsiteX6" fmla="*/ 1126319 w 2881288"/>
-              <a:gd name="connsiteY6" fmla="*/ 3234934 h 3234934"/>
-              <a:gd name="connsiteX7" fmla="*/ 0 w 2881288"/>
-              <a:gd name="connsiteY7" fmla="*/ 1284092 h 3234934"/>
-              <a:gd name="connsiteX0" fmla="*/ 0 w 2216907"/>
-              <a:gd name="connsiteY0" fmla="*/ 2968234 h 3234934"/>
-              <a:gd name="connsiteX1" fmla="*/ 1524000 w 2216907"/>
-              <a:gd name="connsiteY1" fmla="*/ 328588 h 3234934"/>
-              <a:gd name="connsiteX2" fmla="*/ 1293031 w 2216907"/>
-              <a:gd name="connsiteY2" fmla="*/ 195238 h 3234934"/>
-              <a:gd name="connsiteX3" fmla="*/ 2021669 w 2216907"/>
-              <a:gd name="connsiteY3" fmla="*/ 0 h 3234934"/>
-              <a:gd name="connsiteX4" fmla="*/ 2216907 w 2216907"/>
-              <a:gd name="connsiteY4" fmla="*/ 728638 h 3234934"/>
-              <a:gd name="connsiteX5" fmla="*/ 1985938 w 2216907"/>
-              <a:gd name="connsiteY5" fmla="*/ 595288 h 3234934"/>
-              <a:gd name="connsiteX6" fmla="*/ 461938 w 2216907"/>
-              <a:gd name="connsiteY6" fmla="*/ 3234934 h 3234934"/>
-              <a:gd name="connsiteX7" fmla="*/ 0 w 2216907"/>
-              <a:gd name="connsiteY7" fmla="*/ 2968234 h 3234934"/>
-            </a:gdLst>
-            <a:ahLst/>
-            <a:cxnLst>
-              <a:cxn ang="0">
-                <a:pos x="connsiteX0" y="connsiteY0"/>
-              </a:cxn>
-              <a:cxn ang="0">
-                <a:pos x="connsiteX1" y="connsiteY1"/>
-              </a:cxn>
-              <a:cxn ang="0">
-                <a:pos x="connsiteX2" y="connsiteY2"/>
-              </a:cxn>
-              <a:cxn ang="0">
-                <a:pos x="connsiteX3" y="connsiteY3"/>
-              </a:cxn>
-              <a:cxn ang="0">
-                <a:pos x="connsiteX4" y="connsiteY4"/>
-              </a:cxn>
-              <a:cxn ang="0">
-                <a:pos x="connsiteX5" y="connsiteY5"/>
-              </a:cxn>
-              <a:cxn ang="0">
-                <a:pos x="connsiteX6" y="connsiteY6"/>
-              </a:cxn>
-              <a:cxn ang="0">
-                <a:pos x="connsiteX7" y="connsiteY7"/>
-              </a:cxn>
-            </a:cxnLst>
-            <a:rect l="l" t="t" r="r" b="b"/>
-            <a:pathLst>
-              <a:path w="2216907" h="3234934">
-                <a:moveTo>
-                  <a:pt x="0" y="2968234"/>
-                </a:moveTo>
-                <a:lnTo>
-                  <a:pt x="1524000" y="328588"/>
-                </a:lnTo>
-                <a:lnTo>
-                  <a:pt x="1293031" y="195238"/>
-                </a:lnTo>
-                <a:lnTo>
-                  <a:pt x="2021669" y="0"/>
-                </a:lnTo>
-                <a:lnTo>
-                  <a:pt x="2216907" y="728638"/>
-                </a:lnTo>
-                <a:lnTo>
-                  <a:pt x="1985938" y="595288"/>
-                </a:lnTo>
-                <a:lnTo>
-                  <a:pt x="461938" y="3234934"/>
-                </a:lnTo>
-                <a:lnTo>
-                  <a:pt x="0" y="2968234"/>
-                </a:lnTo>
-                <a:close/>
-              </a:path>
-            </a:pathLst>
-          </a:custGeom>
+          </a:prstGeom>
         </p:spPr>
         <p:style>
           <a:lnRef idx="2">
@@ -10216,136 +9619,13 @@
           <p:nvPr/>
         </p:nvSpPr>
         <p:spPr>
-          <a:xfrm>
-            <a:off x="3511014" y="2339458"/>
-            <a:ext cx="2121971" cy="2179084"/>
-          </a:xfrm>
-          <a:custGeom>
+          <a:xfrm rot="18672083">
+            <a:off x="3657600" y="2819400"/>
+            <a:ext cx="1828800" cy="1219200"/>
+          </a:xfrm>
+          <a:prstGeom prst="rect">
             <a:avLst/>
-            <a:gdLst>
-              <a:gd name="connsiteX0" fmla="*/ 0 w 1828800"/>
-              <a:gd name="connsiteY0" fmla="*/ 0 h 1219200"/>
-              <a:gd name="connsiteX1" fmla="*/ 1828800 w 1828800"/>
-              <a:gd name="connsiteY1" fmla="*/ 0 h 1219200"/>
-              <a:gd name="connsiteX2" fmla="*/ 1828800 w 1828800"/>
-              <a:gd name="connsiteY2" fmla="*/ 1219200 h 1219200"/>
-              <a:gd name="connsiteX3" fmla="*/ 0 w 1828800"/>
-              <a:gd name="connsiteY3" fmla="*/ 1219200 h 1219200"/>
-              <a:gd name="connsiteX4" fmla="*/ 0 w 1828800"/>
-              <a:gd name="connsiteY4" fmla="*/ 0 h 1219200"/>
-              <a:gd name="connsiteX0" fmla="*/ 1975386 w 3804186"/>
-              <a:gd name="connsiteY0" fmla="*/ 3604142 h 4823342"/>
-              <a:gd name="connsiteX1" fmla="*/ 0 w 3804186"/>
-              <a:gd name="connsiteY1" fmla="*/ 0 h 4823342"/>
-              <a:gd name="connsiteX2" fmla="*/ 3804186 w 3804186"/>
-              <a:gd name="connsiteY2" fmla="*/ 3604142 h 4823342"/>
-              <a:gd name="connsiteX3" fmla="*/ 3804186 w 3804186"/>
-              <a:gd name="connsiteY3" fmla="*/ 4823342 h 4823342"/>
-              <a:gd name="connsiteX4" fmla="*/ 1975386 w 3804186"/>
-              <a:gd name="connsiteY4" fmla="*/ 4823342 h 4823342"/>
-              <a:gd name="connsiteX5" fmla="*/ 1975386 w 3804186"/>
-              <a:gd name="connsiteY5" fmla="*/ 3604142 h 4823342"/>
-              <a:gd name="connsiteX0" fmla="*/ 0 w 1828800"/>
-              <a:gd name="connsiteY0" fmla="*/ 0 h 1219200"/>
-              <a:gd name="connsiteX1" fmla="*/ 1828800 w 1828800"/>
-              <a:gd name="connsiteY1" fmla="*/ 0 h 1219200"/>
-              <a:gd name="connsiteX2" fmla="*/ 1828800 w 1828800"/>
-              <a:gd name="connsiteY2" fmla="*/ 1219200 h 1219200"/>
-              <a:gd name="connsiteX3" fmla="*/ 0 w 1828800"/>
-              <a:gd name="connsiteY3" fmla="*/ 1219200 h 1219200"/>
-              <a:gd name="connsiteX4" fmla="*/ 0 w 1828800"/>
-              <a:gd name="connsiteY4" fmla="*/ 0 h 1219200"/>
-              <a:gd name="connsiteX0" fmla="*/ 0 w 1975385"/>
-              <a:gd name="connsiteY0" fmla="*/ 896045 h 1219200"/>
-              <a:gd name="connsiteX1" fmla="*/ 1975385 w 1975385"/>
-              <a:gd name="connsiteY1" fmla="*/ 0 h 1219200"/>
-              <a:gd name="connsiteX2" fmla="*/ 1975385 w 1975385"/>
-              <a:gd name="connsiteY2" fmla="*/ 1219200 h 1219200"/>
-              <a:gd name="connsiteX3" fmla="*/ 146585 w 1975385"/>
-              <a:gd name="connsiteY3" fmla="*/ 1219200 h 1219200"/>
-              <a:gd name="connsiteX4" fmla="*/ 146585 w 1975385"/>
-              <a:gd name="connsiteY4" fmla="*/ 0 h 1219200"/>
-              <a:gd name="connsiteX0" fmla="*/ 0 w 1975385"/>
-              <a:gd name="connsiteY0" fmla="*/ 1375987 h 1699142"/>
-              <a:gd name="connsiteX1" fmla="*/ 1204646 w 1975385"/>
-              <a:gd name="connsiteY1" fmla="*/ 0 h 1699142"/>
-              <a:gd name="connsiteX2" fmla="*/ 1975385 w 1975385"/>
-              <a:gd name="connsiteY2" fmla="*/ 1699142 h 1699142"/>
-              <a:gd name="connsiteX3" fmla="*/ 146585 w 1975385"/>
-              <a:gd name="connsiteY3" fmla="*/ 1699142 h 1699142"/>
-              <a:gd name="connsiteX4" fmla="*/ 146585 w 1975385"/>
-              <a:gd name="connsiteY4" fmla="*/ 479942 h 1699142"/>
-              <a:gd name="connsiteX0" fmla="*/ 0 w 2121971"/>
-              <a:gd name="connsiteY0" fmla="*/ 1375987 h 1699142"/>
-              <a:gd name="connsiteX1" fmla="*/ 1204646 w 2121971"/>
-              <a:gd name="connsiteY1" fmla="*/ 0 h 1699142"/>
-              <a:gd name="connsiteX2" fmla="*/ 2121971 w 2121971"/>
-              <a:gd name="connsiteY2" fmla="*/ 803097 h 1699142"/>
-              <a:gd name="connsiteX3" fmla="*/ 146585 w 2121971"/>
-              <a:gd name="connsiteY3" fmla="*/ 1699142 h 1699142"/>
-              <a:gd name="connsiteX4" fmla="*/ 146585 w 2121971"/>
-              <a:gd name="connsiteY4" fmla="*/ 479942 h 1699142"/>
-              <a:gd name="connsiteX0" fmla="*/ 0 w 2121971"/>
-              <a:gd name="connsiteY0" fmla="*/ 1375987 h 2179084"/>
-              <a:gd name="connsiteX1" fmla="*/ 1204646 w 2121971"/>
-              <a:gd name="connsiteY1" fmla="*/ 0 h 2179084"/>
-              <a:gd name="connsiteX2" fmla="*/ 2121971 w 2121971"/>
-              <a:gd name="connsiteY2" fmla="*/ 803097 h 2179084"/>
-              <a:gd name="connsiteX3" fmla="*/ 917326 w 2121971"/>
-              <a:gd name="connsiteY3" fmla="*/ 2179084 h 2179084"/>
-              <a:gd name="connsiteX4" fmla="*/ 146585 w 2121971"/>
-              <a:gd name="connsiteY4" fmla="*/ 479942 h 2179084"/>
-              <a:gd name="connsiteX0" fmla="*/ 0 w 2121971"/>
-              <a:gd name="connsiteY0" fmla="*/ 1375987 h 2179084"/>
-              <a:gd name="connsiteX1" fmla="*/ 1204646 w 2121971"/>
-              <a:gd name="connsiteY1" fmla="*/ 0 h 2179084"/>
-              <a:gd name="connsiteX2" fmla="*/ 2121971 w 2121971"/>
-              <a:gd name="connsiteY2" fmla="*/ 803097 h 2179084"/>
-              <a:gd name="connsiteX3" fmla="*/ 917326 w 2121971"/>
-              <a:gd name="connsiteY3" fmla="*/ 2179084 h 2179084"/>
-              <a:gd name="connsiteX4" fmla="*/ 1 w 2121971"/>
-              <a:gd name="connsiteY4" fmla="*/ 1375987 h 2179084"/>
-            </a:gdLst>
-            <a:ahLst/>
-            <a:cxnLst>
-              <a:cxn ang="0">
-                <a:pos x="connsiteX0" y="connsiteY0"/>
-              </a:cxn>
-              <a:cxn ang="0">
-                <a:pos x="connsiteX1" y="connsiteY1"/>
-              </a:cxn>
-              <a:cxn ang="0">
-                <a:pos x="connsiteX2" y="connsiteY2"/>
-              </a:cxn>
-              <a:cxn ang="0">
-                <a:pos x="connsiteX3" y="connsiteY3"/>
-              </a:cxn>
-              <a:cxn ang="0">
-                <a:pos x="connsiteX4" y="connsiteY4"/>
-              </a:cxn>
-            </a:cxnLst>
-            <a:rect l="l" t="t" r="r" b="b"/>
-            <a:pathLst>
-              <a:path w="2121971" h="2179084">
-                <a:moveTo>
-                  <a:pt x="0" y="1375987"/>
-                </a:moveTo>
-                <a:lnTo>
-                  <a:pt x="1204646" y="0"/>
-                </a:lnTo>
-                <a:lnTo>
-                  <a:pt x="2121971" y="803097"/>
-                </a:lnTo>
-                <a:lnTo>
-                  <a:pt x="917326" y="2179084"/>
-                </a:lnTo>
-                <a:lnTo>
-                  <a:pt x="1" y="1375987"/>
-                </a:lnTo>
-                <a:close/>
-              </a:path>
-            </a:pathLst>
-          </a:custGeom>
+          </a:prstGeom>
         </p:spPr>
         <p:style>
           <a:lnRef idx="2">
@@ -10375,7 +9655,7 @@
     </p:spTree>
     <p:extLst>
       <p:ext uri="{BB962C8B-B14F-4D97-AF65-F5344CB8AC3E}">
-        <p14:creationId xmlns:p14="http://schemas.microsoft.com/office/powerpoint/2010/main" val="186775434"/>
+        <p14:creationId xmlns:p14="http://schemas.microsoft.com/office/powerpoint/2010/main" val="3035864712"/>
       </p:ext>
     </p:extLst>
   </p:cSld>
@@ -10561,250 +9841,13 @@
           <p:nvPr/>
         </p:nvSpPr>
         <p:spPr>
-          <a:xfrm>
-            <a:off x="1828800" y="2476500"/>
-            <a:ext cx="2216907" cy="3234934"/>
-          </a:xfrm>
-          <a:custGeom>
+          <a:xfrm rot="18000000">
+            <a:off x="1164419" y="3493892"/>
+            <a:ext cx="3581400" cy="1066800"/>
+          </a:xfrm>
+          <a:prstGeom prst="rightArrow">
             <a:avLst/>
-            <a:gdLst>
-              <a:gd name="connsiteX0" fmla="*/ 0 w 3581400"/>
-              <a:gd name="connsiteY0" fmla="*/ 266700 h 1066800"/>
-              <a:gd name="connsiteX1" fmla="*/ 3048000 w 3581400"/>
-              <a:gd name="connsiteY1" fmla="*/ 266700 h 1066800"/>
-              <a:gd name="connsiteX2" fmla="*/ 3048000 w 3581400"/>
-              <a:gd name="connsiteY2" fmla="*/ 0 h 1066800"/>
-              <a:gd name="connsiteX3" fmla="*/ 3581400 w 3581400"/>
-              <a:gd name="connsiteY3" fmla="*/ 533400 h 1066800"/>
-              <a:gd name="connsiteX4" fmla="*/ 3048000 w 3581400"/>
-              <a:gd name="connsiteY4" fmla="*/ 1066800 h 1066800"/>
-              <a:gd name="connsiteX5" fmla="*/ 3048000 w 3581400"/>
-              <a:gd name="connsiteY5" fmla="*/ 800100 h 1066800"/>
-              <a:gd name="connsiteX6" fmla="*/ 0 w 3581400"/>
-              <a:gd name="connsiteY6" fmla="*/ 800100 h 1066800"/>
-              <a:gd name="connsiteX7" fmla="*/ 0 w 3581400"/>
-              <a:gd name="connsiteY7" fmla="*/ 266700 h 1066800"/>
-              <a:gd name="connsiteX0" fmla="*/ 5586387 w 9167787"/>
-              <a:gd name="connsiteY0" fmla="*/ 3760592 h 4560692"/>
-              <a:gd name="connsiteX1" fmla="*/ 0 w 9167787"/>
-              <a:gd name="connsiteY1" fmla="*/ 0 h 4560692"/>
-              <a:gd name="connsiteX2" fmla="*/ 8634387 w 9167787"/>
-              <a:gd name="connsiteY2" fmla="*/ 3760592 h 4560692"/>
-              <a:gd name="connsiteX3" fmla="*/ 8634387 w 9167787"/>
-              <a:gd name="connsiteY3" fmla="*/ 3493892 h 4560692"/>
-              <a:gd name="connsiteX4" fmla="*/ 9167787 w 9167787"/>
-              <a:gd name="connsiteY4" fmla="*/ 4027292 h 4560692"/>
-              <a:gd name="connsiteX5" fmla="*/ 8634387 w 9167787"/>
-              <a:gd name="connsiteY5" fmla="*/ 4560692 h 4560692"/>
-              <a:gd name="connsiteX6" fmla="*/ 8634387 w 9167787"/>
-              <a:gd name="connsiteY6" fmla="*/ 4293992 h 4560692"/>
-              <a:gd name="connsiteX7" fmla="*/ 5586387 w 9167787"/>
-              <a:gd name="connsiteY7" fmla="*/ 4293992 h 4560692"/>
-              <a:gd name="connsiteX8" fmla="*/ 5586387 w 9167787"/>
-              <a:gd name="connsiteY8" fmla="*/ 3760592 h 4560692"/>
-              <a:gd name="connsiteX0" fmla="*/ 0 w 3581400"/>
-              <a:gd name="connsiteY0" fmla="*/ 266700 h 1066800"/>
-              <a:gd name="connsiteX1" fmla="*/ 3048000 w 3581400"/>
-              <a:gd name="connsiteY1" fmla="*/ 266700 h 1066800"/>
-              <a:gd name="connsiteX2" fmla="*/ 3048000 w 3581400"/>
-              <a:gd name="connsiteY2" fmla="*/ 0 h 1066800"/>
-              <a:gd name="connsiteX3" fmla="*/ 3581400 w 3581400"/>
-              <a:gd name="connsiteY3" fmla="*/ 533400 h 1066800"/>
-              <a:gd name="connsiteX4" fmla="*/ 3048000 w 3581400"/>
-              <a:gd name="connsiteY4" fmla="*/ 1066800 h 1066800"/>
-              <a:gd name="connsiteX5" fmla="*/ 3048000 w 3581400"/>
-              <a:gd name="connsiteY5" fmla="*/ 800100 h 1066800"/>
-              <a:gd name="connsiteX6" fmla="*/ 0 w 3581400"/>
-              <a:gd name="connsiteY6" fmla="*/ 800100 h 1066800"/>
-              <a:gd name="connsiteX7" fmla="*/ 0 w 3581400"/>
-              <a:gd name="connsiteY7" fmla="*/ 266700 h 1066800"/>
-              <a:gd name="connsiteX0" fmla="*/ 664381 w 3581400"/>
-              <a:gd name="connsiteY0" fmla="*/ 1950842 h 1950842"/>
-              <a:gd name="connsiteX1" fmla="*/ 3048000 w 3581400"/>
-              <a:gd name="connsiteY1" fmla="*/ 266700 h 1950842"/>
-              <a:gd name="connsiteX2" fmla="*/ 3048000 w 3581400"/>
-              <a:gd name="connsiteY2" fmla="*/ 0 h 1950842"/>
-              <a:gd name="connsiteX3" fmla="*/ 3581400 w 3581400"/>
-              <a:gd name="connsiteY3" fmla="*/ 533400 h 1950842"/>
-              <a:gd name="connsiteX4" fmla="*/ 3048000 w 3581400"/>
-              <a:gd name="connsiteY4" fmla="*/ 1066800 h 1950842"/>
-              <a:gd name="connsiteX5" fmla="*/ 3048000 w 3581400"/>
-              <a:gd name="connsiteY5" fmla="*/ 800100 h 1950842"/>
-              <a:gd name="connsiteX6" fmla="*/ 0 w 3581400"/>
-              <a:gd name="connsiteY6" fmla="*/ 800100 h 1950842"/>
-              <a:gd name="connsiteX7" fmla="*/ 0 w 3581400"/>
-              <a:gd name="connsiteY7" fmla="*/ 266700 h 1950842"/>
-              <a:gd name="connsiteX0" fmla="*/ 664381 w 3581400"/>
-              <a:gd name="connsiteY0" fmla="*/ 2639646 h 2639646"/>
-              <a:gd name="connsiteX1" fmla="*/ 2188381 w 3581400"/>
-              <a:gd name="connsiteY1" fmla="*/ 0 h 2639646"/>
-              <a:gd name="connsiteX2" fmla="*/ 3048000 w 3581400"/>
-              <a:gd name="connsiteY2" fmla="*/ 688804 h 2639646"/>
-              <a:gd name="connsiteX3" fmla="*/ 3581400 w 3581400"/>
-              <a:gd name="connsiteY3" fmla="*/ 1222204 h 2639646"/>
-              <a:gd name="connsiteX4" fmla="*/ 3048000 w 3581400"/>
-              <a:gd name="connsiteY4" fmla="*/ 1755604 h 2639646"/>
-              <a:gd name="connsiteX5" fmla="*/ 3048000 w 3581400"/>
-              <a:gd name="connsiteY5" fmla="*/ 1488904 h 2639646"/>
-              <a:gd name="connsiteX6" fmla="*/ 0 w 3581400"/>
-              <a:gd name="connsiteY6" fmla="*/ 1488904 h 2639646"/>
-              <a:gd name="connsiteX7" fmla="*/ 0 w 3581400"/>
-              <a:gd name="connsiteY7" fmla="*/ 955504 h 2639646"/>
-              <a:gd name="connsiteX0" fmla="*/ 664381 w 3581400"/>
-              <a:gd name="connsiteY0" fmla="*/ 2772996 h 2772996"/>
-              <a:gd name="connsiteX1" fmla="*/ 2188381 w 3581400"/>
-              <a:gd name="connsiteY1" fmla="*/ 133350 h 2772996"/>
-              <a:gd name="connsiteX2" fmla="*/ 1957412 w 3581400"/>
-              <a:gd name="connsiteY2" fmla="*/ 0 h 2772996"/>
-              <a:gd name="connsiteX3" fmla="*/ 3581400 w 3581400"/>
-              <a:gd name="connsiteY3" fmla="*/ 1355554 h 2772996"/>
-              <a:gd name="connsiteX4" fmla="*/ 3048000 w 3581400"/>
-              <a:gd name="connsiteY4" fmla="*/ 1888954 h 2772996"/>
-              <a:gd name="connsiteX5" fmla="*/ 3048000 w 3581400"/>
-              <a:gd name="connsiteY5" fmla="*/ 1622254 h 2772996"/>
-              <a:gd name="connsiteX6" fmla="*/ 0 w 3581400"/>
-              <a:gd name="connsiteY6" fmla="*/ 1622254 h 2772996"/>
-              <a:gd name="connsiteX7" fmla="*/ 0 w 3581400"/>
-              <a:gd name="connsiteY7" fmla="*/ 1088854 h 2772996"/>
-              <a:gd name="connsiteX0" fmla="*/ 664381 w 3048000"/>
-              <a:gd name="connsiteY0" fmla="*/ 2968234 h 2968234"/>
-              <a:gd name="connsiteX1" fmla="*/ 2188381 w 3048000"/>
-              <a:gd name="connsiteY1" fmla="*/ 328588 h 2968234"/>
-              <a:gd name="connsiteX2" fmla="*/ 1957412 w 3048000"/>
-              <a:gd name="connsiteY2" fmla="*/ 195238 h 2968234"/>
-              <a:gd name="connsiteX3" fmla="*/ 2686050 w 3048000"/>
-              <a:gd name="connsiteY3" fmla="*/ 0 h 2968234"/>
-              <a:gd name="connsiteX4" fmla="*/ 3048000 w 3048000"/>
-              <a:gd name="connsiteY4" fmla="*/ 2084192 h 2968234"/>
-              <a:gd name="connsiteX5" fmla="*/ 3048000 w 3048000"/>
-              <a:gd name="connsiteY5" fmla="*/ 1817492 h 2968234"/>
-              <a:gd name="connsiteX6" fmla="*/ 0 w 3048000"/>
-              <a:gd name="connsiteY6" fmla="*/ 1817492 h 2968234"/>
-              <a:gd name="connsiteX7" fmla="*/ 0 w 3048000"/>
-              <a:gd name="connsiteY7" fmla="*/ 1284092 h 2968234"/>
-              <a:gd name="connsiteX0" fmla="*/ 664381 w 3048000"/>
-              <a:gd name="connsiteY0" fmla="*/ 2968234 h 2968234"/>
-              <a:gd name="connsiteX1" fmla="*/ 2188381 w 3048000"/>
-              <a:gd name="connsiteY1" fmla="*/ 328588 h 2968234"/>
-              <a:gd name="connsiteX2" fmla="*/ 1957412 w 3048000"/>
-              <a:gd name="connsiteY2" fmla="*/ 195238 h 2968234"/>
-              <a:gd name="connsiteX3" fmla="*/ 2686050 w 3048000"/>
-              <a:gd name="connsiteY3" fmla="*/ 0 h 2968234"/>
-              <a:gd name="connsiteX4" fmla="*/ 2881288 w 3048000"/>
-              <a:gd name="connsiteY4" fmla="*/ 728638 h 2968234"/>
-              <a:gd name="connsiteX5" fmla="*/ 3048000 w 3048000"/>
-              <a:gd name="connsiteY5" fmla="*/ 1817492 h 2968234"/>
-              <a:gd name="connsiteX6" fmla="*/ 0 w 3048000"/>
-              <a:gd name="connsiteY6" fmla="*/ 1817492 h 2968234"/>
-              <a:gd name="connsiteX7" fmla="*/ 0 w 3048000"/>
-              <a:gd name="connsiteY7" fmla="*/ 1284092 h 2968234"/>
-              <a:gd name="connsiteX0" fmla="*/ 664381 w 2881288"/>
-              <a:gd name="connsiteY0" fmla="*/ 2968234 h 2968234"/>
-              <a:gd name="connsiteX1" fmla="*/ 2188381 w 2881288"/>
-              <a:gd name="connsiteY1" fmla="*/ 328588 h 2968234"/>
-              <a:gd name="connsiteX2" fmla="*/ 1957412 w 2881288"/>
-              <a:gd name="connsiteY2" fmla="*/ 195238 h 2968234"/>
-              <a:gd name="connsiteX3" fmla="*/ 2686050 w 2881288"/>
-              <a:gd name="connsiteY3" fmla="*/ 0 h 2968234"/>
-              <a:gd name="connsiteX4" fmla="*/ 2881288 w 2881288"/>
-              <a:gd name="connsiteY4" fmla="*/ 728638 h 2968234"/>
-              <a:gd name="connsiteX5" fmla="*/ 2650319 w 2881288"/>
-              <a:gd name="connsiteY5" fmla="*/ 595288 h 2968234"/>
-              <a:gd name="connsiteX6" fmla="*/ 0 w 2881288"/>
-              <a:gd name="connsiteY6" fmla="*/ 1817492 h 2968234"/>
-              <a:gd name="connsiteX7" fmla="*/ 0 w 2881288"/>
-              <a:gd name="connsiteY7" fmla="*/ 1284092 h 2968234"/>
-              <a:gd name="connsiteX0" fmla="*/ 664381 w 2881288"/>
-              <a:gd name="connsiteY0" fmla="*/ 2968234 h 3234934"/>
-              <a:gd name="connsiteX1" fmla="*/ 2188381 w 2881288"/>
-              <a:gd name="connsiteY1" fmla="*/ 328588 h 3234934"/>
-              <a:gd name="connsiteX2" fmla="*/ 1957412 w 2881288"/>
-              <a:gd name="connsiteY2" fmla="*/ 195238 h 3234934"/>
-              <a:gd name="connsiteX3" fmla="*/ 2686050 w 2881288"/>
-              <a:gd name="connsiteY3" fmla="*/ 0 h 3234934"/>
-              <a:gd name="connsiteX4" fmla="*/ 2881288 w 2881288"/>
-              <a:gd name="connsiteY4" fmla="*/ 728638 h 3234934"/>
-              <a:gd name="connsiteX5" fmla="*/ 2650319 w 2881288"/>
-              <a:gd name="connsiteY5" fmla="*/ 595288 h 3234934"/>
-              <a:gd name="connsiteX6" fmla="*/ 1126319 w 2881288"/>
-              <a:gd name="connsiteY6" fmla="*/ 3234934 h 3234934"/>
-              <a:gd name="connsiteX7" fmla="*/ 0 w 2881288"/>
-              <a:gd name="connsiteY7" fmla="*/ 1284092 h 3234934"/>
-              <a:gd name="connsiteX0" fmla="*/ 0 w 2216907"/>
-              <a:gd name="connsiteY0" fmla="*/ 2968234 h 3234934"/>
-              <a:gd name="connsiteX1" fmla="*/ 1524000 w 2216907"/>
-              <a:gd name="connsiteY1" fmla="*/ 328588 h 3234934"/>
-              <a:gd name="connsiteX2" fmla="*/ 1293031 w 2216907"/>
-              <a:gd name="connsiteY2" fmla="*/ 195238 h 3234934"/>
-              <a:gd name="connsiteX3" fmla="*/ 2021669 w 2216907"/>
-              <a:gd name="connsiteY3" fmla="*/ 0 h 3234934"/>
-              <a:gd name="connsiteX4" fmla="*/ 2216907 w 2216907"/>
-              <a:gd name="connsiteY4" fmla="*/ 728638 h 3234934"/>
-              <a:gd name="connsiteX5" fmla="*/ 1985938 w 2216907"/>
-              <a:gd name="connsiteY5" fmla="*/ 595288 h 3234934"/>
-              <a:gd name="connsiteX6" fmla="*/ 461938 w 2216907"/>
-              <a:gd name="connsiteY6" fmla="*/ 3234934 h 3234934"/>
-              <a:gd name="connsiteX7" fmla="*/ 0 w 2216907"/>
-              <a:gd name="connsiteY7" fmla="*/ 2968234 h 3234934"/>
-            </a:gdLst>
-            <a:ahLst/>
-            <a:cxnLst>
-              <a:cxn ang="0">
-                <a:pos x="connsiteX0" y="connsiteY0"/>
-              </a:cxn>
-              <a:cxn ang="0">
-                <a:pos x="connsiteX1" y="connsiteY1"/>
-              </a:cxn>
-              <a:cxn ang="0">
-                <a:pos x="connsiteX2" y="connsiteY2"/>
-              </a:cxn>
-              <a:cxn ang="0">
-                <a:pos x="connsiteX3" y="connsiteY3"/>
-              </a:cxn>
-              <a:cxn ang="0">
-                <a:pos x="connsiteX4" y="connsiteY4"/>
-              </a:cxn>
-              <a:cxn ang="0">
-                <a:pos x="connsiteX5" y="connsiteY5"/>
-              </a:cxn>
-              <a:cxn ang="0">
-                <a:pos x="connsiteX6" y="connsiteY6"/>
-              </a:cxn>
-              <a:cxn ang="0">
-                <a:pos x="connsiteX7" y="connsiteY7"/>
-              </a:cxn>
-            </a:cxnLst>
-            <a:rect l="l" t="t" r="r" b="b"/>
-            <a:pathLst>
-              <a:path w="2216907" h="3234934">
-                <a:moveTo>
-                  <a:pt x="0" y="2968234"/>
-                </a:moveTo>
-                <a:lnTo>
-                  <a:pt x="1524000" y="328588"/>
-                </a:lnTo>
-                <a:lnTo>
-                  <a:pt x="1293031" y="195238"/>
-                </a:lnTo>
-                <a:lnTo>
-                  <a:pt x="2021669" y="0"/>
-                </a:lnTo>
-                <a:lnTo>
-                  <a:pt x="2216907" y="728638"/>
-                </a:lnTo>
-                <a:lnTo>
-                  <a:pt x="1985938" y="595288"/>
-                </a:lnTo>
-                <a:lnTo>
-                  <a:pt x="461938" y="3234934"/>
-                </a:lnTo>
-                <a:lnTo>
-                  <a:pt x="0" y="2968234"/>
-                </a:lnTo>
-                <a:close/>
-              </a:path>
-            </a:pathLst>
-          </a:custGeom>
+          </a:prstGeom>
         </p:spPr>
         <p:style>
           <a:lnRef idx="2">
@@ -10838,136 +9881,13 @@
           <p:nvPr/>
         </p:nvSpPr>
         <p:spPr>
-          <a:xfrm>
-            <a:off x="1828800" y="3124200"/>
-            <a:ext cx="2121971" cy="2179084"/>
-          </a:xfrm>
-          <a:custGeom>
+          <a:xfrm rot="18672083">
+            <a:off x="1975386" y="3604142"/>
+            <a:ext cx="1828800" cy="1219200"/>
+          </a:xfrm>
+          <a:prstGeom prst="rect">
             <a:avLst/>
-            <a:gdLst>
-              <a:gd name="connsiteX0" fmla="*/ 0 w 1828800"/>
-              <a:gd name="connsiteY0" fmla="*/ 0 h 1219200"/>
-              <a:gd name="connsiteX1" fmla="*/ 1828800 w 1828800"/>
-              <a:gd name="connsiteY1" fmla="*/ 0 h 1219200"/>
-              <a:gd name="connsiteX2" fmla="*/ 1828800 w 1828800"/>
-              <a:gd name="connsiteY2" fmla="*/ 1219200 h 1219200"/>
-              <a:gd name="connsiteX3" fmla="*/ 0 w 1828800"/>
-              <a:gd name="connsiteY3" fmla="*/ 1219200 h 1219200"/>
-              <a:gd name="connsiteX4" fmla="*/ 0 w 1828800"/>
-              <a:gd name="connsiteY4" fmla="*/ 0 h 1219200"/>
-              <a:gd name="connsiteX0" fmla="*/ 1975386 w 3804186"/>
-              <a:gd name="connsiteY0" fmla="*/ 3604142 h 4823342"/>
-              <a:gd name="connsiteX1" fmla="*/ 0 w 3804186"/>
-              <a:gd name="connsiteY1" fmla="*/ 0 h 4823342"/>
-              <a:gd name="connsiteX2" fmla="*/ 3804186 w 3804186"/>
-              <a:gd name="connsiteY2" fmla="*/ 3604142 h 4823342"/>
-              <a:gd name="connsiteX3" fmla="*/ 3804186 w 3804186"/>
-              <a:gd name="connsiteY3" fmla="*/ 4823342 h 4823342"/>
-              <a:gd name="connsiteX4" fmla="*/ 1975386 w 3804186"/>
-              <a:gd name="connsiteY4" fmla="*/ 4823342 h 4823342"/>
-              <a:gd name="connsiteX5" fmla="*/ 1975386 w 3804186"/>
-              <a:gd name="connsiteY5" fmla="*/ 3604142 h 4823342"/>
-              <a:gd name="connsiteX0" fmla="*/ 0 w 1828800"/>
-              <a:gd name="connsiteY0" fmla="*/ 0 h 1219200"/>
-              <a:gd name="connsiteX1" fmla="*/ 1828800 w 1828800"/>
-              <a:gd name="connsiteY1" fmla="*/ 0 h 1219200"/>
-              <a:gd name="connsiteX2" fmla="*/ 1828800 w 1828800"/>
-              <a:gd name="connsiteY2" fmla="*/ 1219200 h 1219200"/>
-              <a:gd name="connsiteX3" fmla="*/ 0 w 1828800"/>
-              <a:gd name="connsiteY3" fmla="*/ 1219200 h 1219200"/>
-              <a:gd name="connsiteX4" fmla="*/ 0 w 1828800"/>
-              <a:gd name="connsiteY4" fmla="*/ 0 h 1219200"/>
-              <a:gd name="connsiteX0" fmla="*/ 0 w 1975385"/>
-              <a:gd name="connsiteY0" fmla="*/ 896045 h 1219200"/>
-              <a:gd name="connsiteX1" fmla="*/ 1975385 w 1975385"/>
-              <a:gd name="connsiteY1" fmla="*/ 0 h 1219200"/>
-              <a:gd name="connsiteX2" fmla="*/ 1975385 w 1975385"/>
-              <a:gd name="connsiteY2" fmla="*/ 1219200 h 1219200"/>
-              <a:gd name="connsiteX3" fmla="*/ 146585 w 1975385"/>
-              <a:gd name="connsiteY3" fmla="*/ 1219200 h 1219200"/>
-              <a:gd name="connsiteX4" fmla="*/ 146585 w 1975385"/>
-              <a:gd name="connsiteY4" fmla="*/ 0 h 1219200"/>
-              <a:gd name="connsiteX0" fmla="*/ 0 w 1975385"/>
-              <a:gd name="connsiteY0" fmla="*/ 1375987 h 1699142"/>
-              <a:gd name="connsiteX1" fmla="*/ 1204646 w 1975385"/>
-              <a:gd name="connsiteY1" fmla="*/ 0 h 1699142"/>
-              <a:gd name="connsiteX2" fmla="*/ 1975385 w 1975385"/>
-              <a:gd name="connsiteY2" fmla="*/ 1699142 h 1699142"/>
-              <a:gd name="connsiteX3" fmla="*/ 146585 w 1975385"/>
-              <a:gd name="connsiteY3" fmla="*/ 1699142 h 1699142"/>
-              <a:gd name="connsiteX4" fmla="*/ 146585 w 1975385"/>
-              <a:gd name="connsiteY4" fmla="*/ 479942 h 1699142"/>
-              <a:gd name="connsiteX0" fmla="*/ 0 w 2121971"/>
-              <a:gd name="connsiteY0" fmla="*/ 1375987 h 1699142"/>
-              <a:gd name="connsiteX1" fmla="*/ 1204646 w 2121971"/>
-              <a:gd name="connsiteY1" fmla="*/ 0 h 1699142"/>
-              <a:gd name="connsiteX2" fmla="*/ 2121971 w 2121971"/>
-              <a:gd name="connsiteY2" fmla="*/ 803097 h 1699142"/>
-              <a:gd name="connsiteX3" fmla="*/ 146585 w 2121971"/>
-              <a:gd name="connsiteY3" fmla="*/ 1699142 h 1699142"/>
-              <a:gd name="connsiteX4" fmla="*/ 146585 w 2121971"/>
-              <a:gd name="connsiteY4" fmla="*/ 479942 h 1699142"/>
-              <a:gd name="connsiteX0" fmla="*/ 0 w 2121971"/>
-              <a:gd name="connsiteY0" fmla="*/ 1375987 h 2179084"/>
-              <a:gd name="connsiteX1" fmla="*/ 1204646 w 2121971"/>
-              <a:gd name="connsiteY1" fmla="*/ 0 h 2179084"/>
-              <a:gd name="connsiteX2" fmla="*/ 2121971 w 2121971"/>
-              <a:gd name="connsiteY2" fmla="*/ 803097 h 2179084"/>
-              <a:gd name="connsiteX3" fmla="*/ 917326 w 2121971"/>
-              <a:gd name="connsiteY3" fmla="*/ 2179084 h 2179084"/>
-              <a:gd name="connsiteX4" fmla="*/ 146585 w 2121971"/>
-              <a:gd name="connsiteY4" fmla="*/ 479942 h 2179084"/>
-              <a:gd name="connsiteX0" fmla="*/ 0 w 2121971"/>
-              <a:gd name="connsiteY0" fmla="*/ 1375987 h 2179084"/>
-              <a:gd name="connsiteX1" fmla="*/ 1204646 w 2121971"/>
-              <a:gd name="connsiteY1" fmla="*/ 0 h 2179084"/>
-              <a:gd name="connsiteX2" fmla="*/ 2121971 w 2121971"/>
-              <a:gd name="connsiteY2" fmla="*/ 803097 h 2179084"/>
-              <a:gd name="connsiteX3" fmla="*/ 917326 w 2121971"/>
-              <a:gd name="connsiteY3" fmla="*/ 2179084 h 2179084"/>
-              <a:gd name="connsiteX4" fmla="*/ 1 w 2121971"/>
-              <a:gd name="connsiteY4" fmla="*/ 1375987 h 2179084"/>
-            </a:gdLst>
-            <a:ahLst/>
-            <a:cxnLst>
-              <a:cxn ang="0">
-                <a:pos x="connsiteX0" y="connsiteY0"/>
-              </a:cxn>
-              <a:cxn ang="0">
-                <a:pos x="connsiteX1" y="connsiteY1"/>
-              </a:cxn>
-              <a:cxn ang="0">
-                <a:pos x="connsiteX2" y="connsiteY2"/>
-              </a:cxn>
-              <a:cxn ang="0">
-                <a:pos x="connsiteX3" y="connsiteY3"/>
-              </a:cxn>
-              <a:cxn ang="0">
-                <a:pos x="connsiteX4" y="connsiteY4"/>
-              </a:cxn>
-            </a:cxnLst>
-            <a:rect l="l" t="t" r="r" b="b"/>
-            <a:pathLst>
-              <a:path w="2121971" h="2179084">
-                <a:moveTo>
-                  <a:pt x="0" y="1375987"/>
-                </a:moveTo>
-                <a:lnTo>
-                  <a:pt x="1204646" y="0"/>
-                </a:lnTo>
-                <a:lnTo>
-                  <a:pt x="2121971" y="803097"/>
-                </a:lnTo>
-                <a:lnTo>
-                  <a:pt x="917326" y="2179084"/>
-                </a:lnTo>
-                <a:lnTo>
-                  <a:pt x="1" y="1375987"/>
-                </a:lnTo>
-                <a:close/>
-              </a:path>
-            </a:pathLst>
-          </a:custGeom>
+          </a:prstGeom>
         </p:spPr>
         <p:style>
           <a:lnRef idx="2">
@@ -10997,7 +9917,7 @@
     </p:spTree>
     <p:extLst>
       <p:ext uri="{BB962C8B-B14F-4D97-AF65-F5344CB8AC3E}">
-        <p14:creationId xmlns:p14="http://schemas.microsoft.com/office/powerpoint/2010/main" val="1357716816"/>
+        <p14:creationId xmlns:p14="http://schemas.microsoft.com/office/powerpoint/2010/main" val="2571067064"/>
       </p:ext>
     </p:extLst>
   </p:cSld>
@@ -11111,250 +10031,13 @@
           <p:nvPr/>
         </p:nvSpPr>
         <p:spPr>
-          <a:xfrm>
-            <a:off x="1733864" y="2476500"/>
-            <a:ext cx="2216907" cy="3234934"/>
-          </a:xfrm>
-          <a:custGeom>
+          <a:xfrm rot="18000000">
+            <a:off x="1069483" y="3493892"/>
+            <a:ext cx="3581400" cy="1066800"/>
+          </a:xfrm>
+          <a:prstGeom prst="rightArrow">
             <a:avLst/>
-            <a:gdLst>
-              <a:gd name="connsiteX0" fmla="*/ 0 w 3581400"/>
-              <a:gd name="connsiteY0" fmla="*/ 266700 h 1066800"/>
-              <a:gd name="connsiteX1" fmla="*/ 3048000 w 3581400"/>
-              <a:gd name="connsiteY1" fmla="*/ 266700 h 1066800"/>
-              <a:gd name="connsiteX2" fmla="*/ 3048000 w 3581400"/>
-              <a:gd name="connsiteY2" fmla="*/ 0 h 1066800"/>
-              <a:gd name="connsiteX3" fmla="*/ 3581400 w 3581400"/>
-              <a:gd name="connsiteY3" fmla="*/ 533400 h 1066800"/>
-              <a:gd name="connsiteX4" fmla="*/ 3048000 w 3581400"/>
-              <a:gd name="connsiteY4" fmla="*/ 1066800 h 1066800"/>
-              <a:gd name="connsiteX5" fmla="*/ 3048000 w 3581400"/>
-              <a:gd name="connsiteY5" fmla="*/ 800100 h 1066800"/>
-              <a:gd name="connsiteX6" fmla="*/ 0 w 3581400"/>
-              <a:gd name="connsiteY6" fmla="*/ 800100 h 1066800"/>
-              <a:gd name="connsiteX7" fmla="*/ 0 w 3581400"/>
-              <a:gd name="connsiteY7" fmla="*/ 266700 h 1066800"/>
-              <a:gd name="connsiteX0" fmla="*/ 5586387 w 9167787"/>
-              <a:gd name="connsiteY0" fmla="*/ 3760592 h 4560692"/>
-              <a:gd name="connsiteX1" fmla="*/ 0 w 9167787"/>
-              <a:gd name="connsiteY1" fmla="*/ 0 h 4560692"/>
-              <a:gd name="connsiteX2" fmla="*/ 8634387 w 9167787"/>
-              <a:gd name="connsiteY2" fmla="*/ 3760592 h 4560692"/>
-              <a:gd name="connsiteX3" fmla="*/ 8634387 w 9167787"/>
-              <a:gd name="connsiteY3" fmla="*/ 3493892 h 4560692"/>
-              <a:gd name="connsiteX4" fmla="*/ 9167787 w 9167787"/>
-              <a:gd name="connsiteY4" fmla="*/ 4027292 h 4560692"/>
-              <a:gd name="connsiteX5" fmla="*/ 8634387 w 9167787"/>
-              <a:gd name="connsiteY5" fmla="*/ 4560692 h 4560692"/>
-              <a:gd name="connsiteX6" fmla="*/ 8634387 w 9167787"/>
-              <a:gd name="connsiteY6" fmla="*/ 4293992 h 4560692"/>
-              <a:gd name="connsiteX7" fmla="*/ 5586387 w 9167787"/>
-              <a:gd name="connsiteY7" fmla="*/ 4293992 h 4560692"/>
-              <a:gd name="connsiteX8" fmla="*/ 5586387 w 9167787"/>
-              <a:gd name="connsiteY8" fmla="*/ 3760592 h 4560692"/>
-              <a:gd name="connsiteX0" fmla="*/ 0 w 3581400"/>
-              <a:gd name="connsiteY0" fmla="*/ 266700 h 1066800"/>
-              <a:gd name="connsiteX1" fmla="*/ 3048000 w 3581400"/>
-              <a:gd name="connsiteY1" fmla="*/ 266700 h 1066800"/>
-              <a:gd name="connsiteX2" fmla="*/ 3048000 w 3581400"/>
-              <a:gd name="connsiteY2" fmla="*/ 0 h 1066800"/>
-              <a:gd name="connsiteX3" fmla="*/ 3581400 w 3581400"/>
-              <a:gd name="connsiteY3" fmla="*/ 533400 h 1066800"/>
-              <a:gd name="connsiteX4" fmla="*/ 3048000 w 3581400"/>
-              <a:gd name="connsiteY4" fmla="*/ 1066800 h 1066800"/>
-              <a:gd name="connsiteX5" fmla="*/ 3048000 w 3581400"/>
-              <a:gd name="connsiteY5" fmla="*/ 800100 h 1066800"/>
-              <a:gd name="connsiteX6" fmla="*/ 0 w 3581400"/>
-              <a:gd name="connsiteY6" fmla="*/ 800100 h 1066800"/>
-              <a:gd name="connsiteX7" fmla="*/ 0 w 3581400"/>
-              <a:gd name="connsiteY7" fmla="*/ 266700 h 1066800"/>
-              <a:gd name="connsiteX0" fmla="*/ 664381 w 3581400"/>
-              <a:gd name="connsiteY0" fmla="*/ 1950842 h 1950842"/>
-              <a:gd name="connsiteX1" fmla="*/ 3048000 w 3581400"/>
-              <a:gd name="connsiteY1" fmla="*/ 266700 h 1950842"/>
-              <a:gd name="connsiteX2" fmla="*/ 3048000 w 3581400"/>
-              <a:gd name="connsiteY2" fmla="*/ 0 h 1950842"/>
-              <a:gd name="connsiteX3" fmla="*/ 3581400 w 3581400"/>
-              <a:gd name="connsiteY3" fmla="*/ 533400 h 1950842"/>
-              <a:gd name="connsiteX4" fmla="*/ 3048000 w 3581400"/>
-              <a:gd name="connsiteY4" fmla="*/ 1066800 h 1950842"/>
-              <a:gd name="connsiteX5" fmla="*/ 3048000 w 3581400"/>
-              <a:gd name="connsiteY5" fmla="*/ 800100 h 1950842"/>
-              <a:gd name="connsiteX6" fmla="*/ 0 w 3581400"/>
-              <a:gd name="connsiteY6" fmla="*/ 800100 h 1950842"/>
-              <a:gd name="connsiteX7" fmla="*/ 0 w 3581400"/>
-              <a:gd name="connsiteY7" fmla="*/ 266700 h 1950842"/>
-              <a:gd name="connsiteX0" fmla="*/ 664381 w 3581400"/>
-              <a:gd name="connsiteY0" fmla="*/ 2639646 h 2639646"/>
-              <a:gd name="connsiteX1" fmla="*/ 2188381 w 3581400"/>
-              <a:gd name="connsiteY1" fmla="*/ 0 h 2639646"/>
-              <a:gd name="connsiteX2" fmla="*/ 3048000 w 3581400"/>
-              <a:gd name="connsiteY2" fmla="*/ 688804 h 2639646"/>
-              <a:gd name="connsiteX3" fmla="*/ 3581400 w 3581400"/>
-              <a:gd name="connsiteY3" fmla="*/ 1222204 h 2639646"/>
-              <a:gd name="connsiteX4" fmla="*/ 3048000 w 3581400"/>
-              <a:gd name="connsiteY4" fmla="*/ 1755604 h 2639646"/>
-              <a:gd name="connsiteX5" fmla="*/ 3048000 w 3581400"/>
-              <a:gd name="connsiteY5" fmla="*/ 1488904 h 2639646"/>
-              <a:gd name="connsiteX6" fmla="*/ 0 w 3581400"/>
-              <a:gd name="connsiteY6" fmla="*/ 1488904 h 2639646"/>
-              <a:gd name="connsiteX7" fmla="*/ 0 w 3581400"/>
-              <a:gd name="connsiteY7" fmla="*/ 955504 h 2639646"/>
-              <a:gd name="connsiteX0" fmla="*/ 664381 w 3581400"/>
-              <a:gd name="connsiteY0" fmla="*/ 2772996 h 2772996"/>
-              <a:gd name="connsiteX1" fmla="*/ 2188381 w 3581400"/>
-              <a:gd name="connsiteY1" fmla="*/ 133350 h 2772996"/>
-              <a:gd name="connsiteX2" fmla="*/ 1957412 w 3581400"/>
-              <a:gd name="connsiteY2" fmla="*/ 0 h 2772996"/>
-              <a:gd name="connsiteX3" fmla="*/ 3581400 w 3581400"/>
-              <a:gd name="connsiteY3" fmla="*/ 1355554 h 2772996"/>
-              <a:gd name="connsiteX4" fmla="*/ 3048000 w 3581400"/>
-              <a:gd name="connsiteY4" fmla="*/ 1888954 h 2772996"/>
-              <a:gd name="connsiteX5" fmla="*/ 3048000 w 3581400"/>
-              <a:gd name="connsiteY5" fmla="*/ 1622254 h 2772996"/>
-              <a:gd name="connsiteX6" fmla="*/ 0 w 3581400"/>
-              <a:gd name="connsiteY6" fmla="*/ 1622254 h 2772996"/>
-              <a:gd name="connsiteX7" fmla="*/ 0 w 3581400"/>
-              <a:gd name="connsiteY7" fmla="*/ 1088854 h 2772996"/>
-              <a:gd name="connsiteX0" fmla="*/ 664381 w 3048000"/>
-              <a:gd name="connsiteY0" fmla="*/ 2968234 h 2968234"/>
-              <a:gd name="connsiteX1" fmla="*/ 2188381 w 3048000"/>
-              <a:gd name="connsiteY1" fmla="*/ 328588 h 2968234"/>
-              <a:gd name="connsiteX2" fmla="*/ 1957412 w 3048000"/>
-              <a:gd name="connsiteY2" fmla="*/ 195238 h 2968234"/>
-              <a:gd name="connsiteX3" fmla="*/ 2686050 w 3048000"/>
-              <a:gd name="connsiteY3" fmla="*/ 0 h 2968234"/>
-              <a:gd name="connsiteX4" fmla="*/ 3048000 w 3048000"/>
-              <a:gd name="connsiteY4" fmla="*/ 2084192 h 2968234"/>
-              <a:gd name="connsiteX5" fmla="*/ 3048000 w 3048000"/>
-              <a:gd name="connsiteY5" fmla="*/ 1817492 h 2968234"/>
-              <a:gd name="connsiteX6" fmla="*/ 0 w 3048000"/>
-              <a:gd name="connsiteY6" fmla="*/ 1817492 h 2968234"/>
-              <a:gd name="connsiteX7" fmla="*/ 0 w 3048000"/>
-              <a:gd name="connsiteY7" fmla="*/ 1284092 h 2968234"/>
-              <a:gd name="connsiteX0" fmla="*/ 664381 w 3048000"/>
-              <a:gd name="connsiteY0" fmla="*/ 2968234 h 2968234"/>
-              <a:gd name="connsiteX1" fmla="*/ 2188381 w 3048000"/>
-              <a:gd name="connsiteY1" fmla="*/ 328588 h 2968234"/>
-              <a:gd name="connsiteX2" fmla="*/ 1957412 w 3048000"/>
-              <a:gd name="connsiteY2" fmla="*/ 195238 h 2968234"/>
-              <a:gd name="connsiteX3" fmla="*/ 2686050 w 3048000"/>
-              <a:gd name="connsiteY3" fmla="*/ 0 h 2968234"/>
-              <a:gd name="connsiteX4" fmla="*/ 2881288 w 3048000"/>
-              <a:gd name="connsiteY4" fmla="*/ 728638 h 2968234"/>
-              <a:gd name="connsiteX5" fmla="*/ 3048000 w 3048000"/>
-              <a:gd name="connsiteY5" fmla="*/ 1817492 h 2968234"/>
-              <a:gd name="connsiteX6" fmla="*/ 0 w 3048000"/>
-              <a:gd name="connsiteY6" fmla="*/ 1817492 h 2968234"/>
-              <a:gd name="connsiteX7" fmla="*/ 0 w 3048000"/>
-              <a:gd name="connsiteY7" fmla="*/ 1284092 h 2968234"/>
-              <a:gd name="connsiteX0" fmla="*/ 664381 w 2881288"/>
-              <a:gd name="connsiteY0" fmla="*/ 2968234 h 2968234"/>
-              <a:gd name="connsiteX1" fmla="*/ 2188381 w 2881288"/>
-              <a:gd name="connsiteY1" fmla="*/ 328588 h 2968234"/>
-              <a:gd name="connsiteX2" fmla="*/ 1957412 w 2881288"/>
-              <a:gd name="connsiteY2" fmla="*/ 195238 h 2968234"/>
-              <a:gd name="connsiteX3" fmla="*/ 2686050 w 2881288"/>
-              <a:gd name="connsiteY3" fmla="*/ 0 h 2968234"/>
-              <a:gd name="connsiteX4" fmla="*/ 2881288 w 2881288"/>
-              <a:gd name="connsiteY4" fmla="*/ 728638 h 2968234"/>
-              <a:gd name="connsiteX5" fmla="*/ 2650319 w 2881288"/>
-              <a:gd name="connsiteY5" fmla="*/ 595288 h 2968234"/>
-              <a:gd name="connsiteX6" fmla="*/ 0 w 2881288"/>
-              <a:gd name="connsiteY6" fmla="*/ 1817492 h 2968234"/>
-              <a:gd name="connsiteX7" fmla="*/ 0 w 2881288"/>
-              <a:gd name="connsiteY7" fmla="*/ 1284092 h 2968234"/>
-              <a:gd name="connsiteX0" fmla="*/ 664381 w 2881288"/>
-              <a:gd name="connsiteY0" fmla="*/ 2968234 h 3234934"/>
-              <a:gd name="connsiteX1" fmla="*/ 2188381 w 2881288"/>
-              <a:gd name="connsiteY1" fmla="*/ 328588 h 3234934"/>
-              <a:gd name="connsiteX2" fmla="*/ 1957412 w 2881288"/>
-              <a:gd name="connsiteY2" fmla="*/ 195238 h 3234934"/>
-              <a:gd name="connsiteX3" fmla="*/ 2686050 w 2881288"/>
-              <a:gd name="connsiteY3" fmla="*/ 0 h 3234934"/>
-              <a:gd name="connsiteX4" fmla="*/ 2881288 w 2881288"/>
-              <a:gd name="connsiteY4" fmla="*/ 728638 h 3234934"/>
-              <a:gd name="connsiteX5" fmla="*/ 2650319 w 2881288"/>
-              <a:gd name="connsiteY5" fmla="*/ 595288 h 3234934"/>
-              <a:gd name="connsiteX6" fmla="*/ 1126319 w 2881288"/>
-              <a:gd name="connsiteY6" fmla="*/ 3234934 h 3234934"/>
-              <a:gd name="connsiteX7" fmla="*/ 0 w 2881288"/>
-              <a:gd name="connsiteY7" fmla="*/ 1284092 h 3234934"/>
-              <a:gd name="connsiteX0" fmla="*/ 0 w 2216907"/>
-              <a:gd name="connsiteY0" fmla="*/ 2968234 h 3234934"/>
-              <a:gd name="connsiteX1" fmla="*/ 1524000 w 2216907"/>
-              <a:gd name="connsiteY1" fmla="*/ 328588 h 3234934"/>
-              <a:gd name="connsiteX2" fmla="*/ 1293031 w 2216907"/>
-              <a:gd name="connsiteY2" fmla="*/ 195238 h 3234934"/>
-              <a:gd name="connsiteX3" fmla="*/ 2021669 w 2216907"/>
-              <a:gd name="connsiteY3" fmla="*/ 0 h 3234934"/>
-              <a:gd name="connsiteX4" fmla="*/ 2216907 w 2216907"/>
-              <a:gd name="connsiteY4" fmla="*/ 728638 h 3234934"/>
-              <a:gd name="connsiteX5" fmla="*/ 1985938 w 2216907"/>
-              <a:gd name="connsiteY5" fmla="*/ 595288 h 3234934"/>
-              <a:gd name="connsiteX6" fmla="*/ 461938 w 2216907"/>
-              <a:gd name="connsiteY6" fmla="*/ 3234934 h 3234934"/>
-              <a:gd name="connsiteX7" fmla="*/ 0 w 2216907"/>
-              <a:gd name="connsiteY7" fmla="*/ 2968234 h 3234934"/>
-            </a:gdLst>
-            <a:ahLst/>
-            <a:cxnLst>
-              <a:cxn ang="0">
-                <a:pos x="connsiteX0" y="connsiteY0"/>
-              </a:cxn>
-              <a:cxn ang="0">
-                <a:pos x="connsiteX1" y="connsiteY1"/>
-              </a:cxn>
-              <a:cxn ang="0">
-                <a:pos x="connsiteX2" y="connsiteY2"/>
-              </a:cxn>
-              <a:cxn ang="0">
-                <a:pos x="connsiteX3" y="connsiteY3"/>
-              </a:cxn>
-              <a:cxn ang="0">
-                <a:pos x="connsiteX4" y="connsiteY4"/>
-              </a:cxn>
-              <a:cxn ang="0">
-                <a:pos x="connsiteX5" y="connsiteY5"/>
-              </a:cxn>
-              <a:cxn ang="0">
-                <a:pos x="connsiteX6" y="connsiteY6"/>
-              </a:cxn>
-              <a:cxn ang="0">
-                <a:pos x="connsiteX7" y="connsiteY7"/>
-              </a:cxn>
-            </a:cxnLst>
-            <a:rect l="l" t="t" r="r" b="b"/>
-            <a:pathLst>
-              <a:path w="2216907" h="3234934">
-                <a:moveTo>
-                  <a:pt x="0" y="2968234"/>
-                </a:moveTo>
-                <a:lnTo>
-                  <a:pt x="1524000" y="328588"/>
-                </a:lnTo>
-                <a:lnTo>
-                  <a:pt x="1293031" y="195238"/>
-                </a:lnTo>
-                <a:lnTo>
-                  <a:pt x="2021669" y="0"/>
-                </a:lnTo>
-                <a:lnTo>
-                  <a:pt x="2216907" y="728638"/>
-                </a:lnTo>
-                <a:lnTo>
-                  <a:pt x="1985938" y="595288"/>
-                </a:lnTo>
-                <a:lnTo>
-                  <a:pt x="461938" y="3234934"/>
-                </a:lnTo>
-                <a:lnTo>
-                  <a:pt x="0" y="2968234"/>
-                </a:lnTo>
-                <a:close/>
-              </a:path>
-            </a:pathLst>
-          </a:custGeom>
+          </a:prstGeom>
         </p:spPr>
         <p:style>
           <a:lnRef idx="2">
@@ -11388,136 +10071,13 @@
           <p:nvPr/>
         </p:nvSpPr>
         <p:spPr>
-          <a:xfrm>
-            <a:off x="1828800" y="3124200"/>
-            <a:ext cx="2121971" cy="2179084"/>
-          </a:xfrm>
-          <a:custGeom>
+          <a:xfrm rot="18672083">
+            <a:off x="1975386" y="3604142"/>
+            <a:ext cx="1828800" cy="1219200"/>
+          </a:xfrm>
+          <a:prstGeom prst="rect">
             <a:avLst/>
-            <a:gdLst>
-              <a:gd name="connsiteX0" fmla="*/ 0 w 1828800"/>
-              <a:gd name="connsiteY0" fmla="*/ 0 h 1219200"/>
-              <a:gd name="connsiteX1" fmla="*/ 1828800 w 1828800"/>
-              <a:gd name="connsiteY1" fmla="*/ 0 h 1219200"/>
-              <a:gd name="connsiteX2" fmla="*/ 1828800 w 1828800"/>
-              <a:gd name="connsiteY2" fmla="*/ 1219200 h 1219200"/>
-              <a:gd name="connsiteX3" fmla="*/ 0 w 1828800"/>
-              <a:gd name="connsiteY3" fmla="*/ 1219200 h 1219200"/>
-              <a:gd name="connsiteX4" fmla="*/ 0 w 1828800"/>
-              <a:gd name="connsiteY4" fmla="*/ 0 h 1219200"/>
-              <a:gd name="connsiteX0" fmla="*/ 1975386 w 3804186"/>
-              <a:gd name="connsiteY0" fmla="*/ 3604142 h 4823342"/>
-              <a:gd name="connsiteX1" fmla="*/ 0 w 3804186"/>
-              <a:gd name="connsiteY1" fmla="*/ 0 h 4823342"/>
-              <a:gd name="connsiteX2" fmla="*/ 3804186 w 3804186"/>
-              <a:gd name="connsiteY2" fmla="*/ 3604142 h 4823342"/>
-              <a:gd name="connsiteX3" fmla="*/ 3804186 w 3804186"/>
-              <a:gd name="connsiteY3" fmla="*/ 4823342 h 4823342"/>
-              <a:gd name="connsiteX4" fmla="*/ 1975386 w 3804186"/>
-              <a:gd name="connsiteY4" fmla="*/ 4823342 h 4823342"/>
-              <a:gd name="connsiteX5" fmla="*/ 1975386 w 3804186"/>
-              <a:gd name="connsiteY5" fmla="*/ 3604142 h 4823342"/>
-              <a:gd name="connsiteX0" fmla="*/ 0 w 1828800"/>
-              <a:gd name="connsiteY0" fmla="*/ 0 h 1219200"/>
-              <a:gd name="connsiteX1" fmla="*/ 1828800 w 1828800"/>
-              <a:gd name="connsiteY1" fmla="*/ 0 h 1219200"/>
-              <a:gd name="connsiteX2" fmla="*/ 1828800 w 1828800"/>
-              <a:gd name="connsiteY2" fmla="*/ 1219200 h 1219200"/>
-              <a:gd name="connsiteX3" fmla="*/ 0 w 1828800"/>
-              <a:gd name="connsiteY3" fmla="*/ 1219200 h 1219200"/>
-              <a:gd name="connsiteX4" fmla="*/ 0 w 1828800"/>
-              <a:gd name="connsiteY4" fmla="*/ 0 h 1219200"/>
-              <a:gd name="connsiteX0" fmla="*/ 0 w 1975385"/>
-              <a:gd name="connsiteY0" fmla="*/ 896045 h 1219200"/>
-              <a:gd name="connsiteX1" fmla="*/ 1975385 w 1975385"/>
-              <a:gd name="connsiteY1" fmla="*/ 0 h 1219200"/>
-              <a:gd name="connsiteX2" fmla="*/ 1975385 w 1975385"/>
-              <a:gd name="connsiteY2" fmla="*/ 1219200 h 1219200"/>
-              <a:gd name="connsiteX3" fmla="*/ 146585 w 1975385"/>
-              <a:gd name="connsiteY3" fmla="*/ 1219200 h 1219200"/>
-              <a:gd name="connsiteX4" fmla="*/ 146585 w 1975385"/>
-              <a:gd name="connsiteY4" fmla="*/ 0 h 1219200"/>
-              <a:gd name="connsiteX0" fmla="*/ 0 w 1975385"/>
-              <a:gd name="connsiteY0" fmla="*/ 1375987 h 1699142"/>
-              <a:gd name="connsiteX1" fmla="*/ 1204646 w 1975385"/>
-              <a:gd name="connsiteY1" fmla="*/ 0 h 1699142"/>
-              <a:gd name="connsiteX2" fmla="*/ 1975385 w 1975385"/>
-              <a:gd name="connsiteY2" fmla="*/ 1699142 h 1699142"/>
-              <a:gd name="connsiteX3" fmla="*/ 146585 w 1975385"/>
-              <a:gd name="connsiteY3" fmla="*/ 1699142 h 1699142"/>
-              <a:gd name="connsiteX4" fmla="*/ 146585 w 1975385"/>
-              <a:gd name="connsiteY4" fmla="*/ 479942 h 1699142"/>
-              <a:gd name="connsiteX0" fmla="*/ 0 w 2121971"/>
-              <a:gd name="connsiteY0" fmla="*/ 1375987 h 1699142"/>
-              <a:gd name="connsiteX1" fmla="*/ 1204646 w 2121971"/>
-              <a:gd name="connsiteY1" fmla="*/ 0 h 1699142"/>
-              <a:gd name="connsiteX2" fmla="*/ 2121971 w 2121971"/>
-              <a:gd name="connsiteY2" fmla="*/ 803097 h 1699142"/>
-              <a:gd name="connsiteX3" fmla="*/ 146585 w 2121971"/>
-              <a:gd name="connsiteY3" fmla="*/ 1699142 h 1699142"/>
-              <a:gd name="connsiteX4" fmla="*/ 146585 w 2121971"/>
-              <a:gd name="connsiteY4" fmla="*/ 479942 h 1699142"/>
-              <a:gd name="connsiteX0" fmla="*/ 0 w 2121971"/>
-              <a:gd name="connsiteY0" fmla="*/ 1375987 h 2179084"/>
-              <a:gd name="connsiteX1" fmla="*/ 1204646 w 2121971"/>
-              <a:gd name="connsiteY1" fmla="*/ 0 h 2179084"/>
-              <a:gd name="connsiteX2" fmla="*/ 2121971 w 2121971"/>
-              <a:gd name="connsiteY2" fmla="*/ 803097 h 2179084"/>
-              <a:gd name="connsiteX3" fmla="*/ 917326 w 2121971"/>
-              <a:gd name="connsiteY3" fmla="*/ 2179084 h 2179084"/>
-              <a:gd name="connsiteX4" fmla="*/ 146585 w 2121971"/>
-              <a:gd name="connsiteY4" fmla="*/ 479942 h 2179084"/>
-              <a:gd name="connsiteX0" fmla="*/ 0 w 2121971"/>
-              <a:gd name="connsiteY0" fmla="*/ 1375987 h 2179084"/>
-              <a:gd name="connsiteX1" fmla="*/ 1204646 w 2121971"/>
-              <a:gd name="connsiteY1" fmla="*/ 0 h 2179084"/>
-              <a:gd name="connsiteX2" fmla="*/ 2121971 w 2121971"/>
-              <a:gd name="connsiteY2" fmla="*/ 803097 h 2179084"/>
-              <a:gd name="connsiteX3" fmla="*/ 917326 w 2121971"/>
-              <a:gd name="connsiteY3" fmla="*/ 2179084 h 2179084"/>
-              <a:gd name="connsiteX4" fmla="*/ 1 w 2121971"/>
-              <a:gd name="connsiteY4" fmla="*/ 1375987 h 2179084"/>
-            </a:gdLst>
-            <a:ahLst/>
-            <a:cxnLst>
-              <a:cxn ang="0">
-                <a:pos x="connsiteX0" y="connsiteY0"/>
-              </a:cxn>
-              <a:cxn ang="0">
-                <a:pos x="connsiteX1" y="connsiteY1"/>
-              </a:cxn>
-              <a:cxn ang="0">
-                <a:pos x="connsiteX2" y="connsiteY2"/>
-              </a:cxn>
-              <a:cxn ang="0">
-                <a:pos x="connsiteX3" y="connsiteY3"/>
-              </a:cxn>
-              <a:cxn ang="0">
-                <a:pos x="connsiteX4" y="connsiteY4"/>
-              </a:cxn>
-            </a:cxnLst>
-            <a:rect l="l" t="t" r="r" b="b"/>
-            <a:pathLst>
-              <a:path w="2121971" h="2179084">
-                <a:moveTo>
-                  <a:pt x="0" y="1375987"/>
-                </a:moveTo>
-                <a:lnTo>
-                  <a:pt x="1204646" y="0"/>
-                </a:lnTo>
-                <a:lnTo>
-                  <a:pt x="2121971" y="803097"/>
-                </a:lnTo>
-                <a:lnTo>
-                  <a:pt x="917326" y="2179084"/>
-                </a:lnTo>
-                <a:lnTo>
-                  <a:pt x="1" y="1375987"/>
-                </a:lnTo>
-                <a:close/>
-              </a:path>
-            </a:pathLst>
-          </a:custGeom>
+          </a:prstGeom>
         </p:spPr>
         <p:style>
           <a:lnRef idx="2">
@@ -11547,7 +10107,7 @@
     </p:spTree>
     <p:extLst>
       <p:ext uri="{BB962C8B-B14F-4D97-AF65-F5344CB8AC3E}">
-        <p14:creationId xmlns:p14="http://schemas.microsoft.com/office/powerpoint/2010/main" val="2248100669"/>
+        <p14:creationId xmlns:p14="http://schemas.microsoft.com/office/powerpoint/2010/main" val="2650136484"/>
       </p:ext>
     </p:extLst>
   </p:cSld>
@@ -11661,250 +10221,13 @@
           <p:nvPr/>
         </p:nvSpPr>
         <p:spPr>
-          <a:xfrm>
-            <a:off x="6250768" y="3124200"/>
-            <a:ext cx="2216907" cy="3234934"/>
-          </a:xfrm>
-          <a:custGeom>
+          <a:xfrm rot="18000000">
+            <a:off x="5586387" y="4141592"/>
+            <a:ext cx="3581400" cy="1066800"/>
+          </a:xfrm>
+          <a:prstGeom prst="rightArrow">
             <a:avLst/>
-            <a:gdLst>
-              <a:gd name="connsiteX0" fmla="*/ 0 w 3581400"/>
-              <a:gd name="connsiteY0" fmla="*/ 266700 h 1066800"/>
-              <a:gd name="connsiteX1" fmla="*/ 3048000 w 3581400"/>
-              <a:gd name="connsiteY1" fmla="*/ 266700 h 1066800"/>
-              <a:gd name="connsiteX2" fmla="*/ 3048000 w 3581400"/>
-              <a:gd name="connsiteY2" fmla="*/ 0 h 1066800"/>
-              <a:gd name="connsiteX3" fmla="*/ 3581400 w 3581400"/>
-              <a:gd name="connsiteY3" fmla="*/ 533400 h 1066800"/>
-              <a:gd name="connsiteX4" fmla="*/ 3048000 w 3581400"/>
-              <a:gd name="connsiteY4" fmla="*/ 1066800 h 1066800"/>
-              <a:gd name="connsiteX5" fmla="*/ 3048000 w 3581400"/>
-              <a:gd name="connsiteY5" fmla="*/ 800100 h 1066800"/>
-              <a:gd name="connsiteX6" fmla="*/ 0 w 3581400"/>
-              <a:gd name="connsiteY6" fmla="*/ 800100 h 1066800"/>
-              <a:gd name="connsiteX7" fmla="*/ 0 w 3581400"/>
-              <a:gd name="connsiteY7" fmla="*/ 266700 h 1066800"/>
-              <a:gd name="connsiteX0" fmla="*/ 5586387 w 9167787"/>
-              <a:gd name="connsiteY0" fmla="*/ 3760592 h 4560692"/>
-              <a:gd name="connsiteX1" fmla="*/ 0 w 9167787"/>
-              <a:gd name="connsiteY1" fmla="*/ 0 h 4560692"/>
-              <a:gd name="connsiteX2" fmla="*/ 8634387 w 9167787"/>
-              <a:gd name="connsiteY2" fmla="*/ 3760592 h 4560692"/>
-              <a:gd name="connsiteX3" fmla="*/ 8634387 w 9167787"/>
-              <a:gd name="connsiteY3" fmla="*/ 3493892 h 4560692"/>
-              <a:gd name="connsiteX4" fmla="*/ 9167787 w 9167787"/>
-              <a:gd name="connsiteY4" fmla="*/ 4027292 h 4560692"/>
-              <a:gd name="connsiteX5" fmla="*/ 8634387 w 9167787"/>
-              <a:gd name="connsiteY5" fmla="*/ 4560692 h 4560692"/>
-              <a:gd name="connsiteX6" fmla="*/ 8634387 w 9167787"/>
-              <a:gd name="connsiteY6" fmla="*/ 4293992 h 4560692"/>
-              <a:gd name="connsiteX7" fmla="*/ 5586387 w 9167787"/>
-              <a:gd name="connsiteY7" fmla="*/ 4293992 h 4560692"/>
-              <a:gd name="connsiteX8" fmla="*/ 5586387 w 9167787"/>
-              <a:gd name="connsiteY8" fmla="*/ 3760592 h 4560692"/>
-              <a:gd name="connsiteX0" fmla="*/ 0 w 3581400"/>
-              <a:gd name="connsiteY0" fmla="*/ 266700 h 1066800"/>
-              <a:gd name="connsiteX1" fmla="*/ 3048000 w 3581400"/>
-              <a:gd name="connsiteY1" fmla="*/ 266700 h 1066800"/>
-              <a:gd name="connsiteX2" fmla="*/ 3048000 w 3581400"/>
-              <a:gd name="connsiteY2" fmla="*/ 0 h 1066800"/>
-              <a:gd name="connsiteX3" fmla="*/ 3581400 w 3581400"/>
-              <a:gd name="connsiteY3" fmla="*/ 533400 h 1066800"/>
-              <a:gd name="connsiteX4" fmla="*/ 3048000 w 3581400"/>
-              <a:gd name="connsiteY4" fmla="*/ 1066800 h 1066800"/>
-              <a:gd name="connsiteX5" fmla="*/ 3048000 w 3581400"/>
-              <a:gd name="connsiteY5" fmla="*/ 800100 h 1066800"/>
-              <a:gd name="connsiteX6" fmla="*/ 0 w 3581400"/>
-              <a:gd name="connsiteY6" fmla="*/ 800100 h 1066800"/>
-              <a:gd name="connsiteX7" fmla="*/ 0 w 3581400"/>
-              <a:gd name="connsiteY7" fmla="*/ 266700 h 1066800"/>
-              <a:gd name="connsiteX0" fmla="*/ 664381 w 3581400"/>
-              <a:gd name="connsiteY0" fmla="*/ 1950842 h 1950842"/>
-              <a:gd name="connsiteX1" fmla="*/ 3048000 w 3581400"/>
-              <a:gd name="connsiteY1" fmla="*/ 266700 h 1950842"/>
-              <a:gd name="connsiteX2" fmla="*/ 3048000 w 3581400"/>
-              <a:gd name="connsiteY2" fmla="*/ 0 h 1950842"/>
-              <a:gd name="connsiteX3" fmla="*/ 3581400 w 3581400"/>
-              <a:gd name="connsiteY3" fmla="*/ 533400 h 1950842"/>
-              <a:gd name="connsiteX4" fmla="*/ 3048000 w 3581400"/>
-              <a:gd name="connsiteY4" fmla="*/ 1066800 h 1950842"/>
-              <a:gd name="connsiteX5" fmla="*/ 3048000 w 3581400"/>
-              <a:gd name="connsiteY5" fmla="*/ 800100 h 1950842"/>
-              <a:gd name="connsiteX6" fmla="*/ 0 w 3581400"/>
-              <a:gd name="connsiteY6" fmla="*/ 800100 h 1950842"/>
-              <a:gd name="connsiteX7" fmla="*/ 0 w 3581400"/>
-              <a:gd name="connsiteY7" fmla="*/ 266700 h 1950842"/>
-              <a:gd name="connsiteX0" fmla="*/ 664381 w 3581400"/>
-              <a:gd name="connsiteY0" fmla="*/ 2639646 h 2639646"/>
-              <a:gd name="connsiteX1" fmla="*/ 2188381 w 3581400"/>
-              <a:gd name="connsiteY1" fmla="*/ 0 h 2639646"/>
-              <a:gd name="connsiteX2" fmla="*/ 3048000 w 3581400"/>
-              <a:gd name="connsiteY2" fmla="*/ 688804 h 2639646"/>
-              <a:gd name="connsiteX3" fmla="*/ 3581400 w 3581400"/>
-              <a:gd name="connsiteY3" fmla="*/ 1222204 h 2639646"/>
-              <a:gd name="connsiteX4" fmla="*/ 3048000 w 3581400"/>
-              <a:gd name="connsiteY4" fmla="*/ 1755604 h 2639646"/>
-              <a:gd name="connsiteX5" fmla="*/ 3048000 w 3581400"/>
-              <a:gd name="connsiteY5" fmla="*/ 1488904 h 2639646"/>
-              <a:gd name="connsiteX6" fmla="*/ 0 w 3581400"/>
-              <a:gd name="connsiteY6" fmla="*/ 1488904 h 2639646"/>
-              <a:gd name="connsiteX7" fmla="*/ 0 w 3581400"/>
-              <a:gd name="connsiteY7" fmla="*/ 955504 h 2639646"/>
-              <a:gd name="connsiteX0" fmla="*/ 664381 w 3581400"/>
-              <a:gd name="connsiteY0" fmla="*/ 2772996 h 2772996"/>
-              <a:gd name="connsiteX1" fmla="*/ 2188381 w 3581400"/>
-              <a:gd name="connsiteY1" fmla="*/ 133350 h 2772996"/>
-              <a:gd name="connsiteX2" fmla="*/ 1957412 w 3581400"/>
-              <a:gd name="connsiteY2" fmla="*/ 0 h 2772996"/>
-              <a:gd name="connsiteX3" fmla="*/ 3581400 w 3581400"/>
-              <a:gd name="connsiteY3" fmla="*/ 1355554 h 2772996"/>
-              <a:gd name="connsiteX4" fmla="*/ 3048000 w 3581400"/>
-              <a:gd name="connsiteY4" fmla="*/ 1888954 h 2772996"/>
-              <a:gd name="connsiteX5" fmla="*/ 3048000 w 3581400"/>
-              <a:gd name="connsiteY5" fmla="*/ 1622254 h 2772996"/>
-              <a:gd name="connsiteX6" fmla="*/ 0 w 3581400"/>
-              <a:gd name="connsiteY6" fmla="*/ 1622254 h 2772996"/>
-              <a:gd name="connsiteX7" fmla="*/ 0 w 3581400"/>
-              <a:gd name="connsiteY7" fmla="*/ 1088854 h 2772996"/>
-              <a:gd name="connsiteX0" fmla="*/ 664381 w 3048000"/>
-              <a:gd name="connsiteY0" fmla="*/ 2968234 h 2968234"/>
-              <a:gd name="connsiteX1" fmla="*/ 2188381 w 3048000"/>
-              <a:gd name="connsiteY1" fmla="*/ 328588 h 2968234"/>
-              <a:gd name="connsiteX2" fmla="*/ 1957412 w 3048000"/>
-              <a:gd name="connsiteY2" fmla="*/ 195238 h 2968234"/>
-              <a:gd name="connsiteX3" fmla="*/ 2686050 w 3048000"/>
-              <a:gd name="connsiteY3" fmla="*/ 0 h 2968234"/>
-              <a:gd name="connsiteX4" fmla="*/ 3048000 w 3048000"/>
-              <a:gd name="connsiteY4" fmla="*/ 2084192 h 2968234"/>
-              <a:gd name="connsiteX5" fmla="*/ 3048000 w 3048000"/>
-              <a:gd name="connsiteY5" fmla="*/ 1817492 h 2968234"/>
-              <a:gd name="connsiteX6" fmla="*/ 0 w 3048000"/>
-              <a:gd name="connsiteY6" fmla="*/ 1817492 h 2968234"/>
-              <a:gd name="connsiteX7" fmla="*/ 0 w 3048000"/>
-              <a:gd name="connsiteY7" fmla="*/ 1284092 h 2968234"/>
-              <a:gd name="connsiteX0" fmla="*/ 664381 w 3048000"/>
-              <a:gd name="connsiteY0" fmla="*/ 2968234 h 2968234"/>
-              <a:gd name="connsiteX1" fmla="*/ 2188381 w 3048000"/>
-              <a:gd name="connsiteY1" fmla="*/ 328588 h 2968234"/>
-              <a:gd name="connsiteX2" fmla="*/ 1957412 w 3048000"/>
-              <a:gd name="connsiteY2" fmla="*/ 195238 h 2968234"/>
-              <a:gd name="connsiteX3" fmla="*/ 2686050 w 3048000"/>
-              <a:gd name="connsiteY3" fmla="*/ 0 h 2968234"/>
-              <a:gd name="connsiteX4" fmla="*/ 2881288 w 3048000"/>
-              <a:gd name="connsiteY4" fmla="*/ 728638 h 2968234"/>
-              <a:gd name="connsiteX5" fmla="*/ 3048000 w 3048000"/>
-              <a:gd name="connsiteY5" fmla="*/ 1817492 h 2968234"/>
-              <a:gd name="connsiteX6" fmla="*/ 0 w 3048000"/>
-              <a:gd name="connsiteY6" fmla="*/ 1817492 h 2968234"/>
-              <a:gd name="connsiteX7" fmla="*/ 0 w 3048000"/>
-              <a:gd name="connsiteY7" fmla="*/ 1284092 h 2968234"/>
-              <a:gd name="connsiteX0" fmla="*/ 664381 w 2881288"/>
-              <a:gd name="connsiteY0" fmla="*/ 2968234 h 2968234"/>
-              <a:gd name="connsiteX1" fmla="*/ 2188381 w 2881288"/>
-              <a:gd name="connsiteY1" fmla="*/ 328588 h 2968234"/>
-              <a:gd name="connsiteX2" fmla="*/ 1957412 w 2881288"/>
-              <a:gd name="connsiteY2" fmla="*/ 195238 h 2968234"/>
-              <a:gd name="connsiteX3" fmla="*/ 2686050 w 2881288"/>
-              <a:gd name="connsiteY3" fmla="*/ 0 h 2968234"/>
-              <a:gd name="connsiteX4" fmla="*/ 2881288 w 2881288"/>
-              <a:gd name="connsiteY4" fmla="*/ 728638 h 2968234"/>
-              <a:gd name="connsiteX5" fmla="*/ 2650319 w 2881288"/>
-              <a:gd name="connsiteY5" fmla="*/ 595288 h 2968234"/>
-              <a:gd name="connsiteX6" fmla="*/ 0 w 2881288"/>
-              <a:gd name="connsiteY6" fmla="*/ 1817492 h 2968234"/>
-              <a:gd name="connsiteX7" fmla="*/ 0 w 2881288"/>
-              <a:gd name="connsiteY7" fmla="*/ 1284092 h 2968234"/>
-              <a:gd name="connsiteX0" fmla="*/ 664381 w 2881288"/>
-              <a:gd name="connsiteY0" fmla="*/ 2968234 h 3234934"/>
-              <a:gd name="connsiteX1" fmla="*/ 2188381 w 2881288"/>
-              <a:gd name="connsiteY1" fmla="*/ 328588 h 3234934"/>
-              <a:gd name="connsiteX2" fmla="*/ 1957412 w 2881288"/>
-              <a:gd name="connsiteY2" fmla="*/ 195238 h 3234934"/>
-              <a:gd name="connsiteX3" fmla="*/ 2686050 w 2881288"/>
-              <a:gd name="connsiteY3" fmla="*/ 0 h 3234934"/>
-              <a:gd name="connsiteX4" fmla="*/ 2881288 w 2881288"/>
-              <a:gd name="connsiteY4" fmla="*/ 728638 h 3234934"/>
-              <a:gd name="connsiteX5" fmla="*/ 2650319 w 2881288"/>
-              <a:gd name="connsiteY5" fmla="*/ 595288 h 3234934"/>
-              <a:gd name="connsiteX6" fmla="*/ 1126319 w 2881288"/>
-              <a:gd name="connsiteY6" fmla="*/ 3234934 h 3234934"/>
-              <a:gd name="connsiteX7" fmla="*/ 0 w 2881288"/>
-              <a:gd name="connsiteY7" fmla="*/ 1284092 h 3234934"/>
-              <a:gd name="connsiteX0" fmla="*/ 0 w 2216907"/>
-              <a:gd name="connsiteY0" fmla="*/ 2968234 h 3234934"/>
-              <a:gd name="connsiteX1" fmla="*/ 1524000 w 2216907"/>
-              <a:gd name="connsiteY1" fmla="*/ 328588 h 3234934"/>
-              <a:gd name="connsiteX2" fmla="*/ 1293031 w 2216907"/>
-              <a:gd name="connsiteY2" fmla="*/ 195238 h 3234934"/>
-              <a:gd name="connsiteX3" fmla="*/ 2021669 w 2216907"/>
-              <a:gd name="connsiteY3" fmla="*/ 0 h 3234934"/>
-              <a:gd name="connsiteX4" fmla="*/ 2216907 w 2216907"/>
-              <a:gd name="connsiteY4" fmla="*/ 728638 h 3234934"/>
-              <a:gd name="connsiteX5" fmla="*/ 1985938 w 2216907"/>
-              <a:gd name="connsiteY5" fmla="*/ 595288 h 3234934"/>
-              <a:gd name="connsiteX6" fmla="*/ 461938 w 2216907"/>
-              <a:gd name="connsiteY6" fmla="*/ 3234934 h 3234934"/>
-              <a:gd name="connsiteX7" fmla="*/ 0 w 2216907"/>
-              <a:gd name="connsiteY7" fmla="*/ 2968234 h 3234934"/>
-            </a:gdLst>
-            <a:ahLst/>
-            <a:cxnLst>
-              <a:cxn ang="0">
-                <a:pos x="connsiteX0" y="connsiteY0"/>
-              </a:cxn>
-              <a:cxn ang="0">
-                <a:pos x="connsiteX1" y="connsiteY1"/>
-              </a:cxn>
-              <a:cxn ang="0">
-                <a:pos x="connsiteX2" y="connsiteY2"/>
-              </a:cxn>
-              <a:cxn ang="0">
-                <a:pos x="connsiteX3" y="connsiteY3"/>
-              </a:cxn>
-              <a:cxn ang="0">
-                <a:pos x="connsiteX4" y="connsiteY4"/>
-              </a:cxn>
-              <a:cxn ang="0">
-                <a:pos x="connsiteX5" y="connsiteY5"/>
-              </a:cxn>
-              <a:cxn ang="0">
-                <a:pos x="connsiteX6" y="connsiteY6"/>
-              </a:cxn>
-              <a:cxn ang="0">
-                <a:pos x="connsiteX7" y="connsiteY7"/>
-              </a:cxn>
-            </a:cxnLst>
-            <a:rect l="l" t="t" r="r" b="b"/>
-            <a:pathLst>
-              <a:path w="2216907" h="3234934">
-                <a:moveTo>
-                  <a:pt x="0" y="2968234"/>
-                </a:moveTo>
-                <a:lnTo>
-                  <a:pt x="1524000" y="328588"/>
-                </a:lnTo>
-                <a:lnTo>
-                  <a:pt x="1293031" y="195238"/>
-                </a:lnTo>
-                <a:lnTo>
-                  <a:pt x="2021669" y="0"/>
-                </a:lnTo>
-                <a:lnTo>
-                  <a:pt x="2216907" y="728638"/>
-                </a:lnTo>
-                <a:lnTo>
-                  <a:pt x="1985938" y="595288"/>
-                </a:lnTo>
-                <a:lnTo>
-                  <a:pt x="461938" y="3234934"/>
-                </a:lnTo>
-                <a:lnTo>
-                  <a:pt x="0" y="2968234"/>
-                </a:lnTo>
-                <a:close/>
-              </a:path>
-            </a:pathLst>
-          </a:custGeom>
+          </a:prstGeom>
         </p:spPr>
         <p:style>
           <a:lnRef idx="2">
@@ -11938,136 +10261,13 @@
           <p:nvPr/>
         </p:nvSpPr>
         <p:spPr>
-          <a:xfrm>
-            <a:off x="1828800" y="3124200"/>
-            <a:ext cx="2121971" cy="2179084"/>
-          </a:xfrm>
-          <a:custGeom>
+          <a:xfrm rot="18672083">
+            <a:off x="1975386" y="3604142"/>
+            <a:ext cx="1828800" cy="1219200"/>
+          </a:xfrm>
+          <a:prstGeom prst="rect">
             <a:avLst/>
-            <a:gdLst>
-              <a:gd name="connsiteX0" fmla="*/ 0 w 1828800"/>
-              <a:gd name="connsiteY0" fmla="*/ 0 h 1219200"/>
-              <a:gd name="connsiteX1" fmla="*/ 1828800 w 1828800"/>
-              <a:gd name="connsiteY1" fmla="*/ 0 h 1219200"/>
-              <a:gd name="connsiteX2" fmla="*/ 1828800 w 1828800"/>
-              <a:gd name="connsiteY2" fmla="*/ 1219200 h 1219200"/>
-              <a:gd name="connsiteX3" fmla="*/ 0 w 1828800"/>
-              <a:gd name="connsiteY3" fmla="*/ 1219200 h 1219200"/>
-              <a:gd name="connsiteX4" fmla="*/ 0 w 1828800"/>
-              <a:gd name="connsiteY4" fmla="*/ 0 h 1219200"/>
-              <a:gd name="connsiteX0" fmla="*/ 1975386 w 3804186"/>
-              <a:gd name="connsiteY0" fmla="*/ 3604142 h 4823342"/>
-              <a:gd name="connsiteX1" fmla="*/ 0 w 3804186"/>
-              <a:gd name="connsiteY1" fmla="*/ 0 h 4823342"/>
-              <a:gd name="connsiteX2" fmla="*/ 3804186 w 3804186"/>
-              <a:gd name="connsiteY2" fmla="*/ 3604142 h 4823342"/>
-              <a:gd name="connsiteX3" fmla="*/ 3804186 w 3804186"/>
-              <a:gd name="connsiteY3" fmla="*/ 4823342 h 4823342"/>
-              <a:gd name="connsiteX4" fmla="*/ 1975386 w 3804186"/>
-              <a:gd name="connsiteY4" fmla="*/ 4823342 h 4823342"/>
-              <a:gd name="connsiteX5" fmla="*/ 1975386 w 3804186"/>
-              <a:gd name="connsiteY5" fmla="*/ 3604142 h 4823342"/>
-              <a:gd name="connsiteX0" fmla="*/ 0 w 1828800"/>
-              <a:gd name="connsiteY0" fmla="*/ 0 h 1219200"/>
-              <a:gd name="connsiteX1" fmla="*/ 1828800 w 1828800"/>
-              <a:gd name="connsiteY1" fmla="*/ 0 h 1219200"/>
-              <a:gd name="connsiteX2" fmla="*/ 1828800 w 1828800"/>
-              <a:gd name="connsiteY2" fmla="*/ 1219200 h 1219200"/>
-              <a:gd name="connsiteX3" fmla="*/ 0 w 1828800"/>
-              <a:gd name="connsiteY3" fmla="*/ 1219200 h 1219200"/>
-              <a:gd name="connsiteX4" fmla="*/ 0 w 1828800"/>
-              <a:gd name="connsiteY4" fmla="*/ 0 h 1219200"/>
-              <a:gd name="connsiteX0" fmla="*/ 0 w 1975385"/>
-              <a:gd name="connsiteY0" fmla="*/ 896045 h 1219200"/>
-              <a:gd name="connsiteX1" fmla="*/ 1975385 w 1975385"/>
-              <a:gd name="connsiteY1" fmla="*/ 0 h 1219200"/>
-              <a:gd name="connsiteX2" fmla="*/ 1975385 w 1975385"/>
-              <a:gd name="connsiteY2" fmla="*/ 1219200 h 1219200"/>
-              <a:gd name="connsiteX3" fmla="*/ 146585 w 1975385"/>
-              <a:gd name="connsiteY3" fmla="*/ 1219200 h 1219200"/>
-              <a:gd name="connsiteX4" fmla="*/ 146585 w 1975385"/>
-              <a:gd name="connsiteY4" fmla="*/ 0 h 1219200"/>
-              <a:gd name="connsiteX0" fmla="*/ 0 w 1975385"/>
-              <a:gd name="connsiteY0" fmla="*/ 1375987 h 1699142"/>
-              <a:gd name="connsiteX1" fmla="*/ 1204646 w 1975385"/>
-              <a:gd name="connsiteY1" fmla="*/ 0 h 1699142"/>
-              <a:gd name="connsiteX2" fmla="*/ 1975385 w 1975385"/>
-              <a:gd name="connsiteY2" fmla="*/ 1699142 h 1699142"/>
-              <a:gd name="connsiteX3" fmla="*/ 146585 w 1975385"/>
-              <a:gd name="connsiteY3" fmla="*/ 1699142 h 1699142"/>
-              <a:gd name="connsiteX4" fmla="*/ 146585 w 1975385"/>
-              <a:gd name="connsiteY4" fmla="*/ 479942 h 1699142"/>
-              <a:gd name="connsiteX0" fmla="*/ 0 w 2121971"/>
-              <a:gd name="connsiteY0" fmla="*/ 1375987 h 1699142"/>
-              <a:gd name="connsiteX1" fmla="*/ 1204646 w 2121971"/>
-              <a:gd name="connsiteY1" fmla="*/ 0 h 1699142"/>
-              <a:gd name="connsiteX2" fmla="*/ 2121971 w 2121971"/>
-              <a:gd name="connsiteY2" fmla="*/ 803097 h 1699142"/>
-              <a:gd name="connsiteX3" fmla="*/ 146585 w 2121971"/>
-              <a:gd name="connsiteY3" fmla="*/ 1699142 h 1699142"/>
-              <a:gd name="connsiteX4" fmla="*/ 146585 w 2121971"/>
-              <a:gd name="connsiteY4" fmla="*/ 479942 h 1699142"/>
-              <a:gd name="connsiteX0" fmla="*/ 0 w 2121971"/>
-              <a:gd name="connsiteY0" fmla="*/ 1375987 h 2179084"/>
-              <a:gd name="connsiteX1" fmla="*/ 1204646 w 2121971"/>
-              <a:gd name="connsiteY1" fmla="*/ 0 h 2179084"/>
-              <a:gd name="connsiteX2" fmla="*/ 2121971 w 2121971"/>
-              <a:gd name="connsiteY2" fmla="*/ 803097 h 2179084"/>
-              <a:gd name="connsiteX3" fmla="*/ 917326 w 2121971"/>
-              <a:gd name="connsiteY3" fmla="*/ 2179084 h 2179084"/>
-              <a:gd name="connsiteX4" fmla="*/ 146585 w 2121971"/>
-              <a:gd name="connsiteY4" fmla="*/ 479942 h 2179084"/>
-              <a:gd name="connsiteX0" fmla="*/ 0 w 2121971"/>
-              <a:gd name="connsiteY0" fmla="*/ 1375987 h 2179084"/>
-              <a:gd name="connsiteX1" fmla="*/ 1204646 w 2121971"/>
-              <a:gd name="connsiteY1" fmla="*/ 0 h 2179084"/>
-              <a:gd name="connsiteX2" fmla="*/ 2121971 w 2121971"/>
-              <a:gd name="connsiteY2" fmla="*/ 803097 h 2179084"/>
-              <a:gd name="connsiteX3" fmla="*/ 917326 w 2121971"/>
-              <a:gd name="connsiteY3" fmla="*/ 2179084 h 2179084"/>
-              <a:gd name="connsiteX4" fmla="*/ 1 w 2121971"/>
-              <a:gd name="connsiteY4" fmla="*/ 1375987 h 2179084"/>
-            </a:gdLst>
-            <a:ahLst/>
-            <a:cxnLst>
-              <a:cxn ang="0">
-                <a:pos x="connsiteX0" y="connsiteY0"/>
-              </a:cxn>
-              <a:cxn ang="0">
-                <a:pos x="connsiteX1" y="connsiteY1"/>
-              </a:cxn>
-              <a:cxn ang="0">
-                <a:pos x="connsiteX2" y="connsiteY2"/>
-              </a:cxn>
-              <a:cxn ang="0">
-                <a:pos x="connsiteX3" y="connsiteY3"/>
-              </a:cxn>
-              <a:cxn ang="0">
-                <a:pos x="connsiteX4" y="connsiteY4"/>
-              </a:cxn>
-            </a:cxnLst>
-            <a:rect l="l" t="t" r="r" b="b"/>
-            <a:pathLst>
-              <a:path w="2121971" h="2179084">
-                <a:moveTo>
-                  <a:pt x="0" y="1375987"/>
-                </a:moveTo>
-                <a:lnTo>
-                  <a:pt x="1204646" y="0"/>
-                </a:lnTo>
-                <a:lnTo>
-                  <a:pt x="2121971" y="803097"/>
-                </a:lnTo>
-                <a:lnTo>
-                  <a:pt x="917326" y="2179084"/>
-                </a:lnTo>
-                <a:lnTo>
-                  <a:pt x="1" y="1375987"/>
-                </a:lnTo>
-                <a:close/>
-              </a:path>
-            </a:pathLst>
-          </a:custGeom>
+          </a:prstGeom>
         </p:spPr>
         <p:style>
           <a:lnRef idx="2">
@@ -12097,7 +10297,7 @@
     </p:spTree>
     <p:extLst>
       <p:ext uri="{BB962C8B-B14F-4D97-AF65-F5344CB8AC3E}">
-        <p14:creationId xmlns:p14="http://schemas.microsoft.com/office/powerpoint/2010/main" val="1247409801"/>
+        <p14:creationId xmlns:p14="http://schemas.microsoft.com/office/powerpoint/2010/main" val="1722985299"/>
       </p:ext>
     </p:extLst>
   </p:cSld>
@@ -12211,250 +10411,13 @@
           <p:nvPr/>
         </p:nvSpPr>
         <p:spPr>
-          <a:xfrm>
-            <a:off x="6250768" y="2068350"/>
-            <a:ext cx="2216907" cy="3234934"/>
-          </a:xfrm>
-          <a:custGeom>
+          <a:xfrm rot="18000000">
+            <a:off x="5586387" y="3085742"/>
+            <a:ext cx="3581400" cy="1066800"/>
+          </a:xfrm>
+          <a:prstGeom prst="rightArrow">
             <a:avLst/>
-            <a:gdLst>
-              <a:gd name="connsiteX0" fmla="*/ 0 w 3581400"/>
-              <a:gd name="connsiteY0" fmla="*/ 266700 h 1066800"/>
-              <a:gd name="connsiteX1" fmla="*/ 3048000 w 3581400"/>
-              <a:gd name="connsiteY1" fmla="*/ 266700 h 1066800"/>
-              <a:gd name="connsiteX2" fmla="*/ 3048000 w 3581400"/>
-              <a:gd name="connsiteY2" fmla="*/ 0 h 1066800"/>
-              <a:gd name="connsiteX3" fmla="*/ 3581400 w 3581400"/>
-              <a:gd name="connsiteY3" fmla="*/ 533400 h 1066800"/>
-              <a:gd name="connsiteX4" fmla="*/ 3048000 w 3581400"/>
-              <a:gd name="connsiteY4" fmla="*/ 1066800 h 1066800"/>
-              <a:gd name="connsiteX5" fmla="*/ 3048000 w 3581400"/>
-              <a:gd name="connsiteY5" fmla="*/ 800100 h 1066800"/>
-              <a:gd name="connsiteX6" fmla="*/ 0 w 3581400"/>
-              <a:gd name="connsiteY6" fmla="*/ 800100 h 1066800"/>
-              <a:gd name="connsiteX7" fmla="*/ 0 w 3581400"/>
-              <a:gd name="connsiteY7" fmla="*/ 266700 h 1066800"/>
-              <a:gd name="connsiteX0" fmla="*/ 5586387 w 9167787"/>
-              <a:gd name="connsiteY0" fmla="*/ 3760592 h 4560692"/>
-              <a:gd name="connsiteX1" fmla="*/ 0 w 9167787"/>
-              <a:gd name="connsiteY1" fmla="*/ 0 h 4560692"/>
-              <a:gd name="connsiteX2" fmla="*/ 8634387 w 9167787"/>
-              <a:gd name="connsiteY2" fmla="*/ 3760592 h 4560692"/>
-              <a:gd name="connsiteX3" fmla="*/ 8634387 w 9167787"/>
-              <a:gd name="connsiteY3" fmla="*/ 3493892 h 4560692"/>
-              <a:gd name="connsiteX4" fmla="*/ 9167787 w 9167787"/>
-              <a:gd name="connsiteY4" fmla="*/ 4027292 h 4560692"/>
-              <a:gd name="connsiteX5" fmla="*/ 8634387 w 9167787"/>
-              <a:gd name="connsiteY5" fmla="*/ 4560692 h 4560692"/>
-              <a:gd name="connsiteX6" fmla="*/ 8634387 w 9167787"/>
-              <a:gd name="connsiteY6" fmla="*/ 4293992 h 4560692"/>
-              <a:gd name="connsiteX7" fmla="*/ 5586387 w 9167787"/>
-              <a:gd name="connsiteY7" fmla="*/ 4293992 h 4560692"/>
-              <a:gd name="connsiteX8" fmla="*/ 5586387 w 9167787"/>
-              <a:gd name="connsiteY8" fmla="*/ 3760592 h 4560692"/>
-              <a:gd name="connsiteX0" fmla="*/ 0 w 3581400"/>
-              <a:gd name="connsiteY0" fmla="*/ 266700 h 1066800"/>
-              <a:gd name="connsiteX1" fmla="*/ 3048000 w 3581400"/>
-              <a:gd name="connsiteY1" fmla="*/ 266700 h 1066800"/>
-              <a:gd name="connsiteX2" fmla="*/ 3048000 w 3581400"/>
-              <a:gd name="connsiteY2" fmla="*/ 0 h 1066800"/>
-              <a:gd name="connsiteX3" fmla="*/ 3581400 w 3581400"/>
-              <a:gd name="connsiteY3" fmla="*/ 533400 h 1066800"/>
-              <a:gd name="connsiteX4" fmla="*/ 3048000 w 3581400"/>
-              <a:gd name="connsiteY4" fmla="*/ 1066800 h 1066800"/>
-              <a:gd name="connsiteX5" fmla="*/ 3048000 w 3581400"/>
-              <a:gd name="connsiteY5" fmla="*/ 800100 h 1066800"/>
-              <a:gd name="connsiteX6" fmla="*/ 0 w 3581400"/>
-              <a:gd name="connsiteY6" fmla="*/ 800100 h 1066800"/>
-              <a:gd name="connsiteX7" fmla="*/ 0 w 3581400"/>
-              <a:gd name="connsiteY7" fmla="*/ 266700 h 1066800"/>
-              <a:gd name="connsiteX0" fmla="*/ 664381 w 3581400"/>
-              <a:gd name="connsiteY0" fmla="*/ 1950842 h 1950842"/>
-              <a:gd name="connsiteX1" fmla="*/ 3048000 w 3581400"/>
-              <a:gd name="connsiteY1" fmla="*/ 266700 h 1950842"/>
-              <a:gd name="connsiteX2" fmla="*/ 3048000 w 3581400"/>
-              <a:gd name="connsiteY2" fmla="*/ 0 h 1950842"/>
-              <a:gd name="connsiteX3" fmla="*/ 3581400 w 3581400"/>
-              <a:gd name="connsiteY3" fmla="*/ 533400 h 1950842"/>
-              <a:gd name="connsiteX4" fmla="*/ 3048000 w 3581400"/>
-              <a:gd name="connsiteY4" fmla="*/ 1066800 h 1950842"/>
-              <a:gd name="connsiteX5" fmla="*/ 3048000 w 3581400"/>
-              <a:gd name="connsiteY5" fmla="*/ 800100 h 1950842"/>
-              <a:gd name="connsiteX6" fmla="*/ 0 w 3581400"/>
-              <a:gd name="connsiteY6" fmla="*/ 800100 h 1950842"/>
-              <a:gd name="connsiteX7" fmla="*/ 0 w 3581400"/>
-              <a:gd name="connsiteY7" fmla="*/ 266700 h 1950842"/>
-              <a:gd name="connsiteX0" fmla="*/ 664381 w 3581400"/>
-              <a:gd name="connsiteY0" fmla="*/ 2639646 h 2639646"/>
-              <a:gd name="connsiteX1" fmla="*/ 2188381 w 3581400"/>
-              <a:gd name="connsiteY1" fmla="*/ 0 h 2639646"/>
-              <a:gd name="connsiteX2" fmla="*/ 3048000 w 3581400"/>
-              <a:gd name="connsiteY2" fmla="*/ 688804 h 2639646"/>
-              <a:gd name="connsiteX3" fmla="*/ 3581400 w 3581400"/>
-              <a:gd name="connsiteY3" fmla="*/ 1222204 h 2639646"/>
-              <a:gd name="connsiteX4" fmla="*/ 3048000 w 3581400"/>
-              <a:gd name="connsiteY4" fmla="*/ 1755604 h 2639646"/>
-              <a:gd name="connsiteX5" fmla="*/ 3048000 w 3581400"/>
-              <a:gd name="connsiteY5" fmla="*/ 1488904 h 2639646"/>
-              <a:gd name="connsiteX6" fmla="*/ 0 w 3581400"/>
-              <a:gd name="connsiteY6" fmla="*/ 1488904 h 2639646"/>
-              <a:gd name="connsiteX7" fmla="*/ 0 w 3581400"/>
-              <a:gd name="connsiteY7" fmla="*/ 955504 h 2639646"/>
-              <a:gd name="connsiteX0" fmla="*/ 664381 w 3581400"/>
-              <a:gd name="connsiteY0" fmla="*/ 2772996 h 2772996"/>
-              <a:gd name="connsiteX1" fmla="*/ 2188381 w 3581400"/>
-              <a:gd name="connsiteY1" fmla="*/ 133350 h 2772996"/>
-              <a:gd name="connsiteX2" fmla="*/ 1957412 w 3581400"/>
-              <a:gd name="connsiteY2" fmla="*/ 0 h 2772996"/>
-              <a:gd name="connsiteX3" fmla="*/ 3581400 w 3581400"/>
-              <a:gd name="connsiteY3" fmla="*/ 1355554 h 2772996"/>
-              <a:gd name="connsiteX4" fmla="*/ 3048000 w 3581400"/>
-              <a:gd name="connsiteY4" fmla="*/ 1888954 h 2772996"/>
-              <a:gd name="connsiteX5" fmla="*/ 3048000 w 3581400"/>
-              <a:gd name="connsiteY5" fmla="*/ 1622254 h 2772996"/>
-              <a:gd name="connsiteX6" fmla="*/ 0 w 3581400"/>
-              <a:gd name="connsiteY6" fmla="*/ 1622254 h 2772996"/>
-              <a:gd name="connsiteX7" fmla="*/ 0 w 3581400"/>
-              <a:gd name="connsiteY7" fmla="*/ 1088854 h 2772996"/>
-              <a:gd name="connsiteX0" fmla="*/ 664381 w 3048000"/>
-              <a:gd name="connsiteY0" fmla="*/ 2968234 h 2968234"/>
-              <a:gd name="connsiteX1" fmla="*/ 2188381 w 3048000"/>
-              <a:gd name="connsiteY1" fmla="*/ 328588 h 2968234"/>
-              <a:gd name="connsiteX2" fmla="*/ 1957412 w 3048000"/>
-              <a:gd name="connsiteY2" fmla="*/ 195238 h 2968234"/>
-              <a:gd name="connsiteX3" fmla="*/ 2686050 w 3048000"/>
-              <a:gd name="connsiteY3" fmla="*/ 0 h 2968234"/>
-              <a:gd name="connsiteX4" fmla="*/ 3048000 w 3048000"/>
-              <a:gd name="connsiteY4" fmla="*/ 2084192 h 2968234"/>
-              <a:gd name="connsiteX5" fmla="*/ 3048000 w 3048000"/>
-              <a:gd name="connsiteY5" fmla="*/ 1817492 h 2968234"/>
-              <a:gd name="connsiteX6" fmla="*/ 0 w 3048000"/>
-              <a:gd name="connsiteY6" fmla="*/ 1817492 h 2968234"/>
-              <a:gd name="connsiteX7" fmla="*/ 0 w 3048000"/>
-              <a:gd name="connsiteY7" fmla="*/ 1284092 h 2968234"/>
-              <a:gd name="connsiteX0" fmla="*/ 664381 w 3048000"/>
-              <a:gd name="connsiteY0" fmla="*/ 2968234 h 2968234"/>
-              <a:gd name="connsiteX1" fmla="*/ 2188381 w 3048000"/>
-              <a:gd name="connsiteY1" fmla="*/ 328588 h 2968234"/>
-              <a:gd name="connsiteX2" fmla="*/ 1957412 w 3048000"/>
-              <a:gd name="connsiteY2" fmla="*/ 195238 h 2968234"/>
-              <a:gd name="connsiteX3" fmla="*/ 2686050 w 3048000"/>
-              <a:gd name="connsiteY3" fmla="*/ 0 h 2968234"/>
-              <a:gd name="connsiteX4" fmla="*/ 2881288 w 3048000"/>
-              <a:gd name="connsiteY4" fmla="*/ 728638 h 2968234"/>
-              <a:gd name="connsiteX5" fmla="*/ 3048000 w 3048000"/>
-              <a:gd name="connsiteY5" fmla="*/ 1817492 h 2968234"/>
-              <a:gd name="connsiteX6" fmla="*/ 0 w 3048000"/>
-              <a:gd name="connsiteY6" fmla="*/ 1817492 h 2968234"/>
-              <a:gd name="connsiteX7" fmla="*/ 0 w 3048000"/>
-              <a:gd name="connsiteY7" fmla="*/ 1284092 h 2968234"/>
-              <a:gd name="connsiteX0" fmla="*/ 664381 w 2881288"/>
-              <a:gd name="connsiteY0" fmla="*/ 2968234 h 2968234"/>
-              <a:gd name="connsiteX1" fmla="*/ 2188381 w 2881288"/>
-              <a:gd name="connsiteY1" fmla="*/ 328588 h 2968234"/>
-              <a:gd name="connsiteX2" fmla="*/ 1957412 w 2881288"/>
-              <a:gd name="connsiteY2" fmla="*/ 195238 h 2968234"/>
-              <a:gd name="connsiteX3" fmla="*/ 2686050 w 2881288"/>
-              <a:gd name="connsiteY3" fmla="*/ 0 h 2968234"/>
-              <a:gd name="connsiteX4" fmla="*/ 2881288 w 2881288"/>
-              <a:gd name="connsiteY4" fmla="*/ 728638 h 2968234"/>
-              <a:gd name="connsiteX5" fmla="*/ 2650319 w 2881288"/>
-              <a:gd name="connsiteY5" fmla="*/ 595288 h 2968234"/>
-              <a:gd name="connsiteX6" fmla="*/ 0 w 2881288"/>
-              <a:gd name="connsiteY6" fmla="*/ 1817492 h 2968234"/>
-              <a:gd name="connsiteX7" fmla="*/ 0 w 2881288"/>
-              <a:gd name="connsiteY7" fmla="*/ 1284092 h 2968234"/>
-              <a:gd name="connsiteX0" fmla="*/ 664381 w 2881288"/>
-              <a:gd name="connsiteY0" fmla="*/ 2968234 h 3234934"/>
-              <a:gd name="connsiteX1" fmla="*/ 2188381 w 2881288"/>
-              <a:gd name="connsiteY1" fmla="*/ 328588 h 3234934"/>
-              <a:gd name="connsiteX2" fmla="*/ 1957412 w 2881288"/>
-              <a:gd name="connsiteY2" fmla="*/ 195238 h 3234934"/>
-              <a:gd name="connsiteX3" fmla="*/ 2686050 w 2881288"/>
-              <a:gd name="connsiteY3" fmla="*/ 0 h 3234934"/>
-              <a:gd name="connsiteX4" fmla="*/ 2881288 w 2881288"/>
-              <a:gd name="connsiteY4" fmla="*/ 728638 h 3234934"/>
-              <a:gd name="connsiteX5" fmla="*/ 2650319 w 2881288"/>
-              <a:gd name="connsiteY5" fmla="*/ 595288 h 3234934"/>
-              <a:gd name="connsiteX6" fmla="*/ 1126319 w 2881288"/>
-              <a:gd name="connsiteY6" fmla="*/ 3234934 h 3234934"/>
-              <a:gd name="connsiteX7" fmla="*/ 0 w 2881288"/>
-              <a:gd name="connsiteY7" fmla="*/ 1284092 h 3234934"/>
-              <a:gd name="connsiteX0" fmla="*/ 0 w 2216907"/>
-              <a:gd name="connsiteY0" fmla="*/ 2968234 h 3234934"/>
-              <a:gd name="connsiteX1" fmla="*/ 1524000 w 2216907"/>
-              <a:gd name="connsiteY1" fmla="*/ 328588 h 3234934"/>
-              <a:gd name="connsiteX2" fmla="*/ 1293031 w 2216907"/>
-              <a:gd name="connsiteY2" fmla="*/ 195238 h 3234934"/>
-              <a:gd name="connsiteX3" fmla="*/ 2021669 w 2216907"/>
-              <a:gd name="connsiteY3" fmla="*/ 0 h 3234934"/>
-              <a:gd name="connsiteX4" fmla="*/ 2216907 w 2216907"/>
-              <a:gd name="connsiteY4" fmla="*/ 728638 h 3234934"/>
-              <a:gd name="connsiteX5" fmla="*/ 1985938 w 2216907"/>
-              <a:gd name="connsiteY5" fmla="*/ 595288 h 3234934"/>
-              <a:gd name="connsiteX6" fmla="*/ 461938 w 2216907"/>
-              <a:gd name="connsiteY6" fmla="*/ 3234934 h 3234934"/>
-              <a:gd name="connsiteX7" fmla="*/ 0 w 2216907"/>
-              <a:gd name="connsiteY7" fmla="*/ 2968234 h 3234934"/>
-            </a:gdLst>
-            <a:ahLst/>
-            <a:cxnLst>
-              <a:cxn ang="0">
-                <a:pos x="connsiteX0" y="connsiteY0"/>
-              </a:cxn>
-              <a:cxn ang="0">
-                <a:pos x="connsiteX1" y="connsiteY1"/>
-              </a:cxn>
-              <a:cxn ang="0">
-                <a:pos x="connsiteX2" y="connsiteY2"/>
-              </a:cxn>
-              <a:cxn ang="0">
-                <a:pos x="connsiteX3" y="connsiteY3"/>
-              </a:cxn>
-              <a:cxn ang="0">
-                <a:pos x="connsiteX4" y="connsiteY4"/>
-              </a:cxn>
-              <a:cxn ang="0">
-                <a:pos x="connsiteX5" y="connsiteY5"/>
-              </a:cxn>
-              <a:cxn ang="0">
-                <a:pos x="connsiteX6" y="connsiteY6"/>
-              </a:cxn>
-              <a:cxn ang="0">
-                <a:pos x="connsiteX7" y="connsiteY7"/>
-              </a:cxn>
-            </a:cxnLst>
-            <a:rect l="l" t="t" r="r" b="b"/>
-            <a:pathLst>
-              <a:path w="2216907" h="3234934">
-                <a:moveTo>
-                  <a:pt x="0" y="2968234"/>
-                </a:moveTo>
-                <a:lnTo>
-                  <a:pt x="1524000" y="328588"/>
-                </a:lnTo>
-                <a:lnTo>
-                  <a:pt x="1293031" y="195238"/>
-                </a:lnTo>
-                <a:lnTo>
-                  <a:pt x="2021669" y="0"/>
-                </a:lnTo>
-                <a:lnTo>
-                  <a:pt x="2216907" y="728638"/>
-                </a:lnTo>
-                <a:lnTo>
-                  <a:pt x="1985938" y="595288"/>
-                </a:lnTo>
-                <a:lnTo>
-                  <a:pt x="461938" y="3234934"/>
-                </a:lnTo>
-                <a:lnTo>
-                  <a:pt x="0" y="2968234"/>
-                </a:lnTo>
-                <a:close/>
-              </a:path>
-            </a:pathLst>
-          </a:custGeom>
+          </a:prstGeom>
         </p:spPr>
         <p:style>
           <a:lnRef idx="2">
@@ -12488,136 +10451,13 @@
           <p:nvPr/>
         </p:nvSpPr>
         <p:spPr>
-          <a:xfrm>
-            <a:off x="1828800" y="3124200"/>
-            <a:ext cx="2121971" cy="2179084"/>
-          </a:xfrm>
-          <a:custGeom>
+          <a:xfrm rot="18672083">
+            <a:off x="1975386" y="3604142"/>
+            <a:ext cx="1828800" cy="1219200"/>
+          </a:xfrm>
+          <a:prstGeom prst="rect">
             <a:avLst/>
-            <a:gdLst>
-              <a:gd name="connsiteX0" fmla="*/ 0 w 1828800"/>
-              <a:gd name="connsiteY0" fmla="*/ 0 h 1219200"/>
-              <a:gd name="connsiteX1" fmla="*/ 1828800 w 1828800"/>
-              <a:gd name="connsiteY1" fmla="*/ 0 h 1219200"/>
-              <a:gd name="connsiteX2" fmla="*/ 1828800 w 1828800"/>
-              <a:gd name="connsiteY2" fmla="*/ 1219200 h 1219200"/>
-              <a:gd name="connsiteX3" fmla="*/ 0 w 1828800"/>
-              <a:gd name="connsiteY3" fmla="*/ 1219200 h 1219200"/>
-              <a:gd name="connsiteX4" fmla="*/ 0 w 1828800"/>
-              <a:gd name="connsiteY4" fmla="*/ 0 h 1219200"/>
-              <a:gd name="connsiteX0" fmla="*/ 1975386 w 3804186"/>
-              <a:gd name="connsiteY0" fmla="*/ 3604142 h 4823342"/>
-              <a:gd name="connsiteX1" fmla="*/ 0 w 3804186"/>
-              <a:gd name="connsiteY1" fmla="*/ 0 h 4823342"/>
-              <a:gd name="connsiteX2" fmla="*/ 3804186 w 3804186"/>
-              <a:gd name="connsiteY2" fmla="*/ 3604142 h 4823342"/>
-              <a:gd name="connsiteX3" fmla="*/ 3804186 w 3804186"/>
-              <a:gd name="connsiteY3" fmla="*/ 4823342 h 4823342"/>
-              <a:gd name="connsiteX4" fmla="*/ 1975386 w 3804186"/>
-              <a:gd name="connsiteY4" fmla="*/ 4823342 h 4823342"/>
-              <a:gd name="connsiteX5" fmla="*/ 1975386 w 3804186"/>
-              <a:gd name="connsiteY5" fmla="*/ 3604142 h 4823342"/>
-              <a:gd name="connsiteX0" fmla="*/ 0 w 1828800"/>
-              <a:gd name="connsiteY0" fmla="*/ 0 h 1219200"/>
-              <a:gd name="connsiteX1" fmla="*/ 1828800 w 1828800"/>
-              <a:gd name="connsiteY1" fmla="*/ 0 h 1219200"/>
-              <a:gd name="connsiteX2" fmla="*/ 1828800 w 1828800"/>
-              <a:gd name="connsiteY2" fmla="*/ 1219200 h 1219200"/>
-              <a:gd name="connsiteX3" fmla="*/ 0 w 1828800"/>
-              <a:gd name="connsiteY3" fmla="*/ 1219200 h 1219200"/>
-              <a:gd name="connsiteX4" fmla="*/ 0 w 1828800"/>
-              <a:gd name="connsiteY4" fmla="*/ 0 h 1219200"/>
-              <a:gd name="connsiteX0" fmla="*/ 0 w 1975385"/>
-              <a:gd name="connsiteY0" fmla="*/ 896045 h 1219200"/>
-              <a:gd name="connsiteX1" fmla="*/ 1975385 w 1975385"/>
-              <a:gd name="connsiteY1" fmla="*/ 0 h 1219200"/>
-              <a:gd name="connsiteX2" fmla="*/ 1975385 w 1975385"/>
-              <a:gd name="connsiteY2" fmla="*/ 1219200 h 1219200"/>
-              <a:gd name="connsiteX3" fmla="*/ 146585 w 1975385"/>
-              <a:gd name="connsiteY3" fmla="*/ 1219200 h 1219200"/>
-              <a:gd name="connsiteX4" fmla="*/ 146585 w 1975385"/>
-              <a:gd name="connsiteY4" fmla="*/ 0 h 1219200"/>
-              <a:gd name="connsiteX0" fmla="*/ 0 w 1975385"/>
-              <a:gd name="connsiteY0" fmla="*/ 1375987 h 1699142"/>
-              <a:gd name="connsiteX1" fmla="*/ 1204646 w 1975385"/>
-              <a:gd name="connsiteY1" fmla="*/ 0 h 1699142"/>
-              <a:gd name="connsiteX2" fmla="*/ 1975385 w 1975385"/>
-              <a:gd name="connsiteY2" fmla="*/ 1699142 h 1699142"/>
-              <a:gd name="connsiteX3" fmla="*/ 146585 w 1975385"/>
-              <a:gd name="connsiteY3" fmla="*/ 1699142 h 1699142"/>
-              <a:gd name="connsiteX4" fmla="*/ 146585 w 1975385"/>
-              <a:gd name="connsiteY4" fmla="*/ 479942 h 1699142"/>
-              <a:gd name="connsiteX0" fmla="*/ 0 w 2121971"/>
-              <a:gd name="connsiteY0" fmla="*/ 1375987 h 1699142"/>
-              <a:gd name="connsiteX1" fmla="*/ 1204646 w 2121971"/>
-              <a:gd name="connsiteY1" fmla="*/ 0 h 1699142"/>
-              <a:gd name="connsiteX2" fmla="*/ 2121971 w 2121971"/>
-              <a:gd name="connsiteY2" fmla="*/ 803097 h 1699142"/>
-              <a:gd name="connsiteX3" fmla="*/ 146585 w 2121971"/>
-              <a:gd name="connsiteY3" fmla="*/ 1699142 h 1699142"/>
-              <a:gd name="connsiteX4" fmla="*/ 146585 w 2121971"/>
-              <a:gd name="connsiteY4" fmla="*/ 479942 h 1699142"/>
-              <a:gd name="connsiteX0" fmla="*/ 0 w 2121971"/>
-              <a:gd name="connsiteY0" fmla="*/ 1375987 h 2179084"/>
-              <a:gd name="connsiteX1" fmla="*/ 1204646 w 2121971"/>
-              <a:gd name="connsiteY1" fmla="*/ 0 h 2179084"/>
-              <a:gd name="connsiteX2" fmla="*/ 2121971 w 2121971"/>
-              <a:gd name="connsiteY2" fmla="*/ 803097 h 2179084"/>
-              <a:gd name="connsiteX3" fmla="*/ 917326 w 2121971"/>
-              <a:gd name="connsiteY3" fmla="*/ 2179084 h 2179084"/>
-              <a:gd name="connsiteX4" fmla="*/ 146585 w 2121971"/>
-              <a:gd name="connsiteY4" fmla="*/ 479942 h 2179084"/>
-              <a:gd name="connsiteX0" fmla="*/ 0 w 2121971"/>
-              <a:gd name="connsiteY0" fmla="*/ 1375987 h 2179084"/>
-              <a:gd name="connsiteX1" fmla="*/ 1204646 w 2121971"/>
-              <a:gd name="connsiteY1" fmla="*/ 0 h 2179084"/>
-              <a:gd name="connsiteX2" fmla="*/ 2121971 w 2121971"/>
-              <a:gd name="connsiteY2" fmla="*/ 803097 h 2179084"/>
-              <a:gd name="connsiteX3" fmla="*/ 917326 w 2121971"/>
-              <a:gd name="connsiteY3" fmla="*/ 2179084 h 2179084"/>
-              <a:gd name="connsiteX4" fmla="*/ 1 w 2121971"/>
-              <a:gd name="connsiteY4" fmla="*/ 1375987 h 2179084"/>
-            </a:gdLst>
-            <a:ahLst/>
-            <a:cxnLst>
-              <a:cxn ang="0">
-                <a:pos x="connsiteX0" y="connsiteY0"/>
-              </a:cxn>
-              <a:cxn ang="0">
-                <a:pos x="connsiteX1" y="connsiteY1"/>
-              </a:cxn>
-              <a:cxn ang="0">
-                <a:pos x="connsiteX2" y="connsiteY2"/>
-              </a:cxn>
-              <a:cxn ang="0">
-                <a:pos x="connsiteX3" y="connsiteY3"/>
-              </a:cxn>
-              <a:cxn ang="0">
-                <a:pos x="connsiteX4" y="connsiteY4"/>
-              </a:cxn>
-            </a:cxnLst>
-            <a:rect l="l" t="t" r="r" b="b"/>
-            <a:pathLst>
-              <a:path w="2121971" h="2179084">
-                <a:moveTo>
-                  <a:pt x="0" y="1375987"/>
-                </a:moveTo>
-                <a:lnTo>
-                  <a:pt x="1204646" y="0"/>
-                </a:lnTo>
-                <a:lnTo>
-                  <a:pt x="2121971" y="803097"/>
-                </a:lnTo>
-                <a:lnTo>
-                  <a:pt x="917326" y="2179084"/>
-                </a:lnTo>
-                <a:lnTo>
-                  <a:pt x="1" y="1375987"/>
-                </a:lnTo>
-                <a:close/>
-              </a:path>
-            </a:pathLst>
-          </a:custGeom>
+          </a:prstGeom>
         </p:spPr>
         <p:style>
           <a:lnRef idx="2">
@@ -12647,7 +10487,7 @@
     </p:spTree>
     <p:extLst>
       <p:ext uri="{BB962C8B-B14F-4D97-AF65-F5344CB8AC3E}">
-        <p14:creationId xmlns:p14="http://schemas.microsoft.com/office/powerpoint/2010/main" val="3069243509"/>
+        <p14:creationId xmlns:p14="http://schemas.microsoft.com/office/powerpoint/2010/main" val="648947096"/>
       </p:ext>
     </p:extLst>
   </p:cSld>
@@ -12761,250 +10601,13 @@
           <p:nvPr/>
         </p:nvSpPr>
         <p:spPr>
-          <a:xfrm>
-            <a:off x="6250768" y="2596275"/>
-            <a:ext cx="2216907" cy="3234934"/>
-          </a:xfrm>
-          <a:custGeom>
+          <a:xfrm rot="18000000">
+            <a:off x="5586387" y="3613667"/>
+            <a:ext cx="3581400" cy="1066800"/>
+          </a:xfrm>
+          <a:prstGeom prst="rightArrow">
             <a:avLst/>
-            <a:gdLst>
-              <a:gd name="connsiteX0" fmla="*/ 0 w 3581400"/>
-              <a:gd name="connsiteY0" fmla="*/ 266700 h 1066800"/>
-              <a:gd name="connsiteX1" fmla="*/ 3048000 w 3581400"/>
-              <a:gd name="connsiteY1" fmla="*/ 266700 h 1066800"/>
-              <a:gd name="connsiteX2" fmla="*/ 3048000 w 3581400"/>
-              <a:gd name="connsiteY2" fmla="*/ 0 h 1066800"/>
-              <a:gd name="connsiteX3" fmla="*/ 3581400 w 3581400"/>
-              <a:gd name="connsiteY3" fmla="*/ 533400 h 1066800"/>
-              <a:gd name="connsiteX4" fmla="*/ 3048000 w 3581400"/>
-              <a:gd name="connsiteY4" fmla="*/ 1066800 h 1066800"/>
-              <a:gd name="connsiteX5" fmla="*/ 3048000 w 3581400"/>
-              <a:gd name="connsiteY5" fmla="*/ 800100 h 1066800"/>
-              <a:gd name="connsiteX6" fmla="*/ 0 w 3581400"/>
-              <a:gd name="connsiteY6" fmla="*/ 800100 h 1066800"/>
-              <a:gd name="connsiteX7" fmla="*/ 0 w 3581400"/>
-              <a:gd name="connsiteY7" fmla="*/ 266700 h 1066800"/>
-              <a:gd name="connsiteX0" fmla="*/ 5586387 w 9167787"/>
-              <a:gd name="connsiteY0" fmla="*/ 3760592 h 4560692"/>
-              <a:gd name="connsiteX1" fmla="*/ 0 w 9167787"/>
-              <a:gd name="connsiteY1" fmla="*/ 0 h 4560692"/>
-              <a:gd name="connsiteX2" fmla="*/ 8634387 w 9167787"/>
-              <a:gd name="connsiteY2" fmla="*/ 3760592 h 4560692"/>
-              <a:gd name="connsiteX3" fmla="*/ 8634387 w 9167787"/>
-              <a:gd name="connsiteY3" fmla="*/ 3493892 h 4560692"/>
-              <a:gd name="connsiteX4" fmla="*/ 9167787 w 9167787"/>
-              <a:gd name="connsiteY4" fmla="*/ 4027292 h 4560692"/>
-              <a:gd name="connsiteX5" fmla="*/ 8634387 w 9167787"/>
-              <a:gd name="connsiteY5" fmla="*/ 4560692 h 4560692"/>
-              <a:gd name="connsiteX6" fmla="*/ 8634387 w 9167787"/>
-              <a:gd name="connsiteY6" fmla="*/ 4293992 h 4560692"/>
-              <a:gd name="connsiteX7" fmla="*/ 5586387 w 9167787"/>
-              <a:gd name="connsiteY7" fmla="*/ 4293992 h 4560692"/>
-              <a:gd name="connsiteX8" fmla="*/ 5586387 w 9167787"/>
-              <a:gd name="connsiteY8" fmla="*/ 3760592 h 4560692"/>
-              <a:gd name="connsiteX0" fmla="*/ 0 w 3581400"/>
-              <a:gd name="connsiteY0" fmla="*/ 266700 h 1066800"/>
-              <a:gd name="connsiteX1" fmla="*/ 3048000 w 3581400"/>
-              <a:gd name="connsiteY1" fmla="*/ 266700 h 1066800"/>
-              <a:gd name="connsiteX2" fmla="*/ 3048000 w 3581400"/>
-              <a:gd name="connsiteY2" fmla="*/ 0 h 1066800"/>
-              <a:gd name="connsiteX3" fmla="*/ 3581400 w 3581400"/>
-              <a:gd name="connsiteY3" fmla="*/ 533400 h 1066800"/>
-              <a:gd name="connsiteX4" fmla="*/ 3048000 w 3581400"/>
-              <a:gd name="connsiteY4" fmla="*/ 1066800 h 1066800"/>
-              <a:gd name="connsiteX5" fmla="*/ 3048000 w 3581400"/>
-              <a:gd name="connsiteY5" fmla="*/ 800100 h 1066800"/>
-              <a:gd name="connsiteX6" fmla="*/ 0 w 3581400"/>
-              <a:gd name="connsiteY6" fmla="*/ 800100 h 1066800"/>
-              <a:gd name="connsiteX7" fmla="*/ 0 w 3581400"/>
-              <a:gd name="connsiteY7" fmla="*/ 266700 h 1066800"/>
-              <a:gd name="connsiteX0" fmla="*/ 664381 w 3581400"/>
-              <a:gd name="connsiteY0" fmla="*/ 1950842 h 1950842"/>
-              <a:gd name="connsiteX1" fmla="*/ 3048000 w 3581400"/>
-              <a:gd name="connsiteY1" fmla="*/ 266700 h 1950842"/>
-              <a:gd name="connsiteX2" fmla="*/ 3048000 w 3581400"/>
-              <a:gd name="connsiteY2" fmla="*/ 0 h 1950842"/>
-              <a:gd name="connsiteX3" fmla="*/ 3581400 w 3581400"/>
-              <a:gd name="connsiteY3" fmla="*/ 533400 h 1950842"/>
-              <a:gd name="connsiteX4" fmla="*/ 3048000 w 3581400"/>
-              <a:gd name="connsiteY4" fmla="*/ 1066800 h 1950842"/>
-              <a:gd name="connsiteX5" fmla="*/ 3048000 w 3581400"/>
-              <a:gd name="connsiteY5" fmla="*/ 800100 h 1950842"/>
-              <a:gd name="connsiteX6" fmla="*/ 0 w 3581400"/>
-              <a:gd name="connsiteY6" fmla="*/ 800100 h 1950842"/>
-              <a:gd name="connsiteX7" fmla="*/ 0 w 3581400"/>
-              <a:gd name="connsiteY7" fmla="*/ 266700 h 1950842"/>
-              <a:gd name="connsiteX0" fmla="*/ 664381 w 3581400"/>
-              <a:gd name="connsiteY0" fmla="*/ 2639646 h 2639646"/>
-              <a:gd name="connsiteX1" fmla="*/ 2188381 w 3581400"/>
-              <a:gd name="connsiteY1" fmla="*/ 0 h 2639646"/>
-              <a:gd name="connsiteX2" fmla="*/ 3048000 w 3581400"/>
-              <a:gd name="connsiteY2" fmla="*/ 688804 h 2639646"/>
-              <a:gd name="connsiteX3" fmla="*/ 3581400 w 3581400"/>
-              <a:gd name="connsiteY3" fmla="*/ 1222204 h 2639646"/>
-              <a:gd name="connsiteX4" fmla="*/ 3048000 w 3581400"/>
-              <a:gd name="connsiteY4" fmla="*/ 1755604 h 2639646"/>
-              <a:gd name="connsiteX5" fmla="*/ 3048000 w 3581400"/>
-              <a:gd name="connsiteY5" fmla="*/ 1488904 h 2639646"/>
-              <a:gd name="connsiteX6" fmla="*/ 0 w 3581400"/>
-              <a:gd name="connsiteY6" fmla="*/ 1488904 h 2639646"/>
-              <a:gd name="connsiteX7" fmla="*/ 0 w 3581400"/>
-              <a:gd name="connsiteY7" fmla="*/ 955504 h 2639646"/>
-              <a:gd name="connsiteX0" fmla="*/ 664381 w 3581400"/>
-              <a:gd name="connsiteY0" fmla="*/ 2772996 h 2772996"/>
-              <a:gd name="connsiteX1" fmla="*/ 2188381 w 3581400"/>
-              <a:gd name="connsiteY1" fmla="*/ 133350 h 2772996"/>
-              <a:gd name="connsiteX2" fmla="*/ 1957412 w 3581400"/>
-              <a:gd name="connsiteY2" fmla="*/ 0 h 2772996"/>
-              <a:gd name="connsiteX3" fmla="*/ 3581400 w 3581400"/>
-              <a:gd name="connsiteY3" fmla="*/ 1355554 h 2772996"/>
-              <a:gd name="connsiteX4" fmla="*/ 3048000 w 3581400"/>
-              <a:gd name="connsiteY4" fmla="*/ 1888954 h 2772996"/>
-              <a:gd name="connsiteX5" fmla="*/ 3048000 w 3581400"/>
-              <a:gd name="connsiteY5" fmla="*/ 1622254 h 2772996"/>
-              <a:gd name="connsiteX6" fmla="*/ 0 w 3581400"/>
-              <a:gd name="connsiteY6" fmla="*/ 1622254 h 2772996"/>
-              <a:gd name="connsiteX7" fmla="*/ 0 w 3581400"/>
-              <a:gd name="connsiteY7" fmla="*/ 1088854 h 2772996"/>
-              <a:gd name="connsiteX0" fmla="*/ 664381 w 3048000"/>
-              <a:gd name="connsiteY0" fmla="*/ 2968234 h 2968234"/>
-              <a:gd name="connsiteX1" fmla="*/ 2188381 w 3048000"/>
-              <a:gd name="connsiteY1" fmla="*/ 328588 h 2968234"/>
-              <a:gd name="connsiteX2" fmla="*/ 1957412 w 3048000"/>
-              <a:gd name="connsiteY2" fmla="*/ 195238 h 2968234"/>
-              <a:gd name="connsiteX3" fmla="*/ 2686050 w 3048000"/>
-              <a:gd name="connsiteY3" fmla="*/ 0 h 2968234"/>
-              <a:gd name="connsiteX4" fmla="*/ 3048000 w 3048000"/>
-              <a:gd name="connsiteY4" fmla="*/ 2084192 h 2968234"/>
-              <a:gd name="connsiteX5" fmla="*/ 3048000 w 3048000"/>
-              <a:gd name="connsiteY5" fmla="*/ 1817492 h 2968234"/>
-              <a:gd name="connsiteX6" fmla="*/ 0 w 3048000"/>
-              <a:gd name="connsiteY6" fmla="*/ 1817492 h 2968234"/>
-              <a:gd name="connsiteX7" fmla="*/ 0 w 3048000"/>
-              <a:gd name="connsiteY7" fmla="*/ 1284092 h 2968234"/>
-              <a:gd name="connsiteX0" fmla="*/ 664381 w 3048000"/>
-              <a:gd name="connsiteY0" fmla="*/ 2968234 h 2968234"/>
-              <a:gd name="connsiteX1" fmla="*/ 2188381 w 3048000"/>
-              <a:gd name="connsiteY1" fmla="*/ 328588 h 2968234"/>
-              <a:gd name="connsiteX2" fmla="*/ 1957412 w 3048000"/>
-              <a:gd name="connsiteY2" fmla="*/ 195238 h 2968234"/>
-              <a:gd name="connsiteX3" fmla="*/ 2686050 w 3048000"/>
-              <a:gd name="connsiteY3" fmla="*/ 0 h 2968234"/>
-              <a:gd name="connsiteX4" fmla="*/ 2881288 w 3048000"/>
-              <a:gd name="connsiteY4" fmla="*/ 728638 h 2968234"/>
-              <a:gd name="connsiteX5" fmla="*/ 3048000 w 3048000"/>
-              <a:gd name="connsiteY5" fmla="*/ 1817492 h 2968234"/>
-              <a:gd name="connsiteX6" fmla="*/ 0 w 3048000"/>
-              <a:gd name="connsiteY6" fmla="*/ 1817492 h 2968234"/>
-              <a:gd name="connsiteX7" fmla="*/ 0 w 3048000"/>
-              <a:gd name="connsiteY7" fmla="*/ 1284092 h 2968234"/>
-              <a:gd name="connsiteX0" fmla="*/ 664381 w 2881288"/>
-              <a:gd name="connsiteY0" fmla="*/ 2968234 h 2968234"/>
-              <a:gd name="connsiteX1" fmla="*/ 2188381 w 2881288"/>
-              <a:gd name="connsiteY1" fmla="*/ 328588 h 2968234"/>
-              <a:gd name="connsiteX2" fmla="*/ 1957412 w 2881288"/>
-              <a:gd name="connsiteY2" fmla="*/ 195238 h 2968234"/>
-              <a:gd name="connsiteX3" fmla="*/ 2686050 w 2881288"/>
-              <a:gd name="connsiteY3" fmla="*/ 0 h 2968234"/>
-              <a:gd name="connsiteX4" fmla="*/ 2881288 w 2881288"/>
-              <a:gd name="connsiteY4" fmla="*/ 728638 h 2968234"/>
-              <a:gd name="connsiteX5" fmla="*/ 2650319 w 2881288"/>
-              <a:gd name="connsiteY5" fmla="*/ 595288 h 2968234"/>
-              <a:gd name="connsiteX6" fmla="*/ 0 w 2881288"/>
-              <a:gd name="connsiteY6" fmla="*/ 1817492 h 2968234"/>
-              <a:gd name="connsiteX7" fmla="*/ 0 w 2881288"/>
-              <a:gd name="connsiteY7" fmla="*/ 1284092 h 2968234"/>
-              <a:gd name="connsiteX0" fmla="*/ 664381 w 2881288"/>
-              <a:gd name="connsiteY0" fmla="*/ 2968234 h 3234934"/>
-              <a:gd name="connsiteX1" fmla="*/ 2188381 w 2881288"/>
-              <a:gd name="connsiteY1" fmla="*/ 328588 h 3234934"/>
-              <a:gd name="connsiteX2" fmla="*/ 1957412 w 2881288"/>
-              <a:gd name="connsiteY2" fmla="*/ 195238 h 3234934"/>
-              <a:gd name="connsiteX3" fmla="*/ 2686050 w 2881288"/>
-              <a:gd name="connsiteY3" fmla="*/ 0 h 3234934"/>
-              <a:gd name="connsiteX4" fmla="*/ 2881288 w 2881288"/>
-              <a:gd name="connsiteY4" fmla="*/ 728638 h 3234934"/>
-              <a:gd name="connsiteX5" fmla="*/ 2650319 w 2881288"/>
-              <a:gd name="connsiteY5" fmla="*/ 595288 h 3234934"/>
-              <a:gd name="connsiteX6" fmla="*/ 1126319 w 2881288"/>
-              <a:gd name="connsiteY6" fmla="*/ 3234934 h 3234934"/>
-              <a:gd name="connsiteX7" fmla="*/ 0 w 2881288"/>
-              <a:gd name="connsiteY7" fmla="*/ 1284092 h 3234934"/>
-              <a:gd name="connsiteX0" fmla="*/ 0 w 2216907"/>
-              <a:gd name="connsiteY0" fmla="*/ 2968234 h 3234934"/>
-              <a:gd name="connsiteX1" fmla="*/ 1524000 w 2216907"/>
-              <a:gd name="connsiteY1" fmla="*/ 328588 h 3234934"/>
-              <a:gd name="connsiteX2" fmla="*/ 1293031 w 2216907"/>
-              <a:gd name="connsiteY2" fmla="*/ 195238 h 3234934"/>
-              <a:gd name="connsiteX3" fmla="*/ 2021669 w 2216907"/>
-              <a:gd name="connsiteY3" fmla="*/ 0 h 3234934"/>
-              <a:gd name="connsiteX4" fmla="*/ 2216907 w 2216907"/>
-              <a:gd name="connsiteY4" fmla="*/ 728638 h 3234934"/>
-              <a:gd name="connsiteX5" fmla="*/ 1985938 w 2216907"/>
-              <a:gd name="connsiteY5" fmla="*/ 595288 h 3234934"/>
-              <a:gd name="connsiteX6" fmla="*/ 461938 w 2216907"/>
-              <a:gd name="connsiteY6" fmla="*/ 3234934 h 3234934"/>
-              <a:gd name="connsiteX7" fmla="*/ 0 w 2216907"/>
-              <a:gd name="connsiteY7" fmla="*/ 2968234 h 3234934"/>
-            </a:gdLst>
-            <a:ahLst/>
-            <a:cxnLst>
-              <a:cxn ang="0">
-                <a:pos x="connsiteX0" y="connsiteY0"/>
-              </a:cxn>
-              <a:cxn ang="0">
-                <a:pos x="connsiteX1" y="connsiteY1"/>
-              </a:cxn>
-              <a:cxn ang="0">
-                <a:pos x="connsiteX2" y="connsiteY2"/>
-              </a:cxn>
-              <a:cxn ang="0">
-                <a:pos x="connsiteX3" y="connsiteY3"/>
-              </a:cxn>
-              <a:cxn ang="0">
-                <a:pos x="connsiteX4" y="connsiteY4"/>
-              </a:cxn>
-              <a:cxn ang="0">
-                <a:pos x="connsiteX5" y="connsiteY5"/>
-              </a:cxn>
-              <a:cxn ang="0">
-                <a:pos x="connsiteX6" y="connsiteY6"/>
-              </a:cxn>
-              <a:cxn ang="0">
-                <a:pos x="connsiteX7" y="connsiteY7"/>
-              </a:cxn>
-            </a:cxnLst>
-            <a:rect l="l" t="t" r="r" b="b"/>
-            <a:pathLst>
-              <a:path w="2216907" h="3234934">
-                <a:moveTo>
-                  <a:pt x="0" y="2968234"/>
-                </a:moveTo>
-                <a:lnTo>
-                  <a:pt x="1524000" y="328588"/>
-                </a:lnTo>
-                <a:lnTo>
-                  <a:pt x="1293031" y="195238"/>
-                </a:lnTo>
-                <a:lnTo>
-                  <a:pt x="2021669" y="0"/>
-                </a:lnTo>
-                <a:lnTo>
-                  <a:pt x="2216907" y="728638"/>
-                </a:lnTo>
-                <a:lnTo>
-                  <a:pt x="1985938" y="595288"/>
-                </a:lnTo>
-                <a:lnTo>
-                  <a:pt x="461938" y="3234934"/>
-                </a:lnTo>
-                <a:lnTo>
-                  <a:pt x="0" y="2968234"/>
-                </a:lnTo>
-                <a:close/>
-              </a:path>
-            </a:pathLst>
-          </a:custGeom>
+          </a:prstGeom>
         </p:spPr>
         <p:style>
           <a:lnRef idx="2">
@@ -13038,136 +10641,13 @@
           <p:nvPr/>
         </p:nvSpPr>
         <p:spPr>
-          <a:xfrm>
-            <a:off x="1828800" y="3124200"/>
-            <a:ext cx="2121971" cy="2179084"/>
-          </a:xfrm>
-          <a:custGeom>
+          <a:xfrm rot="18672083">
+            <a:off x="1975386" y="3604142"/>
+            <a:ext cx="1828800" cy="1219200"/>
+          </a:xfrm>
+          <a:prstGeom prst="rect">
             <a:avLst/>
-            <a:gdLst>
-              <a:gd name="connsiteX0" fmla="*/ 0 w 1828800"/>
-              <a:gd name="connsiteY0" fmla="*/ 0 h 1219200"/>
-              <a:gd name="connsiteX1" fmla="*/ 1828800 w 1828800"/>
-              <a:gd name="connsiteY1" fmla="*/ 0 h 1219200"/>
-              <a:gd name="connsiteX2" fmla="*/ 1828800 w 1828800"/>
-              <a:gd name="connsiteY2" fmla="*/ 1219200 h 1219200"/>
-              <a:gd name="connsiteX3" fmla="*/ 0 w 1828800"/>
-              <a:gd name="connsiteY3" fmla="*/ 1219200 h 1219200"/>
-              <a:gd name="connsiteX4" fmla="*/ 0 w 1828800"/>
-              <a:gd name="connsiteY4" fmla="*/ 0 h 1219200"/>
-              <a:gd name="connsiteX0" fmla="*/ 1975386 w 3804186"/>
-              <a:gd name="connsiteY0" fmla="*/ 3604142 h 4823342"/>
-              <a:gd name="connsiteX1" fmla="*/ 0 w 3804186"/>
-              <a:gd name="connsiteY1" fmla="*/ 0 h 4823342"/>
-              <a:gd name="connsiteX2" fmla="*/ 3804186 w 3804186"/>
-              <a:gd name="connsiteY2" fmla="*/ 3604142 h 4823342"/>
-              <a:gd name="connsiteX3" fmla="*/ 3804186 w 3804186"/>
-              <a:gd name="connsiteY3" fmla="*/ 4823342 h 4823342"/>
-              <a:gd name="connsiteX4" fmla="*/ 1975386 w 3804186"/>
-              <a:gd name="connsiteY4" fmla="*/ 4823342 h 4823342"/>
-              <a:gd name="connsiteX5" fmla="*/ 1975386 w 3804186"/>
-              <a:gd name="connsiteY5" fmla="*/ 3604142 h 4823342"/>
-              <a:gd name="connsiteX0" fmla="*/ 0 w 1828800"/>
-              <a:gd name="connsiteY0" fmla="*/ 0 h 1219200"/>
-              <a:gd name="connsiteX1" fmla="*/ 1828800 w 1828800"/>
-              <a:gd name="connsiteY1" fmla="*/ 0 h 1219200"/>
-              <a:gd name="connsiteX2" fmla="*/ 1828800 w 1828800"/>
-              <a:gd name="connsiteY2" fmla="*/ 1219200 h 1219200"/>
-              <a:gd name="connsiteX3" fmla="*/ 0 w 1828800"/>
-              <a:gd name="connsiteY3" fmla="*/ 1219200 h 1219200"/>
-              <a:gd name="connsiteX4" fmla="*/ 0 w 1828800"/>
-              <a:gd name="connsiteY4" fmla="*/ 0 h 1219200"/>
-              <a:gd name="connsiteX0" fmla="*/ 0 w 1975385"/>
-              <a:gd name="connsiteY0" fmla="*/ 896045 h 1219200"/>
-              <a:gd name="connsiteX1" fmla="*/ 1975385 w 1975385"/>
-              <a:gd name="connsiteY1" fmla="*/ 0 h 1219200"/>
-              <a:gd name="connsiteX2" fmla="*/ 1975385 w 1975385"/>
-              <a:gd name="connsiteY2" fmla="*/ 1219200 h 1219200"/>
-              <a:gd name="connsiteX3" fmla="*/ 146585 w 1975385"/>
-              <a:gd name="connsiteY3" fmla="*/ 1219200 h 1219200"/>
-              <a:gd name="connsiteX4" fmla="*/ 146585 w 1975385"/>
-              <a:gd name="connsiteY4" fmla="*/ 0 h 1219200"/>
-              <a:gd name="connsiteX0" fmla="*/ 0 w 1975385"/>
-              <a:gd name="connsiteY0" fmla="*/ 1375987 h 1699142"/>
-              <a:gd name="connsiteX1" fmla="*/ 1204646 w 1975385"/>
-              <a:gd name="connsiteY1" fmla="*/ 0 h 1699142"/>
-              <a:gd name="connsiteX2" fmla="*/ 1975385 w 1975385"/>
-              <a:gd name="connsiteY2" fmla="*/ 1699142 h 1699142"/>
-              <a:gd name="connsiteX3" fmla="*/ 146585 w 1975385"/>
-              <a:gd name="connsiteY3" fmla="*/ 1699142 h 1699142"/>
-              <a:gd name="connsiteX4" fmla="*/ 146585 w 1975385"/>
-              <a:gd name="connsiteY4" fmla="*/ 479942 h 1699142"/>
-              <a:gd name="connsiteX0" fmla="*/ 0 w 2121971"/>
-              <a:gd name="connsiteY0" fmla="*/ 1375987 h 1699142"/>
-              <a:gd name="connsiteX1" fmla="*/ 1204646 w 2121971"/>
-              <a:gd name="connsiteY1" fmla="*/ 0 h 1699142"/>
-              <a:gd name="connsiteX2" fmla="*/ 2121971 w 2121971"/>
-              <a:gd name="connsiteY2" fmla="*/ 803097 h 1699142"/>
-              <a:gd name="connsiteX3" fmla="*/ 146585 w 2121971"/>
-              <a:gd name="connsiteY3" fmla="*/ 1699142 h 1699142"/>
-              <a:gd name="connsiteX4" fmla="*/ 146585 w 2121971"/>
-              <a:gd name="connsiteY4" fmla="*/ 479942 h 1699142"/>
-              <a:gd name="connsiteX0" fmla="*/ 0 w 2121971"/>
-              <a:gd name="connsiteY0" fmla="*/ 1375987 h 2179084"/>
-              <a:gd name="connsiteX1" fmla="*/ 1204646 w 2121971"/>
-              <a:gd name="connsiteY1" fmla="*/ 0 h 2179084"/>
-              <a:gd name="connsiteX2" fmla="*/ 2121971 w 2121971"/>
-              <a:gd name="connsiteY2" fmla="*/ 803097 h 2179084"/>
-              <a:gd name="connsiteX3" fmla="*/ 917326 w 2121971"/>
-              <a:gd name="connsiteY3" fmla="*/ 2179084 h 2179084"/>
-              <a:gd name="connsiteX4" fmla="*/ 146585 w 2121971"/>
-              <a:gd name="connsiteY4" fmla="*/ 479942 h 2179084"/>
-              <a:gd name="connsiteX0" fmla="*/ 0 w 2121971"/>
-              <a:gd name="connsiteY0" fmla="*/ 1375987 h 2179084"/>
-              <a:gd name="connsiteX1" fmla="*/ 1204646 w 2121971"/>
-              <a:gd name="connsiteY1" fmla="*/ 0 h 2179084"/>
-              <a:gd name="connsiteX2" fmla="*/ 2121971 w 2121971"/>
-              <a:gd name="connsiteY2" fmla="*/ 803097 h 2179084"/>
-              <a:gd name="connsiteX3" fmla="*/ 917326 w 2121971"/>
-              <a:gd name="connsiteY3" fmla="*/ 2179084 h 2179084"/>
-              <a:gd name="connsiteX4" fmla="*/ 1 w 2121971"/>
-              <a:gd name="connsiteY4" fmla="*/ 1375987 h 2179084"/>
-            </a:gdLst>
-            <a:ahLst/>
-            <a:cxnLst>
-              <a:cxn ang="0">
-                <a:pos x="connsiteX0" y="connsiteY0"/>
-              </a:cxn>
-              <a:cxn ang="0">
-                <a:pos x="connsiteX1" y="connsiteY1"/>
-              </a:cxn>
-              <a:cxn ang="0">
-                <a:pos x="connsiteX2" y="connsiteY2"/>
-              </a:cxn>
-              <a:cxn ang="0">
-                <a:pos x="connsiteX3" y="connsiteY3"/>
-              </a:cxn>
-              <a:cxn ang="0">
-                <a:pos x="connsiteX4" y="connsiteY4"/>
-              </a:cxn>
-            </a:cxnLst>
-            <a:rect l="l" t="t" r="r" b="b"/>
-            <a:pathLst>
-              <a:path w="2121971" h="2179084">
-                <a:moveTo>
-                  <a:pt x="0" y="1375987"/>
-                </a:moveTo>
-                <a:lnTo>
-                  <a:pt x="1204646" y="0"/>
-                </a:lnTo>
-                <a:lnTo>
-                  <a:pt x="2121971" y="803097"/>
-                </a:lnTo>
-                <a:lnTo>
-                  <a:pt x="917326" y="2179084"/>
-                </a:lnTo>
-                <a:lnTo>
-                  <a:pt x="1" y="1375987"/>
-                </a:lnTo>
-                <a:close/>
-              </a:path>
-            </a:pathLst>
-          </a:custGeom>
+          </a:prstGeom>
         </p:spPr>
         <p:style>
           <a:lnRef idx="2">
@@ -13197,7 +10677,7 @@
     </p:spTree>
     <p:extLst>
       <p:ext uri="{BB962C8B-B14F-4D97-AF65-F5344CB8AC3E}">
-        <p14:creationId xmlns:p14="http://schemas.microsoft.com/office/powerpoint/2010/main" val="3634782566"/>
+        <p14:creationId xmlns:p14="http://schemas.microsoft.com/office/powerpoint/2010/main" val="4058147820"/>
       </p:ext>
     </p:extLst>
   </p:cSld>
@@ -13311,250 +10791,13 @@
           <p:nvPr/>
         </p:nvSpPr>
         <p:spPr>
-          <a:xfrm>
-            <a:off x="1781332" y="2476500"/>
-            <a:ext cx="2216907" cy="3234934"/>
-          </a:xfrm>
-          <a:custGeom>
+          <a:xfrm rot="18000000">
+            <a:off x="1116951" y="3493892"/>
+            <a:ext cx="3581400" cy="1066800"/>
+          </a:xfrm>
+          <a:prstGeom prst="rightArrow">
             <a:avLst/>
-            <a:gdLst>
-              <a:gd name="connsiteX0" fmla="*/ 0 w 3581400"/>
-              <a:gd name="connsiteY0" fmla="*/ 266700 h 1066800"/>
-              <a:gd name="connsiteX1" fmla="*/ 3048000 w 3581400"/>
-              <a:gd name="connsiteY1" fmla="*/ 266700 h 1066800"/>
-              <a:gd name="connsiteX2" fmla="*/ 3048000 w 3581400"/>
-              <a:gd name="connsiteY2" fmla="*/ 0 h 1066800"/>
-              <a:gd name="connsiteX3" fmla="*/ 3581400 w 3581400"/>
-              <a:gd name="connsiteY3" fmla="*/ 533400 h 1066800"/>
-              <a:gd name="connsiteX4" fmla="*/ 3048000 w 3581400"/>
-              <a:gd name="connsiteY4" fmla="*/ 1066800 h 1066800"/>
-              <a:gd name="connsiteX5" fmla="*/ 3048000 w 3581400"/>
-              <a:gd name="connsiteY5" fmla="*/ 800100 h 1066800"/>
-              <a:gd name="connsiteX6" fmla="*/ 0 w 3581400"/>
-              <a:gd name="connsiteY6" fmla="*/ 800100 h 1066800"/>
-              <a:gd name="connsiteX7" fmla="*/ 0 w 3581400"/>
-              <a:gd name="connsiteY7" fmla="*/ 266700 h 1066800"/>
-              <a:gd name="connsiteX0" fmla="*/ 5586387 w 9167787"/>
-              <a:gd name="connsiteY0" fmla="*/ 3760592 h 4560692"/>
-              <a:gd name="connsiteX1" fmla="*/ 0 w 9167787"/>
-              <a:gd name="connsiteY1" fmla="*/ 0 h 4560692"/>
-              <a:gd name="connsiteX2" fmla="*/ 8634387 w 9167787"/>
-              <a:gd name="connsiteY2" fmla="*/ 3760592 h 4560692"/>
-              <a:gd name="connsiteX3" fmla="*/ 8634387 w 9167787"/>
-              <a:gd name="connsiteY3" fmla="*/ 3493892 h 4560692"/>
-              <a:gd name="connsiteX4" fmla="*/ 9167787 w 9167787"/>
-              <a:gd name="connsiteY4" fmla="*/ 4027292 h 4560692"/>
-              <a:gd name="connsiteX5" fmla="*/ 8634387 w 9167787"/>
-              <a:gd name="connsiteY5" fmla="*/ 4560692 h 4560692"/>
-              <a:gd name="connsiteX6" fmla="*/ 8634387 w 9167787"/>
-              <a:gd name="connsiteY6" fmla="*/ 4293992 h 4560692"/>
-              <a:gd name="connsiteX7" fmla="*/ 5586387 w 9167787"/>
-              <a:gd name="connsiteY7" fmla="*/ 4293992 h 4560692"/>
-              <a:gd name="connsiteX8" fmla="*/ 5586387 w 9167787"/>
-              <a:gd name="connsiteY8" fmla="*/ 3760592 h 4560692"/>
-              <a:gd name="connsiteX0" fmla="*/ 0 w 3581400"/>
-              <a:gd name="connsiteY0" fmla="*/ 266700 h 1066800"/>
-              <a:gd name="connsiteX1" fmla="*/ 3048000 w 3581400"/>
-              <a:gd name="connsiteY1" fmla="*/ 266700 h 1066800"/>
-              <a:gd name="connsiteX2" fmla="*/ 3048000 w 3581400"/>
-              <a:gd name="connsiteY2" fmla="*/ 0 h 1066800"/>
-              <a:gd name="connsiteX3" fmla="*/ 3581400 w 3581400"/>
-              <a:gd name="connsiteY3" fmla="*/ 533400 h 1066800"/>
-              <a:gd name="connsiteX4" fmla="*/ 3048000 w 3581400"/>
-              <a:gd name="connsiteY4" fmla="*/ 1066800 h 1066800"/>
-              <a:gd name="connsiteX5" fmla="*/ 3048000 w 3581400"/>
-              <a:gd name="connsiteY5" fmla="*/ 800100 h 1066800"/>
-              <a:gd name="connsiteX6" fmla="*/ 0 w 3581400"/>
-              <a:gd name="connsiteY6" fmla="*/ 800100 h 1066800"/>
-              <a:gd name="connsiteX7" fmla="*/ 0 w 3581400"/>
-              <a:gd name="connsiteY7" fmla="*/ 266700 h 1066800"/>
-              <a:gd name="connsiteX0" fmla="*/ 664381 w 3581400"/>
-              <a:gd name="connsiteY0" fmla="*/ 1950842 h 1950842"/>
-              <a:gd name="connsiteX1" fmla="*/ 3048000 w 3581400"/>
-              <a:gd name="connsiteY1" fmla="*/ 266700 h 1950842"/>
-              <a:gd name="connsiteX2" fmla="*/ 3048000 w 3581400"/>
-              <a:gd name="connsiteY2" fmla="*/ 0 h 1950842"/>
-              <a:gd name="connsiteX3" fmla="*/ 3581400 w 3581400"/>
-              <a:gd name="connsiteY3" fmla="*/ 533400 h 1950842"/>
-              <a:gd name="connsiteX4" fmla="*/ 3048000 w 3581400"/>
-              <a:gd name="connsiteY4" fmla="*/ 1066800 h 1950842"/>
-              <a:gd name="connsiteX5" fmla="*/ 3048000 w 3581400"/>
-              <a:gd name="connsiteY5" fmla="*/ 800100 h 1950842"/>
-              <a:gd name="connsiteX6" fmla="*/ 0 w 3581400"/>
-              <a:gd name="connsiteY6" fmla="*/ 800100 h 1950842"/>
-              <a:gd name="connsiteX7" fmla="*/ 0 w 3581400"/>
-              <a:gd name="connsiteY7" fmla="*/ 266700 h 1950842"/>
-              <a:gd name="connsiteX0" fmla="*/ 664381 w 3581400"/>
-              <a:gd name="connsiteY0" fmla="*/ 2639646 h 2639646"/>
-              <a:gd name="connsiteX1" fmla="*/ 2188381 w 3581400"/>
-              <a:gd name="connsiteY1" fmla="*/ 0 h 2639646"/>
-              <a:gd name="connsiteX2" fmla="*/ 3048000 w 3581400"/>
-              <a:gd name="connsiteY2" fmla="*/ 688804 h 2639646"/>
-              <a:gd name="connsiteX3" fmla="*/ 3581400 w 3581400"/>
-              <a:gd name="connsiteY3" fmla="*/ 1222204 h 2639646"/>
-              <a:gd name="connsiteX4" fmla="*/ 3048000 w 3581400"/>
-              <a:gd name="connsiteY4" fmla="*/ 1755604 h 2639646"/>
-              <a:gd name="connsiteX5" fmla="*/ 3048000 w 3581400"/>
-              <a:gd name="connsiteY5" fmla="*/ 1488904 h 2639646"/>
-              <a:gd name="connsiteX6" fmla="*/ 0 w 3581400"/>
-              <a:gd name="connsiteY6" fmla="*/ 1488904 h 2639646"/>
-              <a:gd name="connsiteX7" fmla="*/ 0 w 3581400"/>
-              <a:gd name="connsiteY7" fmla="*/ 955504 h 2639646"/>
-              <a:gd name="connsiteX0" fmla="*/ 664381 w 3581400"/>
-              <a:gd name="connsiteY0" fmla="*/ 2772996 h 2772996"/>
-              <a:gd name="connsiteX1" fmla="*/ 2188381 w 3581400"/>
-              <a:gd name="connsiteY1" fmla="*/ 133350 h 2772996"/>
-              <a:gd name="connsiteX2" fmla="*/ 1957412 w 3581400"/>
-              <a:gd name="connsiteY2" fmla="*/ 0 h 2772996"/>
-              <a:gd name="connsiteX3" fmla="*/ 3581400 w 3581400"/>
-              <a:gd name="connsiteY3" fmla="*/ 1355554 h 2772996"/>
-              <a:gd name="connsiteX4" fmla="*/ 3048000 w 3581400"/>
-              <a:gd name="connsiteY4" fmla="*/ 1888954 h 2772996"/>
-              <a:gd name="connsiteX5" fmla="*/ 3048000 w 3581400"/>
-              <a:gd name="connsiteY5" fmla="*/ 1622254 h 2772996"/>
-              <a:gd name="connsiteX6" fmla="*/ 0 w 3581400"/>
-              <a:gd name="connsiteY6" fmla="*/ 1622254 h 2772996"/>
-              <a:gd name="connsiteX7" fmla="*/ 0 w 3581400"/>
-              <a:gd name="connsiteY7" fmla="*/ 1088854 h 2772996"/>
-              <a:gd name="connsiteX0" fmla="*/ 664381 w 3048000"/>
-              <a:gd name="connsiteY0" fmla="*/ 2968234 h 2968234"/>
-              <a:gd name="connsiteX1" fmla="*/ 2188381 w 3048000"/>
-              <a:gd name="connsiteY1" fmla="*/ 328588 h 2968234"/>
-              <a:gd name="connsiteX2" fmla="*/ 1957412 w 3048000"/>
-              <a:gd name="connsiteY2" fmla="*/ 195238 h 2968234"/>
-              <a:gd name="connsiteX3" fmla="*/ 2686050 w 3048000"/>
-              <a:gd name="connsiteY3" fmla="*/ 0 h 2968234"/>
-              <a:gd name="connsiteX4" fmla="*/ 3048000 w 3048000"/>
-              <a:gd name="connsiteY4" fmla="*/ 2084192 h 2968234"/>
-              <a:gd name="connsiteX5" fmla="*/ 3048000 w 3048000"/>
-              <a:gd name="connsiteY5" fmla="*/ 1817492 h 2968234"/>
-              <a:gd name="connsiteX6" fmla="*/ 0 w 3048000"/>
-              <a:gd name="connsiteY6" fmla="*/ 1817492 h 2968234"/>
-              <a:gd name="connsiteX7" fmla="*/ 0 w 3048000"/>
-              <a:gd name="connsiteY7" fmla="*/ 1284092 h 2968234"/>
-              <a:gd name="connsiteX0" fmla="*/ 664381 w 3048000"/>
-              <a:gd name="connsiteY0" fmla="*/ 2968234 h 2968234"/>
-              <a:gd name="connsiteX1" fmla="*/ 2188381 w 3048000"/>
-              <a:gd name="connsiteY1" fmla="*/ 328588 h 2968234"/>
-              <a:gd name="connsiteX2" fmla="*/ 1957412 w 3048000"/>
-              <a:gd name="connsiteY2" fmla="*/ 195238 h 2968234"/>
-              <a:gd name="connsiteX3" fmla="*/ 2686050 w 3048000"/>
-              <a:gd name="connsiteY3" fmla="*/ 0 h 2968234"/>
-              <a:gd name="connsiteX4" fmla="*/ 2881288 w 3048000"/>
-              <a:gd name="connsiteY4" fmla="*/ 728638 h 2968234"/>
-              <a:gd name="connsiteX5" fmla="*/ 3048000 w 3048000"/>
-              <a:gd name="connsiteY5" fmla="*/ 1817492 h 2968234"/>
-              <a:gd name="connsiteX6" fmla="*/ 0 w 3048000"/>
-              <a:gd name="connsiteY6" fmla="*/ 1817492 h 2968234"/>
-              <a:gd name="connsiteX7" fmla="*/ 0 w 3048000"/>
-              <a:gd name="connsiteY7" fmla="*/ 1284092 h 2968234"/>
-              <a:gd name="connsiteX0" fmla="*/ 664381 w 2881288"/>
-              <a:gd name="connsiteY0" fmla="*/ 2968234 h 2968234"/>
-              <a:gd name="connsiteX1" fmla="*/ 2188381 w 2881288"/>
-              <a:gd name="connsiteY1" fmla="*/ 328588 h 2968234"/>
-              <a:gd name="connsiteX2" fmla="*/ 1957412 w 2881288"/>
-              <a:gd name="connsiteY2" fmla="*/ 195238 h 2968234"/>
-              <a:gd name="connsiteX3" fmla="*/ 2686050 w 2881288"/>
-              <a:gd name="connsiteY3" fmla="*/ 0 h 2968234"/>
-              <a:gd name="connsiteX4" fmla="*/ 2881288 w 2881288"/>
-              <a:gd name="connsiteY4" fmla="*/ 728638 h 2968234"/>
-              <a:gd name="connsiteX5" fmla="*/ 2650319 w 2881288"/>
-              <a:gd name="connsiteY5" fmla="*/ 595288 h 2968234"/>
-              <a:gd name="connsiteX6" fmla="*/ 0 w 2881288"/>
-              <a:gd name="connsiteY6" fmla="*/ 1817492 h 2968234"/>
-              <a:gd name="connsiteX7" fmla="*/ 0 w 2881288"/>
-              <a:gd name="connsiteY7" fmla="*/ 1284092 h 2968234"/>
-              <a:gd name="connsiteX0" fmla="*/ 664381 w 2881288"/>
-              <a:gd name="connsiteY0" fmla="*/ 2968234 h 3234934"/>
-              <a:gd name="connsiteX1" fmla="*/ 2188381 w 2881288"/>
-              <a:gd name="connsiteY1" fmla="*/ 328588 h 3234934"/>
-              <a:gd name="connsiteX2" fmla="*/ 1957412 w 2881288"/>
-              <a:gd name="connsiteY2" fmla="*/ 195238 h 3234934"/>
-              <a:gd name="connsiteX3" fmla="*/ 2686050 w 2881288"/>
-              <a:gd name="connsiteY3" fmla="*/ 0 h 3234934"/>
-              <a:gd name="connsiteX4" fmla="*/ 2881288 w 2881288"/>
-              <a:gd name="connsiteY4" fmla="*/ 728638 h 3234934"/>
-              <a:gd name="connsiteX5" fmla="*/ 2650319 w 2881288"/>
-              <a:gd name="connsiteY5" fmla="*/ 595288 h 3234934"/>
-              <a:gd name="connsiteX6" fmla="*/ 1126319 w 2881288"/>
-              <a:gd name="connsiteY6" fmla="*/ 3234934 h 3234934"/>
-              <a:gd name="connsiteX7" fmla="*/ 0 w 2881288"/>
-              <a:gd name="connsiteY7" fmla="*/ 1284092 h 3234934"/>
-              <a:gd name="connsiteX0" fmla="*/ 0 w 2216907"/>
-              <a:gd name="connsiteY0" fmla="*/ 2968234 h 3234934"/>
-              <a:gd name="connsiteX1" fmla="*/ 1524000 w 2216907"/>
-              <a:gd name="connsiteY1" fmla="*/ 328588 h 3234934"/>
-              <a:gd name="connsiteX2" fmla="*/ 1293031 w 2216907"/>
-              <a:gd name="connsiteY2" fmla="*/ 195238 h 3234934"/>
-              <a:gd name="connsiteX3" fmla="*/ 2021669 w 2216907"/>
-              <a:gd name="connsiteY3" fmla="*/ 0 h 3234934"/>
-              <a:gd name="connsiteX4" fmla="*/ 2216907 w 2216907"/>
-              <a:gd name="connsiteY4" fmla="*/ 728638 h 3234934"/>
-              <a:gd name="connsiteX5" fmla="*/ 1985938 w 2216907"/>
-              <a:gd name="connsiteY5" fmla="*/ 595288 h 3234934"/>
-              <a:gd name="connsiteX6" fmla="*/ 461938 w 2216907"/>
-              <a:gd name="connsiteY6" fmla="*/ 3234934 h 3234934"/>
-              <a:gd name="connsiteX7" fmla="*/ 0 w 2216907"/>
-              <a:gd name="connsiteY7" fmla="*/ 2968234 h 3234934"/>
-            </a:gdLst>
-            <a:ahLst/>
-            <a:cxnLst>
-              <a:cxn ang="0">
-                <a:pos x="connsiteX0" y="connsiteY0"/>
-              </a:cxn>
-              <a:cxn ang="0">
-                <a:pos x="connsiteX1" y="connsiteY1"/>
-              </a:cxn>
-              <a:cxn ang="0">
-                <a:pos x="connsiteX2" y="connsiteY2"/>
-              </a:cxn>
-              <a:cxn ang="0">
-                <a:pos x="connsiteX3" y="connsiteY3"/>
-              </a:cxn>
-              <a:cxn ang="0">
-                <a:pos x="connsiteX4" y="connsiteY4"/>
-              </a:cxn>
-              <a:cxn ang="0">
-                <a:pos x="connsiteX5" y="connsiteY5"/>
-              </a:cxn>
-              <a:cxn ang="0">
-                <a:pos x="connsiteX6" y="connsiteY6"/>
-              </a:cxn>
-              <a:cxn ang="0">
-                <a:pos x="connsiteX7" y="connsiteY7"/>
-              </a:cxn>
-            </a:cxnLst>
-            <a:rect l="l" t="t" r="r" b="b"/>
-            <a:pathLst>
-              <a:path w="2216907" h="3234934">
-                <a:moveTo>
-                  <a:pt x="0" y="2968234"/>
-                </a:moveTo>
-                <a:lnTo>
-                  <a:pt x="1524000" y="328588"/>
-                </a:lnTo>
-                <a:lnTo>
-                  <a:pt x="1293031" y="195238"/>
-                </a:lnTo>
-                <a:lnTo>
-                  <a:pt x="2021669" y="0"/>
-                </a:lnTo>
-                <a:lnTo>
-                  <a:pt x="2216907" y="728638"/>
-                </a:lnTo>
-                <a:lnTo>
-                  <a:pt x="1985938" y="595288"/>
-                </a:lnTo>
-                <a:lnTo>
-                  <a:pt x="461938" y="3234934"/>
-                </a:lnTo>
-                <a:lnTo>
-                  <a:pt x="0" y="2968234"/>
-                </a:lnTo>
-                <a:close/>
-              </a:path>
-            </a:pathLst>
-          </a:custGeom>
+          </a:prstGeom>
         </p:spPr>
         <p:style>
           <a:lnRef idx="2">
@@ -13588,136 +10831,13 @@
           <p:nvPr/>
         </p:nvSpPr>
         <p:spPr>
-          <a:xfrm>
-            <a:off x="1828800" y="3124200"/>
-            <a:ext cx="2121971" cy="2179084"/>
-          </a:xfrm>
-          <a:custGeom>
+          <a:xfrm rot="18672083">
+            <a:off x="1975386" y="3604142"/>
+            <a:ext cx="1828800" cy="1219200"/>
+          </a:xfrm>
+          <a:prstGeom prst="rect">
             <a:avLst/>
-            <a:gdLst>
-              <a:gd name="connsiteX0" fmla="*/ 0 w 1828800"/>
-              <a:gd name="connsiteY0" fmla="*/ 0 h 1219200"/>
-              <a:gd name="connsiteX1" fmla="*/ 1828800 w 1828800"/>
-              <a:gd name="connsiteY1" fmla="*/ 0 h 1219200"/>
-              <a:gd name="connsiteX2" fmla="*/ 1828800 w 1828800"/>
-              <a:gd name="connsiteY2" fmla="*/ 1219200 h 1219200"/>
-              <a:gd name="connsiteX3" fmla="*/ 0 w 1828800"/>
-              <a:gd name="connsiteY3" fmla="*/ 1219200 h 1219200"/>
-              <a:gd name="connsiteX4" fmla="*/ 0 w 1828800"/>
-              <a:gd name="connsiteY4" fmla="*/ 0 h 1219200"/>
-              <a:gd name="connsiteX0" fmla="*/ 1975386 w 3804186"/>
-              <a:gd name="connsiteY0" fmla="*/ 3604142 h 4823342"/>
-              <a:gd name="connsiteX1" fmla="*/ 0 w 3804186"/>
-              <a:gd name="connsiteY1" fmla="*/ 0 h 4823342"/>
-              <a:gd name="connsiteX2" fmla="*/ 3804186 w 3804186"/>
-              <a:gd name="connsiteY2" fmla="*/ 3604142 h 4823342"/>
-              <a:gd name="connsiteX3" fmla="*/ 3804186 w 3804186"/>
-              <a:gd name="connsiteY3" fmla="*/ 4823342 h 4823342"/>
-              <a:gd name="connsiteX4" fmla="*/ 1975386 w 3804186"/>
-              <a:gd name="connsiteY4" fmla="*/ 4823342 h 4823342"/>
-              <a:gd name="connsiteX5" fmla="*/ 1975386 w 3804186"/>
-              <a:gd name="connsiteY5" fmla="*/ 3604142 h 4823342"/>
-              <a:gd name="connsiteX0" fmla="*/ 0 w 1828800"/>
-              <a:gd name="connsiteY0" fmla="*/ 0 h 1219200"/>
-              <a:gd name="connsiteX1" fmla="*/ 1828800 w 1828800"/>
-              <a:gd name="connsiteY1" fmla="*/ 0 h 1219200"/>
-              <a:gd name="connsiteX2" fmla="*/ 1828800 w 1828800"/>
-              <a:gd name="connsiteY2" fmla="*/ 1219200 h 1219200"/>
-              <a:gd name="connsiteX3" fmla="*/ 0 w 1828800"/>
-              <a:gd name="connsiteY3" fmla="*/ 1219200 h 1219200"/>
-              <a:gd name="connsiteX4" fmla="*/ 0 w 1828800"/>
-              <a:gd name="connsiteY4" fmla="*/ 0 h 1219200"/>
-              <a:gd name="connsiteX0" fmla="*/ 0 w 1975385"/>
-              <a:gd name="connsiteY0" fmla="*/ 896045 h 1219200"/>
-              <a:gd name="connsiteX1" fmla="*/ 1975385 w 1975385"/>
-              <a:gd name="connsiteY1" fmla="*/ 0 h 1219200"/>
-              <a:gd name="connsiteX2" fmla="*/ 1975385 w 1975385"/>
-              <a:gd name="connsiteY2" fmla="*/ 1219200 h 1219200"/>
-              <a:gd name="connsiteX3" fmla="*/ 146585 w 1975385"/>
-              <a:gd name="connsiteY3" fmla="*/ 1219200 h 1219200"/>
-              <a:gd name="connsiteX4" fmla="*/ 146585 w 1975385"/>
-              <a:gd name="connsiteY4" fmla="*/ 0 h 1219200"/>
-              <a:gd name="connsiteX0" fmla="*/ 0 w 1975385"/>
-              <a:gd name="connsiteY0" fmla="*/ 1375987 h 1699142"/>
-              <a:gd name="connsiteX1" fmla="*/ 1204646 w 1975385"/>
-              <a:gd name="connsiteY1" fmla="*/ 0 h 1699142"/>
-              <a:gd name="connsiteX2" fmla="*/ 1975385 w 1975385"/>
-              <a:gd name="connsiteY2" fmla="*/ 1699142 h 1699142"/>
-              <a:gd name="connsiteX3" fmla="*/ 146585 w 1975385"/>
-              <a:gd name="connsiteY3" fmla="*/ 1699142 h 1699142"/>
-              <a:gd name="connsiteX4" fmla="*/ 146585 w 1975385"/>
-              <a:gd name="connsiteY4" fmla="*/ 479942 h 1699142"/>
-              <a:gd name="connsiteX0" fmla="*/ 0 w 2121971"/>
-              <a:gd name="connsiteY0" fmla="*/ 1375987 h 1699142"/>
-              <a:gd name="connsiteX1" fmla="*/ 1204646 w 2121971"/>
-              <a:gd name="connsiteY1" fmla="*/ 0 h 1699142"/>
-              <a:gd name="connsiteX2" fmla="*/ 2121971 w 2121971"/>
-              <a:gd name="connsiteY2" fmla="*/ 803097 h 1699142"/>
-              <a:gd name="connsiteX3" fmla="*/ 146585 w 2121971"/>
-              <a:gd name="connsiteY3" fmla="*/ 1699142 h 1699142"/>
-              <a:gd name="connsiteX4" fmla="*/ 146585 w 2121971"/>
-              <a:gd name="connsiteY4" fmla="*/ 479942 h 1699142"/>
-              <a:gd name="connsiteX0" fmla="*/ 0 w 2121971"/>
-              <a:gd name="connsiteY0" fmla="*/ 1375987 h 2179084"/>
-              <a:gd name="connsiteX1" fmla="*/ 1204646 w 2121971"/>
-              <a:gd name="connsiteY1" fmla="*/ 0 h 2179084"/>
-              <a:gd name="connsiteX2" fmla="*/ 2121971 w 2121971"/>
-              <a:gd name="connsiteY2" fmla="*/ 803097 h 2179084"/>
-              <a:gd name="connsiteX3" fmla="*/ 917326 w 2121971"/>
-              <a:gd name="connsiteY3" fmla="*/ 2179084 h 2179084"/>
-              <a:gd name="connsiteX4" fmla="*/ 146585 w 2121971"/>
-              <a:gd name="connsiteY4" fmla="*/ 479942 h 2179084"/>
-              <a:gd name="connsiteX0" fmla="*/ 0 w 2121971"/>
-              <a:gd name="connsiteY0" fmla="*/ 1375987 h 2179084"/>
-              <a:gd name="connsiteX1" fmla="*/ 1204646 w 2121971"/>
-              <a:gd name="connsiteY1" fmla="*/ 0 h 2179084"/>
-              <a:gd name="connsiteX2" fmla="*/ 2121971 w 2121971"/>
-              <a:gd name="connsiteY2" fmla="*/ 803097 h 2179084"/>
-              <a:gd name="connsiteX3" fmla="*/ 917326 w 2121971"/>
-              <a:gd name="connsiteY3" fmla="*/ 2179084 h 2179084"/>
-              <a:gd name="connsiteX4" fmla="*/ 1 w 2121971"/>
-              <a:gd name="connsiteY4" fmla="*/ 1375987 h 2179084"/>
-            </a:gdLst>
-            <a:ahLst/>
-            <a:cxnLst>
-              <a:cxn ang="0">
-                <a:pos x="connsiteX0" y="connsiteY0"/>
-              </a:cxn>
-              <a:cxn ang="0">
-                <a:pos x="connsiteX1" y="connsiteY1"/>
-              </a:cxn>
-              <a:cxn ang="0">
-                <a:pos x="connsiteX2" y="connsiteY2"/>
-              </a:cxn>
-              <a:cxn ang="0">
-                <a:pos x="connsiteX3" y="connsiteY3"/>
-              </a:cxn>
-              <a:cxn ang="0">
-                <a:pos x="connsiteX4" y="connsiteY4"/>
-              </a:cxn>
-            </a:cxnLst>
-            <a:rect l="l" t="t" r="r" b="b"/>
-            <a:pathLst>
-              <a:path w="2121971" h="2179084">
-                <a:moveTo>
-                  <a:pt x="0" y="1375987"/>
-                </a:moveTo>
-                <a:lnTo>
-                  <a:pt x="1204646" y="0"/>
-                </a:lnTo>
-                <a:lnTo>
-                  <a:pt x="2121971" y="803097"/>
-                </a:lnTo>
-                <a:lnTo>
-                  <a:pt x="917326" y="2179084"/>
-                </a:lnTo>
-                <a:lnTo>
-                  <a:pt x="1" y="1375987"/>
-                </a:lnTo>
-                <a:close/>
-              </a:path>
-            </a:pathLst>
-          </a:custGeom>
+          </a:prstGeom>
         </p:spPr>
         <p:style>
           <a:lnRef idx="2">
@@ -13747,7 +10867,7 @@
     </p:spTree>
     <p:extLst>
       <p:ext uri="{BB962C8B-B14F-4D97-AF65-F5344CB8AC3E}">
-        <p14:creationId xmlns:p14="http://schemas.microsoft.com/office/powerpoint/2010/main" val="2843195506"/>
+        <p14:creationId xmlns:p14="http://schemas.microsoft.com/office/powerpoint/2010/main" val="3384378640"/>
       </p:ext>
     </p:extLst>
   </p:cSld>
@@ -13861,250 +10981,13 @@
           <p:nvPr/>
         </p:nvSpPr>
         <p:spPr>
-          <a:xfrm>
-            <a:off x="1781332" y="2596275"/>
-            <a:ext cx="2216907" cy="3234934"/>
-          </a:xfrm>
-          <a:custGeom>
+          <a:xfrm rot="18000000">
+            <a:off x="1116951" y="3613667"/>
+            <a:ext cx="3581400" cy="1066800"/>
+          </a:xfrm>
+          <a:prstGeom prst="rightArrow">
             <a:avLst/>
-            <a:gdLst>
-              <a:gd name="connsiteX0" fmla="*/ 0 w 3581400"/>
-              <a:gd name="connsiteY0" fmla="*/ 266700 h 1066800"/>
-              <a:gd name="connsiteX1" fmla="*/ 3048000 w 3581400"/>
-              <a:gd name="connsiteY1" fmla="*/ 266700 h 1066800"/>
-              <a:gd name="connsiteX2" fmla="*/ 3048000 w 3581400"/>
-              <a:gd name="connsiteY2" fmla="*/ 0 h 1066800"/>
-              <a:gd name="connsiteX3" fmla="*/ 3581400 w 3581400"/>
-              <a:gd name="connsiteY3" fmla="*/ 533400 h 1066800"/>
-              <a:gd name="connsiteX4" fmla="*/ 3048000 w 3581400"/>
-              <a:gd name="connsiteY4" fmla="*/ 1066800 h 1066800"/>
-              <a:gd name="connsiteX5" fmla="*/ 3048000 w 3581400"/>
-              <a:gd name="connsiteY5" fmla="*/ 800100 h 1066800"/>
-              <a:gd name="connsiteX6" fmla="*/ 0 w 3581400"/>
-              <a:gd name="connsiteY6" fmla="*/ 800100 h 1066800"/>
-              <a:gd name="connsiteX7" fmla="*/ 0 w 3581400"/>
-              <a:gd name="connsiteY7" fmla="*/ 266700 h 1066800"/>
-              <a:gd name="connsiteX0" fmla="*/ 5586387 w 9167787"/>
-              <a:gd name="connsiteY0" fmla="*/ 3760592 h 4560692"/>
-              <a:gd name="connsiteX1" fmla="*/ 0 w 9167787"/>
-              <a:gd name="connsiteY1" fmla="*/ 0 h 4560692"/>
-              <a:gd name="connsiteX2" fmla="*/ 8634387 w 9167787"/>
-              <a:gd name="connsiteY2" fmla="*/ 3760592 h 4560692"/>
-              <a:gd name="connsiteX3" fmla="*/ 8634387 w 9167787"/>
-              <a:gd name="connsiteY3" fmla="*/ 3493892 h 4560692"/>
-              <a:gd name="connsiteX4" fmla="*/ 9167787 w 9167787"/>
-              <a:gd name="connsiteY4" fmla="*/ 4027292 h 4560692"/>
-              <a:gd name="connsiteX5" fmla="*/ 8634387 w 9167787"/>
-              <a:gd name="connsiteY5" fmla="*/ 4560692 h 4560692"/>
-              <a:gd name="connsiteX6" fmla="*/ 8634387 w 9167787"/>
-              <a:gd name="connsiteY6" fmla="*/ 4293992 h 4560692"/>
-              <a:gd name="connsiteX7" fmla="*/ 5586387 w 9167787"/>
-              <a:gd name="connsiteY7" fmla="*/ 4293992 h 4560692"/>
-              <a:gd name="connsiteX8" fmla="*/ 5586387 w 9167787"/>
-              <a:gd name="connsiteY8" fmla="*/ 3760592 h 4560692"/>
-              <a:gd name="connsiteX0" fmla="*/ 0 w 3581400"/>
-              <a:gd name="connsiteY0" fmla="*/ 266700 h 1066800"/>
-              <a:gd name="connsiteX1" fmla="*/ 3048000 w 3581400"/>
-              <a:gd name="connsiteY1" fmla="*/ 266700 h 1066800"/>
-              <a:gd name="connsiteX2" fmla="*/ 3048000 w 3581400"/>
-              <a:gd name="connsiteY2" fmla="*/ 0 h 1066800"/>
-              <a:gd name="connsiteX3" fmla="*/ 3581400 w 3581400"/>
-              <a:gd name="connsiteY3" fmla="*/ 533400 h 1066800"/>
-              <a:gd name="connsiteX4" fmla="*/ 3048000 w 3581400"/>
-              <a:gd name="connsiteY4" fmla="*/ 1066800 h 1066800"/>
-              <a:gd name="connsiteX5" fmla="*/ 3048000 w 3581400"/>
-              <a:gd name="connsiteY5" fmla="*/ 800100 h 1066800"/>
-              <a:gd name="connsiteX6" fmla="*/ 0 w 3581400"/>
-              <a:gd name="connsiteY6" fmla="*/ 800100 h 1066800"/>
-              <a:gd name="connsiteX7" fmla="*/ 0 w 3581400"/>
-              <a:gd name="connsiteY7" fmla="*/ 266700 h 1066800"/>
-              <a:gd name="connsiteX0" fmla="*/ 664381 w 3581400"/>
-              <a:gd name="connsiteY0" fmla="*/ 1950842 h 1950842"/>
-              <a:gd name="connsiteX1" fmla="*/ 3048000 w 3581400"/>
-              <a:gd name="connsiteY1" fmla="*/ 266700 h 1950842"/>
-              <a:gd name="connsiteX2" fmla="*/ 3048000 w 3581400"/>
-              <a:gd name="connsiteY2" fmla="*/ 0 h 1950842"/>
-              <a:gd name="connsiteX3" fmla="*/ 3581400 w 3581400"/>
-              <a:gd name="connsiteY3" fmla="*/ 533400 h 1950842"/>
-              <a:gd name="connsiteX4" fmla="*/ 3048000 w 3581400"/>
-              <a:gd name="connsiteY4" fmla="*/ 1066800 h 1950842"/>
-              <a:gd name="connsiteX5" fmla="*/ 3048000 w 3581400"/>
-              <a:gd name="connsiteY5" fmla="*/ 800100 h 1950842"/>
-              <a:gd name="connsiteX6" fmla="*/ 0 w 3581400"/>
-              <a:gd name="connsiteY6" fmla="*/ 800100 h 1950842"/>
-              <a:gd name="connsiteX7" fmla="*/ 0 w 3581400"/>
-              <a:gd name="connsiteY7" fmla="*/ 266700 h 1950842"/>
-              <a:gd name="connsiteX0" fmla="*/ 664381 w 3581400"/>
-              <a:gd name="connsiteY0" fmla="*/ 2639646 h 2639646"/>
-              <a:gd name="connsiteX1" fmla="*/ 2188381 w 3581400"/>
-              <a:gd name="connsiteY1" fmla="*/ 0 h 2639646"/>
-              <a:gd name="connsiteX2" fmla="*/ 3048000 w 3581400"/>
-              <a:gd name="connsiteY2" fmla="*/ 688804 h 2639646"/>
-              <a:gd name="connsiteX3" fmla="*/ 3581400 w 3581400"/>
-              <a:gd name="connsiteY3" fmla="*/ 1222204 h 2639646"/>
-              <a:gd name="connsiteX4" fmla="*/ 3048000 w 3581400"/>
-              <a:gd name="connsiteY4" fmla="*/ 1755604 h 2639646"/>
-              <a:gd name="connsiteX5" fmla="*/ 3048000 w 3581400"/>
-              <a:gd name="connsiteY5" fmla="*/ 1488904 h 2639646"/>
-              <a:gd name="connsiteX6" fmla="*/ 0 w 3581400"/>
-              <a:gd name="connsiteY6" fmla="*/ 1488904 h 2639646"/>
-              <a:gd name="connsiteX7" fmla="*/ 0 w 3581400"/>
-              <a:gd name="connsiteY7" fmla="*/ 955504 h 2639646"/>
-              <a:gd name="connsiteX0" fmla="*/ 664381 w 3581400"/>
-              <a:gd name="connsiteY0" fmla="*/ 2772996 h 2772996"/>
-              <a:gd name="connsiteX1" fmla="*/ 2188381 w 3581400"/>
-              <a:gd name="connsiteY1" fmla="*/ 133350 h 2772996"/>
-              <a:gd name="connsiteX2" fmla="*/ 1957412 w 3581400"/>
-              <a:gd name="connsiteY2" fmla="*/ 0 h 2772996"/>
-              <a:gd name="connsiteX3" fmla="*/ 3581400 w 3581400"/>
-              <a:gd name="connsiteY3" fmla="*/ 1355554 h 2772996"/>
-              <a:gd name="connsiteX4" fmla="*/ 3048000 w 3581400"/>
-              <a:gd name="connsiteY4" fmla="*/ 1888954 h 2772996"/>
-              <a:gd name="connsiteX5" fmla="*/ 3048000 w 3581400"/>
-              <a:gd name="connsiteY5" fmla="*/ 1622254 h 2772996"/>
-              <a:gd name="connsiteX6" fmla="*/ 0 w 3581400"/>
-              <a:gd name="connsiteY6" fmla="*/ 1622254 h 2772996"/>
-              <a:gd name="connsiteX7" fmla="*/ 0 w 3581400"/>
-              <a:gd name="connsiteY7" fmla="*/ 1088854 h 2772996"/>
-              <a:gd name="connsiteX0" fmla="*/ 664381 w 3048000"/>
-              <a:gd name="connsiteY0" fmla="*/ 2968234 h 2968234"/>
-              <a:gd name="connsiteX1" fmla="*/ 2188381 w 3048000"/>
-              <a:gd name="connsiteY1" fmla="*/ 328588 h 2968234"/>
-              <a:gd name="connsiteX2" fmla="*/ 1957412 w 3048000"/>
-              <a:gd name="connsiteY2" fmla="*/ 195238 h 2968234"/>
-              <a:gd name="connsiteX3" fmla="*/ 2686050 w 3048000"/>
-              <a:gd name="connsiteY3" fmla="*/ 0 h 2968234"/>
-              <a:gd name="connsiteX4" fmla="*/ 3048000 w 3048000"/>
-              <a:gd name="connsiteY4" fmla="*/ 2084192 h 2968234"/>
-              <a:gd name="connsiteX5" fmla="*/ 3048000 w 3048000"/>
-              <a:gd name="connsiteY5" fmla="*/ 1817492 h 2968234"/>
-              <a:gd name="connsiteX6" fmla="*/ 0 w 3048000"/>
-              <a:gd name="connsiteY6" fmla="*/ 1817492 h 2968234"/>
-              <a:gd name="connsiteX7" fmla="*/ 0 w 3048000"/>
-              <a:gd name="connsiteY7" fmla="*/ 1284092 h 2968234"/>
-              <a:gd name="connsiteX0" fmla="*/ 664381 w 3048000"/>
-              <a:gd name="connsiteY0" fmla="*/ 2968234 h 2968234"/>
-              <a:gd name="connsiteX1" fmla="*/ 2188381 w 3048000"/>
-              <a:gd name="connsiteY1" fmla="*/ 328588 h 2968234"/>
-              <a:gd name="connsiteX2" fmla="*/ 1957412 w 3048000"/>
-              <a:gd name="connsiteY2" fmla="*/ 195238 h 2968234"/>
-              <a:gd name="connsiteX3" fmla="*/ 2686050 w 3048000"/>
-              <a:gd name="connsiteY3" fmla="*/ 0 h 2968234"/>
-              <a:gd name="connsiteX4" fmla="*/ 2881288 w 3048000"/>
-              <a:gd name="connsiteY4" fmla="*/ 728638 h 2968234"/>
-              <a:gd name="connsiteX5" fmla="*/ 3048000 w 3048000"/>
-              <a:gd name="connsiteY5" fmla="*/ 1817492 h 2968234"/>
-              <a:gd name="connsiteX6" fmla="*/ 0 w 3048000"/>
-              <a:gd name="connsiteY6" fmla="*/ 1817492 h 2968234"/>
-              <a:gd name="connsiteX7" fmla="*/ 0 w 3048000"/>
-              <a:gd name="connsiteY7" fmla="*/ 1284092 h 2968234"/>
-              <a:gd name="connsiteX0" fmla="*/ 664381 w 2881288"/>
-              <a:gd name="connsiteY0" fmla="*/ 2968234 h 2968234"/>
-              <a:gd name="connsiteX1" fmla="*/ 2188381 w 2881288"/>
-              <a:gd name="connsiteY1" fmla="*/ 328588 h 2968234"/>
-              <a:gd name="connsiteX2" fmla="*/ 1957412 w 2881288"/>
-              <a:gd name="connsiteY2" fmla="*/ 195238 h 2968234"/>
-              <a:gd name="connsiteX3" fmla="*/ 2686050 w 2881288"/>
-              <a:gd name="connsiteY3" fmla="*/ 0 h 2968234"/>
-              <a:gd name="connsiteX4" fmla="*/ 2881288 w 2881288"/>
-              <a:gd name="connsiteY4" fmla="*/ 728638 h 2968234"/>
-              <a:gd name="connsiteX5" fmla="*/ 2650319 w 2881288"/>
-              <a:gd name="connsiteY5" fmla="*/ 595288 h 2968234"/>
-              <a:gd name="connsiteX6" fmla="*/ 0 w 2881288"/>
-              <a:gd name="connsiteY6" fmla="*/ 1817492 h 2968234"/>
-              <a:gd name="connsiteX7" fmla="*/ 0 w 2881288"/>
-              <a:gd name="connsiteY7" fmla="*/ 1284092 h 2968234"/>
-              <a:gd name="connsiteX0" fmla="*/ 664381 w 2881288"/>
-              <a:gd name="connsiteY0" fmla="*/ 2968234 h 3234934"/>
-              <a:gd name="connsiteX1" fmla="*/ 2188381 w 2881288"/>
-              <a:gd name="connsiteY1" fmla="*/ 328588 h 3234934"/>
-              <a:gd name="connsiteX2" fmla="*/ 1957412 w 2881288"/>
-              <a:gd name="connsiteY2" fmla="*/ 195238 h 3234934"/>
-              <a:gd name="connsiteX3" fmla="*/ 2686050 w 2881288"/>
-              <a:gd name="connsiteY3" fmla="*/ 0 h 3234934"/>
-              <a:gd name="connsiteX4" fmla="*/ 2881288 w 2881288"/>
-              <a:gd name="connsiteY4" fmla="*/ 728638 h 3234934"/>
-              <a:gd name="connsiteX5" fmla="*/ 2650319 w 2881288"/>
-              <a:gd name="connsiteY5" fmla="*/ 595288 h 3234934"/>
-              <a:gd name="connsiteX6" fmla="*/ 1126319 w 2881288"/>
-              <a:gd name="connsiteY6" fmla="*/ 3234934 h 3234934"/>
-              <a:gd name="connsiteX7" fmla="*/ 0 w 2881288"/>
-              <a:gd name="connsiteY7" fmla="*/ 1284092 h 3234934"/>
-              <a:gd name="connsiteX0" fmla="*/ 0 w 2216907"/>
-              <a:gd name="connsiteY0" fmla="*/ 2968234 h 3234934"/>
-              <a:gd name="connsiteX1" fmla="*/ 1524000 w 2216907"/>
-              <a:gd name="connsiteY1" fmla="*/ 328588 h 3234934"/>
-              <a:gd name="connsiteX2" fmla="*/ 1293031 w 2216907"/>
-              <a:gd name="connsiteY2" fmla="*/ 195238 h 3234934"/>
-              <a:gd name="connsiteX3" fmla="*/ 2021669 w 2216907"/>
-              <a:gd name="connsiteY3" fmla="*/ 0 h 3234934"/>
-              <a:gd name="connsiteX4" fmla="*/ 2216907 w 2216907"/>
-              <a:gd name="connsiteY4" fmla="*/ 728638 h 3234934"/>
-              <a:gd name="connsiteX5" fmla="*/ 1985938 w 2216907"/>
-              <a:gd name="connsiteY5" fmla="*/ 595288 h 3234934"/>
-              <a:gd name="connsiteX6" fmla="*/ 461938 w 2216907"/>
-              <a:gd name="connsiteY6" fmla="*/ 3234934 h 3234934"/>
-              <a:gd name="connsiteX7" fmla="*/ 0 w 2216907"/>
-              <a:gd name="connsiteY7" fmla="*/ 2968234 h 3234934"/>
-            </a:gdLst>
-            <a:ahLst/>
-            <a:cxnLst>
-              <a:cxn ang="0">
-                <a:pos x="connsiteX0" y="connsiteY0"/>
-              </a:cxn>
-              <a:cxn ang="0">
-                <a:pos x="connsiteX1" y="connsiteY1"/>
-              </a:cxn>
-              <a:cxn ang="0">
-                <a:pos x="connsiteX2" y="connsiteY2"/>
-              </a:cxn>
-              <a:cxn ang="0">
-                <a:pos x="connsiteX3" y="connsiteY3"/>
-              </a:cxn>
-              <a:cxn ang="0">
-                <a:pos x="connsiteX4" y="connsiteY4"/>
-              </a:cxn>
-              <a:cxn ang="0">
-                <a:pos x="connsiteX5" y="connsiteY5"/>
-              </a:cxn>
-              <a:cxn ang="0">
-                <a:pos x="connsiteX6" y="connsiteY6"/>
-              </a:cxn>
-              <a:cxn ang="0">
-                <a:pos x="connsiteX7" y="connsiteY7"/>
-              </a:cxn>
-            </a:cxnLst>
-            <a:rect l="l" t="t" r="r" b="b"/>
-            <a:pathLst>
-              <a:path w="2216907" h="3234934">
-                <a:moveTo>
-                  <a:pt x="0" y="2968234"/>
-                </a:moveTo>
-                <a:lnTo>
-                  <a:pt x="1524000" y="328588"/>
-                </a:lnTo>
-                <a:lnTo>
-                  <a:pt x="1293031" y="195238"/>
-                </a:lnTo>
-                <a:lnTo>
-                  <a:pt x="2021669" y="0"/>
-                </a:lnTo>
-                <a:lnTo>
-                  <a:pt x="2216907" y="728638"/>
-                </a:lnTo>
-                <a:lnTo>
-                  <a:pt x="1985938" y="595288"/>
-                </a:lnTo>
-                <a:lnTo>
-                  <a:pt x="461938" y="3234934"/>
-                </a:lnTo>
-                <a:lnTo>
-                  <a:pt x="0" y="2968234"/>
-                </a:lnTo>
-                <a:close/>
-              </a:path>
-            </a:pathLst>
-          </a:custGeom>
+          </a:prstGeom>
         </p:spPr>
         <p:style>
           <a:lnRef idx="2">
@@ -14138,136 +11021,13 @@
           <p:nvPr/>
         </p:nvSpPr>
         <p:spPr>
-          <a:xfrm>
-            <a:off x="1828800" y="3124200"/>
-            <a:ext cx="2121971" cy="2179084"/>
-          </a:xfrm>
-          <a:custGeom>
+          <a:xfrm rot="18672083">
+            <a:off x="1975386" y="3604142"/>
+            <a:ext cx="1828800" cy="1219200"/>
+          </a:xfrm>
+          <a:prstGeom prst="rect">
             <a:avLst/>
-            <a:gdLst>
-              <a:gd name="connsiteX0" fmla="*/ 0 w 1828800"/>
-              <a:gd name="connsiteY0" fmla="*/ 0 h 1219200"/>
-              <a:gd name="connsiteX1" fmla="*/ 1828800 w 1828800"/>
-              <a:gd name="connsiteY1" fmla="*/ 0 h 1219200"/>
-              <a:gd name="connsiteX2" fmla="*/ 1828800 w 1828800"/>
-              <a:gd name="connsiteY2" fmla="*/ 1219200 h 1219200"/>
-              <a:gd name="connsiteX3" fmla="*/ 0 w 1828800"/>
-              <a:gd name="connsiteY3" fmla="*/ 1219200 h 1219200"/>
-              <a:gd name="connsiteX4" fmla="*/ 0 w 1828800"/>
-              <a:gd name="connsiteY4" fmla="*/ 0 h 1219200"/>
-              <a:gd name="connsiteX0" fmla="*/ 1975386 w 3804186"/>
-              <a:gd name="connsiteY0" fmla="*/ 3604142 h 4823342"/>
-              <a:gd name="connsiteX1" fmla="*/ 0 w 3804186"/>
-              <a:gd name="connsiteY1" fmla="*/ 0 h 4823342"/>
-              <a:gd name="connsiteX2" fmla="*/ 3804186 w 3804186"/>
-              <a:gd name="connsiteY2" fmla="*/ 3604142 h 4823342"/>
-              <a:gd name="connsiteX3" fmla="*/ 3804186 w 3804186"/>
-              <a:gd name="connsiteY3" fmla="*/ 4823342 h 4823342"/>
-              <a:gd name="connsiteX4" fmla="*/ 1975386 w 3804186"/>
-              <a:gd name="connsiteY4" fmla="*/ 4823342 h 4823342"/>
-              <a:gd name="connsiteX5" fmla="*/ 1975386 w 3804186"/>
-              <a:gd name="connsiteY5" fmla="*/ 3604142 h 4823342"/>
-              <a:gd name="connsiteX0" fmla="*/ 0 w 1828800"/>
-              <a:gd name="connsiteY0" fmla="*/ 0 h 1219200"/>
-              <a:gd name="connsiteX1" fmla="*/ 1828800 w 1828800"/>
-              <a:gd name="connsiteY1" fmla="*/ 0 h 1219200"/>
-              <a:gd name="connsiteX2" fmla="*/ 1828800 w 1828800"/>
-              <a:gd name="connsiteY2" fmla="*/ 1219200 h 1219200"/>
-              <a:gd name="connsiteX3" fmla="*/ 0 w 1828800"/>
-              <a:gd name="connsiteY3" fmla="*/ 1219200 h 1219200"/>
-              <a:gd name="connsiteX4" fmla="*/ 0 w 1828800"/>
-              <a:gd name="connsiteY4" fmla="*/ 0 h 1219200"/>
-              <a:gd name="connsiteX0" fmla="*/ 0 w 1975385"/>
-              <a:gd name="connsiteY0" fmla="*/ 896045 h 1219200"/>
-              <a:gd name="connsiteX1" fmla="*/ 1975385 w 1975385"/>
-              <a:gd name="connsiteY1" fmla="*/ 0 h 1219200"/>
-              <a:gd name="connsiteX2" fmla="*/ 1975385 w 1975385"/>
-              <a:gd name="connsiteY2" fmla="*/ 1219200 h 1219200"/>
-              <a:gd name="connsiteX3" fmla="*/ 146585 w 1975385"/>
-              <a:gd name="connsiteY3" fmla="*/ 1219200 h 1219200"/>
-              <a:gd name="connsiteX4" fmla="*/ 146585 w 1975385"/>
-              <a:gd name="connsiteY4" fmla="*/ 0 h 1219200"/>
-              <a:gd name="connsiteX0" fmla="*/ 0 w 1975385"/>
-              <a:gd name="connsiteY0" fmla="*/ 1375987 h 1699142"/>
-              <a:gd name="connsiteX1" fmla="*/ 1204646 w 1975385"/>
-              <a:gd name="connsiteY1" fmla="*/ 0 h 1699142"/>
-              <a:gd name="connsiteX2" fmla="*/ 1975385 w 1975385"/>
-              <a:gd name="connsiteY2" fmla="*/ 1699142 h 1699142"/>
-              <a:gd name="connsiteX3" fmla="*/ 146585 w 1975385"/>
-              <a:gd name="connsiteY3" fmla="*/ 1699142 h 1699142"/>
-              <a:gd name="connsiteX4" fmla="*/ 146585 w 1975385"/>
-              <a:gd name="connsiteY4" fmla="*/ 479942 h 1699142"/>
-              <a:gd name="connsiteX0" fmla="*/ 0 w 2121971"/>
-              <a:gd name="connsiteY0" fmla="*/ 1375987 h 1699142"/>
-              <a:gd name="connsiteX1" fmla="*/ 1204646 w 2121971"/>
-              <a:gd name="connsiteY1" fmla="*/ 0 h 1699142"/>
-              <a:gd name="connsiteX2" fmla="*/ 2121971 w 2121971"/>
-              <a:gd name="connsiteY2" fmla="*/ 803097 h 1699142"/>
-              <a:gd name="connsiteX3" fmla="*/ 146585 w 2121971"/>
-              <a:gd name="connsiteY3" fmla="*/ 1699142 h 1699142"/>
-              <a:gd name="connsiteX4" fmla="*/ 146585 w 2121971"/>
-              <a:gd name="connsiteY4" fmla="*/ 479942 h 1699142"/>
-              <a:gd name="connsiteX0" fmla="*/ 0 w 2121971"/>
-              <a:gd name="connsiteY0" fmla="*/ 1375987 h 2179084"/>
-              <a:gd name="connsiteX1" fmla="*/ 1204646 w 2121971"/>
-              <a:gd name="connsiteY1" fmla="*/ 0 h 2179084"/>
-              <a:gd name="connsiteX2" fmla="*/ 2121971 w 2121971"/>
-              <a:gd name="connsiteY2" fmla="*/ 803097 h 2179084"/>
-              <a:gd name="connsiteX3" fmla="*/ 917326 w 2121971"/>
-              <a:gd name="connsiteY3" fmla="*/ 2179084 h 2179084"/>
-              <a:gd name="connsiteX4" fmla="*/ 146585 w 2121971"/>
-              <a:gd name="connsiteY4" fmla="*/ 479942 h 2179084"/>
-              <a:gd name="connsiteX0" fmla="*/ 0 w 2121971"/>
-              <a:gd name="connsiteY0" fmla="*/ 1375987 h 2179084"/>
-              <a:gd name="connsiteX1" fmla="*/ 1204646 w 2121971"/>
-              <a:gd name="connsiteY1" fmla="*/ 0 h 2179084"/>
-              <a:gd name="connsiteX2" fmla="*/ 2121971 w 2121971"/>
-              <a:gd name="connsiteY2" fmla="*/ 803097 h 2179084"/>
-              <a:gd name="connsiteX3" fmla="*/ 917326 w 2121971"/>
-              <a:gd name="connsiteY3" fmla="*/ 2179084 h 2179084"/>
-              <a:gd name="connsiteX4" fmla="*/ 1 w 2121971"/>
-              <a:gd name="connsiteY4" fmla="*/ 1375987 h 2179084"/>
-            </a:gdLst>
-            <a:ahLst/>
-            <a:cxnLst>
-              <a:cxn ang="0">
-                <a:pos x="connsiteX0" y="connsiteY0"/>
-              </a:cxn>
-              <a:cxn ang="0">
-                <a:pos x="connsiteX1" y="connsiteY1"/>
-              </a:cxn>
-              <a:cxn ang="0">
-                <a:pos x="connsiteX2" y="connsiteY2"/>
-              </a:cxn>
-              <a:cxn ang="0">
-                <a:pos x="connsiteX3" y="connsiteY3"/>
-              </a:cxn>
-              <a:cxn ang="0">
-                <a:pos x="connsiteX4" y="connsiteY4"/>
-              </a:cxn>
-            </a:cxnLst>
-            <a:rect l="l" t="t" r="r" b="b"/>
-            <a:pathLst>
-              <a:path w="2121971" h="2179084">
-                <a:moveTo>
-                  <a:pt x="0" y="1375987"/>
-                </a:moveTo>
-                <a:lnTo>
-                  <a:pt x="1204646" y="0"/>
-                </a:lnTo>
-                <a:lnTo>
-                  <a:pt x="2121971" y="803097"/>
-                </a:lnTo>
-                <a:lnTo>
-                  <a:pt x="917326" y="2179084"/>
-                </a:lnTo>
-                <a:lnTo>
-                  <a:pt x="1" y="1375987"/>
-                </a:lnTo>
-                <a:close/>
-              </a:path>
-            </a:pathLst>
-          </a:custGeom>
+          </a:prstGeom>
         </p:spPr>
         <p:style>
           <a:lnRef idx="2">
@@ -14297,7 +11057,7 @@
     </p:spTree>
     <p:extLst>
       <p:ext uri="{BB962C8B-B14F-4D97-AF65-F5344CB8AC3E}">
-        <p14:creationId xmlns:p14="http://schemas.microsoft.com/office/powerpoint/2010/main" val="3366796483"/>
+        <p14:creationId xmlns:p14="http://schemas.microsoft.com/office/powerpoint/2010/main" val="136559887"/>
       </p:ext>
     </p:extLst>
   </p:cSld>
@@ -14775,7 +11535,7 @@
     </p:spTree>
     <p:extLst>
       <p:ext uri="{BB962C8B-B14F-4D97-AF65-F5344CB8AC3E}">
-        <p14:creationId xmlns:p14="http://schemas.microsoft.com/office/powerpoint/2010/main" val="1046166889"/>
+        <p14:creationId xmlns:p14="http://schemas.microsoft.com/office/powerpoint/2010/main" val="3522085531"/>
       </p:ext>
     </p:extLst>
   </p:cSld>
@@ -14965,7 +11725,7 @@
     </p:spTree>
     <p:extLst>
       <p:ext uri="{BB962C8B-B14F-4D97-AF65-F5344CB8AC3E}">
-        <p14:creationId xmlns:p14="http://schemas.microsoft.com/office/powerpoint/2010/main" val="1374420218"/>
+        <p14:creationId xmlns:p14="http://schemas.microsoft.com/office/powerpoint/2010/main" val="1071624470"/>
       </p:ext>
     </p:extLst>
   </p:cSld>
@@ -15155,7 +11915,7 @@
     </p:spTree>
     <p:extLst>
       <p:ext uri="{BB962C8B-B14F-4D97-AF65-F5344CB8AC3E}">
-        <p14:creationId xmlns:p14="http://schemas.microsoft.com/office/powerpoint/2010/main" val="3306132084"/>
+        <p14:creationId xmlns:p14="http://schemas.microsoft.com/office/powerpoint/2010/main" val="2593682250"/>
       </p:ext>
     </p:extLst>
   </p:cSld>
@@ -15345,7 +12105,7 @@
     </p:spTree>
     <p:extLst>
       <p:ext uri="{BB962C8B-B14F-4D97-AF65-F5344CB8AC3E}">
-        <p14:creationId xmlns:p14="http://schemas.microsoft.com/office/powerpoint/2010/main" val="282346367"/>
+        <p14:creationId xmlns:p14="http://schemas.microsoft.com/office/powerpoint/2010/main" val="2962328042"/>
       </p:ext>
     </p:extLst>
   </p:cSld>
@@ -15535,7 +12295,7 @@
     </p:spTree>
     <p:extLst>
       <p:ext uri="{BB962C8B-B14F-4D97-AF65-F5344CB8AC3E}">
-        <p14:creationId xmlns:p14="http://schemas.microsoft.com/office/powerpoint/2010/main" val="2932883338"/>
+        <p14:creationId xmlns:p14="http://schemas.microsoft.com/office/powerpoint/2010/main" val="2053414846"/>
       </p:ext>
     </p:extLst>
   </p:cSld>
@@ -15725,7 +12485,7 @@
     </p:spTree>
     <p:extLst>
       <p:ext uri="{BB962C8B-B14F-4D97-AF65-F5344CB8AC3E}">
-        <p14:creationId xmlns:p14="http://schemas.microsoft.com/office/powerpoint/2010/main" val="2192533724"/>
+        <p14:creationId xmlns:p14="http://schemas.microsoft.com/office/powerpoint/2010/main" val="2137249266"/>
       </p:ext>
     </p:extLst>
   </p:cSld>
@@ -15915,7 +12675,7 @@
     </p:spTree>
     <p:extLst>
       <p:ext uri="{BB962C8B-B14F-4D97-AF65-F5344CB8AC3E}">
-        <p14:creationId xmlns:p14="http://schemas.microsoft.com/office/powerpoint/2010/main" val="73585925"/>
+        <p14:creationId xmlns:p14="http://schemas.microsoft.com/office/powerpoint/2010/main" val="2735083615"/>
       </p:ext>
     </p:extLst>
   </p:cSld>
@@ -16105,7 +12865,7 @@
     </p:spTree>
     <p:extLst>
       <p:ext uri="{BB962C8B-B14F-4D97-AF65-F5344CB8AC3E}">
-        <p14:creationId xmlns:p14="http://schemas.microsoft.com/office/powerpoint/2010/main" val="1708627947"/>
+        <p14:creationId xmlns:p14="http://schemas.microsoft.com/office/powerpoint/2010/main" val="73621174"/>
       </p:ext>
     </p:extLst>
   </p:cSld>
@@ -16295,7 +13055,7 @@
     </p:spTree>
     <p:extLst>
       <p:ext uri="{BB962C8B-B14F-4D97-AF65-F5344CB8AC3E}">
-        <p14:creationId xmlns:p14="http://schemas.microsoft.com/office/powerpoint/2010/main" val="4070201812"/>
+        <p14:creationId xmlns:p14="http://schemas.microsoft.com/office/powerpoint/2010/main" val="2056133553"/>
       </p:ext>
     </p:extLst>
   </p:cSld>
@@ -16557,7 +13317,7 @@
     </p:spTree>
     <p:extLst>
       <p:ext uri="{BB962C8B-B14F-4D97-AF65-F5344CB8AC3E}">
-        <p14:creationId xmlns:p14="http://schemas.microsoft.com/office/powerpoint/2010/main" val="269745485"/>
+        <p14:creationId xmlns:p14="http://schemas.microsoft.com/office/powerpoint/2010/main" val="2600823986"/>
       </p:ext>
     </p:extLst>
   </p:cSld>
@@ -16747,7 +13507,7 @@
     </p:spTree>
     <p:extLst>
       <p:ext uri="{BB962C8B-B14F-4D97-AF65-F5344CB8AC3E}">
-        <p14:creationId xmlns:p14="http://schemas.microsoft.com/office/powerpoint/2010/main" val="774710383"/>
+        <p14:creationId xmlns:p14="http://schemas.microsoft.com/office/powerpoint/2010/main" val="2609725947"/>
       </p:ext>
     </p:extLst>
   </p:cSld>
@@ -16937,7 +13697,7 @@
     </p:spTree>
     <p:extLst>
       <p:ext uri="{BB962C8B-B14F-4D97-AF65-F5344CB8AC3E}">
-        <p14:creationId xmlns:p14="http://schemas.microsoft.com/office/powerpoint/2010/main" val="1380792489"/>
+        <p14:creationId xmlns:p14="http://schemas.microsoft.com/office/powerpoint/2010/main" val="1682452294"/>
       </p:ext>
     </p:extLst>
   </p:cSld>
@@ -17127,7 +13887,7 @@
     </p:spTree>
     <p:extLst>
       <p:ext uri="{BB962C8B-B14F-4D97-AF65-F5344CB8AC3E}">
-        <p14:creationId xmlns:p14="http://schemas.microsoft.com/office/powerpoint/2010/main" val="3068886937"/>
+        <p14:creationId xmlns:p14="http://schemas.microsoft.com/office/powerpoint/2010/main" val="3305010846"/>
       </p:ext>
     </p:extLst>
   </p:cSld>
@@ -17317,7 +14077,7 @@
     </p:spTree>
     <p:extLst>
       <p:ext uri="{BB962C8B-B14F-4D97-AF65-F5344CB8AC3E}">
-        <p14:creationId xmlns:p14="http://schemas.microsoft.com/office/powerpoint/2010/main" val="1091288708"/>
+        <p14:creationId xmlns:p14="http://schemas.microsoft.com/office/powerpoint/2010/main" val="3963964564"/>
       </p:ext>
     </p:extLst>
   </p:cSld>
@@ -17707,250 +14467,13 @@
           <p:nvPr/>
         </p:nvSpPr>
         <p:spPr>
-          <a:xfrm>
-            <a:off x="0" y="2476500"/>
-            <a:ext cx="2216907" cy="3234934"/>
-          </a:xfrm>
-          <a:custGeom>
+          <a:xfrm rot="18000000">
+            <a:off x="-664381" y="3493892"/>
+            <a:ext cx="3581400" cy="1066800"/>
+          </a:xfrm>
+          <a:prstGeom prst="rightArrow">
             <a:avLst/>
-            <a:gdLst>
-              <a:gd name="connsiteX0" fmla="*/ 0 w 3581400"/>
-              <a:gd name="connsiteY0" fmla="*/ 266700 h 1066800"/>
-              <a:gd name="connsiteX1" fmla="*/ 3048000 w 3581400"/>
-              <a:gd name="connsiteY1" fmla="*/ 266700 h 1066800"/>
-              <a:gd name="connsiteX2" fmla="*/ 3048000 w 3581400"/>
-              <a:gd name="connsiteY2" fmla="*/ 0 h 1066800"/>
-              <a:gd name="connsiteX3" fmla="*/ 3581400 w 3581400"/>
-              <a:gd name="connsiteY3" fmla="*/ 533400 h 1066800"/>
-              <a:gd name="connsiteX4" fmla="*/ 3048000 w 3581400"/>
-              <a:gd name="connsiteY4" fmla="*/ 1066800 h 1066800"/>
-              <a:gd name="connsiteX5" fmla="*/ 3048000 w 3581400"/>
-              <a:gd name="connsiteY5" fmla="*/ 800100 h 1066800"/>
-              <a:gd name="connsiteX6" fmla="*/ 0 w 3581400"/>
-              <a:gd name="connsiteY6" fmla="*/ 800100 h 1066800"/>
-              <a:gd name="connsiteX7" fmla="*/ 0 w 3581400"/>
-              <a:gd name="connsiteY7" fmla="*/ 266700 h 1066800"/>
-              <a:gd name="connsiteX0" fmla="*/ 5586387 w 9167787"/>
-              <a:gd name="connsiteY0" fmla="*/ 3760592 h 4560692"/>
-              <a:gd name="connsiteX1" fmla="*/ 0 w 9167787"/>
-              <a:gd name="connsiteY1" fmla="*/ 0 h 4560692"/>
-              <a:gd name="connsiteX2" fmla="*/ 8634387 w 9167787"/>
-              <a:gd name="connsiteY2" fmla="*/ 3760592 h 4560692"/>
-              <a:gd name="connsiteX3" fmla="*/ 8634387 w 9167787"/>
-              <a:gd name="connsiteY3" fmla="*/ 3493892 h 4560692"/>
-              <a:gd name="connsiteX4" fmla="*/ 9167787 w 9167787"/>
-              <a:gd name="connsiteY4" fmla="*/ 4027292 h 4560692"/>
-              <a:gd name="connsiteX5" fmla="*/ 8634387 w 9167787"/>
-              <a:gd name="connsiteY5" fmla="*/ 4560692 h 4560692"/>
-              <a:gd name="connsiteX6" fmla="*/ 8634387 w 9167787"/>
-              <a:gd name="connsiteY6" fmla="*/ 4293992 h 4560692"/>
-              <a:gd name="connsiteX7" fmla="*/ 5586387 w 9167787"/>
-              <a:gd name="connsiteY7" fmla="*/ 4293992 h 4560692"/>
-              <a:gd name="connsiteX8" fmla="*/ 5586387 w 9167787"/>
-              <a:gd name="connsiteY8" fmla="*/ 3760592 h 4560692"/>
-              <a:gd name="connsiteX0" fmla="*/ 0 w 3581400"/>
-              <a:gd name="connsiteY0" fmla="*/ 266700 h 1066800"/>
-              <a:gd name="connsiteX1" fmla="*/ 3048000 w 3581400"/>
-              <a:gd name="connsiteY1" fmla="*/ 266700 h 1066800"/>
-              <a:gd name="connsiteX2" fmla="*/ 3048000 w 3581400"/>
-              <a:gd name="connsiteY2" fmla="*/ 0 h 1066800"/>
-              <a:gd name="connsiteX3" fmla="*/ 3581400 w 3581400"/>
-              <a:gd name="connsiteY3" fmla="*/ 533400 h 1066800"/>
-              <a:gd name="connsiteX4" fmla="*/ 3048000 w 3581400"/>
-              <a:gd name="connsiteY4" fmla="*/ 1066800 h 1066800"/>
-              <a:gd name="connsiteX5" fmla="*/ 3048000 w 3581400"/>
-              <a:gd name="connsiteY5" fmla="*/ 800100 h 1066800"/>
-              <a:gd name="connsiteX6" fmla="*/ 0 w 3581400"/>
-              <a:gd name="connsiteY6" fmla="*/ 800100 h 1066800"/>
-              <a:gd name="connsiteX7" fmla="*/ 0 w 3581400"/>
-              <a:gd name="connsiteY7" fmla="*/ 266700 h 1066800"/>
-              <a:gd name="connsiteX0" fmla="*/ 664381 w 3581400"/>
-              <a:gd name="connsiteY0" fmla="*/ 1950842 h 1950842"/>
-              <a:gd name="connsiteX1" fmla="*/ 3048000 w 3581400"/>
-              <a:gd name="connsiteY1" fmla="*/ 266700 h 1950842"/>
-              <a:gd name="connsiteX2" fmla="*/ 3048000 w 3581400"/>
-              <a:gd name="connsiteY2" fmla="*/ 0 h 1950842"/>
-              <a:gd name="connsiteX3" fmla="*/ 3581400 w 3581400"/>
-              <a:gd name="connsiteY3" fmla="*/ 533400 h 1950842"/>
-              <a:gd name="connsiteX4" fmla="*/ 3048000 w 3581400"/>
-              <a:gd name="connsiteY4" fmla="*/ 1066800 h 1950842"/>
-              <a:gd name="connsiteX5" fmla="*/ 3048000 w 3581400"/>
-              <a:gd name="connsiteY5" fmla="*/ 800100 h 1950842"/>
-              <a:gd name="connsiteX6" fmla="*/ 0 w 3581400"/>
-              <a:gd name="connsiteY6" fmla="*/ 800100 h 1950842"/>
-              <a:gd name="connsiteX7" fmla="*/ 0 w 3581400"/>
-              <a:gd name="connsiteY7" fmla="*/ 266700 h 1950842"/>
-              <a:gd name="connsiteX0" fmla="*/ 664381 w 3581400"/>
-              <a:gd name="connsiteY0" fmla="*/ 2639646 h 2639646"/>
-              <a:gd name="connsiteX1" fmla="*/ 2188381 w 3581400"/>
-              <a:gd name="connsiteY1" fmla="*/ 0 h 2639646"/>
-              <a:gd name="connsiteX2" fmla="*/ 3048000 w 3581400"/>
-              <a:gd name="connsiteY2" fmla="*/ 688804 h 2639646"/>
-              <a:gd name="connsiteX3" fmla="*/ 3581400 w 3581400"/>
-              <a:gd name="connsiteY3" fmla="*/ 1222204 h 2639646"/>
-              <a:gd name="connsiteX4" fmla="*/ 3048000 w 3581400"/>
-              <a:gd name="connsiteY4" fmla="*/ 1755604 h 2639646"/>
-              <a:gd name="connsiteX5" fmla="*/ 3048000 w 3581400"/>
-              <a:gd name="connsiteY5" fmla="*/ 1488904 h 2639646"/>
-              <a:gd name="connsiteX6" fmla="*/ 0 w 3581400"/>
-              <a:gd name="connsiteY6" fmla="*/ 1488904 h 2639646"/>
-              <a:gd name="connsiteX7" fmla="*/ 0 w 3581400"/>
-              <a:gd name="connsiteY7" fmla="*/ 955504 h 2639646"/>
-              <a:gd name="connsiteX0" fmla="*/ 664381 w 3581400"/>
-              <a:gd name="connsiteY0" fmla="*/ 2772996 h 2772996"/>
-              <a:gd name="connsiteX1" fmla="*/ 2188381 w 3581400"/>
-              <a:gd name="connsiteY1" fmla="*/ 133350 h 2772996"/>
-              <a:gd name="connsiteX2" fmla="*/ 1957412 w 3581400"/>
-              <a:gd name="connsiteY2" fmla="*/ 0 h 2772996"/>
-              <a:gd name="connsiteX3" fmla="*/ 3581400 w 3581400"/>
-              <a:gd name="connsiteY3" fmla="*/ 1355554 h 2772996"/>
-              <a:gd name="connsiteX4" fmla="*/ 3048000 w 3581400"/>
-              <a:gd name="connsiteY4" fmla="*/ 1888954 h 2772996"/>
-              <a:gd name="connsiteX5" fmla="*/ 3048000 w 3581400"/>
-              <a:gd name="connsiteY5" fmla="*/ 1622254 h 2772996"/>
-              <a:gd name="connsiteX6" fmla="*/ 0 w 3581400"/>
-              <a:gd name="connsiteY6" fmla="*/ 1622254 h 2772996"/>
-              <a:gd name="connsiteX7" fmla="*/ 0 w 3581400"/>
-              <a:gd name="connsiteY7" fmla="*/ 1088854 h 2772996"/>
-              <a:gd name="connsiteX0" fmla="*/ 664381 w 3048000"/>
-              <a:gd name="connsiteY0" fmla="*/ 2968234 h 2968234"/>
-              <a:gd name="connsiteX1" fmla="*/ 2188381 w 3048000"/>
-              <a:gd name="connsiteY1" fmla="*/ 328588 h 2968234"/>
-              <a:gd name="connsiteX2" fmla="*/ 1957412 w 3048000"/>
-              <a:gd name="connsiteY2" fmla="*/ 195238 h 2968234"/>
-              <a:gd name="connsiteX3" fmla="*/ 2686050 w 3048000"/>
-              <a:gd name="connsiteY3" fmla="*/ 0 h 2968234"/>
-              <a:gd name="connsiteX4" fmla="*/ 3048000 w 3048000"/>
-              <a:gd name="connsiteY4" fmla="*/ 2084192 h 2968234"/>
-              <a:gd name="connsiteX5" fmla="*/ 3048000 w 3048000"/>
-              <a:gd name="connsiteY5" fmla="*/ 1817492 h 2968234"/>
-              <a:gd name="connsiteX6" fmla="*/ 0 w 3048000"/>
-              <a:gd name="connsiteY6" fmla="*/ 1817492 h 2968234"/>
-              <a:gd name="connsiteX7" fmla="*/ 0 w 3048000"/>
-              <a:gd name="connsiteY7" fmla="*/ 1284092 h 2968234"/>
-              <a:gd name="connsiteX0" fmla="*/ 664381 w 3048000"/>
-              <a:gd name="connsiteY0" fmla="*/ 2968234 h 2968234"/>
-              <a:gd name="connsiteX1" fmla="*/ 2188381 w 3048000"/>
-              <a:gd name="connsiteY1" fmla="*/ 328588 h 2968234"/>
-              <a:gd name="connsiteX2" fmla="*/ 1957412 w 3048000"/>
-              <a:gd name="connsiteY2" fmla="*/ 195238 h 2968234"/>
-              <a:gd name="connsiteX3" fmla="*/ 2686050 w 3048000"/>
-              <a:gd name="connsiteY3" fmla="*/ 0 h 2968234"/>
-              <a:gd name="connsiteX4" fmla="*/ 2881288 w 3048000"/>
-              <a:gd name="connsiteY4" fmla="*/ 728638 h 2968234"/>
-              <a:gd name="connsiteX5" fmla="*/ 3048000 w 3048000"/>
-              <a:gd name="connsiteY5" fmla="*/ 1817492 h 2968234"/>
-              <a:gd name="connsiteX6" fmla="*/ 0 w 3048000"/>
-              <a:gd name="connsiteY6" fmla="*/ 1817492 h 2968234"/>
-              <a:gd name="connsiteX7" fmla="*/ 0 w 3048000"/>
-              <a:gd name="connsiteY7" fmla="*/ 1284092 h 2968234"/>
-              <a:gd name="connsiteX0" fmla="*/ 664381 w 2881288"/>
-              <a:gd name="connsiteY0" fmla="*/ 2968234 h 2968234"/>
-              <a:gd name="connsiteX1" fmla="*/ 2188381 w 2881288"/>
-              <a:gd name="connsiteY1" fmla="*/ 328588 h 2968234"/>
-              <a:gd name="connsiteX2" fmla="*/ 1957412 w 2881288"/>
-              <a:gd name="connsiteY2" fmla="*/ 195238 h 2968234"/>
-              <a:gd name="connsiteX3" fmla="*/ 2686050 w 2881288"/>
-              <a:gd name="connsiteY3" fmla="*/ 0 h 2968234"/>
-              <a:gd name="connsiteX4" fmla="*/ 2881288 w 2881288"/>
-              <a:gd name="connsiteY4" fmla="*/ 728638 h 2968234"/>
-              <a:gd name="connsiteX5" fmla="*/ 2650319 w 2881288"/>
-              <a:gd name="connsiteY5" fmla="*/ 595288 h 2968234"/>
-              <a:gd name="connsiteX6" fmla="*/ 0 w 2881288"/>
-              <a:gd name="connsiteY6" fmla="*/ 1817492 h 2968234"/>
-              <a:gd name="connsiteX7" fmla="*/ 0 w 2881288"/>
-              <a:gd name="connsiteY7" fmla="*/ 1284092 h 2968234"/>
-              <a:gd name="connsiteX0" fmla="*/ 664381 w 2881288"/>
-              <a:gd name="connsiteY0" fmla="*/ 2968234 h 3234934"/>
-              <a:gd name="connsiteX1" fmla="*/ 2188381 w 2881288"/>
-              <a:gd name="connsiteY1" fmla="*/ 328588 h 3234934"/>
-              <a:gd name="connsiteX2" fmla="*/ 1957412 w 2881288"/>
-              <a:gd name="connsiteY2" fmla="*/ 195238 h 3234934"/>
-              <a:gd name="connsiteX3" fmla="*/ 2686050 w 2881288"/>
-              <a:gd name="connsiteY3" fmla="*/ 0 h 3234934"/>
-              <a:gd name="connsiteX4" fmla="*/ 2881288 w 2881288"/>
-              <a:gd name="connsiteY4" fmla="*/ 728638 h 3234934"/>
-              <a:gd name="connsiteX5" fmla="*/ 2650319 w 2881288"/>
-              <a:gd name="connsiteY5" fmla="*/ 595288 h 3234934"/>
-              <a:gd name="connsiteX6" fmla="*/ 1126319 w 2881288"/>
-              <a:gd name="connsiteY6" fmla="*/ 3234934 h 3234934"/>
-              <a:gd name="connsiteX7" fmla="*/ 0 w 2881288"/>
-              <a:gd name="connsiteY7" fmla="*/ 1284092 h 3234934"/>
-              <a:gd name="connsiteX0" fmla="*/ 0 w 2216907"/>
-              <a:gd name="connsiteY0" fmla="*/ 2968234 h 3234934"/>
-              <a:gd name="connsiteX1" fmla="*/ 1524000 w 2216907"/>
-              <a:gd name="connsiteY1" fmla="*/ 328588 h 3234934"/>
-              <a:gd name="connsiteX2" fmla="*/ 1293031 w 2216907"/>
-              <a:gd name="connsiteY2" fmla="*/ 195238 h 3234934"/>
-              <a:gd name="connsiteX3" fmla="*/ 2021669 w 2216907"/>
-              <a:gd name="connsiteY3" fmla="*/ 0 h 3234934"/>
-              <a:gd name="connsiteX4" fmla="*/ 2216907 w 2216907"/>
-              <a:gd name="connsiteY4" fmla="*/ 728638 h 3234934"/>
-              <a:gd name="connsiteX5" fmla="*/ 1985938 w 2216907"/>
-              <a:gd name="connsiteY5" fmla="*/ 595288 h 3234934"/>
-              <a:gd name="connsiteX6" fmla="*/ 461938 w 2216907"/>
-              <a:gd name="connsiteY6" fmla="*/ 3234934 h 3234934"/>
-              <a:gd name="connsiteX7" fmla="*/ 0 w 2216907"/>
-              <a:gd name="connsiteY7" fmla="*/ 2968234 h 3234934"/>
-            </a:gdLst>
-            <a:ahLst/>
-            <a:cxnLst>
-              <a:cxn ang="0">
-                <a:pos x="connsiteX0" y="connsiteY0"/>
-              </a:cxn>
-              <a:cxn ang="0">
-                <a:pos x="connsiteX1" y="connsiteY1"/>
-              </a:cxn>
-              <a:cxn ang="0">
-                <a:pos x="connsiteX2" y="connsiteY2"/>
-              </a:cxn>
-              <a:cxn ang="0">
-                <a:pos x="connsiteX3" y="connsiteY3"/>
-              </a:cxn>
-              <a:cxn ang="0">
-                <a:pos x="connsiteX4" y="connsiteY4"/>
-              </a:cxn>
-              <a:cxn ang="0">
-                <a:pos x="connsiteX5" y="connsiteY5"/>
-              </a:cxn>
-              <a:cxn ang="0">
-                <a:pos x="connsiteX6" y="connsiteY6"/>
-              </a:cxn>
-              <a:cxn ang="0">
-                <a:pos x="connsiteX7" y="connsiteY7"/>
-              </a:cxn>
-            </a:cxnLst>
-            <a:rect l="l" t="t" r="r" b="b"/>
-            <a:pathLst>
-              <a:path w="2216907" h="3234934">
-                <a:moveTo>
-                  <a:pt x="0" y="2968234"/>
-                </a:moveTo>
-                <a:lnTo>
-                  <a:pt x="1524000" y="328588"/>
-                </a:lnTo>
-                <a:lnTo>
-                  <a:pt x="1293031" y="195238"/>
-                </a:lnTo>
-                <a:lnTo>
-                  <a:pt x="2021669" y="0"/>
-                </a:lnTo>
-                <a:lnTo>
-                  <a:pt x="2216907" y="728638"/>
-                </a:lnTo>
-                <a:lnTo>
-                  <a:pt x="1985938" y="595288"/>
-                </a:lnTo>
-                <a:lnTo>
-                  <a:pt x="461938" y="3234934"/>
-                </a:lnTo>
-                <a:lnTo>
-                  <a:pt x="0" y="2968234"/>
-                </a:lnTo>
-                <a:close/>
-              </a:path>
-            </a:pathLst>
-          </a:custGeom>
+          </a:prstGeom>
         </p:spPr>
         <p:style>
           <a:lnRef idx="2">
@@ -17984,136 +14507,13 @@
           <p:nvPr/>
         </p:nvSpPr>
         <p:spPr>
-          <a:xfrm>
-            <a:off x="0" y="3124200"/>
-            <a:ext cx="2121971" cy="2179084"/>
-          </a:xfrm>
-          <a:custGeom>
+          <a:xfrm rot="18672083">
+            <a:off x="146586" y="3604142"/>
+            <a:ext cx="1828800" cy="1219200"/>
+          </a:xfrm>
+          <a:prstGeom prst="rect">
             <a:avLst/>
-            <a:gdLst>
-              <a:gd name="connsiteX0" fmla="*/ 0 w 1828800"/>
-              <a:gd name="connsiteY0" fmla="*/ 0 h 1219200"/>
-              <a:gd name="connsiteX1" fmla="*/ 1828800 w 1828800"/>
-              <a:gd name="connsiteY1" fmla="*/ 0 h 1219200"/>
-              <a:gd name="connsiteX2" fmla="*/ 1828800 w 1828800"/>
-              <a:gd name="connsiteY2" fmla="*/ 1219200 h 1219200"/>
-              <a:gd name="connsiteX3" fmla="*/ 0 w 1828800"/>
-              <a:gd name="connsiteY3" fmla="*/ 1219200 h 1219200"/>
-              <a:gd name="connsiteX4" fmla="*/ 0 w 1828800"/>
-              <a:gd name="connsiteY4" fmla="*/ 0 h 1219200"/>
-              <a:gd name="connsiteX0" fmla="*/ 1975386 w 3804186"/>
-              <a:gd name="connsiteY0" fmla="*/ 3604142 h 4823342"/>
-              <a:gd name="connsiteX1" fmla="*/ 0 w 3804186"/>
-              <a:gd name="connsiteY1" fmla="*/ 0 h 4823342"/>
-              <a:gd name="connsiteX2" fmla="*/ 3804186 w 3804186"/>
-              <a:gd name="connsiteY2" fmla="*/ 3604142 h 4823342"/>
-              <a:gd name="connsiteX3" fmla="*/ 3804186 w 3804186"/>
-              <a:gd name="connsiteY3" fmla="*/ 4823342 h 4823342"/>
-              <a:gd name="connsiteX4" fmla="*/ 1975386 w 3804186"/>
-              <a:gd name="connsiteY4" fmla="*/ 4823342 h 4823342"/>
-              <a:gd name="connsiteX5" fmla="*/ 1975386 w 3804186"/>
-              <a:gd name="connsiteY5" fmla="*/ 3604142 h 4823342"/>
-              <a:gd name="connsiteX0" fmla="*/ 0 w 1828800"/>
-              <a:gd name="connsiteY0" fmla="*/ 0 h 1219200"/>
-              <a:gd name="connsiteX1" fmla="*/ 1828800 w 1828800"/>
-              <a:gd name="connsiteY1" fmla="*/ 0 h 1219200"/>
-              <a:gd name="connsiteX2" fmla="*/ 1828800 w 1828800"/>
-              <a:gd name="connsiteY2" fmla="*/ 1219200 h 1219200"/>
-              <a:gd name="connsiteX3" fmla="*/ 0 w 1828800"/>
-              <a:gd name="connsiteY3" fmla="*/ 1219200 h 1219200"/>
-              <a:gd name="connsiteX4" fmla="*/ 0 w 1828800"/>
-              <a:gd name="connsiteY4" fmla="*/ 0 h 1219200"/>
-              <a:gd name="connsiteX0" fmla="*/ 0 w 1975385"/>
-              <a:gd name="connsiteY0" fmla="*/ 896045 h 1219200"/>
-              <a:gd name="connsiteX1" fmla="*/ 1975385 w 1975385"/>
-              <a:gd name="connsiteY1" fmla="*/ 0 h 1219200"/>
-              <a:gd name="connsiteX2" fmla="*/ 1975385 w 1975385"/>
-              <a:gd name="connsiteY2" fmla="*/ 1219200 h 1219200"/>
-              <a:gd name="connsiteX3" fmla="*/ 146585 w 1975385"/>
-              <a:gd name="connsiteY3" fmla="*/ 1219200 h 1219200"/>
-              <a:gd name="connsiteX4" fmla="*/ 146585 w 1975385"/>
-              <a:gd name="connsiteY4" fmla="*/ 0 h 1219200"/>
-              <a:gd name="connsiteX0" fmla="*/ 0 w 1975385"/>
-              <a:gd name="connsiteY0" fmla="*/ 1375987 h 1699142"/>
-              <a:gd name="connsiteX1" fmla="*/ 1204646 w 1975385"/>
-              <a:gd name="connsiteY1" fmla="*/ 0 h 1699142"/>
-              <a:gd name="connsiteX2" fmla="*/ 1975385 w 1975385"/>
-              <a:gd name="connsiteY2" fmla="*/ 1699142 h 1699142"/>
-              <a:gd name="connsiteX3" fmla="*/ 146585 w 1975385"/>
-              <a:gd name="connsiteY3" fmla="*/ 1699142 h 1699142"/>
-              <a:gd name="connsiteX4" fmla="*/ 146585 w 1975385"/>
-              <a:gd name="connsiteY4" fmla="*/ 479942 h 1699142"/>
-              <a:gd name="connsiteX0" fmla="*/ 0 w 2121971"/>
-              <a:gd name="connsiteY0" fmla="*/ 1375987 h 1699142"/>
-              <a:gd name="connsiteX1" fmla="*/ 1204646 w 2121971"/>
-              <a:gd name="connsiteY1" fmla="*/ 0 h 1699142"/>
-              <a:gd name="connsiteX2" fmla="*/ 2121971 w 2121971"/>
-              <a:gd name="connsiteY2" fmla="*/ 803097 h 1699142"/>
-              <a:gd name="connsiteX3" fmla="*/ 146585 w 2121971"/>
-              <a:gd name="connsiteY3" fmla="*/ 1699142 h 1699142"/>
-              <a:gd name="connsiteX4" fmla="*/ 146585 w 2121971"/>
-              <a:gd name="connsiteY4" fmla="*/ 479942 h 1699142"/>
-              <a:gd name="connsiteX0" fmla="*/ 0 w 2121971"/>
-              <a:gd name="connsiteY0" fmla="*/ 1375987 h 2179084"/>
-              <a:gd name="connsiteX1" fmla="*/ 1204646 w 2121971"/>
-              <a:gd name="connsiteY1" fmla="*/ 0 h 2179084"/>
-              <a:gd name="connsiteX2" fmla="*/ 2121971 w 2121971"/>
-              <a:gd name="connsiteY2" fmla="*/ 803097 h 2179084"/>
-              <a:gd name="connsiteX3" fmla="*/ 917326 w 2121971"/>
-              <a:gd name="connsiteY3" fmla="*/ 2179084 h 2179084"/>
-              <a:gd name="connsiteX4" fmla="*/ 146585 w 2121971"/>
-              <a:gd name="connsiteY4" fmla="*/ 479942 h 2179084"/>
-              <a:gd name="connsiteX0" fmla="*/ 0 w 2121971"/>
-              <a:gd name="connsiteY0" fmla="*/ 1375987 h 2179084"/>
-              <a:gd name="connsiteX1" fmla="*/ 1204646 w 2121971"/>
-              <a:gd name="connsiteY1" fmla="*/ 0 h 2179084"/>
-              <a:gd name="connsiteX2" fmla="*/ 2121971 w 2121971"/>
-              <a:gd name="connsiteY2" fmla="*/ 803097 h 2179084"/>
-              <a:gd name="connsiteX3" fmla="*/ 917326 w 2121971"/>
-              <a:gd name="connsiteY3" fmla="*/ 2179084 h 2179084"/>
-              <a:gd name="connsiteX4" fmla="*/ 1 w 2121971"/>
-              <a:gd name="connsiteY4" fmla="*/ 1375987 h 2179084"/>
-            </a:gdLst>
-            <a:ahLst/>
-            <a:cxnLst>
-              <a:cxn ang="0">
-                <a:pos x="connsiteX0" y="connsiteY0"/>
-              </a:cxn>
-              <a:cxn ang="0">
-                <a:pos x="connsiteX1" y="connsiteY1"/>
-              </a:cxn>
-              <a:cxn ang="0">
-                <a:pos x="connsiteX2" y="connsiteY2"/>
-              </a:cxn>
-              <a:cxn ang="0">
-                <a:pos x="connsiteX3" y="connsiteY3"/>
-              </a:cxn>
-              <a:cxn ang="0">
-                <a:pos x="connsiteX4" y="connsiteY4"/>
-              </a:cxn>
-            </a:cxnLst>
-            <a:rect l="l" t="t" r="r" b="b"/>
-            <a:pathLst>
-              <a:path w="2121971" h="2179084">
-                <a:moveTo>
-                  <a:pt x="0" y="1375987"/>
-                </a:moveTo>
-                <a:lnTo>
-                  <a:pt x="1204646" y="0"/>
-                </a:lnTo>
-                <a:lnTo>
-                  <a:pt x="2121971" y="803097"/>
-                </a:lnTo>
-                <a:lnTo>
-                  <a:pt x="917326" y="2179084"/>
-                </a:lnTo>
-                <a:lnTo>
-                  <a:pt x="1" y="1375987"/>
-                </a:lnTo>
-                <a:close/>
-              </a:path>
-            </a:pathLst>
-          </a:custGeom>
+          </a:prstGeom>
         </p:spPr>
         <p:style>
           <a:lnRef idx="2">
@@ -18143,7 +14543,7 @@
     </p:spTree>
     <p:extLst>
       <p:ext uri="{BB962C8B-B14F-4D97-AF65-F5344CB8AC3E}">
-        <p14:creationId xmlns:p14="http://schemas.microsoft.com/office/powerpoint/2010/main" val="3905290804"/>
+        <p14:creationId xmlns:p14="http://schemas.microsoft.com/office/powerpoint/2010/main" val="4079026568"/>
       </p:ext>
     </p:extLst>
   </p:cSld>
@@ -18257,250 +14657,13 @@
           <p:nvPr/>
         </p:nvSpPr>
         <p:spPr>
-          <a:xfrm>
-            <a:off x="6927093" y="2476500"/>
-            <a:ext cx="2216907" cy="3234934"/>
-          </a:xfrm>
-          <a:custGeom>
+          <a:xfrm rot="18000000">
+            <a:off x="6262712" y="3493892"/>
+            <a:ext cx="3581400" cy="1066800"/>
+          </a:xfrm>
+          <a:prstGeom prst="rightArrow">
             <a:avLst/>
-            <a:gdLst>
-              <a:gd name="connsiteX0" fmla="*/ 0 w 3581400"/>
-              <a:gd name="connsiteY0" fmla="*/ 266700 h 1066800"/>
-              <a:gd name="connsiteX1" fmla="*/ 3048000 w 3581400"/>
-              <a:gd name="connsiteY1" fmla="*/ 266700 h 1066800"/>
-              <a:gd name="connsiteX2" fmla="*/ 3048000 w 3581400"/>
-              <a:gd name="connsiteY2" fmla="*/ 0 h 1066800"/>
-              <a:gd name="connsiteX3" fmla="*/ 3581400 w 3581400"/>
-              <a:gd name="connsiteY3" fmla="*/ 533400 h 1066800"/>
-              <a:gd name="connsiteX4" fmla="*/ 3048000 w 3581400"/>
-              <a:gd name="connsiteY4" fmla="*/ 1066800 h 1066800"/>
-              <a:gd name="connsiteX5" fmla="*/ 3048000 w 3581400"/>
-              <a:gd name="connsiteY5" fmla="*/ 800100 h 1066800"/>
-              <a:gd name="connsiteX6" fmla="*/ 0 w 3581400"/>
-              <a:gd name="connsiteY6" fmla="*/ 800100 h 1066800"/>
-              <a:gd name="connsiteX7" fmla="*/ 0 w 3581400"/>
-              <a:gd name="connsiteY7" fmla="*/ 266700 h 1066800"/>
-              <a:gd name="connsiteX0" fmla="*/ 5586387 w 9167787"/>
-              <a:gd name="connsiteY0" fmla="*/ 3760592 h 4560692"/>
-              <a:gd name="connsiteX1" fmla="*/ 0 w 9167787"/>
-              <a:gd name="connsiteY1" fmla="*/ 0 h 4560692"/>
-              <a:gd name="connsiteX2" fmla="*/ 8634387 w 9167787"/>
-              <a:gd name="connsiteY2" fmla="*/ 3760592 h 4560692"/>
-              <a:gd name="connsiteX3" fmla="*/ 8634387 w 9167787"/>
-              <a:gd name="connsiteY3" fmla="*/ 3493892 h 4560692"/>
-              <a:gd name="connsiteX4" fmla="*/ 9167787 w 9167787"/>
-              <a:gd name="connsiteY4" fmla="*/ 4027292 h 4560692"/>
-              <a:gd name="connsiteX5" fmla="*/ 8634387 w 9167787"/>
-              <a:gd name="connsiteY5" fmla="*/ 4560692 h 4560692"/>
-              <a:gd name="connsiteX6" fmla="*/ 8634387 w 9167787"/>
-              <a:gd name="connsiteY6" fmla="*/ 4293992 h 4560692"/>
-              <a:gd name="connsiteX7" fmla="*/ 5586387 w 9167787"/>
-              <a:gd name="connsiteY7" fmla="*/ 4293992 h 4560692"/>
-              <a:gd name="connsiteX8" fmla="*/ 5586387 w 9167787"/>
-              <a:gd name="connsiteY8" fmla="*/ 3760592 h 4560692"/>
-              <a:gd name="connsiteX0" fmla="*/ 0 w 3581400"/>
-              <a:gd name="connsiteY0" fmla="*/ 266700 h 1066800"/>
-              <a:gd name="connsiteX1" fmla="*/ 3048000 w 3581400"/>
-              <a:gd name="connsiteY1" fmla="*/ 266700 h 1066800"/>
-              <a:gd name="connsiteX2" fmla="*/ 3048000 w 3581400"/>
-              <a:gd name="connsiteY2" fmla="*/ 0 h 1066800"/>
-              <a:gd name="connsiteX3" fmla="*/ 3581400 w 3581400"/>
-              <a:gd name="connsiteY3" fmla="*/ 533400 h 1066800"/>
-              <a:gd name="connsiteX4" fmla="*/ 3048000 w 3581400"/>
-              <a:gd name="connsiteY4" fmla="*/ 1066800 h 1066800"/>
-              <a:gd name="connsiteX5" fmla="*/ 3048000 w 3581400"/>
-              <a:gd name="connsiteY5" fmla="*/ 800100 h 1066800"/>
-              <a:gd name="connsiteX6" fmla="*/ 0 w 3581400"/>
-              <a:gd name="connsiteY6" fmla="*/ 800100 h 1066800"/>
-              <a:gd name="connsiteX7" fmla="*/ 0 w 3581400"/>
-              <a:gd name="connsiteY7" fmla="*/ 266700 h 1066800"/>
-              <a:gd name="connsiteX0" fmla="*/ 664381 w 3581400"/>
-              <a:gd name="connsiteY0" fmla="*/ 1950842 h 1950842"/>
-              <a:gd name="connsiteX1" fmla="*/ 3048000 w 3581400"/>
-              <a:gd name="connsiteY1" fmla="*/ 266700 h 1950842"/>
-              <a:gd name="connsiteX2" fmla="*/ 3048000 w 3581400"/>
-              <a:gd name="connsiteY2" fmla="*/ 0 h 1950842"/>
-              <a:gd name="connsiteX3" fmla="*/ 3581400 w 3581400"/>
-              <a:gd name="connsiteY3" fmla="*/ 533400 h 1950842"/>
-              <a:gd name="connsiteX4" fmla="*/ 3048000 w 3581400"/>
-              <a:gd name="connsiteY4" fmla="*/ 1066800 h 1950842"/>
-              <a:gd name="connsiteX5" fmla="*/ 3048000 w 3581400"/>
-              <a:gd name="connsiteY5" fmla="*/ 800100 h 1950842"/>
-              <a:gd name="connsiteX6" fmla="*/ 0 w 3581400"/>
-              <a:gd name="connsiteY6" fmla="*/ 800100 h 1950842"/>
-              <a:gd name="connsiteX7" fmla="*/ 0 w 3581400"/>
-              <a:gd name="connsiteY7" fmla="*/ 266700 h 1950842"/>
-              <a:gd name="connsiteX0" fmla="*/ 664381 w 3581400"/>
-              <a:gd name="connsiteY0" fmla="*/ 2639646 h 2639646"/>
-              <a:gd name="connsiteX1" fmla="*/ 2188381 w 3581400"/>
-              <a:gd name="connsiteY1" fmla="*/ 0 h 2639646"/>
-              <a:gd name="connsiteX2" fmla="*/ 3048000 w 3581400"/>
-              <a:gd name="connsiteY2" fmla="*/ 688804 h 2639646"/>
-              <a:gd name="connsiteX3" fmla="*/ 3581400 w 3581400"/>
-              <a:gd name="connsiteY3" fmla="*/ 1222204 h 2639646"/>
-              <a:gd name="connsiteX4" fmla="*/ 3048000 w 3581400"/>
-              <a:gd name="connsiteY4" fmla="*/ 1755604 h 2639646"/>
-              <a:gd name="connsiteX5" fmla="*/ 3048000 w 3581400"/>
-              <a:gd name="connsiteY5" fmla="*/ 1488904 h 2639646"/>
-              <a:gd name="connsiteX6" fmla="*/ 0 w 3581400"/>
-              <a:gd name="connsiteY6" fmla="*/ 1488904 h 2639646"/>
-              <a:gd name="connsiteX7" fmla="*/ 0 w 3581400"/>
-              <a:gd name="connsiteY7" fmla="*/ 955504 h 2639646"/>
-              <a:gd name="connsiteX0" fmla="*/ 664381 w 3581400"/>
-              <a:gd name="connsiteY0" fmla="*/ 2772996 h 2772996"/>
-              <a:gd name="connsiteX1" fmla="*/ 2188381 w 3581400"/>
-              <a:gd name="connsiteY1" fmla="*/ 133350 h 2772996"/>
-              <a:gd name="connsiteX2" fmla="*/ 1957412 w 3581400"/>
-              <a:gd name="connsiteY2" fmla="*/ 0 h 2772996"/>
-              <a:gd name="connsiteX3" fmla="*/ 3581400 w 3581400"/>
-              <a:gd name="connsiteY3" fmla="*/ 1355554 h 2772996"/>
-              <a:gd name="connsiteX4" fmla="*/ 3048000 w 3581400"/>
-              <a:gd name="connsiteY4" fmla="*/ 1888954 h 2772996"/>
-              <a:gd name="connsiteX5" fmla="*/ 3048000 w 3581400"/>
-              <a:gd name="connsiteY5" fmla="*/ 1622254 h 2772996"/>
-              <a:gd name="connsiteX6" fmla="*/ 0 w 3581400"/>
-              <a:gd name="connsiteY6" fmla="*/ 1622254 h 2772996"/>
-              <a:gd name="connsiteX7" fmla="*/ 0 w 3581400"/>
-              <a:gd name="connsiteY7" fmla="*/ 1088854 h 2772996"/>
-              <a:gd name="connsiteX0" fmla="*/ 664381 w 3048000"/>
-              <a:gd name="connsiteY0" fmla="*/ 2968234 h 2968234"/>
-              <a:gd name="connsiteX1" fmla="*/ 2188381 w 3048000"/>
-              <a:gd name="connsiteY1" fmla="*/ 328588 h 2968234"/>
-              <a:gd name="connsiteX2" fmla="*/ 1957412 w 3048000"/>
-              <a:gd name="connsiteY2" fmla="*/ 195238 h 2968234"/>
-              <a:gd name="connsiteX3" fmla="*/ 2686050 w 3048000"/>
-              <a:gd name="connsiteY3" fmla="*/ 0 h 2968234"/>
-              <a:gd name="connsiteX4" fmla="*/ 3048000 w 3048000"/>
-              <a:gd name="connsiteY4" fmla="*/ 2084192 h 2968234"/>
-              <a:gd name="connsiteX5" fmla="*/ 3048000 w 3048000"/>
-              <a:gd name="connsiteY5" fmla="*/ 1817492 h 2968234"/>
-              <a:gd name="connsiteX6" fmla="*/ 0 w 3048000"/>
-              <a:gd name="connsiteY6" fmla="*/ 1817492 h 2968234"/>
-              <a:gd name="connsiteX7" fmla="*/ 0 w 3048000"/>
-              <a:gd name="connsiteY7" fmla="*/ 1284092 h 2968234"/>
-              <a:gd name="connsiteX0" fmla="*/ 664381 w 3048000"/>
-              <a:gd name="connsiteY0" fmla="*/ 2968234 h 2968234"/>
-              <a:gd name="connsiteX1" fmla="*/ 2188381 w 3048000"/>
-              <a:gd name="connsiteY1" fmla="*/ 328588 h 2968234"/>
-              <a:gd name="connsiteX2" fmla="*/ 1957412 w 3048000"/>
-              <a:gd name="connsiteY2" fmla="*/ 195238 h 2968234"/>
-              <a:gd name="connsiteX3" fmla="*/ 2686050 w 3048000"/>
-              <a:gd name="connsiteY3" fmla="*/ 0 h 2968234"/>
-              <a:gd name="connsiteX4" fmla="*/ 2881288 w 3048000"/>
-              <a:gd name="connsiteY4" fmla="*/ 728638 h 2968234"/>
-              <a:gd name="connsiteX5" fmla="*/ 3048000 w 3048000"/>
-              <a:gd name="connsiteY5" fmla="*/ 1817492 h 2968234"/>
-              <a:gd name="connsiteX6" fmla="*/ 0 w 3048000"/>
-              <a:gd name="connsiteY6" fmla="*/ 1817492 h 2968234"/>
-              <a:gd name="connsiteX7" fmla="*/ 0 w 3048000"/>
-              <a:gd name="connsiteY7" fmla="*/ 1284092 h 2968234"/>
-              <a:gd name="connsiteX0" fmla="*/ 664381 w 2881288"/>
-              <a:gd name="connsiteY0" fmla="*/ 2968234 h 2968234"/>
-              <a:gd name="connsiteX1" fmla="*/ 2188381 w 2881288"/>
-              <a:gd name="connsiteY1" fmla="*/ 328588 h 2968234"/>
-              <a:gd name="connsiteX2" fmla="*/ 1957412 w 2881288"/>
-              <a:gd name="connsiteY2" fmla="*/ 195238 h 2968234"/>
-              <a:gd name="connsiteX3" fmla="*/ 2686050 w 2881288"/>
-              <a:gd name="connsiteY3" fmla="*/ 0 h 2968234"/>
-              <a:gd name="connsiteX4" fmla="*/ 2881288 w 2881288"/>
-              <a:gd name="connsiteY4" fmla="*/ 728638 h 2968234"/>
-              <a:gd name="connsiteX5" fmla="*/ 2650319 w 2881288"/>
-              <a:gd name="connsiteY5" fmla="*/ 595288 h 2968234"/>
-              <a:gd name="connsiteX6" fmla="*/ 0 w 2881288"/>
-              <a:gd name="connsiteY6" fmla="*/ 1817492 h 2968234"/>
-              <a:gd name="connsiteX7" fmla="*/ 0 w 2881288"/>
-              <a:gd name="connsiteY7" fmla="*/ 1284092 h 2968234"/>
-              <a:gd name="connsiteX0" fmla="*/ 664381 w 2881288"/>
-              <a:gd name="connsiteY0" fmla="*/ 2968234 h 3234934"/>
-              <a:gd name="connsiteX1" fmla="*/ 2188381 w 2881288"/>
-              <a:gd name="connsiteY1" fmla="*/ 328588 h 3234934"/>
-              <a:gd name="connsiteX2" fmla="*/ 1957412 w 2881288"/>
-              <a:gd name="connsiteY2" fmla="*/ 195238 h 3234934"/>
-              <a:gd name="connsiteX3" fmla="*/ 2686050 w 2881288"/>
-              <a:gd name="connsiteY3" fmla="*/ 0 h 3234934"/>
-              <a:gd name="connsiteX4" fmla="*/ 2881288 w 2881288"/>
-              <a:gd name="connsiteY4" fmla="*/ 728638 h 3234934"/>
-              <a:gd name="connsiteX5" fmla="*/ 2650319 w 2881288"/>
-              <a:gd name="connsiteY5" fmla="*/ 595288 h 3234934"/>
-              <a:gd name="connsiteX6" fmla="*/ 1126319 w 2881288"/>
-              <a:gd name="connsiteY6" fmla="*/ 3234934 h 3234934"/>
-              <a:gd name="connsiteX7" fmla="*/ 0 w 2881288"/>
-              <a:gd name="connsiteY7" fmla="*/ 1284092 h 3234934"/>
-              <a:gd name="connsiteX0" fmla="*/ 0 w 2216907"/>
-              <a:gd name="connsiteY0" fmla="*/ 2968234 h 3234934"/>
-              <a:gd name="connsiteX1" fmla="*/ 1524000 w 2216907"/>
-              <a:gd name="connsiteY1" fmla="*/ 328588 h 3234934"/>
-              <a:gd name="connsiteX2" fmla="*/ 1293031 w 2216907"/>
-              <a:gd name="connsiteY2" fmla="*/ 195238 h 3234934"/>
-              <a:gd name="connsiteX3" fmla="*/ 2021669 w 2216907"/>
-              <a:gd name="connsiteY3" fmla="*/ 0 h 3234934"/>
-              <a:gd name="connsiteX4" fmla="*/ 2216907 w 2216907"/>
-              <a:gd name="connsiteY4" fmla="*/ 728638 h 3234934"/>
-              <a:gd name="connsiteX5" fmla="*/ 1985938 w 2216907"/>
-              <a:gd name="connsiteY5" fmla="*/ 595288 h 3234934"/>
-              <a:gd name="connsiteX6" fmla="*/ 461938 w 2216907"/>
-              <a:gd name="connsiteY6" fmla="*/ 3234934 h 3234934"/>
-              <a:gd name="connsiteX7" fmla="*/ 0 w 2216907"/>
-              <a:gd name="connsiteY7" fmla="*/ 2968234 h 3234934"/>
-            </a:gdLst>
-            <a:ahLst/>
-            <a:cxnLst>
-              <a:cxn ang="0">
-                <a:pos x="connsiteX0" y="connsiteY0"/>
-              </a:cxn>
-              <a:cxn ang="0">
-                <a:pos x="connsiteX1" y="connsiteY1"/>
-              </a:cxn>
-              <a:cxn ang="0">
-                <a:pos x="connsiteX2" y="connsiteY2"/>
-              </a:cxn>
-              <a:cxn ang="0">
-                <a:pos x="connsiteX3" y="connsiteY3"/>
-              </a:cxn>
-              <a:cxn ang="0">
-                <a:pos x="connsiteX4" y="connsiteY4"/>
-              </a:cxn>
-              <a:cxn ang="0">
-                <a:pos x="connsiteX5" y="connsiteY5"/>
-              </a:cxn>
-              <a:cxn ang="0">
-                <a:pos x="connsiteX6" y="connsiteY6"/>
-              </a:cxn>
-              <a:cxn ang="0">
-                <a:pos x="connsiteX7" y="connsiteY7"/>
-              </a:cxn>
-            </a:cxnLst>
-            <a:rect l="l" t="t" r="r" b="b"/>
-            <a:pathLst>
-              <a:path w="2216907" h="3234934">
-                <a:moveTo>
-                  <a:pt x="0" y="2968234"/>
-                </a:moveTo>
-                <a:lnTo>
-                  <a:pt x="1524000" y="328588"/>
-                </a:lnTo>
-                <a:lnTo>
-                  <a:pt x="1293031" y="195238"/>
-                </a:lnTo>
-                <a:lnTo>
-                  <a:pt x="2021669" y="0"/>
-                </a:lnTo>
-                <a:lnTo>
-                  <a:pt x="2216907" y="728638"/>
-                </a:lnTo>
-                <a:lnTo>
-                  <a:pt x="1985938" y="595288"/>
-                </a:lnTo>
-                <a:lnTo>
-                  <a:pt x="461938" y="3234934"/>
-                </a:lnTo>
-                <a:lnTo>
-                  <a:pt x="0" y="2968234"/>
-                </a:lnTo>
-                <a:close/>
-              </a:path>
-            </a:pathLst>
-          </a:custGeom>
+          </a:prstGeom>
         </p:spPr>
         <p:style>
           <a:lnRef idx="2">
@@ -18534,136 +14697,13 @@
           <p:nvPr/>
         </p:nvSpPr>
         <p:spPr>
-          <a:xfrm>
-            <a:off x="7022029" y="3124200"/>
-            <a:ext cx="2121971" cy="2179084"/>
-          </a:xfrm>
-          <a:custGeom>
+          <a:xfrm rot="18672083">
+            <a:off x="7168615" y="3604142"/>
+            <a:ext cx="1828800" cy="1219200"/>
+          </a:xfrm>
+          <a:prstGeom prst="rect">
             <a:avLst/>
-            <a:gdLst>
-              <a:gd name="connsiteX0" fmla="*/ 0 w 1828800"/>
-              <a:gd name="connsiteY0" fmla="*/ 0 h 1219200"/>
-              <a:gd name="connsiteX1" fmla="*/ 1828800 w 1828800"/>
-              <a:gd name="connsiteY1" fmla="*/ 0 h 1219200"/>
-              <a:gd name="connsiteX2" fmla="*/ 1828800 w 1828800"/>
-              <a:gd name="connsiteY2" fmla="*/ 1219200 h 1219200"/>
-              <a:gd name="connsiteX3" fmla="*/ 0 w 1828800"/>
-              <a:gd name="connsiteY3" fmla="*/ 1219200 h 1219200"/>
-              <a:gd name="connsiteX4" fmla="*/ 0 w 1828800"/>
-              <a:gd name="connsiteY4" fmla="*/ 0 h 1219200"/>
-              <a:gd name="connsiteX0" fmla="*/ 1975386 w 3804186"/>
-              <a:gd name="connsiteY0" fmla="*/ 3604142 h 4823342"/>
-              <a:gd name="connsiteX1" fmla="*/ 0 w 3804186"/>
-              <a:gd name="connsiteY1" fmla="*/ 0 h 4823342"/>
-              <a:gd name="connsiteX2" fmla="*/ 3804186 w 3804186"/>
-              <a:gd name="connsiteY2" fmla="*/ 3604142 h 4823342"/>
-              <a:gd name="connsiteX3" fmla="*/ 3804186 w 3804186"/>
-              <a:gd name="connsiteY3" fmla="*/ 4823342 h 4823342"/>
-              <a:gd name="connsiteX4" fmla="*/ 1975386 w 3804186"/>
-              <a:gd name="connsiteY4" fmla="*/ 4823342 h 4823342"/>
-              <a:gd name="connsiteX5" fmla="*/ 1975386 w 3804186"/>
-              <a:gd name="connsiteY5" fmla="*/ 3604142 h 4823342"/>
-              <a:gd name="connsiteX0" fmla="*/ 0 w 1828800"/>
-              <a:gd name="connsiteY0" fmla="*/ 0 h 1219200"/>
-              <a:gd name="connsiteX1" fmla="*/ 1828800 w 1828800"/>
-              <a:gd name="connsiteY1" fmla="*/ 0 h 1219200"/>
-              <a:gd name="connsiteX2" fmla="*/ 1828800 w 1828800"/>
-              <a:gd name="connsiteY2" fmla="*/ 1219200 h 1219200"/>
-              <a:gd name="connsiteX3" fmla="*/ 0 w 1828800"/>
-              <a:gd name="connsiteY3" fmla="*/ 1219200 h 1219200"/>
-              <a:gd name="connsiteX4" fmla="*/ 0 w 1828800"/>
-              <a:gd name="connsiteY4" fmla="*/ 0 h 1219200"/>
-              <a:gd name="connsiteX0" fmla="*/ 0 w 1975385"/>
-              <a:gd name="connsiteY0" fmla="*/ 896045 h 1219200"/>
-              <a:gd name="connsiteX1" fmla="*/ 1975385 w 1975385"/>
-              <a:gd name="connsiteY1" fmla="*/ 0 h 1219200"/>
-              <a:gd name="connsiteX2" fmla="*/ 1975385 w 1975385"/>
-              <a:gd name="connsiteY2" fmla="*/ 1219200 h 1219200"/>
-              <a:gd name="connsiteX3" fmla="*/ 146585 w 1975385"/>
-              <a:gd name="connsiteY3" fmla="*/ 1219200 h 1219200"/>
-              <a:gd name="connsiteX4" fmla="*/ 146585 w 1975385"/>
-              <a:gd name="connsiteY4" fmla="*/ 0 h 1219200"/>
-              <a:gd name="connsiteX0" fmla="*/ 0 w 1975385"/>
-              <a:gd name="connsiteY0" fmla="*/ 1375987 h 1699142"/>
-              <a:gd name="connsiteX1" fmla="*/ 1204646 w 1975385"/>
-              <a:gd name="connsiteY1" fmla="*/ 0 h 1699142"/>
-              <a:gd name="connsiteX2" fmla="*/ 1975385 w 1975385"/>
-              <a:gd name="connsiteY2" fmla="*/ 1699142 h 1699142"/>
-              <a:gd name="connsiteX3" fmla="*/ 146585 w 1975385"/>
-              <a:gd name="connsiteY3" fmla="*/ 1699142 h 1699142"/>
-              <a:gd name="connsiteX4" fmla="*/ 146585 w 1975385"/>
-              <a:gd name="connsiteY4" fmla="*/ 479942 h 1699142"/>
-              <a:gd name="connsiteX0" fmla="*/ 0 w 2121971"/>
-              <a:gd name="connsiteY0" fmla="*/ 1375987 h 1699142"/>
-              <a:gd name="connsiteX1" fmla="*/ 1204646 w 2121971"/>
-              <a:gd name="connsiteY1" fmla="*/ 0 h 1699142"/>
-              <a:gd name="connsiteX2" fmla="*/ 2121971 w 2121971"/>
-              <a:gd name="connsiteY2" fmla="*/ 803097 h 1699142"/>
-              <a:gd name="connsiteX3" fmla="*/ 146585 w 2121971"/>
-              <a:gd name="connsiteY3" fmla="*/ 1699142 h 1699142"/>
-              <a:gd name="connsiteX4" fmla="*/ 146585 w 2121971"/>
-              <a:gd name="connsiteY4" fmla="*/ 479942 h 1699142"/>
-              <a:gd name="connsiteX0" fmla="*/ 0 w 2121971"/>
-              <a:gd name="connsiteY0" fmla="*/ 1375987 h 2179084"/>
-              <a:gd name="connsiteX1" fmla="*/ 1204646 w 2121971"/>
-              <a:gd name="connsiteY1" fmla="*/ 0 h 2179084"/>
-              <a:gd name="connsiteX2" fmla="*/ 2121971 w 2121971"/>
-              <a:gd name="connsiteY2" fmla="*/ 803097 h 2179084"/>
-              <a:gd name="connsiteX3" fmla="*/ 917326 w 2121971"/>
-              <a:gd name="connsiteY3" fmla="*/ 2179084 h 2179084"/>
-              <a:gd name="connsiteX4" fmla="*/ 146585 w 2121971"/>
-              <a:gd name="connsiteY4" fmla="*/ 479942 h 2179084"/>
-              <a:gd name="connsiteX0" fmla="*/ 0 w 2121971"/>
-              <a:gd name="connsiteY0" fmla="*/ 1375987 h 2179084"/>
-              <a:gd name="connsiteX1" fmla="*/ 1204646 w 2121971"/>
-              <a:gd name="connsiteY1" fmla="*/ 0 h 2179084"/>
-              <a:gd name="connsiteX2" fmla="*/ 2121971 w 2121971"/>
-              <a:gd name="connsiteY2" fmla="*/ 803097 h 2179084"/>
-              <a:gd name="connsiteX3" fmla="*/ 917326 w 2121971"/>
-              <a:gd name="connsiteY3" fmla="*/ 2179084 h 2179084"/>
-              <a:gd name="connsiteX4" fmla="*/ 1 w 2121971"/>
-              <a:gd name="connsiteY4" fmla="*/ 1375987 h 2179084"/>
-            </a:gdLst>
-            <a:ahLst/>
-            <a:cxnLst>
-              <a:cxn ang="0">
-                <a:pos x="connsiteX0" y="connsiteY0"/>
-              </a:cxn>
-              <a:cxn ang="0">
-                <a:pos x="connsiteX1" y="connsiteY1"/>
-              </a:cxn>
-              <a:cxn ang="0">
-                <a:pos x="connsiteX2" y="connsiteY2"/>
-              </a:cxn>
-              <a:cxn ang="0">
-                <a:pos x="connsiteX3" y="connsiteY3"/>
-              </a:cxn>
-              <a:cxn ang="0">
-                <a:pos x="connsiteX4" y="connsiteY4"/>
-              </a:cxn>
-            </a:cxnLst>
-            <a:rect l="l" t="t" r="r" b="b"/>
-            <a:pathLst>
-              <a:path w="2121971" h="2179084">
-                <a:moveTo>
-                  <a:pt x="0" y="1375987"/>
-                </a:moveTo>
-                <a:lnTo>
-                  <a:pt x="1204646" y="0"/>
-                </a:lnTo>
-                <a:lnTo>
-                  <a:pt x="2121971" y="803097"/>
-                </a:lnTo>
-                <a:lnTo>
-                  <a:pt x="917326" y="2179084"/>
-                </a:lnTo>
-                <a:lnTo>
-                  <a:pt x="1" y="1375987"/>
-                </a:lnTo>
-                <a:close/>
-              </a:path>
-            </a:pathLst>
-          </a:custGeom>
+          </a:prstGeom>
         </p:spPr>
         <p:style>
           <a:lnRef idx="2">
@@ -18693,7 +14733,7 @@
     </p:spTree>
     <p:extLst>
       <p:ext uri="{BB962C8B-B14F-4D97-AF65-F5344CB8AC3E}">
-        <p14:creationId xmlns:p14="http://schemas.microsoft.com/office/powerpoint/2010/main" val="698968604"/>
+        <p14:creationId xmlns:p14="http://schemas.microsoft.com/office/powerpoint/2010/main" val="811839581"/>
       </p:ext>
     </p:extLst>
   </p:cSld>
@@ -18807,250 +14847,13 @@
           <p:nvPr/>
         </p:nvSpPr>
         <p:spPr>
-          <a:xfrm>
-            <a:off x="6250768" y="0"/>
-            <a:ext cx="2216907" cy="3234934"/>
-          </a:xfrm>
-          <a:custGeom>
+          <a:xfrm rot="18000000">
+            <a:off x="5586387" y="1017392"/>
+            <a:ext cx="3581400" cy="1066800"/>
+          </a:xfrm>
+          <a:prstGeom prst="rightArrow">
             <a:avLst/>
-            <a:gdLst>
-              <a:gd name="connsiteX0" fmla="*/ 0 w 3581400"/>
-              <a:gd name="connsiteY0" fmla="*/ 266700 h 1066800"/>
-              <a:gd name="connsiteX1" fmla="*/ 3048000 w 3581400"/>
-              <a:gd name="connsiteY1" fmla="*/ 266700 h 1066800"/>
-              <a:gd name="connsiteX2" fmla="*/ 3048000 w 3581400"/>
-              <a:gd name="connsiteY2" fmla="*/ 0 h 1066800"/>
-              <a:gd name="connsiteX3" fmla="*/ 3581400 w 3581400"/>
-              <a:gd name="connsiteY3" fmla="*/ 533400 h 1066800"/>
-              <a:gd name="connsiteX4" fmla="*/ 3048000 w 3581400"/>
-              <a:gd name="connsiteY4" fmla="*/ 1066800 h 1066800"/>
-              <a:gd name="connsiteX5" fmla="*/ 3048000 w 3581400"/>
-              <a:gd name="connsiteY5" fmla="*/ 800100 h 1066800"/>
-              <a:gd name="connsiteX6" fmla="*/ 0 w 3581400"/>
-              <a:gd name="connsiteY6" fmla="*/ 800100 h 1066800"/>
-              <a:gd name="connsiteX7" fmla="*/ 0 w 3581400"/>
-              <a:gd name="connsiteY7" fmla="*/ 266700 h 1066800"/>
-              <a:gd name="connsiteX0" fmla="*/ 5586387 w 9167787"/>
-              <a:gd name="connsiteY0" fmla="*/ 3760592 h 4560692"/>
-              <a:gd name="connsiteX1" fmla="*/ 0 w 9167787"/>
-              <a:gd name="connsiteY1" fmla="*/ 0 h 4560692"/>
-              <a:gd name="connsiteX2" fmla="*/ 8634387 w 9167787"/>
-              <a:gd name="connsiteY2" fmla="*/ 3760592 h 4560692"/>
-              <a:gd name="connsiteX3" fmla="*/ 8634387 w 9167787"/>
-              <a:gd name="connsiteY3" fmla="*/ 3493892 h 4560692"/>
-              <a:gd name="connsiteX4" fmla="*/ 9167787 w 9167787"/>
-              <a:gd name="connsiteY4" fmla="*/ 4027292 h 4560692"/>
-              <a:gd name="connsiteX5" fmla="*/ 8634387 w 9167787"/>
-              <a:gd name="connsiteY5" fmla="*/ 4560692 h 4560692"/>
-              <a:gd name="connsiteX6" fmla="*/ 8634387 w 9167787"/>
-              <a:gd name="connsiteY6" fmla="*/ 4293992 h 4560692"/>
-              <a:gd name="connsiteX7" fmla="*/ 5586387 w 9167787"/>
-              <a:gd name="connsiteY7" fmla="*/ 4293992 h 4560692"/>
-              <a:gd name="connsiteX8" fmla="*/ 5586387 w 9167787"/>
-              <a:gd name="connsiteY8" fmla="*/ 3760592 h 4560692"/>
-              <a:gd name="connsiteX0" fmla="*/ 0 w 3581400"/>
-              <a:gd name="connsiteY0" fmla="*/ 266700 h 1066800"/>
-              <a:gd name="connsiteX1" fmla="*/ 3048000 w 3581400"/>
-              <a:gd name="connsiteY1" fmla="*/ 266700 h 1066800"/>
-              <a:gd name="connsiteX2" fmla="*/ 3048000 w 3581400"/>
-              <a:gd name="connsiteY2" fmla="*/ 0 h 1066800"/>
-              <a:gd name="connsiteX3" fmla="*/ 3581400 w 3581400"/>
-              <a:gd name="connsiteY3" fmla="*/ 533400 h 1066800"/>
-              <a:gd name="connsiteX4" fmla="*/ 3048000 w 3581400"/>
-              <a:gd name="connsiteY4" fmla="*/ 1066800 h 1066800"/>
-              <a:gd name="connsiteX5" fmla="*/ 3048000 w 3581400"/>
-              <a:gd name="connsiteY5" fmla="*/ 800100 h 1066800"/>
-              <a:gd name="connsiteX6" fmla="*/ 0 w 3581400"/>
-              <a:gd name="connsiteY6" fmla="*/ 800100 h 1066800"/>
-              <a:gd name="connsiteX7" fmla="*/ 0 w 3581400"/>
-              <a:gd name="connsiteY7" fmla="*/ 266700 h 1066800"/>
-              <a:gd name="connsiteX0" fmla="*/ 664381 w 3581400"/>
-              <a:gd name="connsiteY0" fmla="*/ 1950842 h 1950842"/>
-              <a:gd name="connsiteX1" fmla="*/ 3048000 w 3581400"/>
-              <a:gd name="connsiteY1" fmla="*/ 266700 h 1950842"/>
-              <a:gd name="connsiteX2" fmla="*/ 3048000 w 3581400"/>
-              <a:gd name="connsiteY2" fmla="*/ 0 h 1950842"/>
-              <a:gd name="connsiteX3" fmla="*/ 3581400 w 3581400"/>
-              <a:gd name="connsiteY3" fmla="*/ 533400 h 1950842"/>
-              <a:gd name="connsiteX4" fmla="*/ 3048000 w 3581400"/>
-              <a:gd name="connsiteY4" fmla="*/ 1066800 h 1950842"/>
-              <a:gd name="connsiteX5" fmla="*/ 3048000 w 3581400"/>
-              <a:gd name="connsiteY5" fmla="*/ 800100 h 1950842"/>
-              <a:gd name="connsiteX6" fmla="*/ 0 w 3581400"/>
-              <a:gd name="connsiteY6" fmla="*/ 800100 h 1950842"/>
-              <a:gd name="connsiteX7" fmla="*/ 0 w 3581400"/>
-              <a:gd name="connsiteY7" fmla="*/ 266700 h 1950842"/>
-              <a:gd name="connsiteX0" fmla="*/ 664381 w 3581400"/>
-              <a:gd name="connsiteY0" fmla="*/ 2639646 h 2639646"/>
-              <a:gd name="connsiteX1" fmla="*/ 2188381 w 3581400"/>
-              <a:gd name="connsiteY1" fmla="*/ 0 h 2639646"/>
-              <a:gd name="connsiteX2" fmla="*/ 3048000 w 3581400"/>
-              <a:gd name="connsiteY2" fmla="*/ 688804 h 2639646"/>
-              <a:gd name="connsiteX3" fmla="*/ 3581400 w 3581400"/>
-              <a:gd name="connsiteY3" fmla="*/ 1222204 h 2639646"/>
-              <a:gd name="connsiteX4" fmla="*/ 3048000 w 3581400"/>
-              <a:gd name="connsiteY4" fmla="*/ 1755604 h 2639646"/>
-              <a:gd name="connsiteX5" fmla="*/ 3048000 w 3581400"/>
-              <a:gd name="connsiteY5" fmla="*/ 1488904 h 2639646"/>
-              <a:gd name="connsiteX6" fmla="*/ 0 w 3581400"/>
-              <a:gd name="connsiteY6" fmla="*/ 1488904 h 2639646"/>
-              <a:gd name="connsiteX7" fmla="*/ 0 w 3581400"/>
-              <a:gd name="connsiteY7" fmla="*/ 955504 h 2639646"/>
-              <a:gd name="connsiteX0" fmla="*/ 664381 w 3581400"/>
-              <a:gd name="connsiteY0" fmla="*/ 2772996 h 2772996"/>
-              <a:gd name="connsiteX1" fmla="*/ 2188381 w 3581400"/>
-              <a:gd name="connsiteY1" fmla="*/ 133350 h 2772996"/>
-              <a:gd name="connsiteX2" fmla="*/ 1957412 w 3581400"/>
-              <a:gd name="connsiteY2" fmla="*/ 0 h 2772996"/>
-              <a:gd name="connsiteX3" fmla="*/ 3581400 w 3581400"/>
-              <a:gd name="connsiteY3" fmla="*/ 1355554 h 2772996"/>
-              <a:gd name="connsiteX4" fmla="*/ 3048000 w 3581400"/>
-              <a:gd name="connsiteY4" fmla="*/ 1888954 h 2772996"/>
-              <a:gd name="connsiteX5" fmla="*/ 3048000 w 3581400"/>
-              <a:gd name="connsiteY5" fmla="*/ 1622254 h 2772996"/>
-              <a:gd name="connsiteX6" fmla="*/ 0 w 3581400"/>
-              <a:gd name="connsiteY6" fmla="*/ 1622254 h 2772996"/>
-              <a:gd name="connsiteX7" fmla="*/ 0 w 3581400"/>
-              <a:gd name="connsiteY7" fmla="*/ 1088854 h 2772996"/>
-              <a:gd name="connsiteX0" fmla="*/ 664381 w 3048000"/>
-              <a:gd name="connsiteY0" fmla="*/ 2968234 h 2968234"/>
-              <a:gd name="connsiteX1" fmla="*/ 2188381 w 3048000"/>
-              <a:gd name="connsiteY1" fmla="*/ 328588 h 2968234"/>
-              <a:gd name="connsiteX2" fmla="*/ 1957412 w 3048000"/>
-              <a:gd name="connsiteY2" fmla="*/ 195238 h 2968234"/>
-              <a:gd name="connsiteX3" fmla="*/ 2686050 w 3048000"/>
-              <a:gd name="connsiteY3" fmla="*/ 0 h 2968234"/>
-              <a:gd name="connsiteX4" fmla="*/ 3048000 w 3048000"/>
-              <a:gd name="connsiteY4" fmla="*/ 2084192 h 2968234"/>
-              <a:gd name="connsiteX5" fmla="*/ 3048000 w 3048000"/>
-              <a:gd name="connsiteY5" fmla="*/ 1817492 h 2968234"/>
-              <a:gd name="connsiteX6" fmla="*/ 0 w 3048000"/>
-              <a:gd name="connsiteY6" fmla="*/ 1817492 h 2968234"/>
-              <a:gd name="connsiteX7" fmla="*/ 0 w 3048000"/>
-              <a:gd name="connsiteY7" fmla="*/ 1284092 h 2968234"/>
-              <a:gd name="connsiteX0" fmla="*/ 664381 w 3048000"/>
-              <a:gd name="connsiteY0" fmla="*/ 2968234 h 2968234"/>
-              <a:gd name="connsiteX1" fmla="*/ 2188381 w 3048000"/>
-              <a:gd name="connsiteY1" fmla="*/ 328588 h 2968234"/>
-              <a:gd name="connsiteX2" fmla="*/ 1957412 w 3048000"/>
-              <a:gd name="connsiteY2" fmla="*/ 195238 h 2968234"/>
-              <a:gd name="connsiteX3" fmla="*/ 2686050 w 3048000"/>
-              <a:gd name="connsiteY3" fmla="*/ 0 h 2968234"/>
-              <a:gd name="connsiteX4" fmla="*/ 2881288 w 3048000"/>
-              <a:gd name="connsiteY4" fmla="*/ 728638 h 2968234"/>
-              <a:gd name="connsiteX5" fmla="*/ 3048000 w 3048000"/>
-              <a:gd name="connsiteY5" fmla="*/ 1817492 h 2968234"/>
-              <a:gd name="connsiteX6" fmla="*/ 0 w 3048000"/>
-              <a:gd name="connsiteY6" fmla="*/ 1817492 h 2968234"/>
-              <a:gd name="connsiteX7" fmla="*/ 0 w 3048000"/>
-              <a:gd name="connsiteY7" fmla="*/ 1284092 h 2968234"/>
-              <a:gd name="connsiteX0" fmla="*/ 664381 w 2881288"/>
-              <a:gd name="connsiteY0" fmla="*/ 2968234 h 2968234"/>
-              <a:gd name="connsiteX1" fmla="*/ 2188381 w 2881288"/>
-              <a:gd name="connsiteY1" fmla="*/ 328588 h 2968234"/>
-              <a:gd name="connsiteX2" fmla="*/ 1957412 w 2881288"/>
-              <a:gd name="connsiteY2" fmla="*/ 195238 h 2968234"/>
-              <a:gd name="connsiteX3" fmla="*/ 2686050 w 2881288"/>
-              <a:gd name="connsiteY3" fmla="*/ 0 h 2968234"/>
-              <a:gd name="connsiteX4" fmla="*/ 2881288 w 2881288"/>
-              <a:gd name="connsiteY4" fmla="*/ 728638 h 2968234"/>
-              <a:gd name="connsiteX5" fmla="*/ 2650319 w 2881288"/>
-              <a:gd name="connsiteY5" fmla="*/ 595288 h 2968234"/>
-              <a:gd name="connsiteX6" fmla="*/ 0 w 2881288"/>
-              <a:gd name="connsiteY6" fmla="*/ 1817492 h 2968234"/>
-              <a:gd name="connsiteX7" fmla="*/ 0 w 2881288"/>
-              <a:gd name="connsiteY7" fmla="*/ 1284092 h 2968234"/>
-              <a:gd name="connsiteX0" fmla="*/ 664381 w 2881288"/>
-              <a:gd name="connsiteY0" fmla="*/ 2968234 h 3234934"/>
-              <a:gd name="connsiteX1" fmla="*/ 2188381 w 2881288"/>
-              <a:gd name="connsiteY1" fmla="*/ 328588 h 3234934"/>
-              <a:gd name="connsiteX2" fmla="*/ 1957412 w 2881288"/>
-              <a:gd name="connsiteY2" fmla="*/ 195238 h 3234934"/>
-              <a:gd name="connsiteX3" fmla="*/ 2686050 w 2881288"/>
-              <a:gd name="connsiteY3" fmla="*/ 0 h 3234934"/>
-              <a:gd name="connsiteX4" fmla="*/ 2881288 w 2881288"/>
-              <a:gd name="connsiteY4" fmla="*/ 728638 h 3234934"/>
-              <a:gd name="connsiteX5" fmla="*/ 2650319 w 2881288"/>
-              <a:gd name="connsiteY5" fmla="*/ 595288 h 3234934"/>
-              <a:gd name="connsiteX6" fmla="*/ 1126319 w 2881288"/>
-              <a:gd name="connsiteY6" fmla="*/ 3234934 h 3234934"/>
-              <a:gd name="connsiteX7" fmla="*/ 0 w 2881288"/>
-              <a:gd name="connsiteY7" fmla="*/ 1284092 h 3234934"/>
-              <a:gd name="connsiteX0" fmla="*/ 0 w 2216907"/>
-              <a:gd name="connsiteY0" fmla="*/ 2968234 h 3234934"/>
-              <a:gd name="connsiteX1" fmla="*/ 1524000 w 2216907"/>
-              <a:gd name="connsiteY1" fmla="*/ 328588 h 3234934"/>
-              <a:gd name="connsiteX2" fmla="*/ 1293031 w 2216907"/>
-              <a:gd name="connsiteY2" fmla="*/ 195238 h 3234934"/>
-              <a:gd name="connsiteX3" fmla="*/ 2021669 w 2216907"/>
-              <a:gd name="connsiteY3" fmla="*/ 0 h 3234934"/>
-              <a:gd name="connsiteX4" fmla="*/ 2216907 w 2216907"/>
-              <a:gd name="connsiteY4" fmla="*/ 728638 h 3234934"/>
-              <a:gd name="connsiteX5" fmla="*/ 1985938 w 2216907"/>
-              <a:gd name="connsiteY5" fmla="*/ 595288 h 3234934"/>
-              <a:gd name="connsiteX6" fmla="*/ 461938 w 2216907"/>
-              <a:gd name="connsiteY6" fmla="*/ 3234934 h 3234934"/>
-              <a:gd name="connsiteX7" fmla="*/ 0 w 2216907"/>
-              <a:gd name="connsiteY7" fmla="*/ 2968234 h 3234934"/>
-            </a:gdLst>
-            <a:ahLst/>
-            <a:cxnLst>
-              <a:cxn ang="0">
-                <a:pos x="connsiteX0" y="connsiteY0"/>
-              </a:cxn>
-              <a:cxn ang="0">
-                <a:pos x="connsiteX1" y="connsiteY1"/>
-              </a:cxn>
-              <a:cxn ang="0">
-                <a:pos x="connsiteX2" y="connsiteY2"/>
-              </a:cxn>
-              <a:cxn ang="0">
-                <a:pos x="connsiteX3" y="connsiteY3"/>
-              </a:cxn>
-              <a:cxn ang="0">
-                <a:pos x="connsiteX4" y="connsiteY4"/>
-              </a:cxn>
-              <a:cxn ang="0">
-                <a:pos x="connsiteX5" y="connsiteY5"/>
-              </a:cxn>
-              <a:cxn ang="0">
-                <a:pos x="connsiteX6" y="connsiteY6"/>
-              </a:cxn>
-              <a:cxn ang="0">
-                <a:pos x="connsiteX7" y="connsiteY7"/>
-              </a:cxn>
-            </a:cxnLst>
-            <a:rect l="l" t="t" r="r" b="b"/>
-            <a:pathLst>
-              <a:path w="2216907" h="3234934">
-                <a:moveTo>
-                  <a:pt x="0" y="2968234"/>
-                </a:moveTo>
-                <a:lnTo>
-                  <a:pt x="1524000" y="328588"/>
-                </a:lnTo>
-                <a:lnTo>
-                  <a:pt x="1293031" y="195238"/>
-                </a:lnTo>
-                <a:lnTo>
-                  <a:pt x="2021669" y="0"/>
-                </a:lnTo>
-                <a:lnTo>
-                  <a:pt x="2216907" y="728638"/>
-                </a:lnTo>
-                <a:lnTo>
-                  <a:pt x="1985938" y="595288"/>
-                </a:lnTo>
-                <a:lnTo>
-                  <a:pt x="461938" y="3234934"/>
-                </a:lnTo>
-                <a:lnTo>
-                  <a:pt x="0" y="2968234"/>
-                </a:lnTo>
-                <a:close/>
-              </a:path>
-            </a:pathLst>
-          </a:custGeom>
+          </a:prstGeom>
         </p:spPr>
         <p:style>
           <a:lnRef idx="2">
@@ -19084,136 +14887,13 @@
           <p:nvPr/>
         </p:nvSpPr>
         <p:spPr>
-          <a:xfrm>
-            <a:off x="1828800" y="0"/>
-            <a:ext cx="2121971" cy="2179084"/>
-          </a:xfrm>
-          <a:custGeom>
+          <a:xfrm rot="18672083">
+            <a:off x="1975386" y="479942"/>
+            <a:ext cx="1828800" cy="1219200"/>
+          </a:xfrm>
+          <a:prstGeom prst="rect">
             <a:avLst/>
-            <a:gdLst>
-              <a:gd name="connsiteX0" fmla="*/ 0 w 1828800"/>
-              <a:gd name="connsiteY0" fmla="*/ 0 h 1219200"/>
-              <a:gd name="connsiteX1" fmla="*/ 1828800 w 1828800"/>
-              <a:gd name="connsiteY1" fmla="*/ 0 h 1219200"/>
-              <a:gd name="connsiteX2" fmla="*/ 1828800 w 1828800"/>
-              <a:gd name="connsiteY2" fmla="*/ 1219200 h 1219200"/>
-              <a:gd name="connsiteX3" fmla="*/ 0 w 1828800"/>
-              <a:gd name="connsiteY3" fmla="*/ 1219200 h 1219200"/>
-              <a:gd name="connsiteX4" fmla="*/ 0 w 1828800"/>
-              <a:gd name="connsiteY4" fmla="*/ 0 h 1219200"/>
-              <a:gd name="connsiteX0" fmla="*/ 1975386 w 3804186"/>
-              <a:gd name="connsiteY0" fmla="*/ 3604142 h 4823342"/>
-              <a:gd name="connsiteX1" fmla="*/ 0 w 3804186"/>
-              <a:gd name="connsiteY1" fmla="*/ 0 h 4823342"/>
-              <a:gd name="connsiteX2" fmla="*/ 3804186 w 3804186"/>
-              <a:gd name="connsiteY2" fmla="*/ 3604142 h 4823342"/>
-              <a:gd name="connsiteX3" fmla="*/ 3804186 w 3804186"/>
-              <a:gd name="connsiteY3" fmla="*/ 4823342 h 4823342"/>
-              <a:gd name="connsiteX4" fmla="*/ 1975386 w 3804186"/>
-              <a:gd name="connsiteY4" fmla="*/ 4823342 h 4823342"/>
-              <a:gd name="connsiteX5" fmla="*/ 1975386 w 3804186"/>
-              <a:gd name="connsiteY5" fmla="*/ 3604142 h 4823342"/>
-              <a:gd name="connsiteX0" fmla="*/ 0 w 1828800"/>
-              <a:gd name="connsiteY0" fmla="*/ 0 h 1219200"/>
-              <a:gd name="connsiteX1" fmla="*/ 1828800 w 1828800"/>
-              <a:gd name="connsiteY1" fmla="*/ 0 h 1219200"/>
-              <a:gd name="connsiteX2" fmla="*/ 1828800 w 1828800"/>
-              <a:gd name="connsiteY2" fmla="*/ 1219200 h 1219200"/>
-              <a:gd name="connsiteX3" fmla="*/ 0 w 1828800"/>
-              <a:gd name="connsiteY3" fmla="*/ 1219200 h 1219200"/>
-              <a:gd name="connsiteX4" fmla="*/ 0 w 1828800"/>
-              <a:gd name="connsiteY4" fmla="*/ 0 h 1219200"/>
-              <a:gd name="connsiteX0" fmla="*/ 0 w 1975385"/>
-              <a:gd name="connsiteY0" fmla="*/ 896045 h 1219200"/>
-              <a:gd name="connsiteX1" fmla="*/ 1975385 w 1975385"/>
-              <a:gd name="connsiteY1" fmla="*/ 0 h 1219200"/>
-              <a:gd name="connsiteX2" fmla="*/ 1975385 w 1975385"/>
-              <a:gd name="connsiteY2" fmla="*/ 1219200 h 1219200"/>
-              <a:gd name="connsiteX3" fmla="*/ 146585 w 1975385"/>
-              <a:gd name="connsiteY3" fmla="*/ 1219200 h 1219200"/>
-              <a:gd name="connsiteX4" fmla="*/ 146585 w 1975385"/>
-              <a:gd name="connsiteY4" fmla="*/ 0 h 1219200"/>
-              <a:gd name="connsiteX0" fmla="*/ 0 w 1975385"/>
-              <a:gd name="connsiteY0" fmla="*/ 1375987 h 1699142"/>
-              <a:gd name="connsiteX1" fmla="*/ 1204646 w 1975385"/>
-              <a:gd name="connsiteY1" fmla="*/ 0 h 1699142"/>
-              <a:gd name="connsiteX2" fmla="*/ 1975385 w 1975385"/>
-              <a:gd name="connsiteY2" fmla="*/ 1699142 h 1699142"/>
-              <a:gd name="connsiteX3" fmla="*/ 146585 w 1975385"/>
-              <a:gd name="connsiteY3" fmla="*/ 1699142 h 1699142"/>
-              <a:gd name="connsiteX4" fmla="*/ 146585 w 1975385"/>
-              <a:gd name="connsiteY4" fmla="*/ 479942 h 1699142"/>
-              <a:gd name="connsiteX0" fmla="*/ 0 w 2121971"/>
-              <a:gd name="connsiteY0" fmla="*/ 1375987 h 1699142"/>
-              <a:gd name="connsiteX1" fmla="*/ 1204646 w 2121971"/>
-              <a:gd name="connsiteY1" fmla="*/ 0 h 1699142"/>
-              <a:gd name="connsiteX2" fmla="*/ 2121971 w 2121971"/>
-              <a:gd name="connsiteY2" fmla="*/ 803097 h 1699142"/>
-              <a:gd name="connsiteX3" fmla="*/ 146585 w 2121971"/>
-              <a:gd name="connsiteY3" fmla="*/ 1699142 h 1699142"/>
-              <a:gd name="connsiteX4" fmla="*/ 146585 w 2121971"/>
-              <a:gd name="connsiteY4" fmla="*/ 479942 h 1699142"/>
-              <a:gd name="connsiteX0" fmla="*/ 0 w 2121971"/>
-              <a:gd name="connsiteY0" fmla="*/ 1375987 h 2179084"/>
-              <a:gd name="connsiteX1" fmla="*/ 1204646 w 2121971"/>
-              <a:gd name="connsiteY1" fmla="*/ 0 h 2179084"/>
-              <a:gd name="connsiteX2" fmla="*/ 2121971 w 2121971"/>
-              <a:gd name="connsiteY2" fmla="*/ 803097 h 2179084"/>
-              <a:gd name="connsiteX3" fmla="*/ 917326 w 2121971"/>
-              <a:gd name="connsiteY3" fmla="*/ 2179084 h 2179084"/>
-              <a:gd name="connsiteX4" fmla="*/ 146585 w 2121971"/>
-              <a:gd name="connsiteY4" fmla="*/ 479942 h 2179084"/>
-              <a:gd name="connsiteX0" fmla="*/ 0 w 2121971"/>
-              <a:gd name="connsiteY0" fmla="*/ 1375987 h 2179084"/>
-              <a:gd name="connsiteX1" fmla="*/ 1204646 w 2121971"/>
-              <a:gd name="connsiteY1" fmla="*/ 0 h 2179084"/>
-              <a:gd name="connsiteX2" fmla="*/ 2121971 w 2121971"/>
-              <a:gd name="connsiteY2" fmla="*/ 803097 h 2179084"/>
-              <a:gd name="connsiteX3" fmla="*/ 917326 w 2121971"/>
-              <a:gd name="connsiteY3" fmla="*/ 2179084 h 2179084"/>
-              <a:gd name="connsiteX4" fmla="*/ 1 w 2121971"/>
-              <a:gd name="connsiteY4" fmla="*/ 1375987 h 2179084"/>
-            </a:gdLst>
-            <a:ahLst/>
-            <a:cxnLst>
-              <a:cxn ang="0">
-                <a:pos x="connsiteX0" y="connsiteY0"/>
-              </a:cxn>
-              <a:cxn ang="0">
-                <a:pos x="connsiteX1" y="connsiteY1"/>
-              </a:cxn>
-              <a:cxn ang="0">
-                <a:pos x="connsiteX2" y="connsiteY2"/>
-              </a:cxn>
-              <a:cxn ang="0">
-                <a:pos x="connsiteX3" y="connsiteY3"/>
-              </a:cxn>
-              <a:cxn ang="0">
-                <a:pos x="connsiteX4" y="connsiteY4"/>
-              </a:cxn>
-            </a:cxnLst>
-            <a:rect l="l" t="t" r="r" b="b"/>
-            <a:pathLst>
-              <a:path w="2121971" h="2179084">
-                <a:moveTo>
-                  <a:pt x="0" y="1375987"/>
-                </a:moveTo>
-                <a:lnTo>
-                  <a:pt x="1204646" y="0"/>
-                </a:lnTo>
-                <a:lnTo>
-                  <a:pt x="2121971" y="803097"/>
-                </a:lnTo>
-                <a:lnTo>
-                  <a:pt x="917326" y="2179084"/>
-                </a:lnTo>
-                <a:lnTo>
-                  <a:pt x="1" y="1375987"/>
-                </a:lnTo>
-                <a:close/>
-              </a:path>
-            </a:pathLst>
-          </a:custGeom>
+          </a:prstGeom>
         </p:spPr>
         <p:style>
           <a:lnRef idx="2">
@@ -19243,7 +14923,7 @@
     </p:spTree>
     <p:extLst>
       <p:ext uri="{BB962C8B-B14F-4D97-AF65-F5344CB8AC3E}">
-        <p14:creationId xmlns:p14="http://schemas.microsoft.com/office/powerpoint/2010/main" val="1778996454"/>
+        <p14:creationId xmlns:p14="http://schemas.microsoft.com/office/powerpoint/2010/main" val="2000591003"/>
       </p:ext>
     </p:extLst>
   </p:cSld>
@@ -19357,250 +15037,13 @@
           <p:nvPr/>
         </p:nvSpPr>
         <p:spPr>
-          <a:xfrm>
-            <a:off x="6250768" y="3623066"/>
-            <a:ext cx="2216907" cy="3234934"/>
-          </a:xfrm>
-          <a:custGeom>
+          <a:xfrm rot="18000000">
+            <a:off x="5586387" y="4640458"/>
+            <a:ext cx="3581400" cy="1066800"/>
+          </a:xfrm>
+          <a:prstGeom prst="rightArrow">
             <a:avLst/>
-            <a:gdLst>
-              <a:gd name="connsiteX0" fmla="*/ 0 w 3581400"/>
-              <a:gd name="connsiteY0" fmla="*/ 266700 h 1066800"/>
-              <a:gd name="connsiteX1" fmla="*/ 3048000 w 3581400"/>
-              <a:gd name="connsiteY1" fmla="*/ 266700 h 1066800"/>
-              <a:gd name="connsiteX2" fmla="*/ 3048000 w 3581400"/>
-              <a:gd name="connsiteY2" fmla="*/ 0 h 1066800"/>
-              <a:gd name="connsiteX3" fmla="*/ 3581400 w 3581400"/>
-              <a:gd name="connsiteY3" fmla="*/ 533400 h 1066800"/>
-              <a:gd name="connsiteX4" fmla="*/ 3048000 w 3581400"/>
-              <a:gd name="connsiteY4" fmla="*/ 1066800 h 1066800"/>
-              <a:gd name="connsiteX5" fmla="*/ 3048000 w 3581400"/>
-              <a:gd name="connsiteY5" fmla="*/ 800100 h 1066800"/>
-              <a:gd name="connsiteX6" fmla="*/ 0 w 3581400"/>
-              <a:gd name="connsiteY6" fmla="*/ 800100 h 1066800"/>
-              <a:gd name="connsiteX7" fmla="*/ 0 w 3581400"/>
-              <a:gd name="connsiteY7" fmla="*/ 266700 h 1066800"/>
-              <a:gd name="connsiteX0" fmla="*/ 5586387 w 9167787"/>
-              <a:gd name="connsiteY0" fmla="*/ 3760592 h 4560692"/>
-              <a:gd name="connsiteX1" fmla="*/ 0 w 9167787"/>
-              <a:gd name="connsiteY1" fmla="*/ 0 h 4560692"/>
-              <a:gd name="connsiteX2" fmla="*/ 8634387 w 9167787"/>
-              <a:gd name="connsiteY2" fmla="*/ 3760592 h 4560692"/>
-              <a:gd name="connsiteX3" fmla="*/ 8634387 w 9167787"/>
-              <a:gd name="connsiteY3" fmla="*/ 3493892 h 4560692"/>
-              <a:gd name="connsiteX4" fmla="*/ 9167787 w 9167787"/>
-              <a:gd name="connsiteY4" fmla="*/ 4027292 h 4560692"/>
-              <a:gd name="connsiteX5" fmla="*/ 8634387 w 9167787"/>
-              <a:gd name="connsiteY5" fmla="*/ 4560692 h 4560692"/>
-              <a:gd name="connsiteX6" fmla="*/ 8634387 w 9167787"/>
-              <a:gd name="connsiteY6" fmla="*/ 4293992 h 4560692"/>
-              <a:gd name="connsiteX7" fmla="*/ 5586387 w 9167787"/>
-              <a:gd name="connsiteY7" fmla="*/ 4293992 h 4560692"/>
-              <a:gd name="connsiteX8" fmla="*/ 5586387 w 9167787"/>
-              <a:gd name="connsiteY8" fmla="*/ 3760592 h 4560692"/>
-              <a:gd name="connsiteX0" fmla="*/ 0 w 3581400"/>
-              <a:gd name="connsiteY0" fmla="*/ 266700 h 1066800"/>
-              <a:gd name="connsiteX1" fmla="*/ 3048000 w 3581400"/>
-              <a:gd name="connsiteY1" fmla="*/ 266700 h 1066800"/>
-              <a:gd name="connsiteX2" fmla="*/ 3048000 w 3581400"/>
-              <a:gd name="connsiteY2" fmla="*/ 0 h 1066800"/>
-              <a:gd name="connsiteX3" fmla="*/ 3581400 w 3581400"/>
-              <a:gd name="connsiteY3" fmla="*/ 533400 h 1066800"/>
-              <a:gd name="connsiteX4" fmla="*/ 3048000 w 3581400"/>
-              <a:gd name="connsiteY4" fmla="*/ 1066800 h 1066800"/>
-              <a:gd name="connsiteX5" fmla="*/ 3048000 w 3581400"/>
-              <a:gd name="connsiteY5" fmla="*/ 800100 h 1066800"/>
-              <a:gd name="connsiteX6" fmla="*/ 0 w 3581400"/>
-              <a:gd name="connsiteY6" fmla="*/ 800100 h 1066800"/>
-              <a:gd name="connsiteX7" fmla="*/ 0 w 3581400"/>
-              <a:gd name="connsiteY7" fmla="*/ 266700 h 1066800"/>
-              <a:gd name="connsiteX0" fmla="*/ 664381 w 3581400"/>
-              <a:gd name="connsiteY0" fmla="*/ 1950842 h 1950842"/>
-              <a:gd name="connsiteX1" fmla="*/ 3048000 w 3581400"/>
-              <a:gd name="connsiteY1" fmla="*/ 266700 h 1950842"/>
-              <a:gd name="connsiteX2" fmla="*/ 3048000 w 3581400"/>
-              <a:gd name="connsiteY2" fmla="*/ 0 h 1950842"/>
-              <a:gd name="connsiteX3" fmla="*/ 3581400 w 3581400"/>
-              <a:gd name="connsiteY3" fmla="*/ 533400 h 1950842"/>
-              <a:gd name="connsiteX4" fmla="*/ 3048000 w 3581400"/>
-              <a:gd name="connsiteY4" fmla="*/ 1066800 h 1950842"/>
-              <a:gd name="connsiteX5" fmla="*/ 3048000 w 3581400"/>
-              <a:gd name="connsiteY5" fmla="*/ 800100 h 1950842"/>
-              <a:gd name="connsiteX6" fmla="*/ 0 w 3581400"/>
-              <a:gd name="connsiteY6" fmla="*/ 800100 h 1950842"/>
-              <a:gd name="connsiteX7" fmla="*/ 0 w 3581400"/>
-              <a:gd name="connsiteY7" fmla="*/ 266700 h 1950842"/>
-              <a:gd name="connsiteX0" fmla="*/ 664381 w 3581400"/>
-              <a:gd name="connsiteY0" fmla="*/ 2639646 h 2639646"/>
-              <a:gd name="connsiteX1" fmla="*/ 2188381 w 3581400"/>
-              <a:gd name="connsiteY1" fmla="*/ 0 h 2639646"/>
-              <a:gd name="connsiteX2" fmla="*/ 3048000 w 3581400"/>
-              <a:gd name="connsiteY2" fmla="*/ 688804 h 2639646"/>
-              <a:gd name="connsiteX3" fmla="*/ 3581400 w 3581400"/>
-              <a:gd name="connsiteY3" fmla="*/ 1222204 h 2639646"/>
-              <a:gd name="connsiteX4" fmla="*/ 3048000 w 3581400"/>
-              <a:gd name="connsiteY4" fmla="*/ 1755604 h 2639646"/>
-              <a:gd name="connsiteX5" fmla="*/ 3048000 w 3581400"/>
-              <a:gd name="connsiteY5" fmla="*/ 1488904 h 2639646"/>
-              <a:gd name="connsiteX6" fmla="*/ 0 w 3581400"/>
-              <a:gd name="connsiteY6" fmla="*/ 1488904 h 2639646"/>
-              <a:gd name="connsiteX7" fmla="*/ 0 w 3581400"/>
-              <a:gd name="connsiteY7" fmla="*/ 955504 h 2639646"/>
-              <a:gd name="connsiteX0" fmla="*/ 664381 w 3581400"/>
-              <a:gd name="connsiteY0" fmla="*/ 2772996 h 2772996"/>
-              <a:gd name="connsiteX1" fmla="*/ 2188381 w 3581400"/>
-              <a:gd name="connsiteY1" fmla="*/ 133350 h 2772996"/>
-              <a:gd name="connsiteX2" fmla="*/ 1957412 w 3581400"/>
-              <a:gd name="connsiteY2" fmla="*/ 0 h 2772996"/>
-              <a:gd name="connsiteX3" fmla="*/ 3581400 w 3581400"/>
-              <a:gd name="connsiteY3" fmla="*/ 1355554 h 2772996"/>
-              <a:gd name="connsiteX4" fmla="*/ 3048000 w 3581400"/>
-              <a:gd name="connsiteY4" fmla="*/ 1888954 h 2772996"/>
-              <a:gd name="connsiteX5" fmla="*/ 3048000 w 3581400"/>
-              <a:gd name="connsiteY5" fmla="*/ 1622254 h 2772996"/>
-              <a:gd name="connsiteX6" fmla="*/ 0 w 3581400"/>
-              <a:gd name="connsiteY6" fmla="*/ 1622254 h 2772996"/>
-              <a:gd name="connsiteX7" fmla="*/ 0 w 3581400"/>
-              <a:gd name="connsiteY7" fmla="*/ 1088854 h 2772996"/>
-              <a:gd name="connsiteX0" fmla="*/ 664381 w 3048000"/>
-              <a:gd name="connsiteY0" fmla="*/ 2968234 h 2968234"/>
-              <a:gd name="connsiteX1" fmla="*/ 2188381 w 3048000"/>
-              <a:gd name="connsiteY1" fmla="*/ 328588 h 2968234"/>
-              <a:gd name="connsiteX2" fmla="*/ 1957412 w 3048000"/>
-              <a:gd name="connsiteY2" fmla="*/ 195238 h 2968234"/>
-              <a:gd name="connsiteX3" fmla="*/ 2686050 w 3048000"/>
-              <a:gd name="connsiteY3" fmla="*/ 0 h 2968234"/>
-              <a:gd name="connsiteX4" fmla="*/ 3048000 w 3048000"/>
-              <a:gd name="connsiteY4" fmla="*/ 2084192 h 2968234"/>
-              <a:gd name="connsiteX5" fmla="*/ 3048000 w 3048000"/>
-              <a:gd name="connsiteY5" fmla="*/ 1817492 h 2968234"/>
-              <a:gd name="connsiteX6" fmla="*/ 0 w 3048000"/>
-              <a:gd name="connsiteY6" fmla="*/ 1817492 h 2968234"/>
-              <a:gd name="connsiteX7" fmla="*/ 0 w 3048000"/>
-              <a:gd name="connsiteY7" fmla="*/ 1284092 h 2968234"/>
-              <a:gd name="connsiteX0" fmla="*/ 664381 w 3048000"/>
-              <a:gd name="connsiteY0" fmla="*/ 2968234 h 2968234"/>
-              <a:gd name="connsiteX1" fmla="*/ 2188381 w 3048000"/>
-              <a:gd name="connsiteY1" fmla="*/ 328588 h 2968234"/>
-              <a:gd name="connsiteX2" fmla="*/ 1957412 w 3048000"/>
-              <a:gd name="connsiteY2" fmla="*/ 195238 h 2968234"/>
-              <a:gd name="connsiteX3" fmla="*/ 2686050 w 3048000"/>
-              <a:gd name="connsiteY3" fmla="*/ 0 h 2968234"/>
-              <a:gd name="connsiteX4" fmla="*/ 2881288 w 3048000"/>
-              <a:gd name="connsiteY4" fmla="*/ 728638 h 2968234"/>
-              <a:gd name="connsiteX5" fmla="*/ 3048000 w 3048000"/>
-              <a:gd name="connsiteY5" fmla="*/ 1817492 h 2968234"/>
-              <a:gd name="connsiteX6" fmla="*/ 0 w 3048000"/>
-              <a:gd name="connsiteY6" fmla="*/ 1817492 h 2968234"/>
-              <a:gd name="connsiteX7" fmla="*/ 0 w 3048000"/>
-              <a:gd name="connsiteY7" fmla="*/ 1284092 h 2968234"/>
-              <a:gd name="connsiteX0" fmla="*/ 664381 w 2881288"/>
-              <a:gd name="connsiteY0" fmla="*/ 2968234 h 2968234"/>
-              <a:gd name="connsiteX1" fmla="*/ 2188381 w 2881288"/>
-              <a:gd name="connsiteY1" fmla="*/ 328588 h 2968234"/>
-              <a:gd name="connsiteX2" fmla="*/ 1957412 w 2881288"/>
-              <a:gd name="connsiteY2" fmla="*/ 195238 h 2968234"/>
-              <a:gd name="connsiteX3" fmla="*/ 2686050 w 2881288"/>
-              <a:gd name="connsiteY3" fmla="*/ 0 h 2968234"/>
-              <a:gd name="connsiteX4" fmla="*/ 2881288 w 2881288"/>
-              <a:gd name="connsiteY4" fmla="*/ 728638 h 2968234"/>
-              <a:gd name="connsiteX5" fmla="*/ 2650319 w 2881288"/>
-              <a:gd name="connsiteY5" fmla="*/ 595288 h 2968234"/>
-              <a:gd name="connsiteX6" fmla="*/ 0 w 2881288"/>
-              <a:gd name="connsiteY6" fmla="*/ 1817492 h 2968234"/>
-              <a:gd name="connsiteX7" fmla="*/ 0 w 2881288"/>
-              <a:gd name="connsiteY7" fmla="*/ 1284092 h 2968234"/>
-              <a:gd name="connsiteX0" fmla="*/ 664381 w 2881288"/>
-              <a:gd name="connsiteY0" fmla="*/ 2968234 h 3234934"/>
-              <a:gd name="connsiteX1" fmla="*/ 2188381 w 2881288"/>
-              <a:gd name="connsiteY1" fmla="*/ 328588 h 3234934"/>
-              <a:gd name="connsiteX2" fmla="*/ 1957412 w 2881288"/>
-              <a:gd name="connsiteY2" fmla="*/ 195238 h 3234934"/>
-              <a:gd name="connsiteX3" fmla="*/ 2686050 w 2881288"/>
-              <a:gd name="connsiteY3" fmla="*/ 0 h 3234934"/>
-              <a:gd name="connsiteX4" fmla="*/ 2881288 w 2881288"/>
-              <a:gd name="connsiteY4" fmla="*/ 728638 h 3234934"/>
-              <a:gd name="connsiteX5" fmla="*/ 2650319 w 2881288"/>
-              <a:gd name="connsiteY5" fmla="*/ 595288 h 3234934"/>
-              <a:gd name="connsiteX6" fmla="*/ 1126319 w 2881288"/>
-              <a:gd name="connsiteY6" fmla="*/ 3234934 h 3234934"/>
-              <a:gd name="connsiteX7" fmla="*/ 0 w 2881288"/>
-              <a:gd name="connsiteY7" fmla="*/ 1284092 h 3234934"/>
-              <a:gd name="connsiteX0" fmla="*/ 0 w 2216907"/>
-              <a:gd name="connsiteY0" fmla="*/ 2968234 h 3234934"/>
-              <a:gd name="connsiteX1" fmla="*/ 1524000 w 2216907"/>
-              <a:gd name="connsiteY1" fmla="*/ 328588 h 3234934"/>
-              <a:gd name="connsiteX2" fmla="*/ 1293031 w 2216907"/>
-              <a:gd name="connsiteY2" fmla="*/ 195238 h 3234934"/>
-              <a:gd name="connsiteX3" fmla="*/ 2021669 w 2216907"/>
-              <a:gd name="connsiteY3" fmla="*/ 0 h 3234934"/>
-              <a:gd name="connsiteX4" fmla="*/ 2216907 w 2216907"/>
-              <a:gd name="connsiteY4" fmla="*/ 728638 h 3234934"/>
-              <a:gd name="connsiteX5" fmla="*/ 1985938 w 2216907"/>
-              <a:gd name="connsiteY5" fmla="*/ 595288 h 3234934"/>
-              <a:gd name="connsiteX6" fmla="*/ 461938 w 2216907"/>
-              <a:gd name="connsiteY6" fmla="*/ 3234934 h 3234934"/>
-              <a:gd name="connsiteX7" fmla="*/ 0 w 2216907"/>
-              <a:gd name="connsiteY7" fmla="*/ 2968234 h 3234934"/>
-            </a:gdLst>
-            <a:ahLst/>
-            <a:cxnLst>
-              <a:cxn ang="0">
-                <a:pos x="connsiteX0" y="connsiteY0"/>
-              </a:cxn>
-              <a:cxn ang="0">
-                <a:pos x="connsiteX1" y="connsiteY1"/>
-              </a:cxn>
-              <a:cxn ang="0">
-                <a:pos x="connsiteX2" y="connsiteY2"/>
-              </a:cxn>
-              <a:cxn ang="0">
-                <a:pos x="connsiteX3" y="connsiteY3"/>
-              </a:cxn>
-              <a:cxn ang="0">
-                <a:pos x="connsiteX4" y="connsiteY4"/>
-              </a:cxn>
-              <a:cxn ang="0">
-                <a:pos x="connsiteX5" y="connsiteY5"/>
-              </a:cxn>
-              <a:cxn ang="0">
-                <a:pos x="connsiteX6" y="connsiteY6"/>
-              </a:cxn>
-              <a:cxn ang="0">
-                <a:pos x="connsiteX7" y="connsiteY7"/>
-              </a:cxn>
-            </a:cxnLst>
-            <a:rect l="l" t="t" r="r" b="b"/>
-            <a:pathLst>
-              <a:path w="2216907" h="3234934">
-                <a:moveTo>
-                  <a:pt x="0" y="2968234"/>
-                </a:moveTo>
-                <a:lnTo>
-                  <a:pt x="1524000" y="328588"/>
-                </a:lnTo>
-                <a:lnTo>
-                  <a:pt x="1293031" y="195238"/>
-                </a:lnTo>
-                <a:lnTo>
-                  <a:pt x="2021669" y="0"/>
-                </a:lnTo>
-                <a:lnTo>
-                  <a:pt x="2216907" y="728638"/>
-                </a:lnTo>
-                <a:lnTo>
-                  <a:pt x="1985938" y="595288"/>
-                </a:lnTo>
-                <a:lnTo>
-                  <a:pt x="461938" y="3234934"/>
-                </a:lnTo>
-                <a:lnTo>
-                  <a:pt x="0" y="2968234"/>
-                </a:lnTo>
-                <a:close/>
-              </a:path>
-            </a:pathLst>
-          </a:custGeom>
+          </a:prstGeom>
         </p:spPr>
         <p:style>
           <a:lnRef idx="2">
@@ -19634,136 +15077,13 @@
           <p:nvPr/>
         </p:nvSpPr>
         <p:spPr>
-          <a:xfrm>
-            <a:off x="1828800" y="4678916"/>
-            <a:ext cx="2121971" cy="2179084"/>
-          </a:xfrm>
-          <a:custGeom>
+          <a:xfrm rot="18672083">
+            <a:off x="1975386" y="5158858"/>
+            <a:ext cx="1828800" cy="1219200"/>
+          </a:xfrm>
+          <a:prstGeom prst="rect">
             <a:avLst/>
-            <a:gdLst>
-              <a:gd name="connsiteX0" fmla="*/ 0 w 1828800"/>
-              <a:gd name="connsiteY0" fmla="*/ 0 h 1219200"/>
-              <a:gd name="connsiteX1" fmla="*/ 1828800 w 1828800"/>
-              <a:gd name="connsiteY1" fmla="*/ 0 h 1219200"/>
-              <a:gd name="connsiteX2" fmla="*/ 1828800 w 1828800"/>
-              <a:gd name="connsiteY2" fmla="*/ 1219200 h 1219200"/>
-              <a:gd name="connsiteX3" fmla="*/ 0 w 1828800"/>
-              <a:gd name="connsiteY3" fmla="*/ 1219200 h 1219200"/>
-              <a:gd name="connsiteX4" fmla="*/ 0 w 1828800"/>
-              <a:gd name="connsiteY4" fmla="*/ 0 h 1219200"/>
-              <a:gd name="connsiteX0" fmla="*/ 1975386 w 3804186"/>
-              <a:gd name="connsiteY0" fmla="*/ 3604142 h 4823342"/>
-              <a:gd name="connsiteX1" fmla="*/ 0 w 3804186"/>
-              <a:gd name="connsiteY1" fmla="*/ 0 h 4823342"/>
-              <a:gd name="connsiteX2" fmla="*/ 3804186 w 3804186"/>
-              <a:gd name="connsiteY2" fmla="*/ 3604142 h 4823342"/>
-              <a:gd name="connsiteX3" fmla="*/ 3804186 w 3804186"/>
-              <a:gd name="connsiteY3" fmla="*/ 4823342 h 4823342"/>
-              <a:gd name="connsiteX4" fmla="*/ 1975386 w 3804186"/>
-              <a:gd name="connsiteY4" fmla="*/ 4823342 h 4823342"/>
-              <a:gd name="connsiteX5" fmla="*/ 1975386 w 3804186"/>
-              <a:gd name="connsiteY5" fmla="*/ 3604142 h 4823342"/>
-              <a:gd name="connsiteX0" fmla="*/ 0 w 1828800"/>
-              <a:gd name="connsiteY0" fmla="*/ 0 h 1219200"/>
-              <a:gd name="connsiteX1" fmla="*/ 1828800 w 1828800"/>
-              <a:gd name="connsiteY1" fmla="*/ 0 h 1219200"/>
-              <a:gd name="connsiteX2" fmla="*/ 1828800 w 1828800"/>
-              <a:gd name="connsiteY2" fmla="*/ 1219200 h 1219200"/>
-              <a:gd name="connsiteX3" fmla="*/ 0 w 1828800"/>
-              <a:gd name="connsiteY3" fmla="*/ 1219200 h 1219200"/>
-              <a:gd name="connsiteX4" fmla="*/ 0 w 1828800"/>
-              <a:gd name="connsiteY4" fmla="*/ 0 h 1219200"/>
-              <a:gd name="connsiteX0" fmla="*/ 0 w 1975385"/>
-              <a:gd name="connsiteY0" fmla="*/ 896045 h 1219200"/>
-              <a:gd name="connsiteX1" fmla="*/ 1975385 w 1975385"/>
-              <a:gd name="connsiteY1" fmla="*/ 0 h 1219200"/>
-              <a:gd name="connsiteX2" fmla="*/ 1975385 w 1975385"/>
-              <a:gd name="connsiteY2" fmla="*/ 1219200 h 1219200"/>
-              <a:gd name="connsiteX3" fmla="*/ 146585 w 1975385"/>
-              <a:gd name="connsiteY3" fmla="*/ 1219200 h 1219200"/>
-              <a:gd name="connsiteX4" fmla="*/ 146585 w 1975385"/>
-              <a:gd name="connsiteY4" fmla="*/ 0 h 1219200"/>
-              <a:gd name="connsiteX0" fmla="*/ 0 w 1975385"/>
-              <a:gd name="connsiteY0" fmla="*/ 1375987 h 1699142"/>
-              <a:gd name="connsiteX1" fmla="*/ 1204646 w 1975385"/>
-              <a:gd name="connsiteY1" fmla="*/ 0 h 1699142"/>
-              <a:gd name="connsiteX2" fmla="*/ 1975385 w 1975385"/>
-              <a:gd name="connsiteY2" fmla="*/ 1699142 h 1699142"/>
-              <a:gd name="connsiteX3" fmla="*/ 146585 w 1975385"/>
-              <a:gd name="connsiteY3" fmla="*/ 1699142 h 1699142"/>
-              <a:gd name="connsiteX4" fmla="*/ 146585 w 1975385"/>
-              <a:gd name="connsiteY4" fmla="*/ 479942 h 1699142"/>
-              <a:gd name="connsiteX0" fmla="*/ 0 w 2121971"/>
-              <a:gd name="connsiteY0" fmla="*/ 1375987 h 1699142"/>
-              <a:gd name="connsiteX1" fmla="*/ 1204646 w 2121971"/>
-              <a:gd name="connsiteY1" fmla="*/ 0 h 1699142"/>
-              <a:gd name="connsiteX2" fmla="*/ 2121971 w 2121971"/>
-              <a:gd name="connsiteY2" fmla="*/ 803097 h 1699142"/>
-              <a:gd name="connsiteX3" fmla="*/ 146585 w 2121971"/>
-              <a:gd name="connsiteY3" fmla="*/ 1699142 h 1699142"/>
-              <a:gd name="connsiteX4" fmla="*/ 146585 w 2121971"/>
-              <a:gd name="connsiteY4" fmla="*/ 479942 h 1699142"/>
-              <a:gd name="connsiteX0" fmla="*/ 0 w 2121971"/>
-              <a:gd name="connsiteY0" fmla="*/ 1375987 h 2179084"/>
-              <a:gd name="connsiteX1" fmla="*/ 1204646 w 2121971"/>
-              <a:gd name="connsiteY1" fmla="*/ 0 h 2179084"/>
-              <a:gd name="connsiteX2" fmla="*/ 2121971 w 2121971"/>
-              <a:gd name="connsiteY2" fmla="*/ 803097 h 2179084"/>
-              <a:gd name="connsiteX3" fmla="*/ 917326 w 2121971"/>
-              <a:gd name="connsiteY3" fmla="*/ 2179084 h 2179084"/>
-              <a:gd name="connsiteX4" fmla="*/ 146585 w 2121971"/>
-              <a:gd name="connsiteY4" fmla="*/ 479942 h 2179084"/>
-              <a:gd name="connsiteX0" fmla="*/ 0 w 2121971"/>
-              <a:gd name="connsiteY0" fmla="*/ 1375987 h 2179084"/>
-              <a:gd name="connsiteX1" fmla="*/ 1204646 w 2121971"/>
-              <a:gd name="connsiteY1" fmla="*/ 0 h 2179084"/>
-              <a:gd name="connsiteX2" fmla="*/ 2121971 w 2121971"/>
-              <a:gd name="connsiteY2" fmla="*/ 803097 h 2179084"/>
-              <a:gd name="connsiteX3" fmla="*/ 917326 w 2121971"/>
-              <a:gd name="connsiteY3" fmla="*/ 2179084 h 2179084"/>
-              <a:gd name="connsiteX4" fmla="*/ 1 w 2121971"/>
-              <a:gd name="connsiteY4" fmla="*/ 1375987 h 2179084"/>
-            </a:gdLst>
-            <a:ahLst/>
-            <a:cxnLst>
-              <a:cxn ang="0">
-                <a:pos x="connsiteX0" y="connsiteY0"/>
-              </a:cxn>
-              <a:cxn ang="0">
-                <a:pos x="connsiteX1" y="connsiteY1"/>
-              </a:cxn>
-              <a:cxn ang="0">
-                <a:pos x="connsiteX2" y="connsiteY2"/>
-              </a:cxn>
-              <a:cxn ang="0">
-                <a:pos x="connsiteX3" y="connsiteY3"/>
-              </a:cxn>
-              <a:cxn ang="0">
-                <a:pos x="connsiteX4" y="connsiteY4"/>
-              </a:cxn>
-            </a:cxnLst>
-            <a:rect l="l" t="t" r="r" b="b"/>
-            <a:pathLst>
-              <a:path w="2121971" h="2179084">
-                <a:moveTo>
-                  <a:pt x="0" y="1375987"/>
-                </a:moveTo>
-                <a:lnTo>
-                  <a:pt x="1204646" y="0"/>
-                </a:lnTo>
-                <a:lnTo>
-                  <a:pt x="2121971" y="803097"/>
-                </a:lnTo>
-                <a:lnTo>
-                  <a:pt x="917326" y="2179084"/>
-                </a:lnTo>
-                <a:lnTo>
-                  <a:pt x="1" y="1375987"/>
-                </a:lnTo>
-                <a:close/>
-              </a:path>
-            </a:pathLst>
-          </a:custGeom>
+          </a:prstGeom>
         </p:spPr>
         <p:style>
           <a:lnRef idx="2">
@@ -19793,7 +15113,7 @@
     </p:spTree>
     <p:extLst>
       <p:ext uri="{BB962C8B-B14F-4D97-AF65-F5344CB8AC3E}">
-        <p14:creationId xmlns:p14="http://schemas.microsoft.com/office/powerpoint/2010/main" val="1624478349"/>
+        <p14:creationId xmlns:p14="http://schemas.microsoft.com/office/powerpoint/2010/main" val="2168509627"/>
       </p:ext>
     </p:extLst>
   </p:cSld>
@@ -19907,250 +15227,13 @@
           <p:nvPr/>
         </p:nvSpPr>
         <p:spPr>
-          <a:xfrm>
-            <a:off x="6250768" y="1811533"/>
-            <a:ext cx="2216907" cy="3234934"/>
-          </a:xfrm>
-          <a:custGeom>
+          <a:xfrm rot="18000000">
+            <a:off x="5586387" y="2828925"/>
+            <a:ext cx="3581400" cy="1066800"/>
+          </a:xfrm>
+          <a:prstGeom prst="rightArrow">
             <a:avLst/>
-            <a:gdLst>
-              <a:gd name="connsiteX0" fmla="*/ 0 w 3581400"/>
-              <a:gd name="connsiteY0" fmla="*/ 266700 h 1066800"/>
-              <a:gd name="connsiteX1" fmla="*/ 3048000 w 3581400"/>
-              <a:gd name="connsiteY1" fmla="*/ 266700 h 1066800"/>
-              <a:gd name="connsiteX2" fmla="*/ 3048000 w 3581400"/>
-              <a:gd name="connsiteY2" fmla="*/ 0 h 1066800"/>
-              <a:gd name="connsiteX3" fmla="*/ 3581400 w 3581400"/>
-              <a:gd name="connsiteY3" fmla="*/ 533400 h 1066800"/>
-              <a:gd name="connsiteX4" fmla="*/ 3048000 w 3581400"/>
-              <a:gd name="connsiteY4" fmla="*/ 1066800 h 1066800"/>
-              <a:gd name="connsiteX5" fmla="*/ 3048000 w 3581400"/>
-              <a:gd name="connsiteY5" fmla="*/ 800100 h 1066800"/>
-              <a:gd name="connsiteX6" fmla="*/ 0 w 3581400"/>
-              <a:gd name="connsiteY6" fmla="*/ 800100 h 1066800"/>
-              <a:gd name="connsiteX7" fmla="*/ 0 w 3581400"/>
-              <a:gd name="connsiteY7" fmla="*/ 266700 h 1066800"/>
-              <a:gd name="connsiteX0" fmla="*/ 5586387 w 9167787"/>
-              <a:gd name="connsiteY0" fmla="*/ 3760592 h 4560692"/>
-              <a:gd name="connsiteX1" fmla="*/ 0 w 9167787"/>
-              <a:gd name="connsiteY1" fmla="*/ 0 h 4560692"/>
-              <a:gd name="connsiteX2" fmla="*/ 8634387 w 9167787"/>
-              <a:gd name="connsiteY2" fmla="*/ 3760592 h 4560692"/>
-              <a:gd name="connsiteX3" fmla="*/ 8634387 w 9167787"/>
-              <a:gd name="connsiteY3" fmla="*/ 3493892 h 4560692"/>
-              <a:gd name="connsiteX4" fmla="*/ 9167787 w 9167787"/>
-              <a:gd name="connsiteY4" fmla="*/ 4027292 h 4560692"/>
-              <a:gd name="connsiteX5" fmla="*/ 8634387 w 9167787"/>
-              <a:gd name="connsiteY5" fmla="*/ 4560692 h 4560692"/>
-              <a:gd name="connsiteX6" fmla="*/ 8634387 w 9167787"/>
-              <a:gd name="connsiteY6" fmla="*/ 4293992 h 4560692"/>
-              <a:gd name="connsiteX7" fmla="*/ 5586387 w 9167787"/>
-              <a:gd name="connsiteY7" fmla="*/ 4293992 h 4560692"/>
-              <a:gd name="connsiteX8" fmla="*/ 5586387 w 9167787"/>
-              <a:gd name="connsiteY8" fmla="*/ 3760592 h 4560692"/>
-              <a:gd name="connsiteX0" fmla="*/ 0 w 3581400"/>
-              <a:gd name="connsiteY0" fmla="*/ 266700 h 1066800"/>
-              <a:gd name="connsiteX1" fmla="*/ 3048000 w 3581400"/>
-              <a:gd name="connsiteY1" fmla="*/ 266700 h 1066800"/>
-              <a:gd name="connsiteX2" fmla="*/ 3048000 w 3581400"/>
-              <a:gd name="connsiteY2" fmla="*/ 0 h 1066800"/>
-              <a:gd name="connsiteX3" fmla="*/ 3581400 w 3581400"/>
-              <a:gd name="connsiteY3" fmla="*/ 533400 h 1066800"/>
-              <a:gd name="connsiteX4" fmla="*/ 3048000 w 3581400"/>
-              <a:gd name="connsiteY4" fmla="*/ 1066800 h 1066800"/>
-              <a:gd name="connsiteX5" fmla="*/ 3048000 w 3581400"/>
-              <a:gd name="connsiteY5" fmla="*/ 800100 h 1066800"/>
-              <a:gd name="connsiteX6" fmla="*/ 0 w 3581400"/>
-              <a:gd name="connsiteY6" fmla="*/ 800100 h 1066800"/>
-              <a:gd name="connsiteX7" fmla="*/ 0 w 3581400"/>
-              <a:gd name="connsiteY7" fmla="*/ 266700 h 1066800"/>
-              <a:gd name="connsiteX0" fmla="*/ 664381 w 3581400"/>
-              <a:gd name="connsiteY0" fmla="*/ 1950842 h 1950842"/>
-              <a:gd name="connsiteX1" fmla="*/ 3048000 w 3581400"/>
-              <a:gd name="connsiteY1" fmla="*/ 266700 h 1950842"/>
-              <a:gd name="connsiteX2" fmla="*/ 3048000 w 3581400"/>
-              <a:gd name="connsiteY2" fmla="*/ 0 h 1950842"/>
-              <a:gd name="connsiteX3" fmla="*/ 3581400 w 3581400"/>
-              <a:gd name="connsiteY3" fmla="*/ 533400 h 1950842"/>
-              <a:gd name="connsiteX4" fmla="*/ 3048000 w 3581400"/>
-              <a:gd name="connsiteY4" fmla="*/ 1066800 h 1950842"/>
-              <a:gd name="connsiteX5" fmla="*/ 3048000 w 3581400"/>
-              <a:gd name="connsiteY5" fmla="*/ 800100 h 1950842"/>
-              <a:gd name="connsiteX6" fmla="*/ 0 w 3581400"/>
-              <a:gd name="connsiteY6" fmla="*/ 800100 h 1950842"/>
-              <a:gd name="connsiteX7" fmla="*/ 0 w 3581400"/>
-              <a:gd name="connsiteY7" fmla="*/ 266700 h 1950842"/>
-              <a:gd name="connsiteX0" fmla="*/ 664381 w 3581400"/>
-              <a:gd name="connsiteY0" fmla="*/ 2639646 h 2639646"/>
-              <a:gd name="connsiteX1" fmla="*/ 2188381 w 3581400"/>
-              <a:gd name="connsiteY1" fmla="*/ 0 h 2639646"/>
-              <a:gd name="connsiteX2" fmla="*/ 3048000 w 3581400"/>
-              <a:gd name="connsiteY2" fmla="*/ 688804 h 2639646"/>
-              <a:gd name="connsiteX3" fmla="*/ 3581400 w 3581400"/>
-              <a:gd name="connsiteY3" fmla="*/ 1222204 h 2639646"/>
-              <a:gd name="connsiteX4" fmla="*/ 3048000 w 3581400"/>
-              <a:gd name="connsiteY4" fmla="*/ 1755604 h 2639646"/>
-              <a:gd name="connsiteX5" fmla="*/ 3048000 w 3581400"/>
-              <a:gd name="connsiteY5" fmla="*/ 1488904 h 2639646"/>
-              <a:gd name="connsiteX6" fmla="*/ 0 w 3581400"/>
-              <a:gd name="connsiteY6" fmla="*/ 1488904 h 2639646"/>
-              <a:gd name="connsiteX7" fmla="*/ 0 w 3581400"/>
-              <a:gd name="connsiteY7" fmla="*/ 955504 h 2639646"/>
-              <a:gd name="connsiteX0" fmla="*/ 664381 w 3581400"/>
-              <a:gd name="connsiteY0" fmla="*/ 2772996 h 2772996"/>
-              <a:gd name="connsiteX1" fmla="*/ 2188381 w 3581400"/>
-              <a:gd name="connsiteY1" fmla="*/ 133350 h 2772996"/>
-              <a:gd name="connsiteX2" fmla="*/ 1957412 w 3581400"/>
-              <a:gd name="connsiteY2" fmla="*/ 0 h 2772996"/>
-              <a:gd name="connsiteX3" fmla="*/ 3581400 w 3581400"/>
-              <a:gd name="connsiteY3" fmla="*/ 1355554 h 2772996"/>
-              <a:gd name="connsiteX4" fmla="*/ 3048000 w 3581400"/>
-              <a:gd name="connsiteY4" fmla="*/ 1888954 h 2772996"/>
-              <a:gd name="connsiteX5" fmla="*/ 3048000 w 3581400"/>
-              <a:gd name="connsiteY5" fmla="*/ 1622254 h 2772996"/>
-              <a:gd name="connsiteX6" fmla="*/ 0 w 3581400"/>
-              <a:gd name="connsiteY6" fmla="*/ 1622254 h 2772996"/>
-              <a:gd name="connsiteX7" fmla="*/ 0 w 3581400"/>
-              <a:gd name="connsiteY7" fmla="*/ 1088854 h 2772996"/>
-              <a:gd name="connsiteX0" fmla="*/ 664381 w 3048000"/>
-              <a:gd name="connsiteY0" fmla="*/ 2968234 h 2968234"/>
-              <a:gd name="connsiteX1" fmla="*/ 2188381 w 3048000"/>
-              <a:gd name="connsiteY1" fmla="*/ 328588 h 2968234"/>
-              <a:gd name="connsiteX2" fmla="*/ 1957412 w 3048000"/>
-              <a:gd name="connsiteY2" fmla="*/ 195238 h 2968234"/>
-              <a:gd name="connsiteX3" fmla="*/ 2686050 w 3048000"/>
-              <a:gd name="connsiteY3" fmla="*/ 0 h 2968234"/>
-              <a:gd name="connsiteX4" fmla="*/ 3048000 w 3048000"/>
-              <a:gd name="connsiteY4" fmla="*/ 2084192 h 2968234"/>
-              <a:gd name="connsiteX5" fmla="*/ 3048000 w 3048000"/>
-              <a:gd name="connsiteY5" fmla="*/ 1817492 h 2968234"/>
-              <a:gd name="connsiteX6" fmla="*/ 0 w 3048000"/>
-              <a:gd name="connsiteY6" fmla="*/ 1817492 h 2968234"/>
-              <a:gd name="connsiteX7" fmla="*/ 0 w 3048000"/>
-              <a:gd name="connsiteY7" fmla="*/ 1284092 h 2968234"/>
-              <a:gd name="connsiteX0" fmla="*/ 664381 w 3048000"/>
-              <a:gd name="connsiteY0" fmla="*/ 2968234 h 2968234"/>
-              <a:gd name="connsiteX1" fmla="*/ 2188381 w 3048000"/>
-              <a:gd name="connsiteY1" fmla="*/ 328588 h 2968234"/>
-              <a:gd name="connsiteX2" fmla="*/ 1957412 w 3048000"/>
-              <a:gd name="connsiteY2" fmla="*/ 195238 h 2968234"/>
-              <a:gd name="connsiteX3" fmla="*/ 2686050 w 3048000"/>
-              <a:gd name="connsiteY3" fmla="*/ 0 h 2968234"/>
-              <a:gd name="connsiteX4" fmla="*/ 2881288 w 3048000"/>
-              <a:gd name="connsiteY4" fmla="*/ 728638 h 2968234"/>
-              <a:gd name="connsiteX5" fmla="*/ 3048000 w 3048000"/>
-              <a:gd name="connsiteY5" fmla="*/ 1817492 h 2968234"/>
-              <a:gd name="connsiteX6" fmla="*/ 0 w 3048000"/>
-              <a:gd name="connsiteY6" fmla="*/ 1817492 h 2968234"/>
-              <a:gd name="connsiteX7" fmla="*/ 0 w 3048000"/>
-              <a:gd name="connsiteY7" fmla="*/ 1284092 h 2968234"/>
-              <a:gd name="connsiteX0" fmla="*/ 664381 w 2881288"/>
-              <a:gd name="connsiteY0" fmla="*/ 2968234 h 2968234"/>
-              <a:gd name="connsiteX1" fmla="*/ 2188381 w 2881288"/>
-              <a:gd name="connsiteY1" fmla="*/ 328588 h 2968234"/>
-              <a:gd name="connsiteX2" fmla="*/ 1957412 w 2881288"/>
-              <a:gd name="connsiteY2" fmla="*/ 195238 h 2968234"/>
-              <a:gd name="connsiteX3" fmla="*/ 2686050 w 2881288"/>
-              <a:gd name="connsiteY3" fmla="*/ 0 h 2968234"/>
-              <a:gd name="connsiteX4" fmla="*/ 2881288 w 2881288"/>
-              <a:gd name="connsiteY4" fmla="*/ 728638 h 2968234"/>
-              <a:gd name="connsiteX5" fmla="*/ 2650319 w 2881288"/>
-              <a:gd name="connsiteY5" fmla="*/ 595288 h 2968234"/>
-              <a:gd name="connsiteX6" fmla="*/ 0 w 2881288"/>
-              <a:gd name="connsiteY6" fmla="*/ 1817492 h 2968234"/>
-              <a:gd name="connsiteX7" fmla="*/ 0 w 2881288"/>
-              <a:gd name="connsiteY7" fmla="*/ 1284092 h 2968234"/>
-              <a:gd name="connsiteX0" fmla="*/ 664381 w 2881288"/>
-              <a:gd name="connsiteY0" fmla="*/ 2968234 h 3234934"/>
-              <a:gd name="connsiteX1" fmla="*/ 2188381 w 2881288"/>
-              <a:gd name="connsiteY1" fmla="*/ 328588 h 3234934"/>
-              <a:gd name="connsiteX2" fmla="*/ 1957412 w 2881288"/>
-              <a:gd name="connsiteY2" fmla="*/ 195238 h 3234934"/>
-              <a:gd name="connsiteX3" fmla="*/ 2686050 w 2881288"/>
-              <a:gd name="connsiteY3" fmla="*/ 0 h 3234934"/>
-              <a:gd name="connsiteX4" fmla="*/ 2881288 w 2881288"/>
-              <a:gd name="connsiteY4" fmla="*/ 728638 h 3234934"/>
-              <a:gd name="connsiteX5" fmla="*/ 2650319 w 2881288"/>
-              <a:gd name="connsiteY5" fmla="*/ 595288 h 3234934"/>
-              <a:gd name="connsiteX6" fmla="*/ 1126319 w 2881288"/>
-              <a:gd name="connsiteY6" fmla="*/ 3234934 h 3234934"/>
-              <a:gd name="connsiteX7" fmla="*/ 0 w 2881288"/>
-              <a:gd name="connsiteY7" fmla="*/ 1284092 h 3234934"/>
-              <a:gd name="connsiteX0" fmla="*/ 0 w 2216907"/>
-              <a:gd name="connsiteY0" fmla="*/ 2968234 h 3234934"/>
-              <a:gd name="connsiteX1" fmla="*/ 1524000 w 2216907"/>
-              <a:gd name="connsiteY1" fmla="*/ 328588 h 3234934"/>
-              <a:gd name="connsiteX2" fmla="*/ 1293031 w 2216907"/>
-              <a:gd name="connsiteY2" fmla="*/ 195238 h 3234934"/>
-              <a:gd name="connsiteX3" fmla="*/ 2021669 w 2216907"/>
-              <a:gd name="connsiteY3" fmla="*/ 0 h 3234934"/>
-              <a:gd name="connsiteX4" fmla="*/ 2216907 w 2216907"/>
-              <a:gd name="connsiteY4" fmla="*/ 728638 h 3234934"/>
-              <a:gd name="connsiteX5" fmla="*/ 1985938 w 2216907"/>
-              <a:gd name="connsiteY5" fmla="*/ 595288 h 3234934"/>
-              <a:gd name="connsiteX6" fmla="*/ 461938 w 2216907"/>
-              <a:gd name="connsiteY6" fmla="*/ 3234934 h 3234934"/>
-              <a:gd name="connsiteX7" fmla="*/ 0 w 2216907"/>
-              <a:gd name="connsiteY7" fmla="*/ 2968234 h 3234934"/>
-            </a:gdLst>
-            <a:ahLst/>
-            <a:cxnLst>
-              <a:cxn ang="0">
-                <a:pos x="connsiteX0" y="connsiteY0"/>
-              </a:cxn>
-              <a:cxn ang="0">
-                <a:pos x="connsiteX1" y="connsiteY1"/>
-              </a:cxn>
-              <a:cxn ang="0">
-                <a:pos x="connsiteX2" y="connsiteY2"/>
-              </a:cxn>
-              <a:cxn ang="0">
-                <a:pos x="connsiteX3" y="connsiteY3"/>
-              </a:cxn>
-              <a:cxn ang="0">
-                <a:pos x="connsiteX4" y="connsiteY4"/>
-              </a:cxn>
-              <a:cxn ang="0">
-                <a:pos x="connsiteX5" y="connsiteY5"/>
-              </a:cxn>
-              <a:cxn ang="0">
-                <a:pos x="connsiteX6" y="connsiteY6"/>
-              </a:cxn>
-              <a:cxn ang="0">
-                <a:pos x="connsiteX7" y="connsiteY7"/>
-              </a:cxn>
-            </a:cxnLst>
-            <a:rect l="l" t="t" r="r" b="b"/>
-            <a:pathLst>
-              <a:path w="2216907" h="3234934">
-                <a:moveTo>
-                  <a:pt x="0" y="2968234"/>
-                </a:moveTo>
-                <a:lnTo>
-                  <a:pt x="1524000" y="328588"/>
-                </a:lnTo>
-                <a:lnTo>
-                  <a:pt x="1293031" y="195238"/>
-                </a:lnTo>
-                <a:lnTo>
-                  <a:pt x="2021669" y="0"/>
-                </a:lnTo>
-                <a:lnTo>
-                  <a:pt x="2216907" y="728638"/>
-                </a:lnTo>
-                <a:lnTo>
-                  <a:pt x="1985938" y="595288"/>
-                </a:lnTo>
-                <a:lnTo>
-                  <a:pt x="461938" y="3234934"/>
-                </a:lnTo>
-                <a:lnTo>
-                  <a:pt x="0" y="2968234"/>
-                </a:lnTo>
-                <a:close/>
-              </a:path>
-            </a:pathLst>
-          </a:custGeom>
+          </a:prstGeom>
         </p:spPr>
         <p:style>
           <a:lnRef idx="2">
@@ -20184,136 +15267,13 @@
           <p:nvPr/>
         </p:nvSpPr>
         <p:spPr>
-          <a:xfrm>
-            <a:off x="1828800" y="2339458"/>
-            <a:ext cx="2121971" cy="2179084"/>
-          </a:xfrm>
-          <a:custGeom>
+          <a:xfrm rot="18672083">
+            <a:off x="1975386" y="2819400"/>
+            <a:ext cx="1828800" cy="1219200"/>
+          </a:xfrm>
+          <a:prstGeom prst="rect">
             <a:avLst/>
-            <a:gdLst>
-              <a:gd name="connsiteX0" fmla="*/ 0 w 1828800"/>
-              <a:gd name="connsiteY0" fmla="*/ 0 h 1219200"/>
-              <a:gd name="connsiteX1" fmla="*/ 1828800 w 1828800"/>
-              <a:gd name="connsiteY1" fmla="*/ 0 h 1219200"/>
-              <a:gd name="connsiteX2" fmla="*/ 1828800 w 1828800"/>
-              <a:gd name="connsiteY2" fmla="*/ 1219200 h 1219200"/>
-              <a:gd name="connsiteX3" fmla="*/ 0 w 1828800"/>
-              <a:gd name="connsiteY3" fmla="*/ 1219200 h 1219200"/>
-              <a:gd name="connsiteX4" fmla="*/ 0 w 1828800"/>
-              <a:gd name="connsiteY4" fmla="*/ 0 h 1219200"/>
-              <a:gd name="connsiteX0" fmla="*/ 1975386 w 3804186"/>
-              <a:gd name="connsiteY0" fmla="*/ 3604142 h 4823342"/>
-              <a:gd name="connsiteX1" fmla="*/ 0 w 3804186"/>
-              <a:gd name="connsiteY1" fmla="*/ 0 h 4823342"/>
-              <a:gd name="connsiteX2" fmla="*/ 3804186 w 3804186"/>
-              <a:gd name="connsiteY2" fmla="*/ 3604142 h 4823342"/>
-              <a:gd name="connsiteX3" fmla="*/ 3804186 w 3804186"/>
-              <a:gd name="connsiteY3" fmla="*/ 4823342 h 4823342"/>
-              <a:gd name="connsiteX4" fmla="*/ 1975386 w 3804186"/>
-              <a:gd name="connsiteY4" fmla="*/ 4823342 h 4823342"/>
-              <a:gd name="connsiteX5" fmla="*/ 1975386 w 3804186"/>
-              <a:gd name="connsiteY5" fmla="*/ 3604142 h 4823342"/>
-              <a:gd name="connsiteX0" fmla="*/ 0 w 1828800"/>
-              <a:gd name="connsiteY0" fmla="*/ 0 h 1219200"/>
-              <a:gd name="connsiteX1" fmla="*/ 1828800 w 1828800"/>
-              <a:gd name="connsiteY1" fmla="*/ 0 h 1219200"/>
-              <a:gd name="connsiteX2" fmla="*/ 1828800 w 1828800"/>
-              <a:gd name="connsiteY2" fmla="*/ 1219200 h 1219200"/>
-              <a:gd name="connsiteX3" fmla="*/ 0 w 1828800"/>
-              <a:gd name="connsiteY3" fmla="*/ 1219200 h 1219200"/>
-              <a:gd name="connsiteX4" fmla="*/ 0 w 1828800"/>
-              <a:gd name="connsiteY4" fmla="*/ 0 h 1219200"/>
-              <a:gd name="connsiteX0" fmla="*/ 0 w 1975385"/>
-              <a:gd name="connsiteY0" fmla="*/ 896045 h 1219200"/>
-              <a:gd name="connsiteX1" fmla="*/ 1975385 w 1975385"/>
-              <a:gd name="connsiteY1" fmla="*/ 0 h 1219200"/>
-              <a:gd name="connsiteX2" fmla="*/ 1975385 w 1975385"/>
-              <a:gd name="connsiteY2" fmla="*/ 1219200 h 1219200"/>
-              <a:gd name="connsiteX3" fmla="*/ 146585 w 1975385"/>
-              <a:gd name="connsiteY3" fmla="*/ 1219200 h 1219200"/>
-              <a:gd name="connsiteX4" fmla="*/ 146585 w 1975385"/>
-              <a:gd name="connsiteY4" fmla="*/ 0 h 1219200"/>
-              <a:gd name="connsiteX0" fmla="*/ 0 w 1975385"/>
-              <a:gd name="connsiteY0" fmla="*/ 1375987 h 1699142"/>
-              <a:gd name="connsiteX1" fmla="*/ 1204646 w 1975385"/>
-              <a:gd name="connsiteY1" fmla="*/ 0 h 1699142"/>
-              <a:gd name="connsiteX2" fmla="*/ 1975385 w 1975385"/>
-              <a:gd name="connsiteY2" fmla="*/ 1699142 h 1699142"/>
-              <a:gd name="connsiteX3" fmla="*/ 146585 w 1975385"/>
-              <a:gd name="connsiteY3" fmla="*/ 1699142 h 1699142"/>
-              <a:gd name="connsiteX4" fmla="*/ 146585 w 1975385"/>
-              <a:gd name="connsiteY4" fmla="*/ 479942 h 1699142"/>
-              <a:gd name="connsiteX0" fmla="*/ 0 w 2121971"/>
-              <a:gd name="connsiteY0" fmla="*/ 1375987 h 1699142"/>
-              <a:gd name="connsiteX1" fmla="*/ 1204646 w 2121971"/>
-              <a:gd name="connsiteY1" fmla="*/ 0 h 1699142"/>
-              <a:gd name="connsiteX2" fmla="*/ 2121971 w 2121971"/>
-              <a:gd name="connsiteY2" fmla="*/ 803097 h 1699142"/>
-              <a:gd name="connsiteX3" fmla="*/ 146585 w 2121971"/>
-              <a:gd name="connsiteY3" fmla="*/ 1699142 h 1699142"/>
-              <a:gd name="connsiteX4" fmla="*/ 146585 w 2121971"/>
-              <a:gd name="connsiteY4" fmla="*/ 479942 h 1699142"/>
-              <a:gd name="connsiteX0" fmla="*/ 0 w 2121971"/>
-              <a:gd name="connsiteY0" fmla="*/ 1375987 h 2179084"/>
-              <a:gd name="connsiteX1" fmla="*/ 1204646 w 2121971"/>
-              <a:gd name="connsiteY1" fmla="*/ 0 h 2179084"/>
-              <a:gd name="connsiteX2" fmla="*/ 2121971 w 2121971"/>
-              <a:gd name="connsiteY2" fmla="*/ 803097 h 2179084"/>
-              <a:gd name="connsiteX3" fmla="*/ 917326 w 2121971"/>
-              <a:gd name="connsiteY3" fmla="*/ 2179084 h 2179084"/>
-              <a:gd name="connsiteX4" fmla="*/ 146585 w 2121971"/>
-              <a:gd name="connsiteY4" fmla="*/ 479942 h 2179084"/>
-              <a:gd name="connsiteX0" fmla="*/ 0 w 2121971"/>
-              <a:gd name="connsiteY0" fmla="*/ 1375987 h 2179084"/>
-              <a:gd name="connsiteX1" fmla="*/ 1204646 w 2121971"/>
-              <a:gd name="connsiteY1" fmla="*/ 0 h 2179084"/>
-              <a:gd name="connsiteX2" fmla="*/ 2121971 w 2121971"/>
-              <a:gd name="connsiteY2" fmla="*/ 803097 h 2179084"/>
-              <a:gd name="connsiteX3" fmla="*/ 917326 w 2121971"/>
-              <a:gd name="connsiteY3" fmla="*/ 2179084 h 2179084"/>
-              <a:gd name="connsiteX4" fmla="*/ 1 w 2121971"/>
-              <a:gd name="connsiteY4" fmla="*/ 1375987 h 2179084"/>
-            </a:gdLst>
-            <a:ahLst/>
-            <a:cxnLst>
-              <a:cxn ang="0">
-                <a:pos x="connsiteX0" y="connsiteY0"/>
-              </a:cxn>
-              <a:cxn ang="0">
-                <a:pos x="connsiteX1" y="connsiteY1"/>
-              </a:cxn>
-              <a:cxn ang="0">
-                <a:pos x="connsiteX2" y="connsiteY2"/>
-              </a:cxn>
-              <a:cxn ang="0">
-                <a:pos x="connsiteX3" y="connsiteY3"/>
-              </a:cxn>
-              <a:cxn ang="0">
-                <a:pos x="connsiteX4" y="connsiteY4"/>
-              </a:cxn>
-            </a:cxnLst>
-            <a:rect l="l" t="t" r="r" b="b"/>
-            <a:pathLst>
-              <a:path w="2121971" h="2179084">
-                <a:moveTo>
-                  <a:pt x="0" y="1375987"/>
-                </a:moveTo>
-                <a:lnTo>
-                  <a:pt x="1204646" y="0"/>
-                </a:lnTo>
-                <a:lnTo>
-                  <a:pt x="2121971" y="803097"/>
-                </a:lnTo>
-                <a:lnTo>
-                  <a:pt x="917326" y="2179084"/>
-                </a:lnTo>
-                <a:lnTo>
-                  <a:pt x="1" y="1375987"/>
-                </a:lnTo>
-                <a:close/>
-              </a:path>
-            </a:pathLst>
-          </a:custGeom>
+          </a:prstGeom>
         </p:spPr>
         <p:style>
           <a:lnRef idx="2">
@@ -20343,7 +15303,7 @@
     </p:spTree>
     <p:extLst>
       <p:ext uri="{BB962C8B-B14F-4D97-AF65-F5344CB8AC3E}">
-        <p14:creationId xmlns:p14="http://schemas.microsoft.com/office/powerpoint/2010/main" val="2465596816"/>
+        <p14:creationId xmlns:p14="http://schemas.microsoft.com/office/powerpoint/2010/main" val="1022983897"/>
       </p:ext>
     </p:extLst>
   </p:cSld>

--- a/doc/test/PositionsLab/PositionsLabAlign.pptx
+++ b/doc/test/PositionsLab/PositionsLabAlign.pptx
@@ -9,8 +9,8 @@
   <p:sldIdLst>
     <p:sldId id="287" r:id="rId4"/>
     <p:sldId id="256" r:id="rId5"/>
-    <p:sldId id="292" r:id="rId6"/>
-    <p:sldId id="294" r:id="rId7"/>
+    <p:sldId id="294" r:id="rId6"/>
+    <p:sldId id="292" r:id="rId7"/>
     <p:sldId id="326" r:id="rId8"/>
     <p:sldId id="327" r:id="rId9"/>
     <p:sldId id="328" r:id="rId10"/>
@@ -151,8 +151,8 @@
         <p14:section name="Align by Slide" id="{A3A2B0AB-762C-4281-AA7B-EF7E134E0DC4}">
           <p14:sldIdLst>
             <p14:sldId id="256"/>
+            <p14:sldId id="294"/>
             <p14:sldId id="292"/>
-            <p14:sldId id="294"/>
             <p14:sldId id="326"/>
             <p14:sldId id="327"/>
             <p14:sldId id="328"/>
@@ -374,7 +374,7 @@
           <a:p>
             <a:fld id="{699DC775-C286-4358-8C92-D7E584E969B3}" type="datetimeFigureOut">
               <a:rPr lang="en-US" smtClean="0"/>
-              <a:t>3/24/2016</a:t>
+              <a:t>3/27/2016</a:t>
             </a:fld>
             <a:endParaRPr lang="en-US"/>
           </a:p>
@@ -542,7 +542,7 @@
           <a:p>
             <a:fld id="{699DC775-C286-4358-8C92-D7E584E969B3}" type="datetimeFigureOut">
               <a:rPr lang="en-US" smtClean="0"/>
-              <a:t>3/24/2016</a:t>
+              <a:t>3/27/2016</a:t>
             </a:fld>
             <a:endParaRPr lang="en-US"/>
           </a:p>
@@ -720,7 +720,7 @@
           <a:p>
             <a:fld id="{699DC775-C286-4358-8C92-D7E584E969B3}" type="datetimeFigureOut">
               <a:rPr lang="en-US" smtClean="0"/>
-              <a:t>3/24/2016</a:t>
+              <a:t>3/27/2016</a:t>
             </a:fld>
             <a:endParaRPr lang="en-US"/>
           </a:p>
@@ -960,7 +960,7 @@
           <a:p>
             <a:fld id="{699DC775-C286-4358-8C92-D7E584E969B3}" type="datetimeFigureOut">
               <a:rPr lang="en-US" smtClean="0"/>
-              <a:t>3/24/2016</a:t>
+              <a:t>3/27/2016</a:t>
             </a:fld>
             <a:endParaRPr lang="en-US"/>
           </a:p>
@@ -1128,7 +1128,7 @@
           <a:p>
             <a:fld id="{699DC775-C286-4358-8C92-D7E584E969B3}" type="datetimeFigureOut">
               <a:rPr lang="en-US" smtClean="0"/>
-              <a:t>3/24/2016</a:t>
+              <a:t>3/27/2016</a:t>
             </a:fld>
             <a:endParaRPr lang="en-US"/>
           </a:p>
@@ -1373,7 +1373,7 @@
           <a:p>
             <a:fld id="{699DC775-C286-4358-8C92-D7E584E969B3}" type="datetimeFigureOut">
               <a:rPr lang="en-US" smtClean="0"/>
-              <a:t>3/24/2016</a:t>
+              <a:t>3/27/2016</a:t>
             </a:fld>
             <a:endParaRPr lang="en-US"/>
           </a:p>
@@ -1658,7 +1658,7 @@
           <a:p>
             <a:fld id="{699DC775-C286-4358-8C92-D7E584E969B3}" type="datetimeFigureOut">
               <a:rPr lang="en-US" smtClean="0"/>
-              <a:t>3/24/2016</a:t>
+              <a:t>3/27/2016</a:t>
             </a:fld>
             <a:endParaRPr lang="en-US"/>
           </a:p>
@@ -2077,7 +2077,7 @@
           <a:p>
             <a:fld id="{699DC775-C286-4358-8C92-D7E584E969B3}" type="datetimeFigureOut">
               <a:rPr lang="en-US" smtClean="0"/>
-              <a:t>3/24/2016</a:t>
+              <a:t>3/27/2016</a:t>
             </a:fld>
             <a:endParaRPr lang="en-US"/>
           </a:p>
@@ -2194,7 +2194,7 @@
           <a:p>
             <a:fld id="{699DC775-C286-4358-8C92-D7E584E969B3}" type="datetimeFigureOut">
               <a:rPr lang="en-US" smtClean="0"/>
-              <a:t>3/24/2016</a:t>
+              <a:t>3/27/2016</a:t>
             </a:fld>
             <a:endParaRPr lang="en-US"/>
           </a:p>
@@ -2289,7 +2289,7 @@
           <a:p>
             <a:fld id="{699DC775-C286-4358-8C92-D7E584E969B3}" type="datetimeFigureOut">
               <a:rPr lang="en-US" smtClean="0"/>
-              <a:t>3/24/2016</a:t>
+              <a:t>3/27/2016</a:t>
             </a:fld>
             <a:endParaRPr lang="en-US"/>
           </a:p>
@@ -2564,7 +2564,7 @@
           <a:p>
             <a:fld id="{699DC775-C286-4358-8C92-D7E584E969B3}" type="datetimeFigureOut">
               <a:rPr lang="en-US" smtClean="0"/>
-              <a:t>3/24/2016</a:t>
+              <a:t>3/27/2016</a:t>
             </a:fld>
             <a:endParaRPr lang="en-US"/>
           </a:p>
@@ -2732,7 +2732,7 @@
           <a:p>
             <a:fld id="{699DC775-C286-4358-8C92-D7E584E969B3}" type="datetimeFigureOut">
               <a:rPr lang="en-US" smtClean="0"/>
-              <a:t>3/24/2016</a:t>
+              <a:t>3/27/2016</a:t>
             </a:fld>
             <a:endParaRPr lang="en-US"/>
           </a:p>
@@ -2984,7 +2984,7 @@
           <a:p>
             <a:fld id="{699DC775-C286-4358-8C92-D7E584E969B3}" type="datetimeFigureOut">
               <a:rPr lang="en-US" smtClean="0"/>
-              <a:t>3/24/2016</a:t>
+              <a:t>3/27/2016</a:t>
             </a:fld>
             <a:endParaRPr lang="en-US"/>
           </a:p>
@@ -3152,7 +3152,7 @@
           <a:p>
             <a:fld id="{699DC775-C286-4358-8C92-D7E584E969B3}" type="datetimeFigureOut">
               <a:rPr lang="en-US" smtClean="0"/>
-              <a:t>3/24/2016</a:t>
+              <a:t>3/27/2016</a:t>
             </a:fld>
             <a:endParaRPr lang="en-US"/>
           </a:p>
@@ -3330,7 +3330,7 @@
           <a:p>
             <a:fld id="{699DC775-C286-4358-8C92-D7E584E969B3}" type="datetimeFigureOut">
               <a:rPr lang="en-US" smtClean="0"/>
-              <a:t>3/24/2016</a:t>
+              <a:t>3/27/2016</a:t>
             </a:fld>
             <a:endParaRPr lang="en-US"/>
           </a:p>
@@ -3578,7 +3578,7 @@
           <a:p>
             <a:fld id="{699DC775-C286-4358-8C92-D7E584E969B3}" type="datetimeFigureOut">
               <a:rPr lang="en-US" smtClean="0"/>
-              <a:t>3/24/2016</a:t>
+              <a:t>3/27/2016</a:t>
             </a:fld>
             <a:endParaRPr lang="en-US"/>
           </a:p>
@@ -3754,7 +3754,7 @@
           <a:p>
             <a:fld id="{699DC775-C286-4358-8C92-D7E584E969B3}" type="datetimeFigureOut">
               <a:rPr lang="en-US" smtClean="0"/>
-              <a:t>3/24/2016</a:t>
+              <a:t>3/27/2016</a:t>
             </a:fld>
             <a:endParaRPr lang="en-US"/>
           </a:p>
@@ -4007,7 +4007,7 @@
           <a:p>
             <a:fld id="{699DC775-C286-4358-8C92-D7E584E969B3}" type="datetimeFigureOut">
               <a:rPr lang="en-US" smtClean="0"/>
-              <a:t>3/24/2016</a:t>
+              <a:t>3/27/2016</a:t>
             </a:fld>
             <a:endParaRPr lang="en-US"/>
           </a:p>
@@ -4300,7 +4300,7 @@
           <a:p>
             <a:fld id="{699DC775-C286-4358-8C92-D7E584E969B3}" type="datetimeFigureOut">
               <a:rPr lang="en-US" smtClean="0"/>
-              <a:t>3/24/2016</a:t>
+              <a:t>3/27/2016</a:t>
             </a:fld>
             <a:endParaRPr lang="en-US"/>
           </a:p>
@@ -4727,7 +4727,7 @@
           <a:p>
             <a:fld id="{699DC775-C286-4358-8C92-D7E584E969B3}" type="datetimeFigureOut">
               <a:rPr lang="en-US" smtClean="0"/>
-              <a:t>3/24/2016</a:t>
+              <a:t>3/27/2016</a:t>
             </a:fld>
             <a:endParaRPr lang="en-US"/>
           </a:p>
@@ -4852,7 +4852,7 @@
           <a:p>
             <a:fld id="{699DC775-C286-4358-8C92-D7E584E969B3}" type="datetimeFigureOut">
               <a:rPr lang="en-US" smtClean="0"/>
-              <a:t>3/24/2016</a:t>
+              <a:t>3/27/2016</a:t>
             </a:fld>
             <a:endParaRPr lang="en-US"/>
           </a:p>
@@ -4955,7 +4955,7 @@
           <a:p>
             <a:fld id="{699DC775-C286-4358-8C92-D7E584E969B3}" type="datetimeFigureOut">
               <a:rPr lang="en-US" smtClean="0"/>
-              <a:t>3/24/2016</a:t>
+              <a:t>3/27/2016</a:t>
             </a:fld>
             <a:endParaRPr lang="en-US"/>
           </a:p>
@@ -5200,7 +5200,7 @@
           <a:p>
             <a:fld id="{699DC775-C286-4358-8C92-D7E584E969B3}" type="datetimeFigureOut">
               <a:rPr lang="en-US" smtClean="0"/>
-              <a:t>3/24/2016</a:t>
+              <a:t>3/27/2016</a:t>
             </a:fld>
             <a:endParaRPr lang="en-US"/>
           </a:p>
@@ -5483,7 +5483,7 @@
           <a:p>
             <a:fld id="{699DC775-C286-4358-8C92-D7E584E969B3}" type="datetimeFigureOut">
               <a:rPr lang="en-US" smtClean="0"/>
-              <a:t>3/24/2016</a:t>
+              <a:t>3/27/2016</a:t>
             </a:fld>
             <a:endParaRPr lang="en-US"/>
           </a:p>
@@ -5743,7 +5743,7 @@
           <a:p>
             <a:fld id="{699DC775-C286-4358-8C92-D7E584E969B3}" type="datetimeFigureOut">
               <a:rPr lang="en-US" smtClean="0"/>
-              <a:t>3/24/2016</a:t>
+              <a:t>3/27/2016</a:t>
             </a:fld>
             <a:endParaRPr lang="en-US"/>
           </a:p>
@@ -5919,7 +5919,7 @@
           <a:p>
             <a:fld id="{699DC775-C286-4358-8C92-D7E584E969B3}" type="datetimeFigureOut">
               <a:rPr lang="en-US" smtClean="0"/>
-              <a:t>3/24/2016</a:t>
+              <a:t>3/27/2016</a:t>
             </a:fld>
             <a:endParaRPr lang="en-US"/>
           </a:p>
@@ -6105,7 +6105,7 @@
           <a:p>
             <a:fld id="{699DC775-C286-4358-8C92-D7E584E969B3}" type="datetimeFigureOut">
               <a:rPr lang="en-US" smtClean="0"/>
-              <a:t>3/24/2016</a:t>
+              <a:t>3/27/2016</a:t>
             </a:fld>
             <a:endParaRPr lang="en-US"/>
           </a:p>
@@ -6390,7 +6390,7 @@
           <a:p>
             <a:fld id="{699DC775-C286-4358-8C92-D7E584E969B3}" type="datetimeFigureOut">
               <a:rPr lang="en-US" smtClean="0"/>
-              <a:t>3/24/2016</a:t>
+              <a:t>3/27/2016</a:t>
             </a:fld>
             <a:endParaRPr lang="en-US"/>
           </a:p>
@@ -6809,7 +6809,7 @@
           <a:p>
             <a:fld id="{699DC775-C286-4358-8C92-D7E584E969B3}" type="datetimeFigureOut">
               <a:rPr lang="en-US" smtClean="0"/>
-              <a:t>3/24/2016</a:t>
+              <a:t>3/27/2016</a:t>
             </a:fld>
             <a:endParaRPr lang="en-US"/>
           </a:p>
@@ -6926,7 +6926,7 @@
           <a:p>
             <a:fld id="{699DC775-C286-4358-8C92-D7E584E969B3}" type="datetimeFigureOut">
               <a:rPr lang="en-US" smtClean="0"/>
-              <a:t>3/24/2016</a:t>
+              <a:t>3/27/2016</a:t>
             </a:fld>
             <a:endParaRPr lang="en-US"/>
           </a:p>
@@ -7021,7 +7021,7 @@
           <a:p>
             <a:fld id="{699DC775-C286-4358-8C92-D7E584E969B3}" type="datetimeFigureOut">
               <a:rPr lang="en-US" smtClean="0"/>
-              <a:t>3/24/2016</a:t>
+              <a:t>3/27/2016</a:t>
             </a:fld>
             <a:endParaRPr lang="en-US"/>
           </a:p>
@@ -7296,7 +7296,7 @@
           <a:p>
             <a:fld id="{699DC775-C286-4358-8C92-D7E584E969B3}" type="datetimeFigureOut">
               <a:rPr lang="en-US" smtClean="0"/>
-              <a:t>3/24/2016</a:t>
+              <a:t>3/27/2016</a:t>
             </a:fld>
             <a:endParaRPr lang="en-US"/>
           </a:p>
@@ -7548,7 +7548,7 @@
           <a:p>
             <a:fld id="{699DC775-C286-4358-8C92-D7E584E969B3}" type="datetimeFigureOut">
               <a:rPr lang="en-US" smtClean="0"/>
-              <a:t>3/24/2016</a:t>
+              <a:t>3/27/2016</a:t>
             </a:fld>
             <a:endParaRPr lang="en-US"/>
           </a:p>
@@ -7759,7 +7759,7 @@
           <a:p>
             <a:fld id="{699DC775-C286-4358-8C92-D7E584E969B3}" type="datetimeFigureOut">
               <a:rPr lang="en-US" smtClean="0"/>
-              <a:t>3/24/2016</a:t>
+              <a:t>3/27/2016</a:t>
             </a:fld>
             <a:endParaRPr lang="en-US"/>
           </a:p>
@@ -8272,7 +8272,7 @@
           <a:p>
             <a:fld id="{699DC775-C286-4358-8C92-D7E584E969B3}" type="datetimeFigureOut">
               <a:rPr lang="en-US" smtClean="0"/>
-              <a:t>3/24/2016</a:t>
+              <a:t>3/27/2016</a:t>
             </a:fld>
             <a:endParaRPr lang="en-US"/>
           </a:p>
@@ -8783,7 +8783,7 @@
           <a:p>
             <a:fld id="{699DC775-C286-4358-8C92-D7E584E969B3}" type="datetimeFigureOut">
               <a:rPr lang="en-US" smtClean="0"/>
-              <a:t>3/24/2016</a:t>
+              <a:t>3/27/2016</a:t>
             </a:fld>
             <a:endParaRPr lang="en-US"/>
           </a:p>
@@ -13084,50 +13084,168 @@
       </p:grpSpPr>
       <p:sp>
         <p:nvSpPr>
-          <p:cNvPr id="2" name="Title 1"/>
-          <p:cNvSpPr>
-            <a:spLocks noGrp="1"/>
-          </p:cNvSpPr>
-          <p:nvPr>
-            <p:ph type="title"/>
-          </p:nvPr>
-        </p:nvSpPr>
-        <p:spPr/>
-        <p:txBody>
-          <a:bodyPr/>
-          <a:lstStyle/>
-          <a:p>
-            <a:r>
-              <a:rPr lang="en-US" dirty="0"/>
-              <a:t>Align:: by Slide</a:t>
-            </a:r>
-            <a:endParaRPr lang="en-SG" dirty="0"/>
-          </a:p>
-        </p:txBody>
-      </p:sp>
-      <p:sp>
-        <p:nvSpPr>
-          <p:cNvPr id="3" name="Content Placeholder 2"/>
-          <p:cNvSpPr>
-            <a:spLocks noGrp="1"/>
-          </p:cNvSpPr>
-          <p:nvPr>
-            <p:ph idx="1"/>
-          </p:nvPr>
-        </p:nvSpPr>
-        <p:spPr/>
-        <p:txBody>
-          <a:bodyPr/>
-          <a:lstStyle/>
-          <a:p>
-            <a:endParaRPr lang="en-SG" dirty="0"/>
+          <p:cNvPr id="4" name="Rectangle 3"/>
+          <p:cNvSpPr/>
+          <p:nvPr/>
+        </p:nvSpPr>
+        <p:spPr>
+          <a:xfrm>
+            <a:off x="533400" y="533400"/>
+            <a:ext cx="1828800" cy="1219200"/>
+          </a:xfrm>
+          <a:prstGeom prst="rect">
+            <a:avLst/>
+          </a:prstGeom>
+        </p:spPr>
+        <p:style>
+          <a:lnRef idx="2">
+            <a:schemeClr val="accent1">
+              <a:shade val="50000"/>
+            </a:schemeClr>
+          </a:lnRef>
+          <a:fillRef idx="1">
+            <a:schemeClr val="accent1"/>
+          </a:fillRef>
+          <a:effectRef idx="0">
+            <a:schemeClr val="accent1"/>
+          </a:effectRef>
+          <a:fontRef idx="minor">
+            <a:schemeClr val="lt1"/>
+          </a:fontRef>
+        </p:style>
+        <p:txBody>
+          <a:bodyPr rtlCol="0" anchor="ctr"/>
+          <a:lstStyle/>
+          <a:p>
+            <a:pPr algn="ctr"/>
+            <a:endParaRPr lang="en-US"/>
+          </a:p>
+        </p:txBody>
+      </p:sp>
+      <p:sp>
+        <p:nvSpPr>
+          <p:cNvPr id="5" name="Oval 4"/>
+          <p:cNvSpPr/>
+          <p:nvPr/>
+        </p:nvSpPr>
+        <p:spPr>
+          <a:xfrm>
+            <a:off x="4431228" y="1284051"/>
+            <a:ext cx="1828800" cy="1828800"/>
+          </a:xfrm>
+          <a:prstGeom prst="ellipse">
+            <a:avLst/>
+          </a:prstGeom>
+        </p:spPr>
+        <p:style>
+          <a:lnRef idx="2">
+            <a:schemeClr val="accent1">
+              <a:shade val="50000"/>
+            </a:schemeClr>
+          </a:lnRef>
+          <a:fillRef idx="1">
+            <a:schemeClr val="accent1"/>
+          </a:fillRef>
+          <a:effectRef idx="0">
+            <a:schemeClr val="accent1"/>
+          </a:effectRef>
+          <a:fontRef idx="minor">
+            <a:schemeClr val="lt1"/>
+          </a:fontRef>
+        </p:style>
+        <p:txBody>
+          <a:bodyPr rtlCol="0" anchor="ctr"/>
+          <a:lstStyle/>
+          <a:p>
+            <a:pPr algn="ctr"/>
+            <a:endParaRPr lang="en-US"/>
+          </a:p>
+        </p:txBody>
+      </p:sp>
+      <p:sp>
+        <p:nvSpPr>
+          <p:cNvPr id="6" name="Right Arrow 5"/>
+          <p:cNvSpPr/>
+          <p:nvPr/>
+        </p:nvSpPr>
+        <p:spPr>
+          <a:xfrm rot="18000000">
+            <a:off x="5586387" y="3493892"/>
+            <a:ext cx="3581400" cy="1066800"/>
+          </a:xfrm>
+          <a:prstGeom prst="rightArrow">
+            <a:avLst/>
+          </a:prstGeom>
+        </p:spPr>
+        <p:style>
+          <a:lnRef idx="2">
+            <a:schemeClr val="accent1">
+              <a:shade val="50000"/>
+            </a:schemeClr>
+          </a:lnRef>
+          <a:fillRef idx="1">
+            <a:schemeClr val="accent1"/>
+          </a:fillRef>
+          <a:effectRef idx="0">
+            <a:schemeClr val="accent1"/>
+          </a:effectRef>
+          <a:fontRef idx="minor">
+            <a:schemeClr val="lt1"/>
+          </a:fontRef>
+        </p:style>
+        <p:txBody>
+          <a:bodyPr rtlCol="0" anchor="ctr"/>
+          <a:lstStyle/>
+          <a:p>
+            <a:pPr algn="ctr"/>
+            <a:endParaRPr lang="en-US"/>
+          </a:p>
+        </p:txBody>
+      </p:sp>
+      <p:sp>
+        <p:nvSpPr>
+          <p:cNvPr id="7" name="Rectangle 6"/>
+          <p:cNvSpPr/>
+          <p:nvPr/>
+        </p:nvSpPr>
+        <p:spPr>
+          <a:xfrm rot="18672083">
+            <a:off x="1975386" y="3604142"/>
+            <a:ext cx="1828800" cy="1219200"/>
+          </a:xfrm>
+          <a:prstGeom prst="rect">
+            <a:avLst/>
+          </a:prstGeom>
+        </p:spPr>
+        <p:style>
+          <a:lnRef idx="2">
+            <a:schemeClr val="accent1">
+              <a:shade val="50000"/>
+            </a:schemeClr>
+          </a:lnRef>
+          <a:fillRef idx="1">
+            <a:schemeClr val="accent1"/>
+          </a:fillRef>
+          <a:effectRef idx="0">
+            <a:schemeClr val="accent1"/>
+          </a:effectRef>
+          <a:fontRef idx="minor">
+            <a:schemeClr val="lt1"/>
+          </a:fontRef>
+        </p:style>
+        <p:txBody>
+          <a:bodyPr rtlCol="0" anchor="ctr"/>
+          <a:lstStyle/>
+          <a:p>
+            <a:pPr algn="ctr"/>
+            <a:endParaRPr lang="en-US"/>
           </a:p>
         </p:txBody>
       </p:sp>
     </p:spTree>
     <p:extLst>
       <p:ext uri="{BB962C8B-B14F-4D97-AF65-F5344CB8AC3E}">
-        <p14:creationId xmlns:p14="http://schemas.microsoft.com/office/powerpoint/2010/main" val="1286891872"/>
+        <p14:creationId xmlns:p14="http://schemas.microsoft.com/office/powerpoint/2010/main" val="3658852901"/>
       </p:ext>
     </p:extLst>
   </p:cSld>
@@ -14192,168 +14310,50 @@
       </p:grpSpPr>
       <p:sp>
         <p:nvSpPr>
-          <p:cNvPr id="4" name="Rectangle 3"/>
-          <p:cNvSpPr/>
-          <p:nvPr/>
-        </p:nvSpPr>
-        <p:spPr>
-          <a:xfrm>
-            <a:off x="533400" y="533400"/>
-            <a:ext cx="1828800" cy="1219200"/>
-          </a:xfrm>
-          <a:prstGeom prst="rect">
-            <a:avLst/>
-          </a:prstGeom>
-        </p:spPr>
-        <p:style>
-          <a:lnRef idx="2">
-            <a:schemeClr val="accent1">
-              <a:shade val="50000"/>
-            </a:schemeClr>
-          </a:lnRef>
-          <a:fillRef idx="1">
-            <a:schemeClr val="accent1"/>
-          </a:fillRef>
-          <a:effectRef idx="0">
-            <a:schemeClr val="accent1"/>
-          </a:effectRef>
-          <a:fontRef idx="minor">
-            <a:schemeClr val="lt1"/>
-          </a:fontRef>
-        </p:style>
-        <p:txBody>
-          <a:bodyPr rtlCol="0" anchor="ctr"/>
-          <a:lstStyle/>
-          <a:p>
-            <a:pPr algn="ctr"/>
-            <a:endParaRPr lang="en-US"/>
-          </a:p>
-        </p:txBody>
-      </p:sp>
-      <p:sp>
-        <p:nvSpPr>
-          <p:cNvPr id="5" name="Oval 4"/>
-          <p:cNvSpPr/>
-          <p:nvPr/>
-        </p:nvSpPr>
-        <p:spPr>
-          <a:xfrm>
-            <a:off x="4431228" y="1284051"/>
-            <a:ext cx="1828800" cy="1828800"/>
-          </a:xfrm>
-          <a:prstGeom prst="ellipse">
-            <a:avLst/>
-          </a:prstGeom>
-        </p:spPr>
-        <p:style>
-          <a:lnRef idx="2">
-            <a:schemeClr val="accent1">
-              <a:shade val="50000"/>
-            </a:schemeClr>
-          </a:lnRef>
-          <a:fillRef idx="1">
-            <a:schemeClr val="accent1"/>
-          </a:fillRef>
-          <a:effectRef idx="0">
-            <a:schemeClr val="accent1"/>
-          </a:effectRef>
-          <a:fontRef idx="minor">
-            <a:schemeClr val="lt1"/>
-          </a:fontRef>
-        </p:style>
-        <p:txBody>
-          <a:bodyPr rtlCol="0" anchor="ctr"/>
-          <a:lstStyle/>
-          <a:p>
-            <a:pPr algn="ctr"/>
-            <a:endParaRPr lang="en-US"/>
-          </a:p>
-        </p:txBody>
-      </p:sp>
-      <p:sp>
-        <p:nvSpPr>
-          <p:cNvPr id="6" name="Right Arrow 5"/>
-          <p:cNvSpPr/>
-          <p:nvPr/>
-        </p:nvSpPr>
-        <p:spPr>
-          <a:xfrm rot="18000000">
-            <a:off x="5586387" y="3493892"/>
-            <a:ext cx="3581400" cy="1066800"/>
-          </a:xfrm>
-          <a:prstGeom prst="rightArrow">
-            <a:avLst/>
-          </a:prstGeom>
-        </p:spPr>
-        <p:style>
-          <a:lnRef idx="2">
-            <a:schemeClr val="accent1">
-              <a:shade val="50000"/>
-            </a:schemeClr>
-          </a:lnRef>
-          <a:fillRef idx="1">
-            <a:schemeClr val="accent1"/>
-          </a:fillRef>
-          <a:effectRef idx="0">
-            <a:schemeClr val="accent1"/>
-          </a:effectRef>
-          <a:fontRef idx="minor">
-            <a:schemeClr val="lt1"/>
-          </a:fontRef>
-        </p:style>
-        <p:txBody>
-          <a:bodyPr rtlCol="0" anchor="ctr"/>
-          <a:lstStyle/>
-          <a:p>
-            <a:pPr algn="ctr"/>
-            <a:endParaRPr lang="en-US"/>
-          </a:p>
-        </p:txBody>
-      </p:sp>
-      <p:sp>
-        <p:nvSpPr>
-          <p:cNvPr id="7" name="Rectangle 6"/>
-          <p:cNvSpPr/>
-          <p:nvPr/>
-        </p:nvSpPr>
-        <p:spPr>
-          <a:xfrm rot="18672083">
-            <a:off x="1975386" y="3604142"/>
-            <a:ext cx="1828800" cy="1219200"/>
-          </a:xfrm>
-          <a:prstGeom prst="rect">
-            <a:avLst/>
-          </a:prstGeom>
-        </p:spPr>
-        <p:style>
-          <a:lnRef idx="2">
-            <a:schemeClr val="accent1">
-              <a:shade val="50000"/>
-            </a:schemeClr>
-          </a:lnRef>
-          <a:fillRef idx="1">
-            <a:schemeClr val="accent1"/>
-          </a:fillRef>
-          <a:effectRef idx="0">
-            <a:schemeClr val="accent1"/>
-          </a:effectRef>
-          <a:fontRef idx="minor">
-            <a:schemeClr val="lt1"/>
-          </a:fontRef>
-        </p:style>
-        <p:txBody>
-          <a:bodyPr rtlCol="0" anchor="ctr"/>
-          <a:lstStyle/>
-          <a:p>
-            <a:pPr algn="ctr"/>
-            <a:endParaRPr lang="en-US"/>
+          <p:cNvPr id="2" name="Title 1"/>
+          <p:cNvSpPr>
+            <a:spLocks noGrp="1"/>
+          </p:cNvSpPr>
+          <p:nvPr>
+            <p:ph type="title"/>
+          </p:nvPr>
+        </p:nvSpPr>
+        <p:spPr/>
+        <p:txBody>
+          <a:bodyPr/>
+          <a:lstStyle/>
+          <a:p>
+            <a:r>
+              <a:rPr lang="en-US" dirty="0"/>
+              <a:t>Align:: by Slide</a:t>
+            </a:r>
+            <a:endParaRPr lang="en-SG" dirty="0"/>
+          </a:p>
+        </p:txBody>
+      </p:sp>
+      <p:sp>
+        <p:nvSpPr>
+          <p:cNvPr id="3" name="Content Placeholder 2"/>
+          <p:cNvSpPr>
+            <a:spLocks noGrp="1"/>
+          </p:cNvSpPr>
+          <p:nvPr>
+            <p:ph idx="1"/>
+          </p:nvPr>
+        </p:nvSpPr>
+        <p:spPr/>
+        <p:txBody>
+          <a:bodyPr/>
+          <a:lstStyle/>
+          <a:p>
+            <a:endParaRPr lang="en-SG" dirty="0"/>
           </a:p>
         </p:txBody>
       </p:sp>
     </p:spTree>
     <p:extLst>
       <p:ext uri="{BB962C8B-B14F-4D97-AF65-F5344CB8AC3E}">
-        <p14:creationId xmlns:p14="http://schemas.microsoft.com/office/powerpoint/2010/main" val="3658852901"/>
+        <p14:creationId xmlns:p14="http://schemas.microsoft.com/office/powerpoint/2010/main" val="1286891872"/>
       </p:ext>
     </p:extLst>
   </p:cSld>

--- a/doc/test/PositionsLab/PositionsLabAlign.pptx
+++ b/doc/test/PositionsLab/PositionsLabAlign.pptx
@@ -41,7 +41,9 @@
     <p:sldId id="351" r:id="rId35"/>
     <p:sldId id="352" r:id="rId36"/>
     <p:sldId id="353" r:id="rId37"/>
-    <p:sldId id="274" r:id="rId38"/>
+    <p:sldId id="354" r:id="rId38"/>
+    <p:sldId id="355" r:id="rId39"/>
+    <p:sldId id="274" r:id="rId40"/>
   </p:sldIdLst>
   <p:sldSz cx="9144000" cy="6858000" type="screen4x3"/>
   <p:notesSz cx="6858000" cy="9144000"/>
@@ -183,6 +185,8 @@
             <p14:sldId id="351"/>
             <p14:sldId id="352"/>
             <p14:sldId id="353"/>
+            <p14:sldId id="354"/>
+            <p14:sldId id="355"/>
             <p14:sldId id="274"/>
           </p14:sldIdLst>
         </p14:section>
@@ -374,7 +378,7 @@
           <a:p>
             <a:fld id="{699DC775-C286-4358-8C92-D7E584E969B3}" type="datetimeFigureOut">
               <a:rPr lang="en-US" smtClean="0"/>
-              <a:t>3/27/2016</a:t>
+              <a:t>2016/08/26</a:t>
             </a:fld>
             <a:endParaRPr lang="en-US"/>
           </a:p>
@@ -542,7 +546,7 @@
           <a:p>
             <a:fld id="{699DC775-C286-4358-8C92-D7E584E969B3}" type="datetimeFigureOut">
               <a:rPr lang="en-US" smtClean="0"/>
-              <a:t>3/27/2016</a:t>
+              <a:t>2016/08/26</a:t>
             </a:fld>
             <a:endParaRPr lang="en-US"/>
           </a:p>
@@ -720,7 +724,7 @@
           <a:p>
             <a:fld id="{699DC775-C286-4358-8C92-D7E584E969B3}" type="datetimeFigureOut">
               <a:rPr lang="en-US" smtClean="0"/>
-              <a:t>3/27/2016</a:t>
+              <a:t>2016/08/26</a:t>
             </a:fld>
             <a:endParaRPr lang="en-US"/>
           </a:p>
@@ -960,7 +964,7 @@
           <a:p>
             <a:fld id="{699DC775-C286-4358-8C92-D7E584E969B3}" type="datetimeFigureOut">
               <a:rPr lang="en-US" smtClean="0"/>
-              <a:t>3/27/2016</a:t>
+              <a:t>2016/08/26</a:t>
             </a:fld>
             <a:endParaRPr lang="en-US"/>
           </a:p>
@@ -1128,7 +1132,7 @@
           <a:p>
             <a:fld id="{699DC775-C286-4358-8C92-D7E584E969B3}" type="datetimeFigureOut">
               <a:rPr lang="en-US" smtClean="0"/>
-              <a:t>3/27/2016</a:t>
+              <a:t>2016/08/26</a:t>
             </a:fld>
             <a:endParaRPr lang="en-US"/>
           </a:p>
@@ -1373,7 +1377,7 @@
           <a:p>
             <a:fld id="{699DC775-C286-4358-8C92-D7E584E969B3}" type="datetimeFigureOut">
               <a:rPr lang="en-US" smtClean="0"/>
-              <a:t>3/27/2016</a:t>
+              <a:t>2016/08/26</a:t>
             </a:fld>
             <a:endParaRPr lang="en-US"/>
           </a:p>
@@ -1658,7 +1662,7 @@
           <a:p>
             <a:fld id="{699DC775-C286-4358-8C92-D7E584E969B3}" type="datetimeFigureOut">
               <a:rPr lang="en-US" smtClean="0"/>
-              <a:t>3/27/2016</a:t>
+              <a:t>2016/08/26</a:t>
             </a:fld>
             <a:endParaRPr lang="en-US"/>
           </a:p>
@@ -2077,7 +2081,7 @@
           <a:p>
             <a:fld id="{699DC775-C286-4358-8C92-D7E584E969B3}" type="datetimeFigureOut">
               <a:rPr lang="en-US" smtClean="0"/>
-              <a:t>3/27/2016</a:t>
+              <a:t>2016/08/26</a:t>
             </a:fld>
             <a:endParaRPr lang="en-US"/>
           </a:p>
@@ -2194,7 +2198,7 @@
           <a:p>
             <a:fld id="{699DC775-C286-4358-8C92-D7E584E969B3}" type="datetimeFigureOut">
               <a:rPr lang="en-US" smtClean="0"/>
-              <a:t>3/27/2016</a:t>
+              <a:t>2016/08/26</a:t>
             </a:fld>
             <a:endParaRPr lang="en-US"/>
           </a:p>
@@ -2289,7 +2293,7 @@
           <a:p>
             <a:fld id="{699DC775-C286-4358-8C92-D7E584E969B3}" type="datetimeFigureOut">
               <a:rPr lang="en-US" smtClean="0"/>
-              <a:t>3/27/2016</a:t>
+              <a:t>2016/08/26</a:t>
             </a:fld>
             <a:endParaRPr lang="en-US"/>
           </a:p>
@@ -2564,7 +2568,7 @@
           <a:p>
             <a:fld id="{699DC775-C286-4358-8C92-D7E584E969B3}" type="datetimeFigureOut">
               <a:rPr lang="en-US" smtClean="0"/>
-              <a:t>3/27/2016</a:t>
+              <a:t>2016/08/26</a:t>
             </a:fld>
             <a:endParaRPr lang="en-US"/>
           </a:p>
@@ -2732,7 +2736,7 @@
           <a:p>
             <a:fld id="{699DC775-C286-4358-8C92-D7E584E969B3}" type="datetimeFigureOut">
               <a:rPr lang="en-US" smtClean="0"/>
-              <a:t>3/27/2016</a:t>
+              <a:t>2016/08/26</a:t>
             </a:fld>
             <a:endParaRPr lang="en-US"/>
           </a:p>
@@ -2984,7 +2988,7 @@
           <a:p>
             <a:fld id="{699DC775-C286-4358-8C92-D7E584E969B3}" type="datetimeFigureOut">
               <a:rPr lang="en-US" smtClean="0"/>
-              <a:t>3/27/2016</a:t>
+              <a:t>2016/08/26</a:t>
             </a:fld>
             <a:endParaRPr lang="en-US"/>
           </a:p>
@@ -3152,7 +3156,7 @@
           <a:p>
             <a:fld id="{699DC775-C286-4358-8C92-D7E584E969B3}" type="datetimeFigureOut">
               <a:rPr lang="en-US" smtClean="0"/>
-              <a:t>3/27/2016</a:t>
+              <a:t>2016/08/26</a:t>
             </a:fld>
             <a:endParaRPr lang="en-US"/>
           </a:p>
@@ -3330,7 +3334,7 @@
           <a:p>
             <a:fld id="{699DC775-C286-4358-8C92-D7E584E969B3}" type="datetimeFigureOut">
               <a:rPr lang="en-US" smtClean="0"/>
-              <a:t>3/27/2016</a:t>
+              <a:t>2016/08/26</a:t>
             </a:fld>
             <a:endParaRPr lang="en-US"/>
           </a:p>
@@ -3578,7 +3582,7 @@
           <a:p>
             <a:fld id="{699DC775-C286-4358-8C92-D7E584E969B3}" type="datetimeFigureOut">
               <a:rPr lang="en-US" smtClean="0"/>
-              <a:t>3/27/2016</a:t>
+              <a:t>2016/08/26</a:t>
             </a:fld>
             <a:endParaRPr lang="en-US"/>
           </a:p>
@@ -3754,7 +3758,7 @@
           <a:p>
             <a:fld id="{699DC775-C286-4358-8C92-D7E584E969B3}" type="datetimeFigureOut">
               <a:rPr lang="en-US" smtClean="0"/>
-              <a:t>3/27/2016</a:t>
+              <a:t>2016/08/26</a:t>
             </a:fld>
             <a:endParaRPr lang="en-US"/>
           </a:p>
@@ -4007,7 +4011,7 @@
           <a:p>
             <a:fld id="{699DC775-C286-4358-8C92-D7E584E969B3}" type="datetimeFigureOut">
               <a:rPr lang="en-US" smtClean="0"/>
-              <a:t>3/27/2016</a:t>
+              <a:t>2016/08/26</a:t>
             </a:fld>
             <a:endParaRPr lang="en-US"/>
           </a:p>
@@ -4300,7 +4304,7 @@
           <a:p>
             <a:fld id="{699DC775-C286-4358-8C92-D7E584E969B3}" type="datetimeFigureOut">
               <a:rPr lang="en-US" smtClean="0"/>
-              <a:t>3/27/2016</a:t>
+              <a:t>2016/08/26</a:t>
             </a:fld>
             <a:endParaRPr lang="en-US"/>
           </a:p>
@@ -4727,7 +4731,7 @@
           <a:p>
             <a:fld id="{699DC775-C286-4358-8C92-D7E584E969B3}" type="datetimeFigureOut">
               <a:rPr lang="en-US" smtClean="0"/>
-              <a:t>3/27/2016</a:t>
+              <a:t>2016/08/26</a:t>
             </a:fld>
             <a:endParaRPr lang="en-US"/>
           </a:p>
@@ -4852,7 +4856,7 @@
           <a:p>
             <a:fld id="{699DC775-C286-4358-8C92-D7E584E969B3}" type="datetimeFigureOut">
               <a:rPr lang="en-US" smtClean="0"/>
-              <a:t>3/27/2016</a:t>
+              <a:t>2016/08/26</a:t>
             </a:fld>
             <a:endParaRPr lang="en-US"/>
           </a:p>
@@ -4955,7 +4959,7 @@
           <a:p>
             <a:fld id="{699DC775-C286-4358-8C92-D7E584E969B3}" type="datetimeFigureOut">
               <a:rPr lang="en-US" smtClean="0"/>
-              <a:t>3/27/2016</a:t>
+              <a:t>2016/08/26</a:t>
             </a:fld>
             <a:endParaRPr lang="en-US"/>
           </a:p>
@@ -5200,7 +5204,7 @@
           <a:p>
             <a:fld id="{699DC775-C286-4358-8C92-D7E584E969B3}" type="datetimeFigureOut">
               <a:rPr lang="en-US" smtClean="0"/>
-              <a:t>3/27/2016</a:t>
+              <a:t>2016/08/26</a:t>
             </a:fld>
             <a:endParaRPr lang="en-US"/>
           </a:p>
@@ -5483,7 +5487,7 @@
           <a:p>
             <a:fld id="{699DC775-C286-4358-8C92-D7E584E969B3}" type="datetimeFigureOut">
               <a:rPr lang="en-US" smtClean="0"/>
-              <a:t>3/27/2016</a:t>
+              <a:t>2016/08/26</a:t>
             </a:fld>
             <a:endParaRPr lang="en-US"/>
           </a:p>
@@ -5743,7 +5747,7 @@
           <a:p>
             <a:fld id="{699DC775-C286-4358-8C92-D7E584E969B3}" type="datetimeFigureOut">
               <a:rPr lang="en-US" smtClean="0"/>
-              <a:t>3/27/2016</a:t>
+              <a:t>2016/08/26</a:t>
             </a:fld>
             <a:endParaRPr lang="en-US"/>
           </a:p>
@@ -5919,7 +5923,7 @@
           <a:p>
             <a:fld id="{699DC775-C286-4358-8C92-D7E584E969B3}" type="datetimeFigureOut">
               <a:rPr lang="en-US" smtClean="0"/>
-              <a:t>3/27/2016</a:t>
+              <a:t>2016/08/26</a:t>
             </a:fld>
             <a:endParaRPr lang="en-US"/>
           </a:p>
@@ -6105,7 +6109,7 @@
           <a:p>
             <a:fld id="{699DC775-C286-4358-8C92-D7E584E969B3}" type="datetimeFigureOut">
               <a:rPr lang="en-US" smtClean="0"/>
-              <a:t>3/27/2016</a:t>
+              <a:t>2016/08/26</a:t>
             </a:fld>
             <a:endParaRPr lang="en-US"/>
           </a:p>
@@ -6390,7 +6394,7 @@
           <a:p>
             <a:fld id="{699DC775-C286-4358-8C92-D7E584E969B3}" type="datetimeFigureOut">
               <a:rPr lang="en-US" smtClean="0"/>
-              <a:t>3/27/2016</a:t>
+              <a:t>2016/08/26</a:t>
             </a:fld>
             <a:endParaRPr lang="en-US"/>
           </a:p>
@@ -6809,7 +6813,7 @@
           <a:p>
             <a:fld id="{699DC775-C286-4358-8C92-D7E584E969B3}" type="datetimeFigureOut">
               <a:rPr lang="en-US" smtClean="0"/>
-              <a:t>3/27/2016</a:t>
+              <a:t>2016/08/26</a:t>
             </a:fld>
             <a:endParaRPr lang="en-US"/>
           </a:p>
@@ -6926,7 +6930,7 @@
           <a:p>
             <a:fld id="{699DC775-C286-4358-8C92-D7E584E969B3}" type="datetimeFigureOut">
               <a:rPr lang="en-US" smtClean="0"/>
-              <a:t>3/27/2016</a:t>
+              <a:t>2016/08/26</a:t>
             </a:fld>
             <a:endParaRPr lang="en-US"/>
           </a:p>
@@ -7021,7 +7025,7 @@
           <a:p>
             <a:fld id="{699DC775-C286-4358-8C92-D7E584E969B3}" type="datetimeFigureOut">
               <a:rPr lang="en-US" smtClean="0"/>
-              <a:t>3/27/2016</a:t>
+              <a:t>2016/08/26</a:t>
             </a:fld>
             <a:endParaRPr lang="en-US"/>
           </a:p>
@@ -7296,7 +7300,7 @@
           <a:p>
             <a:fld id="{699DC775-C286-4358-8C92-D7E584E969B3}" type="datetimeFigureOut">
               <a:rPr lang="en-US" smtClean="0"/>
-              <a:t>3/27/2016</a:t>
+              <a:t>2016/08/26</a:t>
             </a:fld>
             <a:endParaRPr lang="en-US"/>
           </a:p>
@@ -7548,7 +7552,7 @@
           <a:p>
             <a:fld id="{699DC775-C286-4358-8C92-D7E584E969B3}" type="datetimeFigureOut">
               <a:rPr lang="en-US" smtClean="0"/>
-              <a:t>3/27/2016</a:t>
+              <a:t>2016/08/26</a:t>
             </a:fld>
             <a:endParaRPr lang="en-US"/>
           </a:p>
@@ -7759,7 +7763,7 @@
           <a:p>
             <a:fld id="{699DC775-C286-4358-8C92-D7E584E969B3}" type="datetimeFigureOut">
               <a:rPr lang="en-US" smtClean="0"/>
-              <a:t>3/27/2016</a:t>
+              <a:t>2016/08/26</a:t>
             </a:fld>
             <a:endParaRPr lang="en-US"/>
           </a:p>
@@ -8272,7 +8276,7 @@
           <a:p>
             <a:fld id="{699DC775-C286-4358-8C92-D7E584E969B3}" type="datetimeFigureOut">
               <a:rPr lang="en-US" smtClean="0"/>
-              <a:t>3/27/2016</a:t>
+              <a:t>2016/08/26</a:t>
             </a:fld>
             <a:endParaRPr lang="en-US"/>
           </a:p>
@@ -8783,7 +8787,7 @@
           <a:p>
             <a:fld id="{699DC775-C286-4358-8C92-D7E584E969B3}" type="datetimeFigureOut">
               <a:rPr lang="en-US" smtClean="0"/>
-              <a:t>3/27/2016</a:t>
+              <a:t>2016/08/26</a:t>
             </a:fld>
             <a:endParaRPr lang="en-US"/>
           </a:p>
@@ -14206,6 +14210,272 @@
 </file>
 
 <file path=ppt/slides/slide35.xml><?xml version="1.0" encoding="utf-8"?>
+<p:sld xmlns:a="http://schemas.openxmlformats.org/drawingml/2006/main" xmlns:r="http://schemas.openxmlformats.org/officeDocument/2006/relationships" xmlns:p="http://schemas.openxmlformats.org/presentationml/2006/main">
+  <p:cSld>
+    <p:spTree>
+      <p:nvGrpSpPr>
+        <p:cNvPr id="1" name=""/>
+        <p:cNvGrpSpPr/>
+        <p:nvPr/>
+      </p:nvGrpSpPr>
+      <p:grpSpPr>
+        <a:xfrm>
+          <a:off x="0" y="0"/>
+          <a:ext cx="0" cy="0"/>
+          <a:chOff x="0" y="0"/>
+          <a:chExt cx="0" cy="0"/>
+        </a:xfrm>
+      </p:grpSpPr>
+      <p:sp>
+        <p:nvSpPr>
+          <p:cNvPr id="2" name="Title 1"/>
+          <p:cNvSpPr>
+            <a:spLocks noGrp="1"/>
+          </p:cNvSpPr>
+          <p:nvPr>
+            <p:ph type="title"/>
+          </p:nvPr>
+        </p:nvSpPr>
+        <p:spPr/>
+        <p:txBody>
+          <a:bodyPr/>
+          <a:lstStyle/>
+          <a:p>
+            <a:r>
+              <a:rPr lang="en-US" dirty="0"/>
+              <a:t>Align:: </a:t>
+            </a:r>
+            <a:r>
+              <a:rPr lang="en-US" dirty="0" smtClean="0"/>
+              <a:t>Radial</a:t>
+            </a:r>
+            <a:endParaRPr lang="en-SG" dirty="0"/>
+          </a:p>
+        </p:txBody>
+      </p:sp>
+      <p:sp>
+        <p:nvSpPr>
+          <p:cNvPr id="3" name="Content Placeholder 2"/>
+          <p:cNvSpPr>
+            <a:spLocks noGrp="1"/>
+          </p:cNvSpPr>
+          <p:nvPr>
+            <p:ph idx="1"/>
+          </p:nvPr>
+        </p:nvSpPr>
+        <p:spPr/>
+        <p:txBody>
+          <a:bodyPr/>
+          <a:lstStyle/>
+          <a:p>
+            <a:endParaRPr lang="en-US"/>
+          </a:p>
+        </p:txBody>
+      </p:sp>
+    </p:spTree>
+    <p:extLst>
+      <p:ext uri="{BB962C8B-B14F-4D97-AF65-F5344CB8AC3E}">
+        <p14:creationId xmlns:p14="http://schemas.microsoft.com/office/powerpoint/2010/main" val="2519556267"/>
+      </p:ext>
+    </p:extLst>
+  </p:cSld>
+  <p:clrMapOvr>
+    <a:masterClrMapping/>
+  </p:clrMapOvr>
+</p:sld>
+</file>
+
+<file path=ppt/slides/slide36.xml><?xml version="1.0" encoding="utf-8"?>
+<p:sld xmlns:a="http://schemas.openxmlformats.org/drawingml/2006/main" xmlns:r="http://schemas.openxmlformats.org/officeDocument/2006/relationships" xmlns:p="http://schemas.openxmlformats.org/presentationml/2006/main">
+  <p:cSld>
+    <p:spTree>
+      <p:nvGrpSpPr>
+        <p:cNvPr id="1" name=""/>
+        <p:cNvGrpSpPr/>
+        <p:nvPr/>
+      </p:nvGrpSpPr>
+      <p:grpSpPr>
+        <a:xfrm>
+          <a:off x="0" y="0"/>
+          <a:ext cx="0" cy="0"/>
+          <a:chOff x="0" y="0"/>
+          <a:chExt cx="0" cy="0"/>
+        </a:xfrm>
+      </p:grpSpPr>
+      <p:sp>
+        <p:nvSpPr>
+          <p:cNvPr id="4" name="Rectangle 3"/>
+          <p:cNvSpPr/>
+          <p:nvPr/>
+        </p:nvSpPr>
+        <p:spPr>
+          <a:xfrm>
+            <a:off x="533400" y="533400"/>
+            <a:ext cx="1828800" cy="1219200"/>
+          </a:xfrm>
+          <a:prstGeom prst="rect">
+            <a:avLst/>
+          </a:prstGeom>
+        </p:spPr>
+        <p:style>
+          <a:lnRef idx="2">
+            <a:schemeClr val="accent1">
+              <a:shade val="50000"/>
+            </a:schemeClr>
+          </a:lnRef>
+          <a:fillRef idx="1">
+            <a:schemeClr val="accent1"/>
+          </a:fillRef>
+          <a:effectRef idx="0">
+            <a:schemeClr val="accent1"/>
+          </a:effectRef>
+          <a:fontRef idx="minor">
+            <a:schemeClr val="lt1"/>
+          </a:fontRef>
+        </p:style>
+        <p:txBody>
+          <a:bodyPr rtlCol="0" anchor="ctr"/>
+          <a:lstStyle/>
+          <a:p>
+            <a:pPr algn="ctr"/>
+            <a:endParaRPr lang="en-US"/>
+          </a:p>
+        </p:txBody>
+      </p:sp>
+      <p:sp>
+        <p:nvSpPr>
+          <p:cNvPr id="5" name="Oval 4"/>
+          <p:cNvSpPr/>
+          <p:nvPr/>
+        </p:nvSpPr>
+        <p:spPr>
+          <a:xfrm>
+            <a:off x="4431228" y="1284051"/>
+            <a:ext cx="1828800" cy="1828800"/>
+          </a:xfrm>
+          <a:prstGeom prst="ellipse">
+            <a:avLst/>
+          </a:prstGeom>
+        </p:spPr>
+        <p:style>
+          <a:lnRef idx="2">
+            <a:schemeClr val="accent1">
+              <a:shade val="50000"/>
+            </a:schemeClr>
+          </a:lnRef>
+          <a:fillRef idx="1">
+            <a:schemeClr val="accent1"/>
+          </a:fillRef>
+          <a:effectRef idx="0">
+            <a:schemeClr val="accent1"/>
+          </a:effectRef>
+          <a:fontRef idx="minor">
+            <a:schemeClr val="lt1"/>
+          </a:fontRef>
+        </p:style>
+        <p:txBody>
+          <a:bodyPr rtlCol="0" anchor="ctr"/>
+          <a:lstStyle/>
+          <a:p>
+            <a:pPr algn="ctr"/>
+            <a:endParaRPr lang="en-US"/>
+          </a:p>
+        </p:txBody>
+      </p:sp>
+      <p:sp>
+        <p:nvSpPr>
+          <p:cNvPr id="6" name="Right Arrow 5"/>
+          <p:cNvSpPr/>
+          <p:nvPr/>
+        </p:nvSpPr>
+        <p:spPr>
+          <a:xfrm rot="18000000">
+            <a:off x="3288443" y="2376061"/>
+            <a:ext cx="3581400" cy="1066800"/>
+          </a:xfrm>
+          <a:prstGeom prst="rightArrow">
+            <a:avLst/>
+          </a:prstGeom>
+        </p:spPr>
+        <p:style>
+          <a:lnRef idx="2">
+            <a:schemeClr val="accent1">
+              <a:shade val="50000"/>
+            </a:schemeClr>
+          </a:lnRef>
+          <a:fillRef idx="1">
+            <a:schemeClr val="accent1"/>
+          </a:fillRef>
+          <a:effectRef idx="0">
+            <a:schemeClr val="accent1"/>
+          </a:effectRef>
+          <a:fontRef idx="minor">
+            <a:schemeClr val="lt1"/>
+          </a:fontRef>
+        </p:style>
+        <p:txBody>
+          <a:bodyPr rtlCol="0" anchor="ctr"/>
+          <a:lstStyle/>
+          <a:p>
+            <a:pPr algn="ctr"/>
+            <a:endParaRPr lang="en-US"/>
+          </a:p>
+        </p:txBody>
+      </p:sp>
+      <p:sp>
+        <p:nvSpPr>
+          <p:cNvPr id="7" name="Rectangle 6"/>
+          <p:cNvSpPr/>
+          <p:nvPr/>
+        </p:nvSpPr>
+        <p:spPr>
+          <a:xfrm rot="18672083">
+            <a:off x="2249861" y="4188643"/>
+            <a:ext cx="1828800" cy="1219200"/>
+          </a:xfrm>
+          <a:prstGeom prst="rect">
+            <a:avLst/>
+          </a:prstGeom>
+        </p:spPr>
+        <p:style>
+          <a:lnRef idx="2">
+            <a:schemeClr val="accent1">
+              <a:shade val="50000"/>
+            </a:schemeClr>
+          </a:lnRef>
+          <a:fillRef idx="1">
+            <a:schemeClr val="accent1"/>
+          </a:fillRef>
+          <a:effectRef idx="0">
+            <a:schemeClr val="accent1"/>
+          </a:effectRef>
+          <a:fontRef idx="minor">
+            <a:schemeClr val="lt1"/>
+          </a:fontRef>
+        </p:style>
+        <p:txBody>
+          <a:bodyPr rtlCol="0" anchor="ctr"/>
+          <a:lstStyle/>
+          <a:p>
+            <a:pPr algn="ctr"/>
+            <a:endParaRPr lang="en-US"/>
+          </a:p>
+        </p:txBody>
+      </p:sp>
+    </p:spTree>
+    <p:extLst>
+      <p:ext uri="{BB962C8B-B14F-4D97-AF65-F5344CB8AC3E}">
+        <p14:creationId xmlns:p14="http://schemas.microsoft.com/office/powerpoint/2010/main" val="2024197020"/>
+      </p:ext>
+    </p:extLst>
+  </p:cSld>
+  <p:clrMapOvr>
+    <a:masterClrMapping/>
+  </p:clrMapOvr>
+</p:sld>
+</file>
+
+<file path=ppt/slides/slide37.xml><?xml version="1.0" encoding="utf-8"?>
 <p:sld xmlns:a="http://schemas.openxmlformats.org/drawingml/2006/main" xmlns:r="http://schemas.openxmlformats.org/officeDocument/2006/relationships" xmlns:p="http://schemas.openxmlformats.org/presentationml/2006/main" show="0">
   <p:cSld name="PPAck201403240026082737">
     <p:spTree>
